--- a/docs/images/components.pptx
+++ b/docs/images/components.pptx
@@ -104,6 +104,11 @@
       </a:defRPr>
     </a:lvl9pPr>
   </p:defaultTextStyle>
+  <p:extLst>
+    <p:ext uri="{EFAFB233-063F-42B5-8137-9DF3F51BA10A}">
+      <p15:sldGuideLst xmlns:p15="http://schemas.microsoft.com/office/powerpoint/2012/main"/>
+    </p:ext>
+  </p:extLst>
 </p:presentation>
 </file>
 
@@ -256,7 +261,7 @@
           <a:p>
             <a:fld id="{19645D8C-4EAC-A548-94DE-127F8D402EB2}" type="datetimeFigureOut">
               <a:rPr lang="en-US" smtClean="0"/>
-              <a:t>2/17/21</a:t>
+              <a:t>2/25/21</a:t>
             </a:fld>
             <a:endParaRPr lang="en-US"/>
           </a:p>
@@ -431,7 +436,7 @@
           <a:p>
             <a:fld id="{19645D8C-4EAC-A548-94DE-127F8D402EB2}" type="datetimeFigureOut">
               <a:rPr lang="en-US" smtClean="0"/>
-              <a:t>2/17/21</a:t>
+              <a:t>2/25/21</a:t>
             </a:fld>
             <a:endParaRPr lang="en-US"/>
           </a:p>
@@ -616,7 +621,7 @@
           <a:p>
             <a:fld id="{19645D8C-4EAC-A548-94DE-127F8D402EB2}" type="datetimeFigureOut">
               <a:rPr lang="en-US" smtClean="0"/>
-              <a:t>2/17/21</a:t>
+              <a:t>2/25/21</a:t>
             </a:fld>
             <a:endParaRPr lang="en-US"/>
           </a:p>
@@ -791,7 +796,7 @@
           <a:p>
             <a:fld id="{19645D8C-4EAC-A548-94DE-127F8D402EB2}" type="datetimeFigureOut">
               <a:rPr lang="en-US" smtClean="0"/>
-              <a:t>2/17/21</a:t>
+              <a:t>2/25/21</a:t>
             </a:fld>
             <a:endParaRPr lang="en-US"/>
           </a:p>
@@ -1071,7 +1076,7 @@
           <a:p>
             <a:fld id="{19645D8C-4EAC-A548-94DE-127F8D402EB2}" type="datetimeFigureOut">
               <a:rPr lang="en-US" smtClean="0"/>
-              <a:t>2/17/21</a:t>
+              <a:t>2/25/21</a:t>
             </a:fld>
             <a:endParaRPr lang="en-US"/>
           </a:p>
@@ -1289,7 +1294,7 @@
           <a:p>
             <a:fld id="{19645D8C-4EAC-A548-94DE-127F8D402EB2}" type="datetimeFigureOut">
               <a:rPr lang="en-US" smtClean="0"/>
-              <a:t>2/17/21</a:t>
+              <a:t>2/25/21</a:t>
             </a:fld>
             <a:endParaRPr lang="en-US"/>
           </a:p>
@@ -1662,7 +1667,7 @@
           <a:p>
             <a:fld id="{19645D8C-4EAC-A548-94DE-127F8D402EB2}" type="datetimeFigureOut">
               <a:rPr lang="en-US" smtClean="0"/>
-              <a:t>2/17/21</a:t>
+              <a:t>2/25/21</a:t>
             </a:fld>
             <a:endParaRPr lang="en-US"/>
           </a:p>
@@ -1804,7 +1809,7 @@
           <a:p>
             <a:fld id="{19645D8C-4EAC-A548-94DE-127F8D402EB2}" type="datetimeFigureOut">
               <a:rPr lang="en-US" smtClean="0"/>
-              <a:t>2/17/21</a:t>
+              <a:t>2/25/21</a:t>
             </a:fld>
             <a:endParaRPr lang="en-US"/>
           </a:p>
@@ -1917,7 +1922,7 @@
           <a:p>
             <a:fld id="{19645D8C-4EAC-A548-94DE-127F8D402EB2}" type="datetimeFigureOut">
               <a:rPr lang="en-US" smtClean="0"/>
-              <a:t>2/17/21</a:t>
+              <a:t>2/25/21</a:t>
             </a:fld>
             <a:endParaRPr lang="en-US"/>
           </a:p>
@@ -2209,7 +2214,7 @@
           <a:p>
             <a:fld id="{19645D8C-4EAC-A548-94DE-127F8D402EB2}" type="datetimeFigureOut">
               <a:rPr lang="en-US" smtClean="0"/>
-              <a:t>2/17/21</a:t>
+              <a:t>2/25/21</a:t>
             </a:fld>
             <a:endParaRPr lang="en-US"/>
           </a:p>
@@ -2502,7 +2507,7 @@
           <a:p>
             <a:fld id="{19645D8C-4EAC-A548-94DE-127F8D402EB2}" type="datetimeFigureOut">
               <a:rPr lang="en-US" smtClean="0"/>
-              <a:t>2/17/21</a:t>
+              <a:t>2/25/21</a:t>
             </a:fld>
             <a:endParaRPr lang="en-US"/>
           </a:p>
@@ -2720,7 +2725,7 @@
           <a:p>
             <a:fld id="{19645D8C-4EAC-A548-94DE-127F8D402EB2}" type="datetimeFigureOut">
               <a:rPr lang="en-US" smtClean="0"/>
-              <a:t>2/17/21</a:t>
+              <a:t>2/25/21</a:t>
             </a:fld>
             <a:endParaRPr lang="en-US"/>
           </a:p>
@@ -3294,7 +3299,7 @@
         <p:grpSpPr>
           <a:xfrm>
             <a:off x="47163" y="1489468"/>
-            <a:ext cx="10189523" cy="626882"/>
+            <a:ext cx="11948619" cy="626882"/>
             <a:chOff x="2974656" y="3109269"/>
             <a:chExt cx="2032657" cy="626882"/>
           </a:xfrm>
@@ -4715,7 +4720,7 @@
         </p:nvGrpSpPr>
         <p:grpSpPr>
           <a:xfrm>
-            <a:off x="5999311" y="3076309"/>
+            <a:off x="7927690" y="3076309"/>
             <a:ext cx="2003162" cy="1327775"/>
             <a:chOff x="2974656" y="2959163"/>
             <a:chExt cx="2032657" cy="776988"/>
@@ -4857,7 +4862,7 @@
         </p:nvGrpSpPr>
         <p:grpSpPr>
           <a:xfrm>
-            <a:off x="6101717" y="4164226"/>
+            <a:off x="8030096" y="4164226"/>
             <a:ext cx="1807161" cy="796371"/>
             <a:chOff x="2593854" y="4310634"/>
             <a:chExt cx="2039796" cy="917663"/>
@@ -5123,7 +5128,7 @@
         </p:nvGrpSpPr>
         <p:grpSpPr>
           <a:xfrm>
-            <a:off x="8233523" y="3076309"/>
+            <a:off x="9992620" y="3076305"/>
             <a:ext cx="2003162" cy="1327775"/>
             <a:chOff x="2974656" y="2959163"/>
             <a:chExt cx="2032657" cy="776988"/>
@@ -5161,6 +5166,7 @@
               <a:solidFill>
                 <a:schemeClr val="tx1"/>
               </a:solidFill>
+              <a:prstDash val="sysDash"/>
             </a:ln>
           </p:spPr>
           <p:style>
@@ -5231,7 +5237,7 @@
                     </a:schemeClr>
                   </a:solidFill>
                 </a:rPr>
-                <a:t>Pattern Atlas</a:t>
+                <a:t>PatternAtlas</a:t>
               </a:r>
             </a:p>
             <a:p>
@@ -5265,7 +5271,7 @@
         </p:nvGrpSpPr>
         <p:grpSpPr>
           <a:xfrm>
-            <a:off x="8335929" y="4164226"/>
+            <a:off x="10095026" y="4164222"/>
             <a:ext cx="1807161" cy="796371"/>
             <a:chOff x="2593854" y="4310634"/>
             <a:chExt cx="2039796" cy="917663"/>
@@ -5306,6 +5312,7 @@
                   <a:lumOff val="5000"/>
                 </a:schemeClr>
               </a:solidFill>
+              <a:prstDash val="sysDash"/>
             </a:ln>
           </p:spPr>
           <p:style>
@@ -5833,7 +5840,7 @@
         </p:nvGrpSpPr>
         <p:grpSpPr>
           <a:xfrm>
-            <a:off x="6256161" y="2959344"/>
+            <a:off x="8184540" y="2959344"/>
             <a:ext cx="1499699" cy="340519"/>
             <a:chOff x="2974656" y="2949166"/>
             <a:chExt cx="2032657" cy="826642"/>
@@ -5961,7 +5968,7 @@
         </p:nvGrpSpPr>
         <p:grpSpPr>
           <a:xfrm>
-            <a:off x="8481570" y="2944157"/>
+            <a:off x="10240667" y="2944153"/>
             <a:ext cx="1499699" cy="340519"/>
             <a:chOff x="2974656" y="2949166"/>
             <a:chExt cx="2032657" cy="826642"/>
@@ -6434,7 +6441,7 @@
         </p:nvCxnSpPr>
         <p:spPr>
           <a:xfrm>
-            <a:off x="7000890" y="2131970"/>
+            <a:off x="8929269" y="2131970"/>
             <a:ext cx="0" cy="827368"/>
           </a:xfrm>
           <a:prstGeom prst="straightConnector1">
@@ -6480,7 +6487,7 @@
         </p:nvCxnSpPr>
         <p:spPr>
           <a:xfrm>
-            <a:off x="9218162" y="2125611"/>
+            <a:off x="10977259" y="2125607"/>
             <a:ext cx="0" cy="818540"/>
           </a:xfrm>
           <a:prstGeom prst="straightConnector1">
@@ -6491,6 +6498,574 @@
               <a:schemeClr val="tx1"/>
             </a:solidFill>
             <a:headEnd type="none" w="lg" len="med"/>
+            <a:tailEnd type="triangle" w="lg" len="med"/>
+          </a:ln>
+        </p:spPr>
+        <p:style>
+          <a:lnRef idx="1">
+            <a:schemeClr val="accent1"/>
+          </a:lnRef>
+          <a:fillRef idx="0">
+            <a:schemeClr val="accent1"/>
+          </a:fillRef>
+          <a:effectRef idx="0">
+            <a:schemeClr val="accent1"/>
+          </a:effectRef>
+          <a:fontRef idx="minor">
+            <a:schemeClr val="tx1"/>
+          </a:fontRef>
+        </p:style>
+      </p:cxnSp>
+      <p:grpSp>
+        <p:nvGrpSpPr>
+          <p:cNvPr id="93" name="Gruppieren 92">
+            <a:extLst>
+              <a:ext uri="{FF2B5EF4-FFF2-40B4-BE49-F238E27FC236}">
+                <a16:creationId xmlns:a16="http://schemas.microsoft.com/office/drawing/2014/main" id="{5C42A964-9B10-B64B-A983-34D0E8935F3F}"/>
+              </a:ext>
+            </a:extLst>
+          </p:cNvPr>
+          <p:cNvGrpSpPr/>
+          <p:nvPr/>
+        </p:nvGrpSpPr>
+        <p:grpSpPr>
+          <a:xfrm>
+            <a:off x="5699268" y="3071326"/>
+            <a:ext cx="2296340" cy="1327775"/>
+            <a:chOff x="2825909" y="2959163"/>
+            <a:chExt cx="2330152" cy="776988"/>
+          </a:xfrm>
+          <a:solidFill>
+            <a:schemeClr val="bg1">
+              <a:lumMod val="95000"/>
+            </a:schemeClr>
+          </a:solidFill>
+        </p:grpSpPr>
+        <p:sp>
+          <p:nvSpPr>
+            <p:cNvPr id="94" name="Abgerundetes Rechteck 93">
+              <a:extLst>
+                <a:ext uri="{FF2B5EF4-FFF2-40B4-BE49-F238E27FC236}">
+                  <a16:creationId xmlns:a16="http://schemas.microsoft.com/office/drawing/2014/main" id="{ECA236C0-1A62-5C45-9423-B86A650FC8EF}"/>
+                </a:ext>
+              </a:extLst>
+            </p:cNvPr>
+            <p:cNvSpPr/>
+            <p:nvPr/>
+          </p:nvSpPr>
+          <p:spPr>
+            <a:xfrm>
+              <a:off x="2974656" y="2959163"/>
+              <a:ext cx="2032657" cy="776988"/>
+            </a:xfrm>
+            <a:prstGeom prst="roundRect">
+              <a:avLst>
+                <a:gd name="adj" fmla="val 4496"/>
+              </a:avLst>
+            </a:prstGeom>
+            <a:grpFill/>
+            <a:ln w="19050">
+              <a:solidFill>
+                <a:schemeClr val="tx1"/>
+              </a:solidFill>
+            </a:ln>
+          </p:spPr>
+          <p:style>
+            <a:lnRef idx="2">
+              <a:schemeClr val="accent1">
+                <a:shade val="50000"/>
+              </a:schemeClr>
+            </a:lnRef>
+            <a:fillRef idx="1">
+              <a:schemeClr val="accent1"/>
+            </a:fillRef>
+            <a:effectRef idx="0">
+              <a:schemeClr val="accent1"/>
+            </a:effectRef>
+            <a:fontRef idx="minor">
+              <a:schemeClr val="lt1"/>
+            </a:fontRef>
+          </p:style>
+          <p:txBody>
+            <a:bodyPr rot="0" spcFirstLastPara="0" vertOverflow="overflow" horzOverflow="overflow" vert="horz" wrap="square" lIns="91440" tIns="45720" rIns="91440" bIns="45720" numCol="1" spcCol="0" rtlCol="0" fromWordArt="0" anchor="ctr" anchorCtr="0" forceAA="0" compatLnSpc="1">
+              <a:prstTxWarp prst="textNoShape">
+                <a:avLst/>
+              </a:prstTxWarp>
+              <a:noAutofit/>
+            </a:bodyPr>
+            <a:lstStyle/>
+            <a:p>
+              <a:pPr algn="ctr"/>
+              <a:endParaRPr lang="en-US"/>
+            </a:p>
+          </p:txBody>
+        </p:sp>
+        <p:sp>
+          <p:nvSpPr>
+            <p:cNvPr id="101" name="Textfeld 100">
+              <a:extLst>
+                <a:ext uri="{FF2B5EF4-FFF2-40B4-BE49-F238E27FC236}">
+                  <a16:creationId xmlns:a16="http://schemas.microsoft.com/office/drawing/2014/main" id="{5AC3C5DB-AB01-5640-94E2-D4F3A4A341AE}"/>
+                </a:ext>
+              </a:extLst>
+            </p:cNvPr>
+            <p:cNvSpPr txBox="1"/>
+            <p:nvPr/>
+          </p:nvSpPr>
+          <p:spPr>
+            <a:xfrm>
+              <a:off x="2825909" y="3170709"/>
+              <a:ext cx="2330152" cy="358677"/>
+            </a:xfrm>
+            <a:prstGeom prst="roundRect">
+              <a:avLst/>
+            </a:prstGeom>
+            <a:noFill/>
+          </p:spPr>
+          <p:txBody>
+            <a:bodyPr wrap="square" rtlCol="0">
+              <a:spAutoFit/>
+            </a:bodyPr>
+            <a:lstStyle/>
+            <a:p>
+              <a:pPr algn="ctr"/>
+              <a:r>
+                <a:rPr lang="en-US" noProof="1">
+                  <a:solidFill>
+                    <a:schemeClr val="tx1">
+                      <a:lumMod val="95000"/>
+                      <a:lumOff val="5000"/>
+                    </a:schemeClr>
+                  </a:solidFill>
+                </a:rPr>
+                <a:t>Circuit Transformer</a:t>
+              </a:r>
+            </a:p>
+            <a:p>
+              <a:pPr algn="ctr"/>
+              <a:r>
+                <a:rPr lang="en-US" sz="1200" noProof="1">
+                  <a:solidFill>
+                    <a:schemeClr val="tx1">
+                      <a:lumMod val="95000"/>
+                      <a:lumOff val="5000"/>
+                    </a:schemeClr>
+                  </a:solidFill>
+                </a:rPr>
+                <a:t>Flask</a:t>
+              </a:r>
+            </a:p>
+          </p:txBody>
+        </p:sp>
+      </p:grpSp>
+      <p:grpSp>
+        <p:nvGrpSpPr>
+          <p:cNvPr id="102" name="Gruppieren 101">
+            <a:extLst>
+              <a:ext uri="{FF2B5EF4-FFF2-40B4-BE49-F238E27FC236}">
+                <a16:creationId xmlns:a16="http://schemas.microsoft.com/office/drawing/2014/main" id="{53A1400F-6F19-1845-990A-9327873E8115}"/>
+              </a:ext>
+            </a:extLst>
+          </p:cNvPr>
+          <p:cNvGrpSpPr/>
+          <p:nvPr/>
+        </p:nvGrpSpPr>
+        <p:grpSpPr>
+          <a:xfrm>
+            <a:off x="5948263" y="4159243"/>
+            <a:ext cx="1807161" cy="796371"/>
+            <a:chOff x="2593854" y="4310634"/>
+            <a:chExt cx="2039796" cy="917663"/>
+          </a:xfrm>
+          <a:solidFill>
+            <a:schemeClr val="bg1">
+              <a:lumMod val="75000"/>
+            </a:schemeClr>
+          </a:solidFill>
+        </p:grpSpPr>
+        <p:sp>
+          <p:nvSpPr>
+            <p:cNvPr id="103" name="Zylinder 102">
+              <a:extLst>
+                <a:ext uri="{FF2B5EF4-FFF2-40B4-BE49-F238E27FC236}">
+                  <a16:creationId xmlns:a16="http://schemas.microsoft.com/office/drawing/2014/main" id="{E5290692-8A32-FA48-8769-CC1521AA8E2F}"/>
+                </a:ext>
+              </a:extLst>
+            </p:cNvPr>
+            <p:cNvSpPr/>
+            <p:nvPr/>
+          </p:nvSpPr>
+          <p:spPr>
+            <a:xfrm>
+              <a:off x="2593854" y="4310634"/>
+              <a:ext cx="2039796" cy="917663"/>
+            </a:xfrm>
+            <a:prstGeom prst="can">
+              <a:avLst>
+                <a:gd name="adj" fmla="val 21079"/>
+              </a:avLst>
+            </a:prstGeom>
+            <a:grpFill/>
+            <a:ln w="19050">
+              <a:solidFill>
+                <a:schemeClr val="tx1">
+                  <a:lumMod val="95000"/>
+                  <a:lumOff val="5000"/>
+                </a:schemeClr>
+              </a:solidFill>
+            </a:ln>
+          </p:spPr>
+          <p:style>
+            <a:lnRef idx="2">
+              <a:schemeClr val="accent1">
+                <a:shade val="50000"/>
+              </a:schemeClr>
+            </a:lnRef>
+            <a:fillRef idx="1">
+              <a:schemeClr val="accent1"/>
+            </a:fillRef>
+            <a:effectRef idx="0">
+              <a:schemeClr val="accent1"/>
+            </a:effectRef>
+            <a:fontRef idx="minor">
+              <a:schemeClr val="lt1"/>
+            </a:fontRef>
+          </p:style>
+          <p:txBody>
+            <a:bodyPr rtlCol="0" anchor="ctr"/>
+            <a:lstStyle/>
+            <a:p>
+              <a:pPr algn="ctr"/>
+              <a:endParaRPr lang="en-US" sz="800" noProof="1">
+                <a:solidFill>
+                  <a:schemeClr val="tx2">
+                    <a:lumMod val="50000"/>
+                  </a:schemeClr>
+                </a:solidFill>
+              </a:endParaRPr>
+            </a:p>
+            <a:p>
+              <a:pPr algn="ctr"/>
+              <a:endParaRPr lang="en-US" sz="800" noProof="1">
+                <a:solidFill>
+                  <a:schemeClr val="tx2">
+                    <a:lumMod val="50000"/>
+                  </a:schemeClr>
+                </a:solidFill>
+              </a:endParaRPr>
+            </a:p>
+            <a:p>
+              <a:pPr algn="ctr"/>
+              <a:endParaRPr lang="en-US" sz="800" noProof="1">
+                <a:solidFill>
+                  <a:schemeClr val="tx2">
+                    <a:lumMod val="50000"/>
+                  </a:schemeClr>
+                </a:solidFill>
+              </a:endParaRPr>
+            </a:p>
+            <a:p>
+              <a:pPr algn="ctr"/>
+              <a:endParaRPr lang="en-US" sz="800" noProof="1">
+                <a:solidFill>
+                  <a:schemeClr val="tx2">
+                    <a:lumMod val="50000"/>
+                  </a:schemeClr>
+                </a:solidFill>
+              </a:endParaRPr>
+            </a:p>
+            <a:p>
+              <a:pPr algn="ctr"/>
+              <a:endParaRPr lang="en-US" sz="800" noProof="1">
+                <a:solidFill>
+                  <a:schemeClr val="tx2">
+                    <a:lumMod val="50000"/>
+                  </a:schemeClr>
+                </a:solidFill>
+              </a:endParaRPr>
+            </a:p>
+            <a:p>
+              <a:pPr algn="ctr"/>
+              <a:endParaRPr lang="en-US" sz="800" noProof="1">
+                <a:solidFill>
+                  <a:schemeClr val="tx2">
+                    <a:lumMod val="50000"/>
+                  </a:schemeClr>
+                </a:solidFill>
+              </a:endParaRPr>
+            </a:p>
+            <a:p>
+              <a:pPr algn="ctr"/>
+              <a:endParaRPr lang="en-US" sz="800" noProof="1">
+                <a:solidFill>
+                  <a:schemeClr val="tx2">
+                    <a:lumMod val="50000"/>
+                  </a:schemeClr>
+                </a:solidFill>
+              </a:endParaRPr>
+            </a:p>
+            <a:p>
+              <a:pPr algn="ctr"/>
+              <a:endParaRPr lang="en-US" sz="800" noProof="1">
+                <a:solidFill>
+                  <a:schemeClr val="tx2">
+                    <a:lumMod val="50000"/>
+                  </a:schemeClr>
+                </a:solidFill>
+              </a:endParaRPr>
+            </a:p>
+            <a:p>
+              <a:pPr algn="ctr"/>
+              <a:endParaRPr lang="en-US" sz="800" noProof="1">
+                <a:solidFill>
+                  <a:schemeClr val="tx2">
+                    <a:lumMod val="50000"/>
+                  </a:schemeClr>
+                </a:solidFill>
+              </a:endParaRPr>
+            </a:p>
+            <a:p>
+              <a:pPr algn="ctr"/>
+              <a:endParaRPr lang="en-US" sz="800" noProof="1">
+                <a:solidFill>
+                  <a:schemeClr val="tx2">
+                    <a:lumMod val="50000"/>
+                  </a:schemeClr>
+                </a:solidFill>
+              </a:endParaRPr>
+            </a:p>
+            <a:p>
+              <a:pPr algn="ctr"/>
+              <a:endParaRPr lang="en-US" sz="800" noProof="1">
+                <a:solidFill>
+                  <a:schemeClr val="tx2">
+                    <a:lumMod val="50000"/>
+                  </a:schemeClr>
+                </a:solidFill>
+              </a:endParaRPr>
+            </a:p>
+            <a:p>
+              <a:pPr algn="ctr"/>
+              <a:endParaRPr lang="en-US" sz="800" noProof="1">
+                <a:solidFill>
+                  <a:schemeClr val="tx2">
+                    <a:lumMod val="50000"/>
+                  </a:schemeClr>
+                </a:solidFill>
+              </a:endParaRPr>
+            </a:p>
+            <a:p>
+              <a:pPr algn="ctr"/>
+              <a:endParaRPr lang="en-US" sz="800" noProof="1">
+                <a:solidFill>
+                  <a:schemeClr val="tx2">
+                    <a:lumMod val="50000"/>
+                  </a:schemeClr>
+                </a:solidFill>
+              </a:endParaRPr>
+            </a:p>
+          </p:txBody>
+        </p:sp>
+        <p:sp>
+          <p:nvSpPr>
+            <p:cNvPr id="110" name="Textfeld 109">
+              <a:extLst>
+                <a:ext uri="{FF2B5EF4-FFF2-40B4-BE49-F238E27FC236}">
+                  <a16:creationId xmlns:a16="http://schemas.microsoft.com/office/drawing/2014/main" id="{F18D1183-01D0-034B-8DE8-D26F1F82BF13}"/>
+                </a:ext>
+              </a:extLst>
+            </p:cNvPr>
+            <p:cNvSpPr txBox="1"/>
+            <p:nvPr/>
+          </p:nvSpPr>
+          <p:spPr>
+            <a:xfrm>
+              <a:off x="2656536" y="4587024"/>
+              <a:ext cx="1954191" cy="470859"/>
+            </a:xfrm>
+            <a:prstGeom prst="roundRect">
+              <a:avLst/>
+            </a:prstGeom>
+            <a:noFill/>
+          </p:spPr>
+          <p:txBody>
+            <a:bodyPr wrap="square" rtlCol="0">
+              <a:spAutoFit/>
+            </a:bodyPr>
+            <a:lstStyle/>
+            <a:p>
+              <a:pPr algn="ctr"/>
+              <a:r>
+                <a:rPr lang="en-US" noProof="1">
+                  <a:solidFill>
+                    <a:schemeClr val="tx1">
+                      <a:lumMod val="95000"/>
+                      <a:lumOff val="5000"/>
+                    </a:schemeClr>
+                  </a:solidFill>
+                </a:rPr>
+                <a:t>Gate Mappings</a:t>
+              </a:r>
+            </a:p>
+          </p:txBody>
+        </p:sp>
+      </p:grpSp>
+      <p:grpSp>
+        <p:nvGrpSpPr>
+          <p:cNvPr id="112" name="Gruppieren 111">
+            <a:extLst>
+              <a:ext uri="{FF2B5EF4-FFF2-40B4-BE49-F238E27FC236}">
+                <a16:creationId xmlns:a16="http://schemas.microsoft.com/office/drawing/2014/main" id="{0E836C74-D107-ED40-9DC0-70E2E5BE865A}"/>
+              </a:ext>
+            </a:extLst>
+          </p:cNvPr>
+          <p:cNvGrpSpPr/>
+          <p:nvPr/>
+        </p:nvGrpSpPr>
+        <p:grpSpPr>
+          <a:xfrm>
+            <a:off x="6119608" y="2945281"/>
+            <a:ext cx="1499699" cy="340519"/>
+            <a:chOff x="2974656" y="2949166"/>
+            <a:chExt cx="2032657" cy="826642"/>
+          </a:xfrm>
+          <a:solidFill>
+            <a:schemeClr val="bg1">
+              <a:lumMod val="85000"/>
+            </a:schemeClr>
+          </a:solidFill>
+        </p:grpSpPr>
+        <p:sp>
+          <p:nvSpPr>
+            <p:cNvPr id="113" name="Abgerundetes Rechteck 112">
+              <a:extLst>
+                <a:ext uri="{FF2B5EF4-FFF2-40B4-BE49-F238E27FC236}">
+                  <a16:creationId xmlns:a16="http://schemas.microsoft.com/office/drawing/2014/main" id="{104D0B68-50AC-B443-BF26-7F7B88EC4BE4}"/>
+                </a:ext>
+              </a:extLst>
+            </p:cNvPr>
+            <p:cNvSpPr/>
+            <p:nvPr/>
+          </p:nvSpPr>
+          <p:spPr>
+            <a:xfrm>
+              <a:off x="2974656" y="2959163"/>
+              <a:ext cx="2032657" cy="776988"/>
+            </a:xfrm>
+            <a:prstGeom prst="roundRect">
+              <a:avLst>
+                <a:gd name="adj" fmla="val 4496"/>
+              </a:avLst>
+            </a:prstGeom>
+            <a:grpFill/>
+            <a:ln w="19050">
+              <a:solidFill>
+                <a:schemeClr val="tx1"/>
+              </a:solidFill>
+            </a:ln>
+          </p:spPr>
+          <p:style>
+            <a:lnRef idx="2">
+              <a:schemeClr val="accent1">
+                <a:shade val="50000"/>
+              </a:schemeClr>
+            </a:lnRef>
+            <a:fillRef idx="1">
+              <a:schemeClr val="accent1"/>
+            </a:fillRef>
+            <a:effectRef idx="0">
+              <a:schemeClr val="accent1"/>
+            </a:effectRef>
+            <a:fontRef idx="minor">
+              <a:schemeClr val="lt1"/>
+            </a:fontRef>
+          </p:style>
+          <p:txBody>
+            <a:bodyPr rot="0" spcFirstLastPara="0" vertOverflow="overflow" horzOverflow="overflow" vert="horz" wrap="square" lIns="91440" tIns="45720" rIns="91440" bIns="45720" numCol="1" spcCol="0" rtlCol="0" fromWordArt="0" anchor="ctr" anchorCtr="0" forceAA="0" compatLnSpc="1">
+              <a:prstTxWarp prst="textNoShape">
+                <a:avLst/>
+              </a:prstTxWarp>
+              <a:noAutofit/>
+            </a:bodyPr>
+            <a:lstStyle/>
+            <a:p>
+              <a:pPr algn="ctr"/>
+              <a:endParaRPr lang="en-US"/>
+            </a:p>
+          </p:txBody>
+        </p:sp>
+        <p:sp>
+          <p:nvSpPr>
+            <p:cNvPr id="115" name="Textfeld 114">
+              <a:extLst>
+                <a:ext uri="{FF2B5EF4-FFF2-40B4-BE49-F238E27FC236}">
+                  <a16:creationId xmlns:a16="http://schemas.microsoft.com/office/drawing/2014/main" id="{61BE0135-C67B-144A-AF4F-A5A3E76C0810}"/>
+                </a:ext>
+              </a:extLst>
+            </p:cNvPr>
+            <p:cNvSpPr txBox="1"/>
+            <p:nvPr/>
+          </p:nvSpPr>
+          <p:spPr>
+            <a:xfrm>
+              <a:off x="2997401" y="2949166"/>
+              <a:ext cx="1987165" cy="826642"/>
+            </a:xfrm>
+            <a:prstGeom prst="roundRect">
+              <a:avLst/>
+            </a:prstGeom>
+            <a:noFill/>
+          </p:spPr>
+          <p:txBody>
+            <a:bodyPr wrap="square" rtlCol="0">
+              <a:spAutoFit/>
+            </a:bodyPr>
+            <a:lstStyle/>
+            <a:p>
+              <a:pPr algn="ctr"/>
+              <a:r>
+                <a:rPr lang="en-US" sz="1400" noProof="1">
+                  <a:solidFill>
+                    <a:schemeClr val="tx1">
+                      <a:lumMod val="95000"/>
+                      <a:lumOff val="5000"/>
+                    </a:schemeClr>
+                  </a:solidFill>
+                </a:rPr>
+                <a:t>HTTP REST API</a:t>
+              </a:r>
+            </a:p>
+          </p:txBody>
+        </p:sp>
+      </p:grpSp>
+      <p:cxnSp>
+        <p:nvCxnSpPr>
+          <p:cNvPr id="116" name="Gekrümmte Verbindung 115">
+            <a:extLst>
+              <a:ext uri="{FF2B5EF4-FFF2-40B4-BE49-F238E27FC236}">
+                <a16:creationId xmlns:a16="http://schemas.microsoft.com/office/drawing/2014/main" id="{43196147-1F4F-3E4F-99FC-4B31AE71C49B}"/>
+              </a:ext>
+            </a:extLst>
+          </p:cNvPr>
+          <p:cNvCxnSpPr>
+            <a:cxnSpLocks/>
+          </p:cNvCxnSpPr>
+          <p:nvPr/>
+        </p:nvCxnSpPr>
+        <p:spPr>
+          <a:xfrm rot="5040000" flipH="1" flipV="1">
+            <a:off x="6243956" y="2419108"/>
+            <a:ext cx="2296" cy="1192952"/>
+          </a:xfrm>
+          <a:prstGeom prst="curvedConnector3">
+            <a:avLst>
+              <a:gd name="adj1" fmla="val 11600809"/>
+            </a:avLst>
+          </a:prstGeom>
+          <a:ln w="19050">
+            <a:solidFill>
+              <a:schemeClr val="tx1"/>
+            </a:solidFill>
             <a:tailEnd type="triangle" w="lg" len="med"/>
           </a:ln>
         </p:spPr>

--- a/docs/images/components.pptx
+++ b/docs/images/components.pptx
@@ -261,7 +261,7 @@
           <a:p>
             <a:fld id="{19645D8C-4EAC-A548-94DE-127F8D402EB2}" type="datetimeFigureOut">
               <a:rPr lang="en-US" smtClean="0"/>
-              <a:t>2/25/21</a:t>
+              <a:t>8/2/22</a:t>
             </a:fld>
             <a:endParaRPr lang="en-US"/>
           </a:p>
@@ -436,7 +436,7 @@
           <a:p>
             <a:fld id="{19645D8C-4EAC-A548-94DE-127F8D402EB2}" type="datetimeFigureOut">
               <a:rPr lang="en-US" smtClean="0"/>
-              <a:t>2/25/21</a:t>
+              <a:t>8/2/22</a:t>
             </a:fld>
             <a:endParaRPr lang="en-US"/>
           </a:p>
@@ -621,7 +621,7 @@
           <a:p>
             <a:fld id="{19645D8C-4EAC-A548-94DE-127F8D402EB2}" type="datetimeFigureOut">
               <a:rPr lang="en-US" smtClean="0"/>
-              <a:t>2/25/21</a:t>
+              <a:t>8/2/22</a:t>
             </a:fld>
             <a:endParaRPr lang="en-US"/>
           </a:p>
@@ -796,7 +796,7 @@
           <a:p>
             <a:fld id="{19645D8C-4EAC-A548-94DE-127F8D402EB2}" type="datetimeFigureOut">
               <a:rPr lang="en-US" smtClean="0"/>
-              <a:t>2/25/21</a:t>
+              <a:t>8/2/22</a:t>
             </a:fld>
             <a:endParaRPr lang="en-US"/>
           </a:p>
@@ -1076,7 +1076,7 @@
           <a:p>
             <a:fld id="{19645D8C-4EAC-A548-94DE-127F8D402EB2}" type="datetimeFigureOut">
               <a:rPr lang="en-US" smtClean="0"/>
-              <a:t>2/25/21</a:t>
+              <a:t>8/2/22</a:t>
             </a:fld>
             <a:endParaRPr lang="en-US"/>
           </a:p>
@@ -1294,7 +1294,7 @@
           <a:p>
             <a:fld id="{19645D8C-4EAC-A548-94DE-127F8D402EB2}" type="datetimeFigureOut">
               <a:rPr lang="en-US" smtClean="0"/>
-              <a:t>2/25/21</a:t>
+              <a:t>8/2/22</a:t>
             </a:fld>
             <a:endParaRPr lang="en-US"/>
           </a:p>
@@ -1667,7 +1667,7 @@
           <a:p>
             <a:fld id="{19645D8C-4EAC-A548-94DE-127F8D402EB2}" type="datetimeFigureOut">
               <a:rPr lang="en-US" smtClean="0"/>
-              <a:t>2/25/21</a:t>
+              <a:t>8/2/22</a:t>
             </a:fld>
             <a:endParaRPr lang="en-US"/>
           </a:p>
@@ -1809,7 +1809,7 @@
           <a:p>
             <a:fld id="{19645D8C-4EAC-A548-94DE-127F8D402EB2}" type="datetimeFigureOut">
               <a:rPr lang="en-US" smtClean="0"/>
-              <a:t>2/25/21</a:t>
+              <a:t>8/2/22</a:t>
             </a:fld>
             <a:endParaRPr lang="en-US"/>
           </a:p>
@@ -1922,7 +1922,7 @@
           <a:p>
             <a:fld id="{19645D8C-4EAC-A548-94DE-127F8D402EB2}" type="datetimeFigureOut">
               <a:rPr lang="en-US" smtClean="0"/>
-              <a:t>2/25/21</a:t>
+              <a:t>8/2/22</a:t>
             </a:fld>
             <a:endParaRPr lang="en-US"/>
           </a:p>
@@ -2214,7 +2214,7 @@
           <a:p>
             <a:fld id="{19645D8C-4EAC-A548-94DE-127F8D402EB2}" type="datetimeFigureOut">
               <a:rPr lang="en-US" smtClean="0"/>
-              <a:t>2/25/21</a:t>
+              <a:t>8/2/22</a:t>
             </a:fld>
             <a:endParaRPr lang="en-US"/>
           </a:p>
@@ -2507,7 +2507,7 @@
           <a:p>
             <a:fld id="{19645D8C-4EAC-A548-94DE-127F8D402EB2}" type="datetimeFigureOut">
               <a:rPr lang="en-US" smtClean="0"/>
-              <a:t>2/25/21</a:t>
+              <a:t>8/2/22</a:t>
             </a:fld>
             <a:endParaRPr lang="en-US"/>
           </a:p>
@@ -2725,7 +2725,7 @@
           <a:p>
             <a:fld id="{19645D8C-4EAC-A548-94DE-127F8D402EB2}" type="datetimeFigureOut">
               <a:rPr lang="en-US" smtClean="0"/>
-              <a:t>2/25/21</a:t>
+              <a:t>8/2/22</a:t>
             </a:fld>
             <a:endParaRPr lang="en-US"/>
           </a:p>
@@ -3142,12 +3142,194 @@
           <a:chExt cx="0" cy="0"/>
         </a:xfrm>
       </p:grpSpPr>
+      <p:cxnSp>
+        <p:nvCxnSpPr>
+          <p:cNvPr id="123" name="Gerade Verbindung mit Pfeil 122">
+            <a:extLst>
+              <a:ext uri="{FF2B5EF4-FFF2-40B4-BE49-F238E27FC236}">
+                <a16:creationId xmlns:a16="http://schemas.microsoft.com/office/drawing/2014/main" id="{762F0957-18EC-AF4D-A36D-90E5C5F2F527}"/>
+              </a:ext>
+            </a:extLst>
+          </p:cNvPr>
+          <p:cNvCxnSpPr>
+            <a:cxnSpLocks/>
+            <a:endCxn id="96" idx="0"/>
+          </p:cNvCxnSpPr>
+          <p:nvPr/>
+        </p:nvCxnSpPr>
+        <p:spPr>
+          <a:xfrm>
+            <a:off x="856968" y="2114049"/>
+            <a:ext cx="0" cy="834220"/>
+          </a:xfrm>
+          <a:prstGeom prst="straightConnector1">
+            <a:avLst/>
+          </a:prstGeom>
+          <a:ln w="19050">
+            <a:solidFill>
+              <a:schemeClr val="tx1"/>
+            </a:solidFill>
+            <a:headEnd type="none" w="lg" len="med"/>
+            <a:tailEnd type="triangle" w="lg" len="med"/>
+          </a:ln>
+        </p:spPr>
+        <p:style>
+          <a:lnRef idx="1">
+            <a:schemeClr val="accent1"/>
+          </a:lnRef>
+          <a:fillRef idx="0">
+            <a:schemeClr val="accent1"/>
+          </a:fillRef>
+          <a:effectRef idx="0">
+            <a:schemeClr val="accent1"/>
+          </a:effectRef>
+          <a:fontRef idx="minor">
+            <a:schemeClr val="tx1"/>
+          </a:fontRef>
+        </p:style>
+      </p:cxnSp>
+      <p:cxnSp>
+        <p:nvCxnSpPr>
+          <p:cNvPr id="126" name="Gerade Verbindung mit Pfeil 125">
+            <a:extLst>
+              <a:ext uri="{FF2B5EF4-FFF2-40B4-BE49-F238E27FC236}">
+                <a16:creationId xmlns:a16="http://schemas.microsoft.com/office/drawing/2014/main" id="{CA0A5F5E-C979-2145-AB77-95C80EE23478}"/>
+              </a:ext>
+            </a:extLst>
+          </p:cNvPr>
+          <p:cNvCxnSpPr>
+            <a:cxnSpLocks/>
+          </p:cNvCxnSpPr>
+          <p:nvPr/>
+        </p:nvCxnSpPr>
+        <p:spPr>
+          <a:xfrm>
+            <a:off x="4225068" y="2125611"/>
+            <a:ext cx="0" cy="827368"/>
+          </a:xfrm>
+          <a:prstGeom prst="straightConnector1">
+            <a:avLst/>
+          </a:prstGeom>
+          <a:ln w="19050">
+            <a:solidFill>
+              <a:schemeClr val="tx1"/>
+            </a:solidFill>
+            <a:headEnd type="none" w="lg" len="med"/>
+            <a:tailEnd type="triangle" w="lg" len="med"/>
+          </a:ln>
+        </p:spPr>
+        <p:style>
+          <a:lnRef idx="1">
+            <a:schemeClr val="accent1"/>
+          </a:lnRef>
+          <a:fillRef idx="0">
+            <a:schemeClr val="accent1"/>
+          </a:fillRef>
+          <a:effectRef idx="0">
+            <a:schemeClr val="accent1"/>
+          </a:effectRef>
+          <a:fontRef idx="minor">
+            <a:schemeClr val="tx1"/>
+          </a:fontRef>
+        </p:style>
+      </p:cxnSp>
+      <p:cxnSp>
+        <p:nvCxnSpPr>
+          <p:cNvPr id="127" name="Gerade Verbindung mit Pfeil 126">
+            <a:extLst>
+              <a:ext uri="{FF2B5EF4-FFF2-40B4-BE49-F238E27FC236}">
+                <a16:creationId xmlns:a16="http://schemas.microsoft.com/office/drawing/2014/main" id="{E5D2BD1F-BABD-E447-889D-990724D2F88F}"/>
+              </a:ext>
+            </a:extLst>
+          </p:cNvPr>
+          <p:cNvCxnSpPr>
+            <a:cxnSpLocks/>
+          </p:cNvCxnSpPr>
+          <p:nvPr/>
+        </p:nvCxnSpPr>
+        <p:spPr>
+          <a:xfrm>
+            <a:off x="7779201" y="2131970"/>
+            <a:ext cx="0" cy="827368"/>
+          </a:xfrm>
+          <a:prstGeom prst="straightConnector1">
+            <a:avLst/>
+          </a:prstGeom>
+          <a:ln w="19050">
+            <a:solidFill>
+              <a:schemeClr val="tx1"/>
+            </a:solidFill>
+            <a:headEnd type="none" w="lg" len="med"/>
+            <a:tailEnd type="triangle" w="lg" len="med"/>
+          </a:ln>
+        </p:spPr>
+        <p:style>
+          <a:lnRef idx="1">
+            <a:schemeClr val="accent1"/>
+          </a:lnRef>
+          <a:fillRef idx="0">
+            <a:schemeClr val="accent1"/>
+          </a:fillRef>
+          <a:effectRef idx="0">
+            <a:schemeClr val="accent1"/>
+          </a:effectRef>
+          <a:fontRef idx="minor">
+            <a:schemeClr val="tx1"/>
+          </a:fontRef>
+        </p:style>
+      </p:cxnSp>
+      <p:cxnSp>
+        <p:nvCxnSpPr>
+          <p:cNvPr id="87" name="Gekrümmte Verbindung 86">
+            <a:extLst>
+              <a:ext uri="{FF2B5EF4-FFF2-40B4-BE49-F238E27FC236}">
+                <a16:creationId xmlns:a16="http://schemas.microsoft.com/office/drawing/2014/main" id="{D38EEFC4-F48E-7D46-ADE0-9C6FF8E82248}"/>
+              </a:ext>
+            </a:extLst>
+          </p:cNvPr>
+          <p:cNvCxnSpPr>
+            <a:cxnSpLocks/>
+          </p:cNvCxnSpPr>
+          <p:nvPr/>
+        </p:nvCxnSpPr>
+        <p:spPr>
+          <a:xfrm rot="16380000" flipV="1">
+            <a:off x="2674773" y="1767751"/>
+            <a:ext cx="2721" cy="2484000"/>
+          </a:xfrm>
+          <a:prstGeom prst="curvedConnector3">
+            <a:avLst>
+              <a:gd name="adj1" fmla="val 11600809"/>
+            </a:avLst>
+          </a:prstGeom>
+          <a:ln w="19050">
+            <a:solidFill>
+              <a:schemeClr val="tx1"/>
+            </a:solidFill>
+            <a:tailEnd type="triangle" w="lg" len="med"/>
+          </a:ln>
+        </p:spPr>
+        <p:style>
+          <a:lnRef idx="1">
+            <a:schemeClr val="accent1"/>
+          </a:lnRef>
+          <a:fillRef idx="0">
+            <a:schemeClr val="accent1"/>
+          </a:fillRef>
+          <a:effectRef idx="0">
+            <a:schemeClr val="accent1"/>
+          </a:effectRef>
+          <a:fontRef idx="minor">
+            <a:schemeClr val="tx1"/>
+          </a:fontRef>
+        </p:style>
+      </p:cxnSp>
       <p:grpSp>
         <p:nvGrpSpPr>
-          <p:cNvPr id="65" name="Gruppieren 64">
-            <a:extLst>
-              <a:ext uri="{FF2B5EF4-FFF2-40B4-BE49-F238E27FC236}">
-                <a16:creationId xmlns:a16="http://schemas.microsoft.com/office/drawing/2014/main" id="{E493E052-DD23-2544-8CC5-69BF2DFFC9B2}"/>
+          <p:cNvPr id="35" name="Gruppieren 34">
+            <a:extLst>
+              <a:ext uri="{FF2B5EF4-FFF2-40B4-BE49-F238E27FC236}">
+                <a16:creationId xmlns:a16="http://schemas.microsoft.com/office/drawing/2014/main" id="{D0DAF985-5104-FED7-30E9-63BFF300F066}"/>
               </a:ext>
             </a:extLst>
           </p:cNvPr>
@@ -3156,23 +3338,18 @@
         </p:nvGrpSpPr>
         <p:grpSpPr>
           <a:xfrm>
-            <a:off x="3773902" y="3079030"/>
-            <a:ext cx="2003162" cy="1327775"/>
-            <a:chOff x="2974656" y="2959163"/>
-            <a:chExt cx="2032657" cy="776988"/>
+            <a:off x="-36639" y="2948269"/>
+            <a:ext cx="1792447" cy="1910846"/>
+            <a:chOff x="-36639" y="2948269"/>
+            <a:chExt cx="1792447" cy="1910846"/>
           </a:xfrm>
-          <a:solidFill>
-            <a:schemeClr val="bg1">
-              <a:lumMod val="95000"/>
-            </a:schemeClr>
-          </a:solidFill>
         </p:grpSpPr>
         <p:sp>
           <p:nvSpPr>
-            <p:cNvPr id="66" name="Abgerundetes Rechteck 65">
+            <p:cNvPr id="29" name="Abgerundetes Rechteck 28">
               <a:extLst>
                 <a:ext uri="{FF2B5EF4-FFF2-40B4-BE49-F238E27FC236}">
-                  <a16:creationId xmlns:a16="http://schemas.microsoft.com/office/drawing/2014/main" id="{C5F13CE8-481A-EE44-ADB8-CF3810466A3C}"/>
+                  <a16:creationId xmlns:a16="http://schemas.microsoft.com/office/drawing/2014/main" id="{C01302EC-7446-A044-AD79-4D3A9B8F2508}"/>
                 </a:ext>
               </a:extLst>
             </p:cNvPr>
@@ -3181,145 +3358,8 @@
           </p:nvSpPr>
           <p:spPr>
             <a:xfrm>
-              <a:off x="2974656" y="2959163"/>
-              <a:ext cx="2032657" cy="776988"/>
-            </a:xfrm>
-            <a:prstGeom prst="roundRect">
-              <a:avLst>
-                <a:gd name="adj" fmla="val 4496"/>
-              </a:avLst>
-            </a:prstGeom>
-            <a:grpFill/>
-            <a:ln w="19050">
-              <a:solidFill>
-                <a:schemeClr val="tx1"/>
-              </a:solidFill>
-            </a:ln>
-          </p:spPr>
-          <p:style>
-            <a:lnRef idx="2">
-              <a:schemeClr val="accent1">
-                <a:shade val="50000"/>
-              </a:schemeClr>
-            </a:lnRef>
-            <a:fillRef idx="1">
-              <a:schemeClr val="accent1"/>
-            </a:fillRef>
-            <a:effectRef idx="0">
-              <a:schemeClr val="accent1"/>
-            </a:effectRef>
-            <a:fontRef idx="minor">
-              <a:schemeClr val="lt1"/>
-            </a:fontRef>
-          </p:style>
-          <p:txBody>
-            <a:bodyPr rot="0" spcFirstLastPara="0" vertOverflow="overflow" horzOverflow="overflow" vert="horz" wrap="square" lIns="91440" tIns="45720" rIns="91440" bIns="45720" numCol="1" spcCol="0" rtlCol="0" fromWordArt="0" anchor="ctr" anchorCtr="0" forceAA="0" compatLnSpc="1">
-              <a:prstTxWarp prst="textNoShape">
-                <a:avLst/>
-              </a:prstTxWarp>
-              <a:noAutofit/>
-            </a:bodyPr>
-            <a:lstStyle/>
-            <a:p>
-              <a:pPr algn="ctr"/>
-              <a:endParaRPr lang="en-US"/>
-            </a:p>
-          </p:txBody>
-        </p:sp>
-        <p:sp>
-          <p:nvSpPr>
-            <p:cNvPr id="67" name="Textfeld 66">
-              <a:extLst>
-                <a:ext uri="{FF2B5EF4-FFF2-40B4-BE49-F238E27FC236}">
-                  <a16:creationId xmlns:a16="http://schemas.microsoft.com/office/drawing/2014/main" id="{79434AA1-9ACE-3D49-BDDE-3A3D4A919011}"/>
-                </a:ext>
-              </a:extLst>
-            </p:cNvPr>
-            <p:cNvSpPr txBox="1"/>
-            <p:nvPr/>
-          </p:nvSpPr>
-          <p:spPr>
-            <a:xfrm>
-              <a:off x="3167305" y="3166726"/>
-              <a:ext cx="1647357" cy="358677"/>
-            </a:xfrm>
-            <a:prstGeom prst="roundRect">
-              <a:avLst/>
-            </a:prstGeom>
-            <a:grpFill/>
-          </p:spPr>
-          <p:txBody>
-            <a:bodyPr wrap="square" rtlCol="0">
-              <a:spAutoFit/>
-            </a:bodyPr>
-            <a:lstStyle/>
-            <a:p>
-              <a:pPr algn="ctr"/>
-              <a:r>
-                <a:rPr lang="en-US" noProof="1">
-                  <a:solidFill>
-                    <a:schemeClr val="tx1">
-                      <a:lumMod val="95000"/>
-                      <a:lumOff val="5000"/>
-                    </a:schemeClr>
-                  </a:solidFill>
-                </a:rPr>
-                <a:t>NISQ Analyzer</a:t>
-              </a:r>
-            </a:p>
-            <a:p>
-              <a:pPr algn="ctr"/>
-              <a:r>
-                <a:rPr lang="en-US" sz="1200" noProof="1">
-                  <a:solidFill>
-                    <a:schemeClr val="tx1">
-                      <a:lumMod val="95000"/>
-                      <a:lumOff val="5000"/>
-                    </a:schemeClr>
-                  </a:solidFill>
-                </a:rPr>
-                <a:t>SpringBoot</a:t>
-              </a:r>
-            </a:p>
-          </p:txBody>
-        </p:sp>
-      </p:grpSp>
-      <p:grpSp>
-        <p:nvGrpSpPr>
-          <p:cNvPr id="17" name="Gruppieren 16">
-            <a:extLst>
-              <a:ext uri="{FF2B5EF4-FFF2-40B4-BE49-F238E27FC236}">
-                <a16:creationId xmlns:a16="http://schemas.microsoft.com/office/drawing/2014/main" id="{CFDCD3F5-6A4B-8D46-807B-47994783E530}"/>
-              </a:ext>
-            </a:extLst>
-          </p:cNvPr>
-          <p:cNvGrpSpPr/>
-          <p:nvPr/>
-        </p:nvGrpSpPr>
-        <p:grpSpPr>
-          <a:xfrm>
-            <a:off x="47163" y="1489468"/>
-            <a:ext cx="11948619" cy="626882"/>
-            <a:chOff x="2974656" y="3109269"/>
-            <a:chExt cx="2032657" cy="626882"/>
-          </a:xfrm>
-        </p:grpSpPr>
-        <p:sp>
-          <p:nvSpPr>
-            <p:cNvPr id="18" name="Abgerundetes Rechteck 17">
-              <a:extLst>
-                <a:ext uri="{FF2B5EF4-FFF2-40B4-BE49-F238E27FC236}">
-                  <a16:creationId xmlns:a16="http://schemas.microsoft.com/office/drawing/2014/main" id="{CAFFA6BA-4A92-E74E-8E48-3FEB5C87A938}"/>
-                </a:ext>
-              </a:extLst>
-            </p:cNvPr>
-            <p:cNvSpPr/>
-            <p:nvPr/>
-          </p:nvSpPr>
-          <p:spPr>
-            <a:xfrm>
-              <a:off x="2974656" y="3109269"/>
-              <a:ext cx="2032657" cy="626882"/>
+              <a:off x="47163" y="3123979"/>
+              <a:ext cx="1627199" cy="1280099"/>
             </a:xfrm>
             <a:prstGeom prst="roundRect">
               <a:avLst>
@@ -3369,10 +3409,10 @@
         </p:sp>
         <p:sp>
           <p:nvSpPr>
-            <p:cNvPr id="19" name="Textfeld 18">
+            <p:cNvPr id="30" name="Textfeld 29">
               <a:extLst>
                 <a:ext uri="{FF2B5EF4-FFF2-40B4-BE49-F238E27FC236}">
-                  <a16:creationId xmlns:a16="http://schemas.microsoft.com/office/drawing/2014/main" id="{3B2B8AA4-93ED-574F-9D64-288018CEC7E3}"/>
+                  <a16:creationId xmlns:a16="http://schemas.microsoft.com/office/drawing/2014/main" id="{6C951C58-7561-B844-BFF6-4E54118DE102}"/>
                 </a:ext>
               </a:extLst>
             </p:cNvPr>
@@ -3381,8 +3421,256 @@
           </p:nvSpPr>
           <p:spPr>
             <a:xfrm>
-              <a:off x="3167305" y="3116346"/>
-              <a:ext cx="1647357" cy="612934"/>
+              <a:off x="381252" y="3390387"/>
+              <a:ext cx="942935" cy="578882"/>
+            </a:xfrm>
+            <a:prstGeom prst="roundRect">
+              <a:avLst/>
+            </a:prstGeom>
+            <a:solidFill>
+              <a:schemeClr val="bg1">
+                <a:lumMod val="95000"/>
+              </a:schemeClr>
+            </a:solidFill>
+          </p:spPr>
+          <p:txBody>
+            <a:bodyPr wrap="square" rtlCol="0">
+              <a:spAutoFit/>
+            </a:bodyPr>
+            <a:lstStyle/>
+            <a:p>
+              <a:pPr algn="ctr"/>
+              <a:r>
+                <a:rPr lang="en-US" sz="1600" noProof="1">
+                  <a:solidFill>
+                    <a:schemeClr val="tx1">
+                      <a:lumMod val="95000"/>
+                      <a:lumOff val="5000"/>
+                    </a:schemeClr>
+                  </a:solidFill>
+                </a:rPr>
+                <a:t>QProv</a:t>
+              </a:r>
+            </a:p>
+            <a:p>
+              <a:pPr algn="ctr"/>
+              <a:r>
+                <a:rPr lang="en-US" sz="1200" noProof="1">
+                  <a:solidFill>
+                    <a:schemeClr val="tx1">
+                      <a:lumMod val="95000"/>
+                      <a:lumOff val="5000"/>
+                    </a:schemeClr>
+                  </a:solidFill>
+                </a:rPr>
+                <a:t>SpringBoot</a:t>
+              </a:r>
+            </a:p>
+          </p:txBody>
+        </p:sp>
+        <p:sp>
+          <p:nvSpPr>
+            <p:cNvPr id="32" name="Zylinder 31">
+              <a:extLst>
+                <a:ext uri="{FF2B5EF4-FFF2-40B4-BE49-F238E27FC236}">
+                  <a16:creationId xmlns:a16="http://schemas.microsoft.com/office/drawing/2014/main" id="{97895413-20CD-094B-B01D-97ADDF95B62F}"/>
+                </a:ext>
+              </a:extLst>
+            </p:cNvPr>
+            <p:cNvSpPr/>
+            <p:nvPr/>
+          </p:nvSpPr>
+          <p:spPr>
+            <a:xfrm>
+              <a:off x="97887" y="4062744"/>
+              <a:ext cx="1522800" cy="796371"/>
+            </a:xfrm>
+            <a:prstGeom prst="can">
+              <a:avLst>
+                <a:gd name="adj" fmla="val 21079"/>
+              </a:avLst>
+            </a:prstGeom>
+            <a:solidFill>
+              <a:schemeClr val="bg1">
+                <a:lumMod val="75000"/>
+              </a:schemeClr>
+            </a:solidFill>
+            <a:ln w="19050">
+              <a:solidFill>
+                <a:schemeClr val="tx1">
+                  <a:lumMod val="95000"/>
+                  <a:lumOff val="5000"/>
+                </a:schemeClr>
+              </a:solidFill>
+            </a:ln>
+          </p:spPr>
+          <p:style>
+            <a:lnRef idx="2">
+              <a:schemeClr val="accent1">
+                <a:shade val="50000"/>
+              </a:schemeClr>
+            </a:lnRef>
+            <a:fillRef idx="1">
+              <a:schemeClr val="accent1"/>
+            </a:fillRef>
+            <a:effectRef idx="0">
+              <a:schemeClr val="accent1"/>
+            </a:effectRef>
+            <a:fontRef idx="minor">
+              <a:schemeClr val="lt1"/>
+            </a:fontRef>
+          </p:style>
+          <p:txBody>
+            <a:bodyPr rtlCol="0" anchor="ctr"/>
+            <a:lstStyle/>
+            <a:p>
+              <a:pPr algn="ctr"/>
+              <a:endParaRPr lang="en-US" sz="800" noProof="1">
+                <a:solidFill>
+                  <a:schemeClr val="tx2">
+                    <a:lumMod val="50000"/>
+                  </a:schemeClr>
+                </a:solidFill>
+              </a:endParaRPr>
+            </a:p>
+            <a:p>
+              <a:pPr algn="ctr"/>
+              <a:endParaRPr lang="en-US" sz="800" noProof="1">
+                <a:solidFill>
+                  <a:schemeClr val="tx2">
+                    <a:lumMod val="50000"/>
+                  </a:schemeClr>
+                </a:solidFill>
+              </a:endParaRPr>
+            </a:p>
+            <a:p>
+              <a:pPr algn="ctr"/>
+              <a:endParaRPr lang="en-US" sz="800" noProof="1">
+                <a:solidFill>
+                  <a:schemeClr val="tx2">
+                    <a:lumMod val="50000"/>
+                  </a:schemeClr>
+                </a:solidFill>
+              </a:endParaRPr>
+            </a:p>
+            <a:p>
+              <a:pPr algn="ctr"/>
+              <a:endParaRPr lang="en-US" sz="800" noProof="1">
+                <a:solidFill>
+                  <a:schemeClr val="tx2">
+                    <a:lumMod val="50000"/>
+                  </a:schemeClr>
+                </a:solidFill>
+              </a:endParaRPr>
+            </a:p>
+            <a:p>
+              <a:pPr algn="ctr"/>
+              <a:endParaRPr lang="en-US" sz="800" noProof="1">
+                <a:solidFill>
+                  <a:schemeClr val="tx2">
+                    <a:lumMod val="50000"/>
+                  </a:schemeClr>
+                </a:solidFill>
+              </a:endParaRPr>
+            </a:p>
+            <a:p>
+              <a:pPr algn="ctr"/>
+              <a:endParaRPr lang="en-US" sz="800" noProof="1">
+                <a:solidFill>
+                  <a:schemeClr val="tx2">
+                    <a:lumMod val="50000"/>
+                  </a:schemeClr>
+                </a:solidFill>
+              </a:endParaRPr>
+            </a:p>
+            <a:p>
+              <a:pPr algn="ctr"/>
+              <a:endParaRPr lang="en-US" sz="800" noProof="1">
+                <a:solidFill>
+                  <a:schemeClr val="tx2">
+                    <a:lumMod val="50000"/>
+                  </a:schemeClr>
+                </a:solidFill>
+              </a:endParaRPr>
+            </a:p>
+            <a:p>
+              <a:pPr algn="ctr"/>
+              <a:endParaRPr lang="en-US" sz="800" noProof="1">
+                <a:solidFill>
+                  <a:schemeClr val="tx2">
+                    <a:lumMod val="50000"/>
+                  </a:schemeClr>
+                </a:solidFill>
+              </a:endParaRPr>
+            </a:p>
+            <a:p>
+              <a:pPr algn="ctr"/>
+              <a:endParaRPr lang="en-US" sz="800" noProof="1">
+                <a:solidFill>
+                  <a:schemeClr val="tx2">
+                    <a:lumMod val="50000"/>
+                  </a:schemeClr>
+                </a:solidFill>
+              </a:endParaRPr>
+            </a:p>
+            <a:p>
+              <a:pPr algn="ctr"/>
+              <a:endParaRPr lang="en-US" sz="800" noProof="1">
+                <a:solidFill>
+                  <a:schemeClr val="tx2">
+                    <a:lumMod val="50000"/>
+                  </a:schemeClr>
+                </a:solidFill>
+              </a:endParaRPr>
+            </a:p>
+            <a:p>
+              <a:pPr algn="ctr"/>
+              <a:endParaRPr lang="en-US" sz="800" noProof="1">
+                <a:solidFill>
+                  <a:schemeClr val="tx2">
+                    <a:lumMod val="50000"/>
+                  </a:schemeClr>
+                </a:solidFill>
+              </a:endParaRPr>
+            </a:p>
+            <a:p>
+              <a:pPr algn="ctr"/>
+              <a:endParaRPr lang="en-US" sz="800" noProof="1">
+                <a:solidFill>
+                  <a:schemeClr val="tx2">
+                    <a:lumMod val="50000"/>
+                  </a:schemeClr>
+                </a:solidFill>
+              </a:endParaRPr>
+            </a:p>
+            <a:p>
+              <a:pPr algn="ctr"/>
+              <a:endParaRPr lang="en-US" sz="800" noProof="1">
+                <a:solidFill>
+                  <a:schemeClr val="tx2">
+                    <a:lumMod val="50000"/>
+                  </a:schemeClr>
+                </a:solidFill>
+              </a:endParaRPr>
+            </a:p>
+          </p:txBody>
+        </p:sp>
+        <p:sp>
+          <p:nvSpPr>
+            <p:cNvPr id="33" name="Textfeld 32">
+              <a:extLst>
+                <a:ext uri="{FF2B5EF4-FFF2-40B4-BE49-F238E27FC236}">
+                  <a16:creationId xmlns:a16="http://schemas.microsoft.com/office/drawing/2014/main" id="{25B3B01E-0CC7-0846-80D1-D2844B5C1300}"/>
+                </a:ext>
+              </a:extLst>
+            </p:cNvPr>
+            <p:cNvSpPr txBox="1"/>
+            <p:nvPr/>
+          </p:nvSpPr>
+          <p:spPr>
+            <a:xfrm>
+              <a:off x="-36639" y="4243599"/>
+              <a:ext cx="1792447" cy="578882"/>
             </a:xfrm>
             <a:prstGeom prst="roundRect">
               <a:avLst/>
@@ -3397,7 +3685,7 @@
             <a:p>
               <a:pPr algn="ctr"/>
               <a:r>
-                <a:rPr lang="en-US" noProof="1">
+                <a:rPr lang="en-US" sz="1600" noProof="1">
                   <a:solidFill>
                     <a:schemeClr val="tx1">
                       <a:lumMod val="95000"/>
@@ -3405,7 +3693,7 @@
                     </a:schemeClr>
                   </a:solidFill>
                 </a:rPr>
-                <a:t>QC Atlas UI</a:t>
+                <a:t>Provenance DB</a:t>
               </a:r>
             </a:p>
             <a:p>
@@ -3419,43 +3707,17 @@
                     </a:schemeClr>
                   </a:solidFill>
                 </a:rPr>
-                <a:t>TypeScript, Angular</a:t>
+                <a:t>PostgreSQL</a:t>
               </a:r>
             </a:p>
           </p:txBody>
         </p:sp>
-      </p:grpSp>
-      <p:grpSp>
-        <p:nvGrpSpPr>
-          <p:cNvPr id="28" name="Gruppieren 27">
-            <a:extLst>
-              <a:ext uri="{FF2B5EF4-FFF2-40B4-BE49-F238E27FC236}">
-                <a16:creationId xmlns:a16="http://schemas.microsoft.com/office/drawing/2014/main" id="{CF866277-2A35-964A-B9D0-39449D3BC07B}"/>
-              </a:ext>
-            </a:extLst>
-          </p:cNvPr>
-          <p:cNvGrpSpPr/>
-          <p:nvPr/>
-        </p:nvGrpSpPr>
-        <p:grpSpPr>
-          <a:xfrm>
-            <a:off x="47163" y="3076305"/>
-            <a:ext cx="1999617" cy="1327774"/>
-            <a:chOff x="2974656" y="2959163"/>
-            <a:chExt cx="2032657" cy="776988"/>
-          </a:xfrm>
-          <a:solidFill>
-            <a:schemeClr val="bg1">
-              <a:lumMod val="95000"/>
-            </a:schemeClr>
-          </a:solidFill>
-        </p:grpSpPr>
         <p:sp>
           <p:nvSpPr>
-            <p:cNvPr id="29" name="Abgerundetes Rechteck 28">
+            <p:cNvPr id="96" name="Abgerundetes Rechteck 95">
               <a:extLst>
                 <a:ext uri="{FF2B5EF4-FFF2-40B4-BE49-F238E27FC236}">
-                  <a16:creationId xmlns:a16="http://schemas.microsoft.com/office/drawing/2014/main" id="{C01302EC-7446-A044-AD79-4D3A9B8F2508}"/>
+                  <a16:creationId xmlns:a16="http://schemas.microsoft.com/office/drawing/2014/main" id="{82D7F633-161A-104B-8FEA-4F8DAA149073}"/>
                 </a:ext>
               </a:extLst>
             </p:cNvPr>
@@ -3464,15 +3726,19 @@
           </p:nvSpPr>
           <p:spPr>
             <a:xfrm>
-              <a:off x="2974656" y="2959163"/>
-              <a:ext cx="2032657" cy="776988"/>
+              <a:off x="124368" y="2948269"/>
+              <a:ext cx="1465200" cy="392670"/>
             </a:xfrm>
             <a:prstGeom prst="roundRect">
               <a:avLst>
                 <a:gd name="adj" fmla="val 4496"/>
               </a:avLst>
             </a:prstGeom>
-            <a:grpFill/>
+            <a:solidFill>
+              <a:schemeClr val="bg1">
+                <a:lumMod val="85000"/>
+              </a:schemeClr>
+            </a:solidFill>
             <a:ln w="19050">
               <a:solidFill>
                 <a:schemeClr val="tx1"/>
@@ -3511,10 +3777,10 @@
         </p:sp>
         <p:sp>
           <p:nvSpPr>
-            <p:cNvPr id="30" name="Textfeld 29">
+            <p:cNvPr id="97" name="Textfeld 96">
               <a:extLst>
                 <a:ext uri="{FF2B5EF4-FFF2-40B4-BE49-F238E27FC236}">
-                  <a16:creationId xmlns:a16="http://schemas.microsoft.com/office/drawing/2014/main" id="{6C951C58-7561-B844-BFF6-4E54118DE102}"/>
+                  <a16:creationId xmlns:a16="http://schemas.microsoft.com/office/drawing/2014/main" id="{AF615895-2ECE-1343-B2E8-B7BA714FC605}"/>
                 </a:ext>
               </a:extLst>
             </p:cNvPr>
@@ -3523,274 +3789,8 @@
           </p:nvSpPr>
           <p:spPr>
             <a:xfrm>
-              <a:off x="3167305" y="3167795"/>
-              <a:ext cx="1647357" cy="358677"/>
-            </a:xfrm>
-            <a:prstGeom prst="roundRect">
-              <a:avLst/>
-            </a:prstGeom>
-            <a:grpFill/>
-          </p:spPr>
-          <p:txBody>
-            <a:bodyPr wrap="square" rtlCol="0">
-              <a:spAutoFit/>
-            </a:bodyPr>
-            <a:lstStyle/>
-            <a:p>
-              <a:pPr algn="ctr"/>
-              <a:r>
-                <a:rPr lang="en-US" noProof="1">
-                  <a:solidFill>
-                    <a:schemeClr val="tx1">
-                      <a:lumMod val="95000"/>
-                      <a:lumOff val="5000"/>
-                    </a:schemeClr>
-                  </a:solidFill>
-                </a:rPr>
-                <a:t>QProv</a:t>
-              </a:r>
-            </a:p>
-            <a:p>
-              <a:pPr algn="ctr"/>
-              <a:r>
-                <a:rPr lang="en-US" sz="1200" noProof="1">
-                  <a:solidFill>
-                    <a:schemeClr val="tx1">
-                      <a:lumMod val="95000"/>
-                      <a:lumOff val="5000"/>
-                    </a:schemeClr>
-                  </a:solidFill>
-                </a:rPr>
-                <a:t>SpringBoot</a:t>
-              </a:r>
-            </a:p>
-          </p:txBody>
-        </p:sp>
-      </p:grpSp>
-      <p:grpSp>
-        <p:nvGrpSpPr>
-          <p:cNvPr id="31" name="Gruppieren 30">
-            <a:extLst>
-              <a:ext uri="{FF2B5EF4-FFF2-40B4-BE49-F238E27FC236}">
-                <a16:creationId xmlns:a16="http://schemas.microsoft.com/office/drawing/2014/main" id="{484E7D5E-68E7-214E-B3C1-7393E0A45108}"/>
-              </a:ext>
-            </a:extLst>
-          </p:cNvPr>
-          <p:cNvGrpSpPr/>
-          <p:nvPr/>
-        </p:nvGrpSpPr>
-        <p:grpSpPr>
-          <a:xfrm>
-            <a:off x="145179" y="4166942"/>
-            <a:ext cx="1807924" cy="796371"/>
-            <a:chOff x="2593854" y="4310634"/>
-            <a:chExt cx="2039796" cy="917663"/>
-          </a:xfrm>
-          <a:solidFill>
-            <a:schemeClr val="bg1">
-              <a:lumMod val="75000"/>
-            </a:schemeClr>
-          </a:solidFill>
-        </p:grpSpPr>
-        <p:sp>
-          <p:nvSpPr>
-            <p:cNvPr id="32" name="Zylinder 31">
-              <a:extLst>
-                <a:ext uri="{FF2B5EF4-FFF2-40B4-BE49-F238E27FC236}">
-                  <a16:creationId xmlns:a16="http://schemas.microsoft.com/office/drawing/2014/main" id="{97895413-20CD-094B-B01D-97ADDF95B62F}"/>
-                </a:ext>
-              </a:extLst>
-            </p:cNvPr>
-            <p:cNvSpPr/>
-            <p:nvPr/>
-          </p:nvSpPr>
-          <p:spPr>
-            <a:xfrm>
-              <a:off x="2593854" y="4310634"/>
-              <a:ext cx="2039796" cy="917663"/>
-            </a:xfrm>
-            <a:prstGeom prst="can">
-              <a:avLst>
-                <a:gd name="adj" fmla="val 21079"/>
-              </a:avLst>
-            </a:prstGeom>
-            <a:grpFill/>
-            <a:ln w="19050">
-              <a:solidFill>
-                <a:schemeClr val="tx1">
-                  <a:lumMod val="95000"/>
-                  <a:lumOff val="5000"/>
-                </a:schemeClr>
-              </a:solidFill>
-            </a:ln>
-          </p:spPr>
-          <p:style>
-            <a:lnRef idx="2">
-              <a:schemeClr val="accent1">
-                <a:shade val="50000"/>
-              </a:schemeClr>
-            </a:lnRef>
-            <a:fillRef idx="1">
-              <a:schemeClr val="accent1"/>
-            </a:fillRef>
-            <a:effectRef idx="0">
-              <a:schemeClr val="accent1"/>
-            </a:effectRef>
-            <a:fontRef idx="minor">
-              <a:schemeClr val="lt1"/>
-            </a:fontRef>
-          </p:style>
-          <p:txBody>
-            <a:bodyPr rtlCol="0" anchor="ctr"/>
-            <a:lstStyle/>
-            <a:p>
-              <a:pPr algn="ctr"/>
-              <a:endParaRPr lang="en-US" sz="800" noProof="1">
-                <a:solidFill>
-                  <a:schemeClr val="tx2">
-                    <a:lumMod val="50000"/>
-                  </a:schemeClr>
-                </a:solidFill>
-              </a:endParaRPr>
-            </a:p>
-            <a:p>
-              <a:pPr algn="ctr"/>
-              <a:endParaRPr lang="en-US" sz="800" noProof="1">
-                <a:solidFill>
-                  <a:schemeClr val="tx2">
-                    <a:lumMod val="50000"/>
-                  </a:schemeClr>
-                </a:solidFill>
-              </a:endParaRPr>
-            </a:p>
-            <a:p>
-              <a:pPr algn="ctr"/>
-              <a:endParaRPr lang="en-US" sz="800" noProof="1">
-                <a:solidFill>
-                  <a:schemeClr val="tx2">
-                    <a:lumMod val="50000"/>
-                  </a:schemeClr>
-                </a:solidFill>
-              </a:endParaRPr>
-            </a:p>
-            <a:p>
-              <a:pPr algn="ctr"/>
-              <a:endParaRPr lang="en-US" sz="800" noProof="1">
-                <a:solidFill>
-                  <a:schemeClr val="tx2">
-                    <a:lumMod val="50000"/>
-                  </a:schemeClr>
-                </a:solidFill>
-              </a:endParaRPr>
-            </a:p>
-            <a:p>
-              <a:pPr algn="ctr"/>
-              <a:endParaRPr lang="en-US" sz="800" noProof="1">
-                <a:solidFill>
-                  <a:schemeClr val="tx2">
-                    <a:lumMod val="50000"/>
-                  </a:schemeClr>
-                </a:solidFill>
-              </a:endParaRPr>
-            </a:p>
-            <a:p>
-              <a:pPr algn="ctr"/>
-              <a:endParaRPr lang="en-US" sz="800" noProof="1">
-                <a:solidFill>
-                  <a:schemeClr val="tx2">
-                    <a:lumMod val="50000"/>
-                  </a:schemeClr>
-                </a:solidFill>
-              </a:endParaRPr>
-            </a:p>
-            <a:p>
-              <a:pPr algn="ctr"/>
-              <a:endParaRPr lang="en-US" sz="800" noProof="1">
-                <a:solidFill>
-                  <a:schemeClr val="tx2">
-                    <a:lumMod val="50000"/>
-                  </a:schemeClr>
-                </a:solidFill>
-              </a:endParaRPr>
-            </a:p>
-            <a:p>
-              <a:pPr algn="ctr"/>
-              <a:endParaRPr lang="en-US" sz="800" noProof="1">
-                <a:solidFill>
-                  <a:schemeClr val="tx2">
-                    <a:lumMod val="50000"/>
-                  </a:schemeClr>
-                </a:solidFill>
-              </a:endParaRPr>
-            </a:p>
-            <a:p>
-              <a:pPr algn="ctr"/>
-              <a:endParaRPr lang="en-US" sz="800" noProof="1">
-                <a:solidFill>
-                  <a:schemeClr val="tx2">
-                    <a:lumMod val="50000"/>
-                  </a:schemeClr>
-                </a:solidFill>
-              </a:endParaRPr>
-            </a:p>
-            <a:p>
-              <a:pPr algn="ctr"/>
-              <a:endParaRPr lang="en-US" sz="800" noProof="1">
-                <a:solidFill>
-                  <a:schemeClr val="tx2">
-                    <a:lumMod val="50000"/>
-                  </a:schemeClr>
-                </a:solidFill>
-              </a:endParaRPr>
-            </a:p>
-            <a:p>
-              <a:pPr algn="ctr"/>
-              <a:endParaRPr lang="en-US" sz="800" noProof="1">
-                <a:solidFill>
-                  <a:schemeClr val="tx2">
-                    <a:lumMod val="50000"/>
-                  </a:schemeClr>
-                </a:solidFill>
-              </a:endParaRPr>
-            </a:p>
-            <a:p>
-              <a:pPr algn="ctr"/>
-              <a:endParaRPr lang="en-US" sz="800" noProof="1">
-                <a:solidFill>
-                  <a:schemeClr val="tx2">
-                    <a:lumMod val="50000"/>
-                  </a:schemeClr>
-                </a:solidFill>
-              </a:endParaRPr>
-            </a:p>
-            <a:p>
-              <a:pPr algn="ctr"/>
-              <a:endParaRPr lang="en-US" sz="800" noProof="1">
-                <a:solidFill>
-                  <a:schemeClr val="tx2">
-                    <a:lumMod val="50000"/>
-                  </a:schemeClr>
-                </a:solidFill>
-              </a:endParaRPr>
-            </a:p>
-          </p:txBody>
-        </p:sp>
-        <p:sp>
-          <p:nvSpPr>
-            <p:cNvPr id="33" name="Textfeld 32">
-              <a:extLst>
-                <a:ext uri="{FF2B5EF4-FFF2-40B4-BE49-F238E27FC236}">
-                  <a16:creationId xmlns:a16="http://schemas.microsoft.com/office/drawing/2014/main" id="{25B3B01E-0CC7-0846-80D1-D2844B5C1300}"/>
-                </a:ext>
-              </a:extLst>
-            </p:cNvPr>
-            <p:cNvSpPr txBox="1"/>
-            <p:nvPr/>
-          </p:nvSpPr>
-          <p:spPr>
-            <a:xfrm>
-              <a:off x="2611316" y="4498257"/>
-              <a:ext cx="2022334" cy="706287"/>
+              <a:off x="200651" y="2980833"/>
+              <a:ext cx="1304139" cy="340519"/>
             </a:xfrm>
             <a:prstGeom prst="roundRect">
               <a:avLst/>
@@ -3805,7 +3805,7 @@
             <a:p>
               <a:pPr algn="ctr"/>
               <a:r>
-                <a:rPr lang="en-US" noProof="1">
+                <a:rPr lang="en-US" sz="1400" noProof="1">
                   <a:solidFill>
                     <a:schemeClr val="tx1">
                       <a:lumMod val="95000"/>
@@ -3813,21 +3813,7 @@
                     </a:schemeClr>
                   </a:solidFill>
                 </a:rPr>
-                <a:t>Provenance DB</a:t>
-              </a:r>
-            </a:p>
-            <a:p>
-              <a:pPr algn="ctr"/>
-              <a:r>
-                <a:rPr lang="en-US" sz="1200" noProof="1">
-                  <a:solidFill>
-                    <a:schemeClr val="tx1">
-                      <a:lumMod val="95000"/>
-                      <a:lumOff val="5000"/>
-                    </a:schemeClr>
-                  </a:solidFill>
-                </a:rPr>
-                <a:t>PostgreSQL</a:t>
+                <a:t>HTTP REST API</a:t>
               </a:r>
             </a:p>
           </p:txBody>
@@ -3835,10 +3821,10 @@
       </p:grpSp>
       <p:grpSp>
         <p:nvGrpSpPr>
-          <p:cNvPr id="47" name="Gruppieren 46">
-            <a:extLst>
-              <a:ext uri="{FF2B5EF4-FFF2-40B4-BE49-F238E27FC236}">
-                <a16:creationId xmlns:a16="http://schemas.microsoft.com/office/drawing/2014/main" id="{BC7B51FF-1153-E149-83A6-0936554B9F1F}"/>
+          <p:cNvPr id="4" name="Gruppieren 3">
+            <a:extLst>
+              <a:ext uri="{FF2B5EF4-FFF2-40B4-BE49-F238E27FC236}">
+                <a16:creationId xmlns:a16="http://schemas.microsoft.com/office/drawing/2014/main" id="{1FD7D71D-5582-EA5F-AB52-559D6E08323D}"/>
               </a:ext>
             </a:extLst>
           </p:cNvPr>
@@ -3847,10 +3833,10 @@
         </p:nvGrpSpPr>
         <p:grpSpPr>
           <a:xfrm>
-            <a:off x="2258469" y="2973420"/>
-            <a:ext cx="1297605" cy="544830"/>
-            <a:chOff x="2898396" y="2996940"/>
-            <a:chExt cx="1384418" cy="544830"/>
+            <a:off x="1678458" y="2973420"/>
+            <a:ext cx="1716008" cy="1596449"/>
+            <a:chOff x="2064958" y="2973420"/>
+            <a:chExt cx="1716008" cy="1596449"/>
           </a:xfrm>
         </p:grpSpPr>
         <p:sp>
@@ -3867,8 +3853,8 @@
           </p:nvSpPr>
           <p:spPr>
             <a:xfrm>
-              <a:off x="2974657" y="3041190"/>
-              <a:ext cx="1236655" cy="464037"/>
+              <a:off x="2329948" y="3017670"/>
+              <a:ext cx="1159108" cy="464037"/>
             </a:xfrm>
             <a:prstGeom prst="roundRect">
               <a:avLst>
@@ -3930,8 +3916,8 @@
           </p:nvSpPr>
           <p:spPr>
             <a:xfrm>
-              <a:off x="2898396" y="2996940"/>
-              <a:ext cx="1384418" cy="544830"/>
+              <a:off x="2258469" y="2973420"/>
+              <a:ext cx="1297605" cy="544830"/>
             </a:xfrm>
             <a:prstGeom prst="roundRect">
               <a:avLst/>
@@ -3973,27 +3959,6 @@
             </a:p>
           </p:txBody>
         </p:sp>
-      </p:grpSp>
-      <p:grpSp>
-        <p:nvGrpSpPr>
-          <p:cNvPr id="56" name="Gruppieren 55">
-            <a:extLst>
-              <a:ext uri="{FF2B5EF4-FFF2-40B4-BE49-F238E27FC236}">
-                <a16:creationId xmlns:a16="http://schemas.microsoft.com/office/drawing/2014/main" id="{ADE34523-5BFF-ED45-88AA-29778DC79D3F}"/>
-              </a:ext>
-            </a:extLst>
-          </p:cNvPr>
-          <p:cNvGrpSpPr/>
-          <p:nvPr/>
-        </p:nvGrpSpPr>
-        <p:grpSpPr>
-          <a:xfrm>
-            <a:off x="2256710" y="3500229"/>
-            <a:ext cx="1297605" cy="544830"/>
-            <a:chOff x="2898396" y="2996940"/>
-            <a:chExt cx="1384418" cy="544830"/>
-          </a:xfrm>
-        </p:grpSpPr>
         <p:sp>
           <p:nvSpPr>
             <p:cNvPr id="57" name="Abgerundetes Rechteck 56">
@@ -4008,8 +3973,8 @@
           </p:nvSpPr>
           <p:spPr>
             <a:xfrm>
-              <a:off x="2974657" y="3041190"/>
-              <a:ext cx="1236655" cy="464037"/>
+              <a:off x="2328189" y="3544479"/>
+              <a:ext cx="1159108" cy="464037"/>
             </a:xfrm>
             <a:prstGeom prst="roundRect">
               <a:avLst>
@@ -4071,8 +4036,8 @@
           </p:nvSpPr>
           <p:spPr>
             <a:xfrm>
-              <a:off x="2898396" y="2996940"/>
-              <a:ext cx="1384418" cy="544830"/>
+              <a:off x="2256710" y="3500229"/>
+              <a:ext cx="1297605" cy="544830"/>
             </a:xfrm>
             <a:prstGeom prst="roundRect">
               <a:avLst/>
@@ -4114,27 +4079,6 @@
             </a:p>
           </p:txBody>
         </p:sp>
-      </p:grpSp>
-      <p:grpSp>
-        <p:nvGrpSpPr>
-          <p:cNvPr id="59" name="Gruppieren 58">
-            <a:extLst>
-              <a:ext uri="{FF2B5EF4-FFF2-40B4-BE49-F238E27FC236}">
-                <a16:creationId xmlns:a16="http://schemas.microsoft.com/office/drawing/2014/main" id="{314784D3-F0CF-7942-B417-59EF456CF275}"/>
-              </a:ext>
-            </a:extLst>
-          </p:cNvPr>
-          <p:cNvGrpSpPr/>
-          <p:nvPr/>
-        </p:nvGrpSpPr>
-        <p:grpSpPr>
-          <a:xfrm>
-            <a:off x="2262857" y="4025039"/>
-            <a:ext cx="1297605" cy="544830"/>
-            <a:chOff x="2898396" y="2996940"/>
-            <a:chExt cx="1384418" cy="544830"/>
-          </a:xfrm>
-        </p:grpSpPr>
         <p:sp>
           <p:nvSpPr>
             <p:cNvPr id="60" name="Abgerundetes Rechteck 59">
@@ -4149,8 +4093,8 @@
           </p:nvSpPr>
           <p:spPr>
             <a:xfrm>
-              <a:off x="2974657" y="3041190"/>
-              <a:ext cx="1236655" cy="464037"/>
+              <a:off x="2334336" y="4069289"/>
+              <a:ext cx="1159108" cy="464037"/>
             </a:xfrm>
             <a:prstGeom prst="roundRect">
               <a:avLst>
@@ -4212,8 +4156,8 @@
           </p:nvSpPr>
           <p:spPr>
             <a:xfrm>
-              <a:off x="2898396" y="2996940"/>
-              <a:ext cx="1384418" cy="544830"/>
+              <a:off x="2262857" y="4025039"/>
+              <a:ext cx="1297605" cy="544830"/>
             </a:xfrm>
             <a:prstGeom prst="roundRect">
               <a:avLst/>
@@ -4255,38 +4199,196 @@
             </a:p>
           </p:txBody>
         </p:sp>
-      </p:grpSp>
-      <p:grpSp>
-        <p:nvGrpSpPr>
-          <p:cNvPr id="21" name="Gruppieren 20">
-            <a:extLst>
-              <a:ext uri="{FF2B5EF4-FFF2-40B4-BE49-F238E27FC236}">
-                <a16:creationId xmlns:a16="http://schemas.microsoft.com/office/drawing/2014/main" id="{77A2B7C8-22A1-1947-AD80-E935D0E422A0}"/>
-              </a:ext>
-            </a:extLst>
-          </p:cNvPr>
-          <p:cNvGrpSpPr/>
-          <p:nvPr/>
-        </p:nvGrpSpPr>
-        <p:grpSpPr>
-          <a:xfrm>
-            <a:off x="3876308" y="4166947"/>
-            <a:ext cx="1807161" cy="796371"/>
-            <a:chOff x="2593854" y="4310634"/>
-            <a:chExt cx="2039796" cy="917663"/>
-          </a:xfrm>
-          <a:solidFill>
-            <a:schemeClr val="bg1">
-              <a:lumMod val="75000"/>
-            </a:schemeClr>
-          </a:solidFill>
-        </p:grpSpPr>
+        <p:cxnSp>
+          <p:nvCxnSpPr>
+            <p:cNvPr id="69" name="Gerade Verbindung mit Pfeil 68">
+              <a:extLst>
+                <a:ext uri="{FF2B5EF4-FFF2-40B4-BE49-F238E27FC236}">
+                  <a16:creationId xmlns:a16="http://schemas.microsoft.com/office/drawing/2014/main" id="{7C65C1EC-150B-CE41-B887-47825BF365CC}"/>
+                </a:ext>
+              </a:extLst>
+            </p:cNvPr>
+            <p:cNvCxnSpPr>
+              <a:cxnSpLocks/>
+              <a:endCxn id="114" idx="2"/>
+            </p:cNvCxnSpPr>
+            <p:nvPr/>
+          </p:nvCxnSpPr>
+          <p:spPr>
+            <a:xfrm flipV="1">
+              <a:off x="2064958" y="3250250"/>
+              <a:ext cx="232631" cy="0"/>
+            </a:xfrm>
+            <a:prstGeom prst="straightConnector1">
+              <a:avLst/>
+            </a:prstGeom>
+            <a:ln w="19050">
+              <a:solidFill>
+                <a:schemeClr val="tx1"/>
+              </a:solidFill>
+              <a:headEnd type="none" w="lg" len="med"/>
+              <a:tailEnd type="triangle" w="lg" len="med"/>
+            </a:ln>
+          </p:spPr>
+          <p:style>
+            <a:lnRef idx="1">
+              <a:schemeClr val="accent1"/>
+            </a:lnRef>
+            <a:fillRef idx="0">
+              <a:schemeClr val="accent1"/>
+            </a:fillRef>
+            <a:effectRef idx="0">
+              <a:schemeClr val="accent1"/>
+            </a:effectRef>
+            <a:fontRef idx="minor">
+              <a:schemeClr val="tx1"/>
+            </a:fontRef>
+          </p:style>
+        </p:cxnSp>
+        <p:cxnSp>
+          <p:nvCxnSpPr>
+            <p:cNvPr id="70" name="Gerade Verbindung mit Pfeil 69">
+              <a:extLst>
+                <a:ext uri="{FF2B5EF4-FFF2-40B4-BE49-F238E27FC236}">
+                  <a16:creationId xmlns:a16="http://schemas.microsoft.com/office/drawing/2014/main" id="{AA774FBD-8FAA-7448-8A5B-F5BA7868B559}"/>
+                </a:ext>
+              </a:extLst>
+            </p:cNvPr>
+            <p:cNvCxnSpPr>
+              <a:cxnSpLocks/>
+              <a:endCxn id="111" idx="0"/>
+            </p:cNvCxnSpPr>
+            <p:nvPr/>
+          </p:nvCxnSpPr>
+          <p:spPr>
+            <a:xfrm flipH="1" flipV="1">
+              <a:off x="3519480" y="3252428"/>
+              <a:ext cx="261486" cy="1674"/>
+            </a:xfrm>
+            <a:prstGeom prst="straightConnector1">
+              <a:avLst/>
+            </a:prstGeom>
+            <a:ln w="19050">
+              <a:solidFill>
+                <a:schemeClr val="tx1"/>
+              </a:solidFill>
+              <a:headEnd type="none" w="lg" len="med"/>
+              <a:tailEnd type="triangle" w="lg" len="med"/>
+            </a:ln>
+          </p:spPr>
+          <p:style>
+            <a:lnRef idx="1">
+              <a:schemeClr val="accent1"/>
+            </a:lnRef>
+            <a:fillRef idx="0">
+              <a:schemeClr val="accent1"/>
+            </a:fillRef>
+            <a:effectRef idx="0">
+              <a:schemeClr val="accent1"/>
+            </a:effectRef>
+            <a:fontRef idx="minor">
+              <a:schemeClr val="tx1"/>
+            </a:fontRef>
+          </p:style>
+        </p:cxnSp>
+        <p:cxnSp>
+          <p:nvCxnSpPr>
+            <p:cNvPr id="72" name="Gerade Verbindung mit Pfeil 71">
+              <a:extLst>
+                <a:ext uri="{FF2B5EF4-FFF2-40B4-BE49-F238E27FC236}">
+                  <a16:creationId xmlns:a16="http://schemas.microsoft.com/office/drawing/2014/main" id="{2E5F183C-22E2-BA40-B0FD-DB8431BA6C80}"/>
+                </a:ext>
+              </a:extLst>
+            </p:cNvPr>
+            <p:cNvCxnSpPr>
+              <a:cxnSpLocks/>
+              <a:endCxn id="118" idx="0"/>
+            </p:cNvCxnSpPr>
+            <p:nvPr/>
+          </p:nvCxnSpPr>
+          <p:spPr>
+            <a:xfrm flipH="1">
+              <a:off x="3519479" y="3779489"/>
+              <a:ext cx="255408" cy="1"/>
+            </a:xfrm>
+            <a:prstGeom prst="straightConnector1">
+              <a:avLst/>
+            </a:prstGeom>
+            <a:ln w="19050">
+              <a:solidFill>
+                <a:schemeClr val="tx1"/>
+              </a:solidFill>
+              <a:headEnd type="none" w="lg" len="med"/>
+              <a:tailEnd type="triangle" w="lg" len="med"/>
+            </a:ln>
+          </p:spPr>
+          <p:style>
+            <a:lnRef idx="1">
+              <a:schemeClr val="accent1"/>
+            </a:lnRef>
+            <a:fillRef idx="0">
+              <a:schemeClr val="accent1"/>
+            </a:fillRef>
+            <a:effectRef idx="0">
+              <a:schemeClr val="accent1"/>
+            </a:effectRef>
+            <a:fontRef idx="minor">
+              <a:schemeClr val="tx1"/>
+            </a:fontRef>
+          </p:style>
+        </p:cxnSp>
+        <p:cxnSp>
+          <p:nvCxnSpPr>
+            <p:cNvPr id="73" name="Gerade Verbindung mit Pfeil 72">
+              <a:extLst>
+                <a:ext uri="{FF2B5EF4-FFF2-40B4-BE49-F238E27FC236}">
+                  <a16:creationId xmlns:a16="http://schemas.microsoft.com/office/drawing/2014/main" id="{746B4B6A-EC1C-C94E-9703-C8D4062C3CBC}"/>
+                </a:ext>
+              </a:extLst>
+            </p:cNvPr>
+            <p:cNvCxnSpPr>
+              <a:cxnSpLocks/>
+              <a:endCxn id="119" idx="0"/>
+            </p:cNvCxnSpPr>
+            <p:nvPr/>
+          </p:nvCxnSpPr>
+          <p:spPr>
+            <a:xfrm flipH="1">
+              <a:off x="3523013" y="4302100"/>
+              <a:ext cx="250893" cy="0"/>
+            </a:xfrm>
+            <a:prstGeom prst="straightConnector1">
+              <a:avLst/>
+            </a:prstGeom>
+            <a:ln w="19050">
+              <a:solidFill>
+                <a:schemeClr val="tx1"/>
+              </a:solidFill>
+              <a:headEnd type="none" w="lg" len="med"/>
+              <a:tailEnd type="triangle" w="lg" len="med"/>
+            </a:ln>
+          </p:spPr>
+          <p:style>
+            <a:lnRef idx="1">
+              <a:schemeClr val="accent1"/>
+            </a:lnRef>
+            <a:fillRef idx="0">
+              <a:schemeClr val="accent1"/>
+            </a:fillRef>
+            <a:effectRef idx="0">
+              <a:schemeClr val="accent1"/>
+            </a:effectRef>
+            <a:fontRef idx="minor">
+              <a:schemeClr val="tx1"/>
+            </a:fontRef>
+          </p:style>
+        </p:cxnSp>
         <p:sp>
           <p:nvSpPr>
-            <p:cNvPr id="7" name="Zylinder 6">
+            <p:cNvPr id="111" name="Abgerundetes Rechteck 110">
               <a:extLst>
                 <a:ext uri="{FF2B5EF4-FFF2-40B4-BE49-F238E27FC236}">
-                  <a16:creationId xmlns:a16="http://schemas.microsoft.com/office/drawing/2014/main" id="{08926880-1B4C-2C48-9C73-12F8FEB4C617}"/>
+                  <a16:creationId xmlns:a16="http://schemas.microsoft.com/office/drawing/2014/main" id="{A49069D5-440A-5F47-A7BD-30FC2CC0712E}"/>
                 </a:ext>
               </a:extLst>
             </p:cNvPr>
@@ -4294,466 +4396,20 @@
             <p:nvPr/>
           </p:nvSpPr>
           <p:spPr>
-            <a:xfrm>
-              <a:off x="2593854" y="4310634"/>
-              <a:ext cx="2039796" cy="917663"/>
-            </a:xfrm>
-            <a:prstGeom prst="can">
-              <a:avLst>
-                <a:gd name="adj" fmla="val 21079"/>
-              </a:avLst>
-            </a:prstGeom>
-            <a:grpFill/>
-            <a:ln w="19050">
-              <a:solidFill>
-                <a:schemeClr val="tx1">
-                  <a:lumMod val="95000"/>
-                  <a:lumOff val="5000"/>
-                </a:schemeClr>
-              </a:solidFill>
-            </a:ln>
-          </p:spPr>
-          <p:style>
-            <a:lnRef idx="2">
-              <a:schemeClr val="accent1">
-                <a:shade val="50000"/>
-              </a:schemeClr>
-            </a:lnRef>
-            <a:fillRef idx="1">
-              <a:schemeClr val="accent1"/>
-            </a:fillRef>
-            <a:effectRef idx="0">
-              <a:schemeClr val="accent1"/>
-            </a:effectRef>
-            <a:fontRef idx="minor">
-              <a:schemeClr val="lt1"/>
-            </a:fontRef>
-          </p:style>
-          <p:txBody>
-            <a:bodyPr rtlCol="0" anchor="ctr"/>
-            <a:lstStyle/>
-            <a:p>
-              <a:pPr algn="ctr"/>
-              <a:endParaRPr lang="en-US" sz="800" noProof="1">
-                <a:solidFill>
-                  <a:schemeClr val="tx2">
-                    <a:lumMod val="50000"/>
-                  </a:schemeClr>
-                </a:solidFill>
-              </a:endParaRPr>
-            </a:p>
-            <a:p>
-              <a:pPr algn="ctr"/>
-              <a:endParaRPr lang="en-US" sz="800" noProof="1">
-                <a:solidFill>
-                  <a:schemeClr val="tx2">
-                    <a:lumMod val="50000"/>
-                  </a:schemeClr>
-                </a:solidFill>
-              </a:endParaRPr>
-            </a:p>
-            <a:p>
-              <a:pPr algn="ctr"/>
-              <a:endParaRPr lang="en-US" sz="800" noProof="1">
-                <a:solidFill>
-                  <a:schemeClr val="tx2">
-                    <a:lumMod val="50000"/>
-                  </a:schemeClr>
-                </a:solidFill>
-              </a:endParaRPr>
-            </a:p>
-            <a:p>
-              <a:pPr algn="ctr"/>
-              <a:endParaRPr lang="en-US" sz="800" noProof="1">
-                <a:solidFill>
-                  <a:schemeClr val="tx2">
-                    <a:lumMod val="50000"/>
-                  </a:schemeClr>
-                </a:solidFill>
-              </a:endParaRPr>
-            </a:p>
-            <a:p>
-              <a:pPr algn="ctr"/>
-              <a:endParaRPr lang="en-US" sz="800" noProof="1">
-                <a:solidFill>
-                  <a:schemeClr val="tx2">
-                    <a:lumMod val="50000"/>
-                  </a:schemeClr>
-                </a:solidFill>
-              </a:endParaRPr>
-            </a:p>
-            <a:p>
-              <a:pPr algn="ctr"/>
-              <a:endParaRPr lang="en-US" sz="800" noProof="1">
-                <a:solidFill>
-                  <a:schemeClr val="tx2">
-                    <a:lumMod val="50000"/>
-                  </a:schemeClr>
-                </a:solidFill>
-              </a:endParaRPr>
-            </a:p>
-            <a:p>
-              <a:pPr algn="ctr"/>
-              <a:endParaRPr lang="en-US" sz="800" noProof="1">
-                <a:solidFill>
-                  <a:schemeClr val="tx2">
-                    <a:lumMod val="50000"/>
-                  </a:schemeClr>
-                </a:solidFill>
-              </a:endParaRPr>
-            </a:p>
-            <a:p>
-              <a:pPr algn="ctr"/>
-              <a:endParaRPr lang="en-US" sz="800" noProof="1">
-                <a:solidFill>
-                  <a:schemeClr val="tx2">
-                    <a:lumMod val="50000"/>
-                  </a:schemeClr>
-                </a:solidFill>
-              </a:endParaRPr>
-            </a:p>
-            <a:p>
-              <a:pPr algn="ctr"/>
-              <a:endParaRPr lang="en-US" sz="800" noProof="1">
-                <a:solidFill>
-                  <a:schemeClr val="tx2">
-                    <a:lumMod val="50000"/>
-                  </a:schemeClr>
-                </a:solidFill>
-              </a:endParaRPr>
-            </a:p>
-            <a:p>
-              <a:pPr algn="ctr"/>
-              <a:endParaRPr lang="en-US" sz="800" noProof="1">
-                <a:solidFill>
-                  <a:schemeClr val="tx2">
-                    <a:lumMod val="50000"/>
-                  </a:schemeClr>
-                </a:solidFill>
-              </a:endParaRPr>
-            </a:p>
-            <a:p>
-              <a:pPr algn="ctr"/>
-              <a:endParaRPr lang="en-US" sz="800" noProof="1">
-                <a:solidFill>
-                  <a:schemeClr val="tx2">
-                    <a:lumMod val="50000"/>
-                  </a:schemeClr>
-                </a:solidFill>
-              </a:endParaRPr>
-            </a:p>
-            <a:p>
-              <a:pPr algn="ctr"/>
-              <a:endParaRPr lang="en-US" sz="800" noProof="1">
-                <a:solidFill>
-                  <a:schemeClr val="tx2">
-                    <a:lumMod val="50000"/>
-                  </a:schemeClr>
-                </a:solidFill>
-              </a:endParaRPr>
-            </a:p>
-            <a:p>
-              <a:pPr algn="ctr"/>
-              <a:endParaRPr lang="en-US" sz="800" noProof="1">
-                <a:solidFill>
-                  <a:schemeClr val="tx2">
-                    <a:lumMod val="50000"/>
-                  </a:schemeClr>
-                </a:solidFill>
-              </a:endParaRPr>
-            </a:p>
-          </p:txBody>
-        </p:sp>
-        <p:sp>
-          <p:nvSpPr>
-            <p:cNvPr id="20" name="Textfeld 19">
-              <a:extLst>
-                <a:ext uri="{FF2B5EF4-FFF2-40B4-BE49-F238E27FC236}">
-                  <a16:creationId xmlns:a16="http://schemas.microsoft.com/office/drawing/2014/main" id="{8E810E0C-7B3D-2148-9CA3-4D19534DF489}"/>
-                </a:ext>
-              </a:extLst>
-            </p:cNvPr>
-            <p:cNvSpPr txBox="1"/>
-            <p:nvPr/>
-          </p:nvSpPr>
-          <p:spPr>
-            <a:xfrm>
-              <a:off x="2785104" y="4516268"/>
-              <a:ext cx="1647357" cy="706287"/>
-            </a:xfrm>
-            <a:prstGeom prst="roundRect">
-              <a:avLst/>
-            </a:prstGeom>
-            <a:noFill/>
-          </p:spPr>
-          <p:txBody>
-            <a:bodyPr wrap="square" rtlCol="0">
-              <a:spAutoFit/>
-            </a:bodyPr>
-            <a:lstStyle/>
-            <a:p>
-              <a:pPr algn="ctr"/>
-              <a:r>
-                <a:rPr lang="en-US" noProof="1">
-                  <a:solidFill>
-                    <a:schemeClr val="tx1">
-                      <a:lumMod val="95000"/>
-                      <a:lumOff val="5000"/>
-                    </a:schemeClr>
-                  </a:solidFill>
-                </a:rPr>
-                <a:t>NISQ DB</a:t>
-              </a:r>
-            </a:p>
-            <a:p>
-              <a:pPr algn="ctr"/>
-              <a:r>
-                <a:rPr lang="en-US" sz="1200" noProof="1">
-                  <a:solidFill>
-                    <a:schemeClr val="tx1">
-                      <a:lumMod val="95000"/>
-                      <a:lumOff val="5000"/>
-                    </a:schemeClr>
-                  </a:solidFill>
-                </a:rPr>
-                <a:t>PostgreSQL</a:t>
-              </a:r>
-            </a:p>
-          </p:txBody>
-        </p:sp>
-      </p:grpSp>
-      <p:cxnSp>
-        <p:nvCxnSpPr>
-          <p:cNvPr id="69" name="Gerade Verbindung mit Pfeil 68">
-            <a:extLst>
-              <a:ext uri="{FF2B5EF4-FFF2-40B4-BE49-F238E27FC236}">
-                <a16:creationId xmlns:a16="http://schemas.microsoft.com/office/drawing/2014/main" id="{7C65C1EC-150B-CE41-B887-47825BF365CC}"/>
-              </a:ext>
-            </a:extLst>
-          </p:cNvPr>
-          <p:cNvCxnSpPr>
-            <a:cxnSpLocks/>
-            <a:endCxn id="114" idx="2"/>
-          </p:cNvCxnSpPr>
-          <p:nvPr/>
-        </p:nvCxnSpPr>
-        <p:spPr>
-          <a:xfrm flipV="1">
-            <a:off x="2064958" y="3250250"/>
-            <a:ext cx="232631" cy="0"/>
-          </a:xfrm>
-          <a:prstGeom prst="straightConnector1">
-            <a:avLst/>
-          </a:prstGeom>
-          <a:ln w="19050">
-            <a:solidFill>
-              <a:schemeClr val="tx1"/>
-            </a:solidFill>
-            <a:headEnd type="none" w="lg" len="med"/>
-            <a:tailEnd type="triangle" w="lg" len="med"/>
-          </a:ln>
-        </p:spPr>
-        <p:style>
-          <a:lnRef idx="1">
-            <a:schemeClr val="accent1"/>
-          </a:lnRef>
-          <a:fillRef idx="0">
-            <a:schemeClr val="accent1"/>
-          </a:fillRef>
-          <a:effectRef idx="0">
-            <a:schemeClr val="accent1"/>
-          </a:effectRef>
-          <a:fontRef idx="minor">
-            <a:schemeClr val="tx1"/>
-          </a:fontRef>
-        </p:style>
-      </p:cxnSp>
-      <p:cxnSp>
-        <p:nvCxnSpPr>
-          <p:cNvPr id="70" name="Gerade Verbindung mit Pfeil 69">
-            <a:extLst>
-              <a:ext uri="{FF2B5EF4-FFF2-40B4-BE49-F238E27FC236}">
-                <a16:creationId xmlns:a16="http://schemas.microsoft.com/office/drawing/2014/main" id="{AA774FBD-8FAA-7448-8A5B-F5BA7868B559}"/>
-              </a:ext>
-            </a:extLst>
-          </p:cNvPr>
-          <p:cNvCxnSpPr>
-            <a:cxnSpLocks/>
-            <a:endCxn id="111" idx="0"/>
-          </p:cNvCxnSpPr>
-          <p:nvPr/>
-        </p:nvCxnSpPr>
-        <p:spPr>
-          <a:xfrm flipH="1" flipV="1">
-            <a:off x="3519480" y="3252428"/>
-            <a:ext cx="261486" cy="1674"/>
-          </a:xfrm>
-          <a:prstGeom prst="straightConnector1">
-            <a:avLst/>
-          </a:prstGeom>
-          <a:ln w="19050">
-            <a:solidFill>
-              <a:schemeClr val="tx1"/>
-            </a:solidFill>
-            <a:headEnd type="none" w="lg" len="med"/>
-            <a:tailEnd type="triangle" w="lg" len="med"/>
-          </a:ln>
-        </p:spPr>
-        <p:style>
-          <a:lnRef idx="1">
-            <a:schemeClr val="accent1"/>
-          </a:lnRef>
-          <a:fillRef idx="0">
-            <a:schemeClr val="accent1"/>
-          </a:fillRef>
-          <a:effectRef idx="0">
-            <a:schemeClr val="accent1"/>
-          </a:effectRef>
-          <a:fontRef idx="minor">
-            <a:schemeClr val="tx1"/>
-          </a:fontRef>
-        </p:style>
-      </p:cxnSp>
-      <p:cxnSp>
-        <p:nvCxnSpPr>
-          <p:cNvPr id="72" name="Gerade Verbindung mit Pfeil 71">
-            <a:extLst>
-              <a:ext uri="{FF2B5EF4-FFF2-40B4-BE49-F238E27FC236}">
-                <a16:creationId xmlns:a16="http://schemas.microsoft.com/office/drawing/2014/main" id="{2E5F183C-22E2-BA40-B0FD-DB8431BA6C80}"/>
-              </a:ext>
-            </a:extLst>
-          </p:cNvPr>
-          <p:cNvCxnSpPr>
-            <a:cxnSpLocks/>
-            <a:endCxn id="118" idx="0"/>
-          </p:cNvCxnSpPr>
-          <p:nvPr/>
-        </p:nvCxnSpPr>
-        <p:spPr>
-          <a:xfrm flipH="1">
-            <a:off x="3519479" y="3779489"/>
-            <a:ext cx="255408" cy="1"/>
-          </a:xfrm>
-          <a:prstGeom prst="straightConnector1">
-            <a:avLst/>
-          </a:prstGeom>
-          <a:ln w="19050">
-            <a:solidFill>
-              <a:schemeClr val="tx1"/>
-            </a:solidFill>
-            <a:headEnd type="none" w="lg" len="med"/>
-            <a:tailEnd type="triangle" w="lg" len="med"/>
-          </a:ln>
-        </p:spPr>
-        <p:style>
-          <a:lnRef idx="1">
-            <a:schemeClr val="accent1"/>
-          </a:lnRef>
-          <a:fillRef idx="0">
-            <a:schemeClr val="accent1"/>
-          </a:fillRef>
-          <a:effectRef idx="0">
-            <a:schemeClr val="accent1"/>
-          </a:effectRef>
-          <a:fontRef idx="minor">
-            <a:schemeClr val="tx1"/>
-          </a:fontRef>
-        </p:style>
-      </p:cxnSp>
-      <p:cxnSp>
-        <p:nvCxnSpPr>
-          <p:cNvPr id="73" name="Gerade Verbindung mit Pfeil 72">
-            <a:extLst>
-              <a:ext uri="{FF2B5EF4-FFF2-40B4-BE49-F238E27FC236}">
-                <a16:creationId xmlns:a16="http://schemas.microsoft.com/office/drawing/2014/main" id="{746B4B6A-EC1C-C94E-9703-C8D4062C3CBC}"/>
-              </a:ext>
-            </a:extLst>
-          </p:cNvPr>
-          <p:cNvCxnSpPr>
-            <a:cxnSpLocks/>
-            <a:endCxn id="119" idx="0"/>
-          </p:cNvCxnSpPr>
-          <p:nvPr/>
-        </p:nvCxnSpPr>
-        <p:spPr>
-          <a:xfrm flipH="1">
-            <a:off x="3523013" y="4302100"/>
-            <a:ext cx="250893" cy="0"/>
-          </a:xfrm>
-          <a:prstGeom prst="straightConnector1">
-            <a:avLst/>
-          </a:prstGeom>
-          <a:ln w="19050">
-            <a:solidFill>
-              <a:schemeClr val="tx1"/>
-            </a:solidFill>
-            <a:headEnd type="none" w="lg" len="med"/>
-            <a:tailEnd type="triangle" w="lg" len="med"/>
-          </a:ln>
-        </p:spPr>
-        <p:style>
-          <a:lnRef idx="1">
-            <a:schemeClr val="accent1"/>
-          </a:lnRef>
-          <a:fillRef idx="0">
-            <a:schemeClr val="accent1"/>
-          </a:fillRef>
-          <a:effectRef idx="0">
-            <a:schemeClr val="accent1"/>
-          </a:effectRef>
-          <a:fontRef idx="minor">
-            <a:schemeClr val="tx1"/>
-          </a:fontRef>
-        </p:style>
-      </p:cxnSp>
-      <p:grpSp>
-        <p:nvGrpSpPr>
-          <p:cNvPr id="74" name="Gruppieren 73">
-            <a:extLst>
-              <a:ext uri="{FF2B5EF4-FFF2-40B4-BE49-F238E27FC236}">
-                <a16:creationId xmlns:a16="http://schemas.microsoft.com/office/drawing/2014/main" id="{639687DB-7F35-394D-A543-3FB6AF436EB7}"/>
-              </a:ext>
-            </a:extLst>
-          </p:cNvPr>
-          <p:cNvGrpSpPr/>
-          <p:nvPr/>
-        </p:nvGrpSpPr>
-        <p:grpSpPr>
-          <a:xfrm>
-            <a:off x="7927690" y="3076309"/>
-            <a:ext cx="2003162" cy="1327775"/>
-            <a:chOff x="2974656" y="2959163"/>
-            <a:chExt cx="2032657" cy="776988"/>
-          </a:xfrm>
-          <a:solidFill>
-            <a:schemeClr val="bg1">
-              <a:lumMod val="95000"/>
-            </a:schemeClr>
-          </a:solidFill>
-        </p:grpSpPr>
-        <p:sp>
-          <p:nvSpPr>
-            <p:cNvPr id="75" name="Abgerundetes Rechteck 74">
-              <a:extLst>
-                <a:ext uri="{FF2B5EF4-FFF2-40B4-BE49-F238E27FC236}">
-                  <a16:creationId xmlns:a16="http://schemas.microsoft.com/office/drawing/2014/main" id="{B87E6DAE-D03A-F24B-BF2C-9F1ED303B3E6}"/>
-                </a:ext>
-              </a:extLst>
-            </p:cNvPr>
-            <p:cNvSpPr/>
-            <p:nvPr/>
-          </p:nvSpPr>
-          <p:spPr>
-            <a:xfrm>
-              <a:off x="2974656" y="2959163"/>
-              <a:ext cx="2032657" cy="776988"/>
+            <a:xfrm rot="5400000">
+              <a:off x="3325667" y="3214328"/>
+              <a:ext cx="311435" cy="76198"/>
             </a:xfrm>
             <a:prstGeom prst="roundRect">
               <a:avLst>
                 <a:gd name="adj" fmla="val 4496"/>
               </a:avLst>
             </a:prstGeom>
-            <a:grpFill/>
+            <a:solidFill>
+              <a:schemeClr val="bg1">
+                <a:lumMod val="85000"/>
+              </a:schemeClr>
+            </a:solidFill>
             <a:ln w="19050">
               <a:solidFill>
                 <a:schemeClr val="tx1"/>
@@ -4792,10 +4448,329 @@
         </p:sp>
         <p:sp>
           <p:nvSpPr>
-            <p:cNvPr id="76" name="Textfeld 75">
+            <p:cNvPr id="114" name="Abgerundetes Rechteck 113">
               <a:extLst>
                 <a:ext uri="{FF2B5EF4-FFF2-40B4-BE49-F238E27FC236}">
-                  <a16:creationId xmlns:a16="http://schemas.microsoft.com/office/drawing/2014/main" id="{F8FB2B71-42EB-7C4D-A2C2-D10CEE8B4F4D}"/>
+                  <a16:creationId xmlns:a16="http://schemas.microsoft.com/office/drawing/2014/main" id="{A6C9225D-1C6B-BB4E-BE93-759472CC27AB}"/>
+                </a:ext>
+              </a:extLst>
+            </p:cNvPr>
+            <p:cNvSpPr/>
+            <p:nvPr/>
+          </p:nvSpPr>
+          <p:spPr>
+            <a:xfrm rot="5400000">
+              <a:off x="2179970" y="3212150"/>
+              <a:ext cx="311435" cy="76198"/>
+            </a:xfrm>
+            <a:prstGeom prst="roundRect">
+              <a:avLst>
+                <a:gd name="adj" fmla="val 4496"/>
+              </a:avLst>
+            </a:prstGeom>
+            <a:solidFill>
+              <a:schemeClr val="bg1">
+                <a:lumMod val="85000"/>
+              </a:schemeClr>
+            </a:solidFill>
+            <a:ln w="19050">
+              <a:solidFill>
+                <a:schemeClr val="tx1"/>
+              </a:solidFill>
+            </a:ln>
+          </p:spPr>
+          <p:style>
+            <a:lnRef idx="2">
+              <a:schemeClr val="accent1">
+                <a:shade val="50000"/>
+              </a:schemeClr>
+            </a:lnRef>
+            <a:fillRef idx="1">
+              <a:schemeClr val="accent1"/>
+            </a:fillRef>
+            <a:effectRef idx="0">
+              <a:schemeClr val="accent1"/>
+            </a:effectRef>
+            <a:fontRef idx="minor">
+              <a:schemeClr val="lt1"/>
+            </a:fontRef>
+          </p:style>
+          <p:txBody>
+            <a:bodyPr rot="0" spcFirstLastPara="0" vertOverflow="overflow" horzOverflow="overflow" vert="horz" wrap="square" lIns="91440" tIns="45720" rIns="91440" bIns="45720" numCol="1" spcCol="0" rtlCol="0" fromWordArt="0" anchor="ctr" anchorCtr="0" forceAA="0" compatLnSpc="1">
+              <a:prstTxWarp prst="textNoShape">
+                <a:avLst/>
+              </a:prstTxWarp>
+              <a:noAutofit/>
+            </a:bodyPr>
+            <a:lstStyle/>
+            <a:p>
+              <a:pPr algn="ctr"/>
+              <a:endParaRPr lang="en-US"/>
+            </a:p>
+          </p:txBody>
+        </p:sp>
+        <p:sp>
+          <p:nvSpPr>
+            <p:cNvPr id="118" name="Abgerundetes Rechteck 117">
+              <a:extLst>
+                <a:ext uri="{FF2B5EF4-FFF2-40B4-BE49-F238E27FC236}">
+                  <a16:creationId xmlns:a16="http://schemas.microsoft.com/office/drawing/2014/main" id="{A77D4437-5DFE-F948-937F-B3D075438833}"/>
+                </a:ext>
+              </a:extLst>
+            </p:cNvPr>
+            <p:cNvSpPr/>
+            <p:nvPr/>
+          </p:nvSpPr>
+          <p:spPr>
+            <a:xfrm rot="5400000">
+              <a:off x="3325666" y="3741384"/>
+              <a:ext cx="311435" cy="76198"/>
+            </a:xfrm>
+            <a:prstGeom prst="roundRect">
+              <a:avLst>
+                <a:gd name="adj" fmla="val 4496"/>
+              </a:avLst>
+            </a:prstGeom>
+            <a:solidFill>
+              <a:schemeClr val="bg1">
+                <a:lumMod val="85000"/>
+              </a:schemeClr>
+            </a:solidFill>
+            <a:ln w="19050">
+              <a:solidFill>
+                <a:schemeClr val="tx1"/>
+              </a:solidFill>
+            </a:ln>
+          </p:spPr>
+          <p:style>
+            <a:lnRef idx="2">
+              <a:schemeClr val="accent1">
+                <a:shade val="50000"/>
+              </a:schemeClr>
+            </a:lnRef>
+            <a:fillRef idx="1">
+              <a:schemeClr val="accent1"/>
+            </a:fillRef>
+            <a:effectRef idx="0">
+              <a:schemeClr val="accent1"/>
+            </a:effectRef>
+            <a:fontRef idx="minor">
+              <a:schemeClr val="lt1"/>
+            </a:fontRef>
+          </p:style>
+          <p:txBody>
+            <a:bodyPr rot="0" spcFirstLastPara="0" vertOverflow="overflow" horzOverflow="overflow" vert="horz" wrap="square" lIns="91440" tIns="45720" rIns="91440" bIns="45720" numCol="1" spcCol="0" rtlCol="0" fromWordArt="0" anchor="ctr" anchorCtr="0" forceAA="0" compatLnSpc="1">
+              <a:prstTxWarp prst="textNoShape">
+                <a:avLst/>
+              </a:prstTxWarp>
+              <a:noAutofit/>
+            </a:bodyPr>
+            <a:lstStyle/>
+            <a:p>
+              <a:pPr algn="ctr"/>
+              <a:endParaRPr lang="en-US"/>
+            </a:p>
+          </p:txBody>
+        </p:sp>
+        <p:sp>
+          <p:nvSpPr>
+            <p:cNvPr id="119" name="Abgerundetes Rechteck 118">
+              <a:extLst>
+                <a:ext uri="{FF2B5EF4-FFF2-40B4-BE49-F238E27FC236}">
+                  <a16:creationId xmlns:a16="http://schemas.microsoft.com/office/drawing/2014/main" id="{4630578E-4F4B-F546-9DC5-5BA749309AE5}"/>
+                </a:ext>
+              </a:extLst>
+            </p:cNvPr>
+            <p:cNvSpPr/>
+            <p:nvPr/>
+          </p:nvSpPr>
+          <p:spPr>
+            <a:xfrm rot="5400000">
+              <a:off x="3329196" y="4264000"/>
+              <a:ext cx="311435" cy="76198"/>
+            </a:xfrm>
+            <a:prstGeom prst="roundRect">
+              <a:avLst>
+                <a:gd name="adj" fmla="val 4496"/>
+              </a:avLst>
+            </a:prstGeom>
+            <a:solidFill>
+              <a:schemeClr val="bg1">
+                <a:lumMod val="85000"/>
+              </a:schemeClr>
+            </a:solidFill>
+            <a:ln w="19050">
+              <a:solidFill>
+                <a:schemeClr val="tx1"/>
+              </a:solidFill>
+            </a:ln>
+          </p:spPr>
+          <p:style>
+            <a:lnRef idx="2">
+              <a:schemeClr val="accent1">
+                <a:shade val="50000"/>
+              </a:schemeClr>
+            </a:lnRef>
+            <a:fillRef idx="1">
+              <a:schemeClr val="accent1"/>
+            </a:fillRef>
+            <a:effectRef idx="0">
+              <a:schemeClr val="accent1"/>
+            </a:effectRef>
+            <a:fontRef idx="minor">
+              <a:schemeClr val="lt1"/>
+            </a:fontRef>
+          </p:style>
+          <p:txBody>
+            <a:bodyPr rot="0" spcFirstLastPara="0" vertOverflow="overflow" horzOverflow="overflow" vert="horz" wrap="square" lIns="91440" tIns="45720" rIns="91440" bIns="45720" numCol="1" spcCol="0" rtlCol="0" fromWordArt="0" anchor="ctr" anchorCtr="0" forceAA="0" compatLnSpc="1">
+              <a:prstTxWarp prst="textNoShape">
+                <a:avLst/>
+              </a:prstTxWarp>
+              <a:noAutofit/>
+            </a:bodyPr>
+            <a:lstStyle/>
+            <a:p>
+              <a:pPr algn="ctr"/>
+              <a:endParaRPr lang="en-US"/>
+            </a:p>
+          </p:txBody>
+        </p:sp>
+      </p:grpSp>
+      <p:cxnSp>
+        <p:nvCxnSpPr>
+          <p:cNvPr id="116" name="Gekrümmte Verbindung 115">
+            <a:extLst>
+              <a:ext uri="{FF2B5EF4-FFF2-40B4-BE49-F238E27FC236}">
+                <a16:creationId xmlns:a16="http://schemas.microsoft.com/office/drawing/2014/main" id="{43196147-1F4F-3E4F-99FC-4B31AE71C49B}"/>
+              </a:ext>
+            </a:extLst>
+          </p:cNvPr>
+          <p:cNvCxnSpPr>
+            <a:cxnSpLocks/>
+          </p:cNvCxnSpPr>
+          <p:nvPr/>
+        </p:nvCxnSpPr>
+        <p:spPr>
+          <a:xfrm rot="4800000" flipH="1" flipV="1">
+            <a:off x="5477112" y="2537156"/>
+            <a:ext cx="3600" cy="1008000"/>
+          </a:xfrm>
+          <a:prstGeom prst="curvedConnector3">
+            <a:avLst>
+              <a:gd name="adj1" fmla="val 8452667"/>
+            </a:avLst>
+          </a:prstGeom>
+          <a:ln w="19050">
+            <a:solidFill>
+              <a:schemeClr val="tx1"/>
+            </a:solidFill>
+            <a:tailEnd type="triangle" w="lg" len="med"/>
+          </a:ln>
+        </p:spPr>
+        <p:style>
+          <a:lnRef idx="1">
+            <a:schemeClr val="accent1"/>
+          </a:lnRef>
+          <a:fillRef idx="0">
+            <a:schemeClr val="accent1"/>
+          </a:fillRef>
+          <a:effectRef idx="0">
+            <a:schemeClr val="accent1"/>
+          </a:effectRef>
+          <a:fontRef idx="minor">
+            <a:schemeClr val="tx1"/>
+          </a:fontRef>
+        </p:style>
+      </p:cxnSp>
+      <p:grpSp>
+        <p:nvGrpSpPr>
+          <p:cNvPr id="36" name="Gruppieren 35">
+            <a:extLst>
+              <a:ext uri="{FF2B5EF4-FFF2-40B4-BE49-F238E27FC236}">
+                <a16:creationId xmlns:a16="http://schemas.microsoft.com/office/drawing/2014/main" id="{47C18ECC-F0C2-CCE2-7B13-3CC8B6622FA5}"/>
+              </a:ext>
+            </a:extLst>
+          </p:cNvPr>
+          <p:cNvGrpSpPr/>
+          <p:nvPr/>
+        </p:nvGrpSpPr>
+        <p:grpSpPr>
+          <a:xfrm>
+            <a:off x="3309550" y="2949599"/>
+            <a:ext cx="1792447" cy="1910846"/>
+            <a:chOff x="-36639" y="2948269"/>
+            <a:chExt cx="1792447" cy="1910846"/>
+          </a:xfrm>
+        </p:grpSpPr>
+        <p:sp>
+          <p:nvSpPr>
+            <p:cNvPr id="37" name="Abgerundetes Rechteck 36">
+              <a:extLst>
+                <a:ext uri="{FF2B5EF4-FFF2-40B4-BE49-F238E27FC236}">
+                  <a16:creationId xmlns:a16="http://schemas.microsoft.com/office/drawing/2014/main" id="{6B0D5942-3F5A-1194-F992-299B957981E7}"/>
+                </a:ext>
+              </a:extLst>
+            </p:cNvPr>
+            <p:cNvSpPr/>
+            <p:nvPr/>
+          </p:nvSpPr>
+          <p:spPr>
+            <a:xfrm>
+              <a:off x="47163" y="3123979"/>
+              <a:ext cx="1627199" cy="1280099"/>
+            </a:xfrm>
+            <a:prstGeom prst="roundRect">
+              <a:avLst>
+                <a:gd name="adj" fmla="val 4496"/>
+              </a:avLst>
+            </a:prstGeom>
+            <a:solidFill>
+              <a:schemeClr val="bg1">
+                <a:lumMod val="95000"/>
+              </a:schemeClr>
+            </a:solidFill>
+            <a:ln w="19050">
+              <a:solidFill>
+                <a:schemeClr val="tx1"/>
+              </a:solidFill>
+            </a:ln>
+          </p:spPr>
+          <p:style>
+            <a:lnRef idx="2">
+              <a:schemeClr val="accent1">
+                <a:shade val="50000"/>
+              </a:schemeClr>
+            </a:lnRef>
+            <a:fillRef idx="1">
+              <a:schemeClr val="accent1"/>
+            </a:fillRef>
+            <a:effectRef idx="0">
+              <a:schemeClr val="accent1"/>
+            </a:effectRef>
+            <a:fontRef idx="minor">
+              <a:schemeClr val="lt1"/>
+            </a:fontRef>
+          </p:style>
+          <p:txBody>
+            <a:bodyPr rot="0" spcFirstLastPara="0" vertOverflow="overflow" horzOverflow="overflow" vert="horz" wrap="square" lIns="91440" tIns="45720" rIns="91440" bIns="45720" numCol="1" spcCol="0" rtlCol="0" fromWordArt="0" anchor="ctr" anchorCtr="0" forceAA="0" compatLnSpc="1">
+              <a:prstTxWarp prst="textNoShape">
+                <a:avLst/>
+              </a:prstTxWarp>
+              <a:noAutofit/>
+            </a:bodyPr>
+            <a:lstStyle/>
+            <a:p>
+              <a:pPr algn="ctr"/>
+              <a:endParaRPr lang="en-US"/>
+            </a:p>
+          </p:txBody>
+        </p:sp>
+        <p:sp>
+          <p:nvSpPr>
+            <p:cNvPr id="38" name="Textfeld 37">
+              <a:extLst>
+                <a:ext uri="{FF2B5EF4-FFF2-40B4-BE49-F238E27FC236}">
+                  <a16:creationId xmlns:a16="http://schemas.microsoft.com/office/drawing/2014/main" id="{51B5183A-A045-CB50-B90E-84CC94C242DD}"/>
                 </a:ext>
               </a:extLst>
             </p:cNvPr>
@@ -4804,13 +4779,13 @@
           </p:nvSpPr>
           <p:spPr>
             <a:xfrm>
-              <a:off x="3167305" y="3166726"/>
-              <a:ext cx="1647357" cy="358677"/>
+              <a:off x="79594" y="3390387"/>
+              <a:ext cx="1572746" cy="578882"/>
             </a:xfrm>
             <a:prstGeom prst="roundRect">
               <a:avLst/>
             </a:prstGeom>
-            <a:grpFill/>
+            <a:noFill/>
           </p:spPr>
           <p:txBody>
             <a:bodyPr wrap="square" rtlCol="0">
@@ -4820,7 +4795,7 @@
             <a:p>
               <a:pPr algn="ctr"/>
               <a:r>
-                <a:rPr lang="en-US" noProof="1">
+                <a:rPr lang="en-US" sz="1600" noProof="1">
                   <a:solidFill>
                     <a:schemeClr val="tx1">
                       <a:lumMod val="95000"/>
@@ -4828,7 +4803,7 @@
                     </a:schemeClr>
                   </a:solidFill>
                 </a:rPr>
-                <a:t>QC Atlas</a:t>
+                <a:t>NISQ Analyzer</a:t>
               </a:r>
             </a:p>
             <a:p>
@@ -4847,38 +4822,12 @@
             </a:p>
           </p:txBody>
         </p:sp>
-      </p:grpSp>
-      <p:grpSp>
-        <p:nvGrpSpPr>
-          <p:cNvPr id="77" name="Gruppieren 76">
-            <a:extLst>
-              <a:ext uri="{FF2B5EF4-FFF2-40B4-BE49-F238E27FC236}">
-                <a16:creationId xmlns:a16="http://schemas.microsoft.com/office/drawing/2014/main" id="{992D0696-1B10-6F43-B4C3-8222B827ED7E}"/>
-              </a:ext>
-            </a:extLst>
-          </p:cNvPr>
-          <p:cNvGrpSpPr/>
-          <p:nvPr/>
-        </p:nvGrpSpPr>
-        <p:grpSpPr>
-          <a:xfrm>
-            <a:off x="8030096" y="4164226"/>
-            <a:ext cx="1807161" cy="796371"/>
-            <a:chOff x="2593854" y="4310634"/>
-            <a:chExt cx="2039796" cy="917663"/>
-          </a:xfrm>
-          <a:solidFill>
-            <a:schemeClr val="bg1">
-              <a:lumMod val="75000"/>
-            </a:schemeClr>
-          </a:solidFill>
-        </p:grpSpPr>
         <p:sp>
           <p:nvSpPr>
-            <p:cNvPr id="78" name="Zylinder 77">
+            <p:cNvPr id="39" name="Zylinder 38">
               <a:extLst>
                 <a:ext uri="{FF2B5EF4-FFF2-40B4-BE49-F238E27FC236}">
-                  <a16:creationId xmlns:a16="http://schemas.microsoft.com/office/drawing/2014/main" id="{5A412D1A-EFA2-D343-871B-FD6ED771C996}"/>
+                  <a16:creationId xmlns:a16="http://schemas.microsoft.com/office/drawing/2014/main" id="{D79F7DDE-7850-4CDB-3A8F-977C0DDE4483}"/>
                 </a:ext>
               </a:extLst>
             </p:cNvPr>
@@ -4887,15 +4836,19 @@
           </p:nvSpPr>
           <p:spPr>
             <a:xfrm>
-              <a:off x="2593854" y="4310634"/>
-              <a:ext cx="2039796" cy="917663"/>
+              <a:off x="97887" y="4062744"/>
+              <a:ext cx="1522800" cy="796371"/>
             </a:xfrm>
             <a:prstGeom prst="can">
               <a:avLst>
                 <a:gd name="adj" fmla="val 21079"/>
               </a:avLst>
             </a:prstGeom>
-            <a:grpFill/>
+            <a:solidFill>
+              <a:schemeClr val="bg1">
+                <a:lumMod val="75000"/>
+              </a:schemeClr>
+            </a:solidFill>
             <a:ln w="19050">
               <a:solidFill>
                 <a:schemeClr val="tx1">
@@ -5058,10 +5011,10 @@
         </p:sp>
         <p:sp>
           <p:nvSpPr>
-            <p:cNvPr id="79" name="Textfeld 78">
+            <p:cNvPr id="40" name="Textfeld 39">
               <a:extLst>
                 <a:ext uri="{FF2B5EF4-FFF2-40B4-BE49-F238E27FC236}">
-                  <a16:creationId xmlns:a16="http://schemas.microsoft.com/office/drawing/2014/main" id="{2447EF84-298A-5244-8A1A-FA3DA5ED36EC}"/>
+                  <a16:creationId xmlns:a16="http://schemas.microsoft.com/office/drawing/2014/main" id="{22F1CFBF-2E3B-BB62-9210-C5F67500F385}"/>
                 </a:ext>
               </a:extLst>
             </p:cNvPr>
@@ -5070,8 +5023,8 @@
           </p:nvSpPr>
           <p:spPr>
             <a:xfrm>
-              <a:off x="2785104" y="4516268"/>
-              <a:ext cx="1647357" cy="706287"/>
+              <a:off x="-36639" y="4243599"/>
+              <a:ext cx="1792447" cy="578882"/>
             </a:xfrm>
             <a:prstGeom prst="roundRect">
               <a:avLst/>
@@ -5086,7 +5039,7 @@
             <a:p>
               <a:pPr algn="ctr"/>
               <a:r>
-                <a:rPr lang="en-US" noProof="1">
+                <a:rPr lang="en-US" sz="1600" noProof="1">
                   <a:solidFill>
                     <a:schemeClr val="tx1">
                       <a:lumMod val="95000"/>
@@ -5094,7 +5047,7 @@
                     </a:schemeClr>
                   </a:solidFill>
                 </a:rPr>
-                <a:t>Atlas DB</a:t>
+                <a:t>NISQ DB</a:t>
               </a:r>
             </a:p>
             <a:p>
@@ -5113,38 +5066,12 @@
             </a:p>
           </p:txBody>
         </p:sp>
-      </p:grpSp>
-      <p:grpSp>
-        <p:nvGrpSpPr>
-          <p:cNvPr id="80" name="Gruppieren 79">
-            <a:extLst>
-              <a:ext uri="{FF2B5EF4-FFF2-40B4-BE49-F238E27FC236}">
-                <a16:creationId xmlns:a16="http://schemas.microsoft.com/office/drawing/2014/main" id="{82E67F43-9E9D-9148-9C34-433A36385EF5}"/>
-              </a:ext>
-            </a:extLst>
-          </p:cNvPr>
-          <p:cNvGrpSpPr/>
-          <p:nvPr/>
-        </p:nvGrpSpPr>
-        <p:grpSpPr>
-          <a:xfrm>
-            <a:off x="9992620" y="3076305"/>
-            <a:ext cx="2003162" cy="1327775"/>
-            <a:chOff x="2974656" y="2959163"/>
-            <a:chExt cx="2032657" cy="776988"/>
-          </a:xfrm>
-          <a:solidFill>
-            <a:schemeClr val="bg1">
-              <a:lumMod val="95000"/>
-            </a:schemeClr>
-          </a:solidFill>
-        </p:grpSpPr>
         <p:sp>
           <p:nvSpPr>
-            <p:cNvPr id="81" name="Abgerundetes Rechteck 80">
+            <p:cNvPr id="41" name="Abgerundetes Rechteck 40">
               <a:extLst>
                 <a:ext uri="{FF2B5EF4-FFF2-40B4-BE49-F238E27FC236}">
-                  <a16:creationId xmlns:a16="http://schemas.microsoft.com/office/drawing/2014/main" id="{65F76A12-4E74-C64F-80A5-A781145A78DA}"/>
+                  <a16:creationId xmlns:a16="http://schemas.microsoft.com/office/drawing/2014/main" id="{D3024487-0504-E73E-ECFE-1CEC9F09A352}"/>
                 </a:ext>
               </a:extLst>
             </p:cNvPr>
@@ -5153,15 +5080,1607 @@
           </p:nvSpPr>
           <p:spPr>
             <a:xfrm>
-              <a:off x="2974656" y="2959163"/>
-              <a:ext cx="2032657" cy="776988"/>
+              <a:off x="124368" y="2948269"/>
+              <a:ext cx="1465200" cy="392670"/>
             </a:xfrm>
             <a:prstGeom prst="roundRect">
               <a:avLst>
                 <a:gd name="adj" fmla="val 4496"/>
               </a:avLst>
             </a:prstGeom>
-            <a:grpFill/>
+            <a:solidFill>
+              <a:schemeClr val="bg1">
+                <a:lumMod val="85000"/>
+              </a:schemeClr>
+            </a:solidFill>
+            <a:ln w="19050">
+              <a:solidFill>
+                <a:schemeClr val="tx1"/>
+              </a:solidFill>
+            </a:ln>
+          </p:spPr>
+          <p:style>
+            <a:lnRef idx="2">
+              <a:schemeClr val="accent1">
+                <a:shade val="50000"/>
+              </a:schemeClr>
+            </a:lnRef>
+            <a:fillRef idx="1">
+              <a:schemeClr val="accent1"/>
+            </a:fillRef>
+            <a:effectRef idx="0">
+              <a:schemeClr val="accent1"/>
+            </a:effectRef>
+            <a:fontRef idx="minor">
+              <a:schemeClr val="lt1"/>
+            </a:fontRef>
+          </p:style>
+          <p:txBody>
+            <a:bodyPr rot="0" spcFirstLastPara="0" vertOverflow="overflow" horzOverflow="overflow" vert="horz" wrap="square" lIns="91440" tIns="45720" rIns="91440" bIns="45720" numCol="1" spcCol="0" rtlCol="0" fromWordArt="0" anchor="ctr" anchorCtr="0" forceAA="0" compatLnSpc="1">
+              <a:prstTxWarp prst="textNoShape">
+                <a:avLst/>
+              </a:prstTxWarp>
+              <a:noAutofit/>
+            </a:bodyPr>
+            <a:lstStyle/>
+            <a:p>
+              <a:pPr algn="ctr"/>
+              <a:endParaRPr lang="en-US"/>
+            </a:p>
+          </p:txBody>
+        </p:sp>
+        <p:sp>
+          <p:nvSpPr>
+            <p:cNvPr id="42" name="Textfeld 41">
+              <a:extLst>
+                <a:ext uri="{FF2B5EF4-FFF2-40B4-BE49-F238E27FC236}">
+                  <a16:creationId xmlns:a16="http://schemas.microsoft.com/office/drawing/2014/main" id="{EB0580B7-414D-9F27-B7E0-2BB060182968}"/>
+                </a:ext>
+              </a:extLst>
+            </p:cNvPr>
+            <p:cNvSpPr txBox="1"/>
+            <p:nvPr/>
+          </p:nvSpPr>
+          <p:spPr>
+            <a:xfrm>
+              <a:off x="200651" y="2980833"/>
+              <a:ext cx="1304139" cy="340519"/>
+            </a:xfrm>
+            <a:prstGeom prst="roundRect">
+              <a:avLst/>
+            </a:prstGeom>
+            <a:noFill/>
+          </p:spPr>
+          <p:txBody>
+            <a:bodyPr wrap="square" rtlCol="0">
+              <a:spAutoFit/>
+            </a:bodyPr>
+            <a:lstStyle/>
+            <a:p>
+              <a:pPr algn="ctr"/>
+              <a:r>
+                <a:rPr lang="en-US" sz="1400" noProof="1">
+                  <a:solidFill>
+                    <a:schemeClr val="tx1">
+                      <a:lumMod val="95000"/>
+                      <a:lumOff val="5000"/>
+                    </a:schemeClr>
+                  </a:solidFill>
+                </a:rPr>
+                <a:t>HTTP REST API</a:t>
+              </a:r>
+            </a:p>
+          </p:txBody>
+        </p:sp>
+      </p:grpSp>
+      <p:grpSp>
+        <p:nvGrpSpPr>
+          <p:cNvPr id="43" name="Gruppieren 42">
+            <a:extLst>
+              <a:ext uri="{FF2B5EF4-FFF2-40B4-BE49-F238E27FC236}">
+                <a16:creationId xmlns:a16="http://schemas.microsoft.com/office/drawing/2014/main" id="{712E266F-A3AF-C951-0528-19A70869C289}"/>
+              </a:ext>
+            </a:extLst>
+          </p:cNvPr>
+          <p:cNvGrpSpPr/>
+          <p:nvPr/>
+        </p:nvGrpSpPr>
+        <p:grpSpPr>
+          <a:xfrm>
+            <a:off x="4958683" y="2959757"/>
+            <a:ext cx="2078821" cy="1910846"/>
+            <a:chOff x="-174929" y="2948269"/>
+            <a:chExt cx="2078821" cy="1910846"/>
+          </a:xfrm>
+        </p:grpSpPr>
+        <p:sp>
+          <p:nvSpPr>
+            <p:cNvPr id="44" name="Abgerundetes Rechteck 43">
+              <a:extLst>
+                <a:ext uri="{FF2B5EF4-FFF2-40B4-BE49-F238E27FC236}">
+                  <a16:creationId xmlns:a16="http://schemas.microsoft.com/office/drawing/2014/main" id="{139313AD-D81F-9DC4-B27C-98DF672DC453}"/>
+                </a:ext>
+              </a:extLst>
+            </p:cNvPr>
+            <p:cNvSpPr/>
+            <p:nvPr/>
+          </p:nvSpPr>
+          <p:spPr>
+            <a:xfrm>
+              <a:off x="47163" y="3123979"/>
+              <a:ext cx="1627199" cy="1280099"/>
+            </a:xfrm>
+            <a:prstGeom prst="roundRect">
+              <a:avLst>
+                <a:gd name="adj" fmla="val 4496"/>
+              </a:avLst>
+            </a:prstGeom>
+            <a:solidFill>
+              <a:schemeClr val="bg1">
+                <a:lumMod val="95000"/>
+              </a:schemeClr>
+            </a:solidFill>
+            <a:ln w="19050">
+              <a:solidFill>
+                <a:schemeClr val="tx1"/>
+              </a:solidFill>
+            </a:ln>
+          </p:spPr>
+          <p:style>
+            <a:lnRef idx="2">
+              <a:schemeClr val="accent1">
+                <a:shade val="50000"/>
+              </a:schemeClr>
+            </a:lnRef>
+            <a:fillRef idx="1">
+              <a:schemeClr val="accent1"/>
+            </a:fillRef>
+            <a:effectRef idx="0">
+              <a:schemeClr val="accent1"/>
+            </a:effectRef>
+            <a:fontRef idx="minor">
+              <a:schemeClr val="lt1"/>
+            </a:fontRef>
+          </p:style>
+          <p:txBody>
+            <a:bodyPr rot="0" spcFirstLastPara="0" vertOverflow="overflow" horzOverflow="overflow" vert="horz" wrap="square" lIns="91440" tIns="45720" rIns="91440" bIns="45720" numCol="1" spcCol="0" rtlCol="0" fromWordArt="0" anchor="ctr" anchorCtr="0" forceAA="0" compatLnSpc="1">
+              <a:prstTxWarp prst="textNoShape">
+                <a:avLst/>
+              </a:prstTxWarp>
+              <a:noAutofit/>
+            </a:bodyPr>
+            <a:lstStyle/>
+            <a:p>
+              <a:pPr algn="ctr"/>
+              <a:endParaRPr lang="en-US"/>
+            </a:p>
+          </p:txBody>
+        </p:sp>
+        <p:sp>
+          <p:nvSpPr>
+            <p:cNvPr id="45" name="Textfeld 44">
+              <a:extLst>
+                <a:ext uri="{FF2B5EF4-FFF2-40B4-BE49-F238E27FC236}">
+                  <a16:creationId xmlns:a16="http://schemas.microsoft.com/office/drawing/2014/main" id="{8231FE7C-E0B1-4213-2719-982329181AD1}"/>
+                </a:ext>
+              </a:extLst>
+            </p:cNvPr>
+            <p:cNvSpPr txBox="1"/>
+            <p:nvPr/>
+          </p:nvSpPr>
+          <p:spPr>
+            <a:xfrm>
+              <a:off x="-174929" y="3390387"/>
+              <a:ext cx="2078821" cy="578882"/>
+            </a:xfrm>
+            <a:prstGeom prst="roundRect">
+              <a:avLst/>
+            </a:prstGeom>
+            <a:noFill/>
+          </p:spPr>
+          <p:txBody>
+            <a:bodyPr wrap="square" rtlCol="0">
+              <a:spAutoFit/>
+            </a:bodyPr>
+            <a:lstStyle/>
+            <a:p>
+              <a:pPr algn="ctr"/>
+              <a:r>
+                <a:rPr lang="en-US" sz="1600" noProof="1">
+                  <a:solidFill>
+                    <a:schemeClr val="tx1">
+                      <a:lumMod val="95000"/>
+                      <a:lumOff val="5000"/>
+                    </a:schemeClr>
+                  </a:solidFill>
+                </a:rPr>
+                <a:t>Circuit Transformer</a:t>
+              </a:r>
+            </a:p>
+            <a:p>
+              <a:pPr algn="ctr"/>
+              <a:r>
+                <a:rPr lang="en-US" sz="1200" noProof="1">
+                  <a:solidFill>
+                    <a:schemeClr val="tx1">
+                      <a:lumMod val="95000"/>
+                      <a:lumOff val="5000"/>
+                    </a:schemeClr>
+                  </a:solidFill>
+                </a:rPr>
+                <a:t>Flask</a:t>
+              </a:r>
+            </a:p>
+          </p:txBody>
+        </p:sp>
+        <p:sp>
+          <p:nvSpPr>
+            <p:cNvPr id="46" name="Zylinder 45">
+              <a:extLst>
+                <a:ext uri="{FF2B5EF4-FFF2-40B4-BE49-F238E27FC236}">
+                  <a16:creationId xmlns:a16="http://schemas.microsoft.com/office/drawing/2014/main" id="{97C8C4C6-6BC0-C911-B4C7-8F980589B509}"/>
+                </a:ext>
+              </a:extLst>
+            </p:cNvPr>
+            <p:cNvSpPr/>
+            <p:nvPr/>
+          </p:nvSpPr>
+          <p:spPr>
+            <a:xfrm>
+              <a:off x="97887" y="4062744"/>
+              <a:ext cx="1522800" cy="796371"/>
+            </a:xfrm>
+            <a:prstGeom prst="can">
+              <a:avLst>
+                <a:gd name="adj" fmla="val 21079"/>
+              </a:avLst>
+            </a:prstGeom>
+            <a:solidFill>
+              <a:schemeClr val="bg1">
+                <a:lumMod val="75000"/>
+              </a:schemeClr>
+            </a:solidFill>
+            <a:ln w="19050">
+              <a:solidFill>
+                <a:schemeClr val="tx1">
+                  <a:lumMod val="95000"/>
+                  <a:lumOff val="5000"/>
+                </a:schemeClr>
+              </a:solidFill>
+            </a:ln>
+          </p:spPr>
+          <p:style>
+            <a:lnRef idx="2">
+              <a:schemeClr val="accent1">
+                <a:shade val="50000"/>
+              </a:schemeClr>
+            </a:lnRef>
+            <a:fillRef idx="1">
+              <a:schemeClr val="accent1"/>
+            </a:fillRef>
+            <a:effectRef idx="0">
+              <a:schemeClr val="accent1"/>
+            </a:effectRef>
+            <a:fontRef idx="minor">
+              <a:schemeClr val="lt1"/>
+            </a:fontRef>
+          </p:style>
+          <p:txBody>
+            <a:bodyPr rtlCol="0" anchor="ctr"/>
+            <a:lstStyle/>
+            <a:p>
+              <a:pPr algn="ctr"/>
+              <a:endParaRPr lang="en-US" sz="800" noProof="1">
+                <a:solidFill>
+                  <a:schemeClr val="tx2">
+                    <a:lumMod val="50000"/>
+                  </a:schemeClr>
+                </a:solidFill>
+              </a:endParaRPr>
+            </a:p>
+            <a:p>
+              <a:pPr algn="ctr"/>
+              <a:endParaRPr lang="en-US" sz="800" noProof="1">
+                <a:solidFill>
+                  <a:schemeClr val="tx2">
+                    <a:lumMod val="50000"/>
+                  </a:schemeClr>
+                </a:solidFill>
+              </a:endParaRPr>
+            </a:p>
+            <a:p>
+              <a:pPr algn="ctr"/>
+              <a:endParaRPr lang="en-US" sz="800" noProof="1">
+                <a:solidFill>
+                  <a:schemeClr val="tx2">
+                    <a:lumMod val="50000"/>
+                  </a:schemeClr>
+                </a:solidFill>
+              </a:endParaRPr>
+            </a:p>
+            <a:p>
+              <a:pPr algn="ctr"/>
+              <a:endParaRPr lang="en-US" sz="800" noProof="1">
+                <a:solidFill>
+                  <a:schemeClr val="tx2">
+                    <a:lumMod val="50000"/>
+                  </a:schemeClr>
+                </a:solidFill>
+              </a:endParaRPr>
+            </a:p>
+            <a:p>
+              <a:pPr algn="ctr"/>
+              <a:endParaRPr lang="en-US" sz="800" noProof="1">
+                <a:solidFill>
+                  <a:schemeClr val="tx2">
+                    <a:lumMod val="50000"/>
+                  </a:schemeClr>
+                </a:solidFill>
+              </a:endParaRPr>
+            </a:p>
+            <a:p>
+              <a:pPr algn="ctr"/>
+              <a:endParaRPr lang="en-US" sz="800" noProof="1">
+                <a:solidFill>
+                  <a:schemeClr val="tx2">
+                    <a:lumMod val="50000"/>
+                  </a:schemeClr>
+                </a:solidFill>
+              </a:endParaRPr>
+            </a:p>
+            <a:p>
+              <a:pPr algn="ctr"/>
+              <a:endParaRPr lang="en-US" sz="800" noProof="1">
+                <a:solidFill>
+                  <a:schemeClr val="tx2">
+                    <a:lumMod val="50000"/>
+                  </a:schemeClr>
+                </a:solidFill>
+              </a:endParaRPr>
+            </a:p>
+            <a:p>
+              <a:pPr algn="ctr"/>
+              <a:endParaRPr lang="en-US" sz="800" noProof="1">
+                <a:solidFill>
+                  <a:schemeClr val="tx2">
+                    <a:lumMod val="50000"/>
+                  </a:schemeClr>
+                </a:solidFill>
+              </a:endParaRPr>
+            </a:p>
+            <a:p>
+              <a:pPr algn="ctr"/>
+              <a:endParaRPr lang="en-US" sz="800" noProof="1">
+                <a:solidFill>
+                  <a:schemeClr val="tx2">
+                    <a:lumMod val="50000"/>
+                  </a:schemeClr>
+                </a:solidFill>
+              </a:endParaRPr>
+            </a:p>
+            <a:p>
+              <a:pPr algn="ctr"/>
+              <a:endParaRPr lang="en-US" sz="800" noProof="1">
+                <a:solidFill>
+                  <a:schemeClr val="tx2">
+                    <a:lumMod val="50000"/>
+                  </a:schemeClr>
+                </a:solidFill>
+              </a:endParaRPr>
+            </a:p>
+            <a:p>
+              <a:pPr algn="ctr"/>
+              <a:endParaRPr lang="en-US" sz="800" noProof="1">
+                <a:solidFill>
+                  <a:schemeClr val="tx2">
+                    <a:lumMod val="50000"/>
+                  </a:schemeClr>
+                </a:solidFill>
+              </a:endParaRPr>
+            </a:p>
+            <a:p>
+              <a:pPr algn="ctr"/>
+              <a:endParaRPr lang="en-US" sz="800" noProof="1">
+                <a:solidFill>
+                  <a:schemeClr val="tx2">
+                    <a:lumMod val="50000"/>
+                  </a:schemeClr>
+                </a:solidFill>
+              </a:endParaRPr>
+            </a:p>
+            <a:p>
+              <a:pPr algn="ctr"/>
+              <a:endParaRPr lang="en-US" sz="800" noProof="1">
+                <a:solidFill>
+                  <a:schemeClr val="tx2">
+                    <a:lumMod val="50000"/>
+                  </a:schemeClr>
+                </a:solidFill>
+              </a:endParaRPr>
+            </a:p>
+          </p:txBody>
+        </p:sp>
+        <p:sp>
+          <p:nvSpPr>
+            <p:cNvPr id="50" name="Textfeld 49">
+              <a:extLst>
+                <a:ext uri="{FF2B5EF4-FFF2-40B4-BE49-F238E27FC236}">
+                  <a16:creationId xmlns:a16="http://schemas.microsoft.com/office/drawing/2014/main" id="{A7B21A11-31A2-F422-CB1B-5AAB3962181A}"/>
+                </a:ext>
+              </a:extLst>
+            </p:cNvPr>
+            <p:cNvSpPr txBox="1"/>
+            <p:nvPr/>
+          </p:nvSpPr>
+          <p:spPr>
+            <a:xfrm>
+              <a:off x="-36639" y="4356723"/>
+              <a:ext cx="1792447" cy="374571"/>
+            </a:xfrm>
+            <a:prstGeom prst="roundRect">
+              <a:avLst/>
+            </a:prstGeom>
+            <a:noFill/>
+          </p:spPr>
+          <p:txBody>
+            <a:bodyPr wrap="square" rtlCol="0">
+              <a:spAutoFit/>
+            </a:bodyPr>
+            <a:lstStyle/>
+            <a:p>
+              <a:pPr algn="ctr"/>
+              <a:r>
+                <a:rPr lang="en-US" sz="1600" noProof="1">
+                  <a:solidFill>
+                    <a:schemeClr val="tx1">
+                      <a:lumMod val="95000"/>
+                      <a:lumOff val="5000"/>
+                    </a:schemeClr>
+                  </a:solidFill>
+                </a:rPr>
+                <a:t>Gate Mappings</a:t>
+              </a:r>
+              <a:endParaRPr lang="en-US" sz="1200" noProof="1">
+                <a:solidFill>
+                  <a:schemeClr val="tx1">
+                    <a:lumMod val="95000"/>
+                    <a:lumOff val="5000"/>
+                  </a:schemeClr>
+                </a:solidFill>
+              </a:endParaRPr>
+            </a:p>
+          </p:txBody>
+        </p:sp>
+        <p:sp>
+          <p:nvSpPr>
+            <p:cNvPr id="51" name="Abgerundetes Rechteck 50">
+              <a:extLst>
+                <a:ext uri="{FF2B5EF4-FFF2-40B4-BE49-F238E27FC236}">
+                  <a16:creationId xmlns:a16="http://schemas.microsoft.com/office/drawing/2014/main" id="{C12E77AA-5140-53B1-56AC-760981B88DCD}"/>
+                </a:ext>
+              </a:extLst>
+            </p:cNvPr>
+            <p:cNvSpPr/>
+            <p:nvPr/>
+          </p:nvSpPr>
+          <p:spPr>
+            <a:xfrm>
+              <a:off x="124368" y="2948269"/>
+              <a:ext cx="1465200" cy="392670"/>
+            </a:xfrm>
+            <a:prstGeom prst="roundRect">
+              <a:avLst>
+                <a:gd name="adj" fmla="val 4496"/>
+              </a:avLst>
+            </a:prstGeom>
+            <a:solidFill>
+              <a:schemeClr val="bg1">
+                <a:lumMod val="85000"/>
+              </a:schemeClr>
+            </a:solidFill>
+            <a:ln w="19050">
+              <a:solidFill>
+                <a:schemeClr val="tx1"/>
+              </a:solidFill>
+            </a:ln>
+          </p:spPr>
+          <p:style>
+            <a:lnRef idx="2">
+              <a:schemeClr val="accent1">
+                <a:shade val="50000"/>
+              </a:schemeClr>
+            </a:lnRef>
+            <a:fillRef idx="1">
+              <a:schemeClr val="accent1"/>
+            </a:fillRef>
+            <a:effectRef idx="0">
+              <a:schemeClr val="accent1"/>
+            </a:effectRef>
+            <a:fontRef idx="minor">
+              <a:schemeClr val="lt1"/>
+            </a:fontRef>
+          </p:style>
+          <p:txBody>
+            <a:bodyPr rot="0" spcFirstLastPara="0" vertOverflow="overflow" horzOverflow="overflow" vert="horz" wrap="square" lIns="91440" tIns="45720" rIns="91440" bIns="45720" numCol="1" spcCol="0" rtlCol="0" fromWordArt="0" anchor="ctr" anchorCtr="0" forceAA="0" compatLnSpc="1">
+              <a:prstTxWarp prst="textNoShape">
+                <a:avLst/>
+              </a:prstTxWarp>
+              <a:noAutofit/>
+            </a:bodyPr>
+            <a:lstStyle/>
+            <a:p>
+              <a:pPr algn="ctr"/>
+              <a:endParaRPr lang="en-US"/>
+            </a:p>
+          </p:txBody>
+        </p:sp>
+        <p:sp>
+          <p:nvSpPr>
+            <p:cNvPr id="52" name="Textfeld 51">
+              <a:extLst>
+                <a:ext uri="{FF2B5EF4-FFF2-40B4-BE49-F238E27FC236}">
+                  <a16:creationId xmlns:a16="http://schemas.microsoft.com/office/drawing/2014/main" id="{FF6C3DD0-B639-9C70-A79A-B703BBE984D1}"/>
+                </a:ext>
+              </a:extLst>
+            </p:cNvPr>
+            <p:cNvSpPr txBox="1"/>
+            <p:nvPr/>
+          </p:nvSpPr>
+          <p:spPr>
+            <a:xfrm>
+              <a:off x="200651" y="2980833"/>
+              <a:ext cx="1304139" cy="340519"/>
+            </a:xfrm>
+            <a:prstGeom prst="roundRect">
+              <a:avLst/>
+            </a:prstGeom>
+            <a:noFill/>
+          </p:spPr>
+          <p:txBody>
+            <a:bodyPr wrap="square" rtlCol="0">
+              <a:spAutoFit/>
+            </a:bodyPr>
+            <a:lstStyle/>
+            <a:p>
+              <a:pPr algn="ctr"/>
+              <a:r>
+                <a:rPr lang="en-US" sz="1400" noProof="1">
+                  <a:solidFill>
+                    <a:schemeClr val="tx1">
+                      <a:lumMod val="95000"/>
+                      <a:lumOff val="5000"/>
+                    </a:schemeClr>
+                  </a:solidFill>
+                </a:rPr>
+                <a:t>HTTP REST API</a:t>
+              </a:r>
+            </a:p>
+          </p:txBody>
+        </p:sp>
+      </p:grpSp>
+      <p:grpSp>
+        <p:nvGrpSpPr>
+          <p:cNvPr id="53" name="Gruppieren 52">
+            <a:extLst>
+              <a:ext uri="{FF2B5EF4-FFF2-40B4-BE49-F238E27FC236}">
+                <a16:creationId xmlns:a16="http://schemas.microsoft.com/office/drawing/2014/main" id="{36E9CEB2-F3D7-18A5-F53E-7B95C90D92E3}"/>
+              </a:ext>
+            </a:extLst>
+          </p:cNvPr>
+          <p:cNvGrpSpPr/>
+          <p:nvPr/>
+        </p:nvGrpSpPr>
+        <p:grpSpPr>
+          <a:xfrm>
+            <a:off x="6883462" y="2959338"/>
+            <a:ext cx="1792447" cy="1910846"/>
+            <a:chOff x="-36639" y="2948269"/>
+            <a:chExt cx="1792447" cy="1910846"/>
+          </a:xfrm>
+        </p:grpSpPr>
+        <p:sp>
+          <p:nvSpPr>
+            <p:cNvPr id="54" name="Abgerundetes Rechteck 53">
+              <a:extLst>
+                <a:ext uri="{FF2B5EF4-FFF2-40B4-BE49-F238E27FC236}">
+                  <a16:creationId xmlns:a16="http://schemas.microsoft.com/office/drawing/2014/main" id="{2F839981-2DF1-A67A-9A6E-1F35ABAC23D4}"/>
+                </a:ext>
+              </a:extLst>
+            </p:cNvPr>
+            <p:cNvSpPr/>
+            <p:nvPr/>
+          </p:nvSpPr>
+          <p:spPr>
+            <a:xfrm>
+              <a:off x="47163" y="3123979"/>
+              <a:ext cx="1627199" cy="1280099"/>
+            </a:xfrm>
+            <a:prstGeom prst="roundRect">
+              <a:avLst>
+                <a:gd name="adj" fmla="val 4496"/>
+              </a:avLst>
+            </a:prstGeom>
+            <a:solidFill>
+              <a:schemeClr val="bg1">
+                <a:lumMod val="95000"/>
+              </a:schemeClr>
+            </a:solidFill>
+            <a:ln w="19050">
+              <a:solidFill>
+                <a:schemeClr val="tx1"/>
+              </a:solidFill>
+            </a:ln>
+          </p:spPr>
+          <p:style>
+            <a:lnRef idx="2">
+              <a:schemeClr val="accent1">
+                <a:shade val="50000"/>
+              </a:schemeClr>
+            </a:lnRef>
+            <a:fillRef idx="1">
+              <a:schemeClr val="accent1"/>
+            </a:fillRef>
+            <a:effectRef idx="0">
+              <a:schemeClr val="accent1"/>
+            </a:effectRef>
+            <a:fontRef idx="minor">
+              <a:schemeClr val="lt1"/>
+            </a:fontRef>
+          </p:style>
+          <p:txBody>
+            <a:bodyPr rot="0" spcFirstLastPara="0" vertOverflow="overflow" horzOverflow="overflow" vert="horz" wrap="square" lIns="91440" tIns="45720" rIns="91440" bIns="45720" numCol="1" spcCol="0" rtlCol="0" fromWordArt="0" anchor="ctr" anchorCtr="0" forceAA="0" compatLnSpc="1">
+              <a:prstTxWarp prst="textNoShape">
+                <a:avLst/>
+              </a:prstTxWarp>
+              <a:noAutofit/>
+            </a:bodyPr>
+            <a:lstStyle/>
+            <a:p>
+              <a:pPr algn="ctr"/>
+              <a:endParaRPr lang="en-US"/>
+            </a:p>
+          </p:txBody>
+        </p:sp>
+        <p:sp>
+          <p:nvSpPr>
+            <p:cNvPr id="55" name="Textfeld 54">
+              <a:extLst>
+                <a:ext uri="{FF2B5EF4-FFF2-40B4-BE49-F238E27FC236}">
+                  <a16:creationId xmlns:a16="http://schemas.microsoft.com/office/drawing/2014/main" id="{EA235807-FBBD-3A4F-7FBC-41AFFC577EC8}"/>
+                </a:ext>
+              </a:extLst>
+            </p:cNvPr>
+            <p:cNvSpPr txBox="1"/>
+            <p:nvPr/>
+          </p:nvSpPr>
+          <p:spPr>
+            <a:xfrm>
+              <a:off x="79594" y="3390387"/>
+              <a:ext cx="1572746" cy="578882"/>
+            </a:xfrm>
+            <a:prstGeom prst="roundRect">
+              <a:avLst/>
+            </a:prstGeom>
+            <a:noFill/>
+          </p:spPr>
+          <p:txBody>
+            <a:bodyPr wrap="square" rtlCol="0">
+              <a:spAutoFit/>
+            </a:bodyPr>
+            <a:lstStyle/>
+            <a:p>
+              <a:pPr algn="ctr"/>
+              <a:r>
+                <a:rPr lang="en-US" sz="1600" noProof="1">
+                  <a:solidFill>
+                    <a:schemeClr val="tx1">
+                      <a:lumMod val="95000"/>
+                      <a:lumOff val="5000"/>
+                    </a:schemeClr>
+                  </a:solidFill>
+                </a:rPr>
+                <a:t>QC Atlas</a:t>
+              </a:r>
+            </a:p>
+            <a:p>
+              <a:pPr algn="ctr"/>
+              <a:r>
+                <a:rPr lang="en-US" sz="1200" noProof="1">
+                  <a:solidFill>
+                    <a:schemeClr val="tx1">
+                      <a:lumMod val="95000"/>
+                      <a:lumOff val="5000"/>
+                    </a:schemeClr>
+                  </a:solidFill>
+                </a:rPr>
+                <a:t>SpringBoot</a:t>
+              </a:r>
+            </a:p>
+          </p:txBody>
+        </p:sp>
+        <p:sp>
+          <p:nvSpPr>
+            <p:cNvPr id="62" name="Zylinder 61">
+              <a:extLst>
+                <a:ext uri="{FF2B5EF4-FFF2-40B4-BE49-F238E27FC236}">
+                  <a16:creationId xmlns:a16="http://schemas.microsoft.com/office/drawing/2014/main" id="{004084B3-F887-FD39-D56E-2FD71A72E9A2}"/>
+                </a:ext>
+              </a:extLst>
+            </p:cNvPr>
+            <p:cNvSpPr/>
+            <p:nvPr/>
+          </p:nvSpPr>
+          <p:spPr>
+            <a:xfrm>
+              <a:off x="97887" y="4062744"/>
+              <a:ext cx="1522800" cy="796371"/>
+            </a:xfrm>
+            <a:prstGeom prst="can">
+              <a:avLst>
+                <a:gd name="adj" fmla="val 21079"/>
+              </a:avLst>
+            </a:prstGeom>
+            <a:solidFill>
+              <a:schemeClr val="bg1">
+                <a:lumMod val="75000"/>
+              </a:schemeClr>
+            </a:solidFill>
+            <a:ln w="19050">
+              <a:solidFill>
+                <a:schemeClr val="tx1">
+                  <a:lumMod val="95000"/>
+                  <a:lumOff val="5000"/>
+                </a:schemeClr>
+              </a:solidFill>
+            </a:ln>
+          </p:spPr>
+          <p:style>
+            <a:lnRef idx="2">
+              <a:schemeClr val="accent1">
+                <a:shade val="50000"/>
+              </a:schemeClr>
+            </a:lnRef>
+            <a:fillRef idx="1">
+              <a:schemeClr val="accent1"/>
+            </a:fillRef>
+            <a:effectRef idx="0">
+              <a:schemeClr val="accent1"/>
+            </a:effectRef>
+            <a:fontRef idx="minor">
+              <a:schemeClr val="lt1"/>
+            </a:fontRef>
+          </p:style>
+          <p:txBody>
+            <a:bodyPr rtlCol="0" anchor="ctr"/>
+            <a:lstStyle/>
+            <a:p>
+              <a:pPr algn="ctr"/>
+              <a:endParaRPr lang="en-US" sz="800" noProof="1">
+                <a:solidFill>
+                  <a:schemeClr val="tx2">
+                    <a:lumMod val="50000"/>
+                  </a:schemeClr>
+                </a:solidFill>
+              </a:endParaRPr>
+            </a:p>
+            <a:p>
+              <a:pPr algn="ctr"/>
+              <a:endParaRPr lang="en-US" sz="800" noProof="1">
+                <a:solidFill>
+                  <a:schemeClr val="tx2">
+                    <a:lumMod val="50000"/>
+                  </a:schemeClr>
+                </a:solidFill>
+              </a:endParaRPr>
+            </a:p>
+            <a:p>
+              <a:pPr algn="ctr"/>
+              <a:endParaRPr lang="en-US" sz="800" noProof="1">
+                <a:solidFill>
+                  <a:schemeClr val="tx2">
+                    <a:lumMod val="50000"/>
+                  </a:schemeClr>
+                </a:solidFill>
+              </a:endParaRPr>
+            </a:p>
+            <a:p>
+              <a:pPr algn="ctr"/>
+              <a:endParaRPr lang="en-US" sz="800" noProof="1">
+                <a:solidFill>
+                  <a:schemeClr val="tx2">
+                    <a:lumMod val="50000"/>
+                  </a:schemeClr>
+                </a:solidFill>
+              </a:endParaRPr>
+            </a:p>
+            <a:p>
+              <a:pPr algn="ctr"/>
+              <a:endParaRPr lang="en-US" sz="800" noProof="1">
+                <a:solidFill>
+                  <a:schemeClr val="tx2">
+                    <a:lumMod val="50000"/>
+                  </a:schemeClr>
+                </a:solidFill>
+              </a:endParaRPr>
+            </a:p>
+            <a:p>
+              <a:pPr algn="ctr"/>
+              <a:endParaRPr lang="en-US" sz="800" noProof="1">
+                <a:solidFill>
+                  <a:schemeClr val="tx2">
+                    <a:lumMod val="50000"/>
+                  </a:schemeClr>
+                </a:solidFill>
+              </a:endParaRPr>
+            </a:p>
+            <a:p>
+              <a:pPr algn="ctr"/>
+              <a:endParaRPr lang="en-US" sz="800" noProof="1">
+                <a:solidFill>
+                  <a:schemeClr val="tx2">
+                    <a:lumMod val="50000"/>
+                  </a:schemeClr>
+                </a:solidFill>
+              </a:endParaRPr>
+            </a:p>
+            <a:p>
+              <a:pPr algn="ctr"/>
+              <a:endParaRPr lang="en-US" sz="800" noProof="1">
+                <a:solidFill>
+                  <a:schemeClr val="tx2">
+                    <a:lumMod val="50000"/>
+                  </a:schemeClr>
+                </a:solidFill>
+              </a:endParaRPr>
+            </a:p>
+            <a:p>
+              <a:pPr algn="ctr"/>
+              <a:endParaRPr lang="en-US" sz="800" noProof="1">
+                <a:solidFill>
+                  <a:schemeClr val="tx2">
+                    <a:lumMod val="50000"/>
+                  </a:schemeClr>
+                </a:solidFill>
+              </a:endParaRPr>
+            </a:p>
+            <a:p>
+              <a:pPr algn="ctr"/>
+              <a:endParaRPr lang="en-US" sz="800" noProof="1">
+                <a:solidFill>
+                  <a:schemeClr val="tx2">
+                    <a:lumMod val="50000"/>
+                  </a:schemeClr>
+                </a:solidFill>
+              </a:endParaRPr>
+            </a:p>
+            <a:p>
+              <a:pPr algn="ctr"/>
+              <a:endParaRPr lang="en-US" sz="800" noProof="1">
+                <a:solidFill>
+                  <a:schemeClr val="tx2">
+                    <a:lumMod val="50000"/>
+                  </a:schemeClr>
+                </a:solidFill>
+              </a:endParaRPr>
+            </a:p>
+            <a:p>
+              <a:pPr algn="ctr"/>
+              <a:endParaRPr lang="en-US" sz="800" noProof="1">
+                <a:solidFill>
+                  <a:schemeClr val="tx2">
+                    <a:lumMod val="50000"/>
+                  </a:schemeClr>
+                </a:solidFill>
+              </a:endParaRPr>
+            </a:p>
+            <a:p>
+              <a:pPr algn="ctr"/>
+              <a:endParaRPr lang="en-US" sz="800" noProof="1">
+                <a:solidFill>
+                  <a:schemeClr val="tx2">
+                    <a:lumMod val="50000"/>
+                  </a:schemeClr>
+                </a:solidFill>
+              </a:endParaRPr>
+            </a:p>
+          </p:txBody>
+        </p:sp>
+        <p:sp>
+          <p:nvSpPr>
+            <p:cNvPr id="63" name="Textfeld 62">
+              <a:extLst>
+                <a:ext uri="{FF2B5EF4-FFF2-40B4-BE49-F238E27FC236}">
+                  <a16:creationId xmlns:a16="http://schemas.microsoft.com/office/drawing/2014/main" id="{E3883B10-097C-870B-DF1C-63181388916F}"/>
+                </a:ext>
+              </a:extLst>
+            </p:cNvPr>
+            <p:cNvSpPr txBox="1"/>
+            <p:nvPr/>
+          </p:nvSpPr>
+          <p:spPr>
+            <a:xfrm>
+              <a:off x="-36639" y="4243599"/>
+              <a:ext cx="1792447" cy="578882"/>
+            </a:xfrm>
+            <a:prstGeom prst="roundRect">
+              <a:avLst/>
+            </a:prstGeom>
+            <a:noFill/>
+          </p:spPr>
+          <p:txBody>
+            <a:bodyPr wrap="square" rtlCol="0">
+              <a:spAutoFit/>
+            </a:bodyPr>
+            <a:lstStyle/>
+            <a:p>
+              <a:pPr algn="ctr"/>
+              <a:r>
+                <a:rPr lang="en-US" sz="1600" noProof="1">
+                  <a:solidFill>
+                    <a:schemeClr val="tx1">
+                      <a:lumMod val="95000"/>
+                      <a:lumOff val="5000"/>
+                    </a:schemeClr>
+                  </a:solidFill>
+                </a:rPr>
+                <a:t>Atlas DB</a:t>
+              </a:r>
+            </a:p>
+            <a:p>
+              <a:pPr algn="ctr"/>
+              <a:r>
+                <a:rPr lang="en-US" sz="1200" noProof="1">
+                  <a:solidFill>
+                    <a:schemeClr val="tx1">
+                      <a:lumMod val="95000"/>
+                      <a:lumOff val="5000"/>
+                    </a:schemeClr>
+                  </a:solidFill>
+                </a:rPr>
+                <a:t>PostgreSQL</a:t>
+              </a:r>
+            </a:p>
+          </p:txBody>
+        </p:sp>
+        <p:sp>
+          <p:nvSpPr>
+            <p:cNvPr id="64" name="Abgerundetes Rechteck 63">
+              <a:extLst>
+                <a:ext uri="{FF2B5EF4-FFF2-40B4-BE49-F238E27FC236}">
+                  <a16:creationId xmlns:a16="http://schemas.microsoft.com/office/drawing/2014/main" id="{98CED3C6-52BD-D3D6-0CB8-A258F531B01C}"/>
+                </a:ext>
+              </a:extLst>
+            </p:cNvPr>
+            <p:cNvSpPr/>
+            <p:nvPr/>
+          </p:nvSpPr>
+          <p:spPr>
+            <a:xfrm>
+              <a:off x="124368" y="2948269"/>
+              <a:ext cx="1465200" cy="392670"/>
+            </a:xfrm>
+            <a:prstGeom prst="roundRect">
+              <a:avLst>
+                <a:gd name="adj" fmla="val 4496"/>
+              </a:avLst>
+            </a:prstGeom>
+            <a:solidFill>
+              <a:schemeClr val="bg1">
+                <a:lumMod val="85000"/>
+              </a:schemeClr>
+            </a:solidFill>
+            <a:ln w="19050">
+              <a:solidFill>
+                <a:schemeClr val="tx1"/>
+              </a:solidFill>
+            </a:ln>
+          </p:spPr>
+          <p:style>
+            <a:lnRef idx="2">
+              <a:schemeClr val="accent1">
+                <a:shade val="50000"/>
+              </a:schemeClr>
+            </a:lnRef>
+            <a:fillRef idx="1">
+              <a:schemeClr val="accent1"/>
+            </a:fillRef>
+            <a:effectRef idx="0">
+              <a:schemeClr val="accent1"/>
+            </a:effectRef>
+            <a:fontRef idx="minor">
+              <a:schemeClr val="lt1"/>
+            </a:fontRef>
+          </p:style>
+          <p:txBody>
+            <a:bodyPr rot="0" spcFirstLastPara="0" vertOverflow="overflow" horzOverflow="overflow" vert="horz" wrap="square" lIns="91440" tIns="45720" rIns="91440" bIns="45720" numCol="1" spcCol="0" rtlCol="0" fromWordArt="0" anchor="ctr" anchorCtr="0" forceAA="0" compatLnSpc="1">
+              <a:prstTxWarp prst="textNoShape">
+                <a:avLst/>
+              </a:prstTxWarp>
+              <a:noAutofit/>
+            </a:bodyPr>
+            <a:lstStyle/>
+            <a:p>
+              <a:pPr algn="ctr"/>
+              <a:endParaRPr lang="en-US"/>
+            </a:p>
+          </p:txBody>
+        </p:sp>
+        <p:sp>
+          <p:nvSpPr>
+            <p:cNvPr id="68" name="Textfeld 67">
+              <a:extLst>
+                <a:ext uri="{FF2B5EF4-FFF2-40B4-BE49-F238E27FC236}">
+                  <a16:creationId xmlns:a16="http://schemas.microsoft.com/office/drawing/2014/main" id="{09969C26-8770-BB63-A7B7-99CB3F8C47D0}"/>
+                </a:ext>
+              </a:extLst>
+            </p:cNvPr>
+            <p:cNvSpPr txBox="1"/>
+            <p:nvPr/>
+          </p:nvSpPr>
+          <p:spPr>
+            <a:xfrm>
+              <a:off x="200651" y="2980833"/>
+              <a:ext cx="1304139" cy="340519"/>
+            </a:xfrm>
+            <a:prstGeom prst="roundRect">
+              <a:avLst/>
+            </a:prstGeom>
+            <a:noFill/>
+          </p:spPr>
+          <p:txBody>
+            <a:bodyPr wrap="square" rtlCol="0">
+              <a:spAutoFit/>
+            </a:bodyPr>
+            <a:lstStyle/>
+            <a:p>
+              <a:pPr algn="ctr"/>
+              <a:r>
+                <a:rPr lang="en-US" sz="1400" noProof="1">
+                  <a:solidFill>
+                    <a:schemeClr val="tx1">
+                      <a:lumMod val="95000"/>
+                      <a:lumOff val="5000"/>
+                    </a:schemeClr>
+                  </a:solidFill>
+                </a:rPr>
+                <a:t>HTTP REST API</a:t>
+              </a:r>
+            </a:p>
+          </p:txBody>
+        </p:sp>
+      </p:grpSp>
+      <p:grpSp>
+        <p:nvGrpSpPr>
+          <p:cNvPr id="71" name="Gruppieren 70">
+            <a:extLst>
+              <a:ext uri="{FF2B5EF4-FFF2-40B4-BE49-F238E27FC236}">
+                <a16:creationId xmlns:a16="http://schemas.microsoft.com/office/drawing/2014/main" id="{0B70C237-8AF4-9FD3-3E75-2F66C432376D}"/>
+              </a:ext>
+            </a:extLst>
+          </p:cNvPr>
+          <p:cNvGrpSpPr/>
+          <p:nvPr/>
+        </p:nvGrpSpPr>
+        <p:grpSpPr>
+          <a:xfrm>
+            <a:off x="8663822" y="2959338"/>
+            <a:ext cx="1792447" cy="1910846"/>
+            <a:chOff x="-36639" y="2948269"/>
+            <a:chExt cx="1792447" cy="1910846"/>
+          </a:xfrm>
+        </p:grpSpPr>
+        <p:sp>
+          <p:nvSpPr>
+            <p:cNvPr id="86" name="Abgerundetes Rechteck 85">
+              <a:extLst>
+                <a:ext uri="{FF2B5EF4-FFF2-40B4-BE49-F238E27FC236}">
+                  <a16:creationId xmlns:a16="http://schemas.microsoft.com/office/drawing/2014/main" id="{C8CE9311-484F-07B8-688D-22390247A5E1}"/>
+                </a:ext>
+              </a:extLst>
+            </p:cNvPr>
+            <p:cNvSpPr/>
+            <p:nvPr/>
+          </p:nvSpPr>
+          <p:spPr>
+            <a:xfrm>
+              <a:off x="47163" y="3123979"/>
+              <a:ext cx="1627199" cy="1280099"/>
+            </a:xfrm>
+            <a:prstGeom prst="roundRect">
+              <a:avLst>
+                <a:gd name="adj" fmla="val 4496"/>
+              </a:avLst>
+            </a:prstGeom>
+            <a:solidFill>
+              <a:schemeClr val="bg1">
+                <a:lumMod val="95000"/>
+              </a:schemeClr>
+            </a:solidFill>
+            <a:ln w="19050">
+              <a:solidFill>
+                <a:schemeClr val="tx1"/>
+              </a:solidFill>
+            </a:ln>
+          </p:spPr>
+          <p:style>
+            <a:lnRef idx="2">
+              <a:schemeClr val="accent1">
+                <a:shade val="50000"/>
+              </a:schemeClr>
+            </a:lnRef>
+            <a:fillRef idx="1">
+              <a:schemeClr val="accent1"/>
+            </a:fillRef>
+            <a:effectRef idx="0">
+              <a:schemeClr val="accent1"/>
+            </a:effectRef>
+            <a:fontRef idx="minor">
+              <a:schemeClr val="lt1"/>
+            </a:fontRef>
+          </p:style>
+          <p:txBody>
+            <a:bodyPr rot="0" spcFirstLastPara="0" vertOverflow="overflow" horzOverflow="overflow" vert="horz" wrap="square" lIns="91440" tIns="45720" rIns="91440" bIns="45720" numCol="1" spcCol="0" rtlCol="0" fromWordArt="0" anchor="ctr" anchorCtr="0" forceAA="0" compatLnSpc="1">
+              <a:prstTxWarp prst="textNoShape">
+                <a:avLst/>
+              </a:prstTxWarp>
+              <a:noAutofit/>
+            </a:bodyPr>
+            <a:lstStyle/>
+            <a:p>
+              <a:pPr algn="ctr"/>
+              <a:endParaRPr lang="en-US"/>
+            </a:p>
+          </p:txBody>
+        </p:sp>
+        <p:sp>
+          <p:nvSpPr>
+            <p:cNvPr id="88" name="Textfeld 87">
+              <a:extLst>
+                <a:ext uri="{FF2B5EF4-FFF2-40B4-BE49-F238E27FC236}">
+                  <a16:creationId xmlns:a16="http://schemas.microsoft.com/office/drawing/2014/main" id="{14909798-8F12-2F21-970B-6E65AF74FECD}"/>
+                </a:ext>
+              </a:extLst>
+            </p:cNvPr>
+            <p:cNvSpPr txBox="1"/>
+            <p:nvPr/>
+          </p:nvSpPr>
+          <p:spPr>
+            <a:xfrm>
+              <a:off x="79594" y="3390387"/>
+              <a:ext cx="1572746" cy="578882"/>
+            </a:xfrm>
+            <a:prstGeom prst="roundRect">
+              <a:avLst/>
+            </a:prstGeom>
+            <a:noFill/>
+          </p:spPr>
+          <p:txBody>
+            <a:bodyPr wrap="square" rtlCol="0">
+              <a:spAutoFit/>
+            </a:bodyPr>
+            <a:lstStyle/>
+            <a:p>
+              <a:pPr algn="ctr"/>
+              <a:r>
+                <a:rPr lang="en-US" sz="1600" noProof="1">
+                  <a:solidFill>
+                    <a:schemeClr val="tx1">
+                      <a:lumMod val="95000"/>
+                      <a:lumOff val="5000"/>
+                    </a:schemeClr>
+                  </a:solidFill>
+                </a:rPr>
+                <a:t>PlanQK Library</a:t>
+              </a:r>
+            </a:p>
+            <a:p>
+              <a:pPr algn="ctr"/>
+              <a:r>
+                <a:rPr lang="en-US" sz="1200" noProof="1">
+                  <a:solidFill>
+                    <a:schemeClr val="tx1">
+                      <a:lumMod val="95000"/>
+                      <a:lumOff val="5000"/>
+                    </a:schemeClr>
+                  </a:solidFill>
+                </a:rPr>
+                <a:t>SpringBoot</a:t>
+              </a:r>
+            </a:p>
+          </p:txBody>
+        </p:sp>
+        <p:sp>
+          <p:nvSpPr>
+            <p:cNvPr id="89" name="Zylinder 88">
+              <a:extLst>
+                <a:ext uri="{FF2B5EF4-FFF2-40B4-BE49-F238E27FC236}">
+                  <a16:creationId xmlns:a16="http://schemas.microsoft.com/office/drawing/2014/main" id="{14BF452B-9DE5-E7C2-2BB4-5C5A5315B322}"/>
+                </a:ext>
+              </a:extLst>
+            </p:cNvPr>
+            <p:cNvSpPr/>
+            <p:nvPr/>
+          </p:nvSpPr>
+          <p:spPr>
+            <a:xfrm>
+              <a:off x="97887" y="4062744"/>
+              <a:ext cx="1522800" cy="796371"/>
+            </a:xfrm>
+            <a:prstGeom prst="can">
+              <a:avLst>
+                <a:gd name="adj" fmla="val 21079"/>
+              </a:avLst>
+            </a:prstGeom>
+            <a:solidFill>
+              <a:schemeClr val="bg1">
+                <a:lumMod val="75000"/>
+              </a:schemeClr>
+            </a:solidFill>
+            <a:ln w="19050">
+              <a:solidFill>
+                <a:schemeClr val="tx1">
+                  <a:lumMod val="95000"/>
+                  <a:lumOff val="5000"/>
+                </a:schemeClr>
+              </a:solidFill>
+            </a:ln>
+          </p:spPr>
+          <p:style>
+            <a:lnRef idx="2">
+              <a:schemeClr val="accent1">
+                <a:shade val="50000"/>
+              </a:schemeClr>
+            </a:lnRef>
+            <a:fillRef idx="1">
+              <a:schemeClr val="accent1"/>
+            </a:fillRef>
+            <a:effectRef idx="0">
+              <a:schemeClr val="accent1"/>
+            </a:effectRef>
+            <a:fontRef idx="minor">
+              <a:schemeClr val="lt1"/>
+            </a:fontRef>
+          </p:style>
+          <p:txBody>
+            <a:bodyPr rtlCol="0" anchor="ctr"/>
+            <a:lstStyle/>
+            <a:p>
+              <a:pPr algn="ctr"/>
+              <a:endParaRPr lang="en-US" sz="800" noProof="1">
+                <a:solidFill>
+                  <a:schemeClr val="tx2">
+                    <a:lumMod val="50000"/>
+                  </a:schemeClr>
+                </a:solidFill>
+              </a:endParaRPr>
+            </a:p>
+            <a:p>
+              <a:pPr algn="ctr"/>
+              <a:endParaRPr lang="en-US" sz="800" noProof="1">
+                <a:solidFill>
+                  <a:schemeClr val="tx2">
+                    <a:lumMod val="50000"/>
+                  </a:schemeClr>
+                </a:solidFill>
+              </a:endParaRPr>
+            </a:p>
+            <a:p>
+              <a:pPr algn="ctr"/>
+              <a:endParaRPr lang="en-US" sz="800" noProof="1">
+                <a:solidFill>
+                  <a:schemeClr val="tx2">
+                    <a:lumMod val="50000"/>
+                  </a:schemeClr>
+                </a:solidFill>
+              </a:endParaRPr>
+            </a:p>
+            <a:p>
+              <a:pPr algn="ctr"/>
+              <a:endParaRPr lang="en-US" sz="800" noProof="1">
+                <a:solidFill>
+                  <a:schemeClr val="tx2">
+                    <a:lumMod val="50000"/>
+                  </a:schemeClr>
+                </a:solidFill>
+              </a:endParaRPr>
+            </a:p>
+            <a:p>
+              <a:pPr algn="ctr"/>
+              <a:endParaRPr lang="en-US" sz="800" noProof="1">
+                <a:solidFill>
+                  <a:schemeClr val="tx2">
+                    <a:lumMod val="50000"/>
+                  </a:schemeClr>
+                </a:solidFill>
+              </a:endParaRPr>
+            </a:p>
+            <a:p>
+              <a:pPr algn="ctr"/>
+              <a:endParaRPr lang="en-US" sz="800" noProof="1">
+                <a:solidFill>
+                  <a:schemeClr val="tx2">
+                    <a:lumMod val="50000"/>
+                  </a:schemeClr>
+                </a:solidFill>
+              </a:endParaRPr>
+            </a:p>
+            <a:p>
+              <a:pPr algn="ctr"/>
+              <a:endParaRPr lang="en-US" sz="800" noProof="1">
+                <a:solidFill>
+                  <a:schemeClr val="tx2">
+                    <a:lumMod val="50000"/>
+                  </a:schemeClr>
+                </a:solidFill>
+              </a:endParaRPr>
+            </a:p>
+            <a:p>
+              <a:pPr algn="ctr"/>
+              <a:endParaRPr lang="en-US" sz="800" noProof="1">
+                <a:solidFill>
+                  <a:schemeClr val="tx2">
+                    <a:lumMod val="50000"/>
+                  </a:schemeClr>
+                </a:solidFill>
+              </a:endParaRPr>
+            </a:p>
+            <a:p>
+              <a:pPr algn="ctr"/>
+              <a:endParaRPr lang="en-US" sz="800" noProof="1">
+                <a:solidFill>
+                  <a:schemeClr val="tx2">
+                    <a:lumMod val="50000"/>
+                  </a:schemeClr>
+                </a:solidFill>
+              </a:endParaRPr>
+            </a:p>
+            <a:p>
+              <a:pPr algn="ctr"/>
+              <a:endParaRPr lang="en-US" sz="800" noProof="1">
+                <a:solidFill>
+                  <a:schemeClr val="tx2">
+                    <a:lumMod val="50000"/>
+                  </a:schemeClr>
+                </a:solidFill>
+              </a:endParaRPr>
+            </a:p>
+            <a:p>
+              <a:pPr algn="ctr"/>
+              <a:endParaRPr lang="en-US" sz="800" noProof="1">
+                <a:solidFill>
+                  <a:schemeClr val="tx2">
+                    <a:lumMod val="50000"/>
+                  </a:schemeClr>
+                </a:solidFill>
+              </a:endParaRPr>
+            </a:p>
+            <a:p>
+              <a:pPr algn="ctr"/>
+              <a:endParaRPr lang="en-US" sz="800" noProof="1">
+                <a:solidFill>
+                  <a:schemeClr val="tx2">
+                    <a:lumMod val="50000"/>
+                  </a:schemeClr>
+                </a:solidFill>
+              </a:endParaRPr>
+            </a:p>
+            <a:p>
+              <a:pPr algn="ctr"/>
+              <a:endParaRPr lang="en-US" sz="800" noProof="1">
+                <a:solidFill>
+                  <a:schemeClr val="tx2">
+                    <a:lumMod val="50000"/>
+                  </a:schemeClr>
+                </a:solidFill>
+              </a:endParaRPr>
+            </a:p>
+          </p:txBody>
+        </p:sp>
+        <p:sp>
+          <p:nvSpPr>
+            <p:cNvPr id="90" name="Textfeld 89">
+              <a:extLst>
+                <a:ext uri="{FF2B5EF4-FFF2-40B4-BE49-F238E27FC236}">
+                  <a16:creationId xmlns:a16="http://schemas.microsoft.com/office/drawing/2014/main" id="{0D095DFB-9EE0-ADB2-93EB-007A86186660}"/>
+                </a:ext>
+              </a:extLst>
+            </p:cNvPr>
+            <p:cNvSpPr txBox="1"/>
+            <p:nvPr/>
+          </p:nvSpPr>
+          <p:spPr>
+            <a:xfrm>
+              <a:off x="-36639" y="4366148"/>
+              <a:ext cx="1792447" cy="374571"/>
+            </a:xfrm>
+            <a:prstGeom prst="roundRect">
+              <a:avLst/>
+            </a:prstGeom>
+            <a:noFill/>
+          </p:spPr>
+          <p:txBody>
+            <a:bodyPr wrap="square" rtlCol="0">
+              <a:spAutoFit/>
+            </a:bodyPr>
+            <a:lstStyle/>
+            <a:p>
+              <a:pPr algn="ctr"/>
+              <a:r>
+                <a:rPr lang="en-US" sz="1600" noProof="1">
+                  <a:solidFill>
+                    <a:schemeClr val="tx1">
+                      <a:lumMod val="95000"/>
+                      <a:lumOff val="5000"/>
+                    </a:schemeClr>
+                  </a:solidFill>
+                </a:rPr>
+                <a:t>JabRef</a:t>
+              </a:r>
+              <a:endParaRPr lang="en-US" sz="1200" noProof="1">
+                <a:solidFill>
+                  <a:schemeClr val="tx1">
+                    <a:lumMod val="95000"/>
+                    <a:lumOff val="5000"/>
+                  </a:schemeClr>
+                </a:solidFill>
+              </a:endParaRPr>
+            </a:p>
+          </p:txBody>
+        </p:sp>
+        <p:sp>
+          <p:nvSpPr>
+            <p:cNvPr id="91" name="Abgerundetes Rechteck 90">
+              <a:extLst>
+                <a:ext uri="{FF2B5EF4-FFF2-40B4-BE49-F238E27FC236}">
+                  <a16:creationId xmlns:a16="http://schemas.microsoft.com/office/drawing/2014/main" id="{FEA21D50-E248-BA0A-293B-5AA1E3D88E69}"/>
+                </a:ext>
+              </a:extLst>
+            </p:cNvPr>
+            <p:cNvSpPr/>
+            <p:nvPr/>
+          </p:nvSpPr>
+          <p:spPr>
+            <a:xfrm>
+              <a:off x="124368" y="2948269"/>
+              <a:ext cx="1465200" cy="392670"/>
+            </a:xfrm>
+            <a:prstGeom prst="roundRect">
+              <a:avLst>
+                <a:gd name="adj" fmla="val 4496"/>
+              </a:avLst>
+            </a:prstGeom>
+            <a:solidFill>
+              <a:schemeClr val="bg1">
+                <a:lumMod val="85000"/>
+              </a:schemeClr>
+            </a:solidFill>
+            <a:ln w="19050">
+              <a:solidFill>
+                <a:schemeClr val="tx1"/>
+              </a:solidFill>
+            </a:ln>
+          </p:spPr>
+          <p:style>
+            <a:lnRef idx="2">
+              <a:schemeClr val="accent1">
+                <a:shade val="50000"/>
+              </a:schemeClr>
+            </a:lnRef>
+            <a:fillRef idx="1">
+              <a:schemeClr val="accent1"/>
+            </a:fillRef>
+            <a:effectRef idx="0">
+              <a:schemeClr val="accent1"/>
+            </a:effectRef>
+            <a:fontRef idx="minor">
+              <a:schemeClr val="lt1"/>
+            </a:fontRef>
+          </p:style>
+          <p:txBody>
+            <a:bodyPr rot="0" spcFirstLastPara="0" vertOverflow="overflow" horzOverflow="overflow" vert="horz" wrap="square" lIns="91440" tIns="45720" rIns="91440" bIns="45720" numCol="1" spcCol="0" rtlCol="0" fromWordArt="0" anchor="ctr" anchorCtr="0" forceAA="0" compatLnSpc="1">
+              <a:prstTxWarp prst="textNoShape">
+                <a:avLst/>
+              </a:prstTxWarp>
+              <a:noAutofit/>
+            </a:bodyPr>
+            <a:lstStyle/>
+            <a:p>
+              <a:pPr algn="ctr"/>
+              <a:endParaRPr lang="en-US"/>
+            </a:p>
+          </p:txBody>
+        </p:sp>
+        <p:sp>
+          <p:nvSpPr>
+            <p:cNvPr id="92" name="Textfeld 91">
+              <a:extLst>
+                <a:ext uri="{FF2B5EF4-FFF2-40B4-BE49-F238E27FC236}">
+                  <a16:creationId xmlns:a16="http://schemas.microsoft.com/office/drawing/2014/main" id="{D57C859F-CE15-4D1C-A44F-80A2CC4D0B82}"/>
+                </a:ext>
+              </a:extLst>
+            </p:cNvPr>
+            <p:cNvSpPr txBox="1"/>
+            <p:nvPr/>
+          </p:nvSpPr>
+          <p:spPr>
+            <a:xfrm>
+              <a:off x="200651" y="2980833"/>
+              <a:ext cx="1304139" cy="340519"/>
+            </a:xfrm>
+            <a:prstGeom prst="roundRect">
+              <a:avLst/>
+            </a:prstGeom>
+            <a:noFill/>
+          </p:spPr>
+          <p:txBody>
+            <a:bodyPr wrap="square" rtlCol="0">
+              <a:spAutoFit/>
+            </a:bodyPr>
+            <a:lstStyle/>
+            <a:p>
+              <a:pPr algn="ctr"/>
+              <a:r>
+                <a:rPr lang="en-US" sz="1400" noProof="1">
+                  <a:solidFill>
+                    <a:schemeClr val="tx1">
+                      <a:lumMod val="95000"/>
+                      <a:lumOff val="5000"/>
+                    </a:schemeClr>
+                  </a:solidFill>
+                </a:rPr>
+                <a:t>HTTP REST API</a:t>
+              </a:r>
+            </a:p>
+          </p:txBody>
+        </p:sp>
+      </p:grpSp>
+      <p:grpSp>
+        <p:nvGrpSpPr>
+          <p:cNvPr id="117" name="Gruppieren 116">
+            <a:extLst>
+              <a:ext uri="{FF2B5EF4-FFF2-40B4-BE49-F238E27FC236}">
+                <a16:creationId xmlns:a16="http://schemas.microsoft.com/office/drawing/2014/main" id="{6AC41520-C785-BD86-B5FA-E99401629CAB}"/>
+              </a:ext>
+            </a:extLst>
+          </p:cNvPr>
+          <p:cNvGrpSpPr/>
+          <p:nvPr/>
+        </p:nvGrpSpPr>
+        <p:grpSpPr>
+          <a:xfrm>
+            <a:off x="10444870" y="2960567"/>
+            <a:ext cx="1792447" cy="1910846"/>
+            <a:chOff x="-36639" y="2948269"/>
+            <a:chExt cx="1792447" cy="1910846"/>
+          </a:xfrm>
+        </p:grpSpPr>
+        <p:sp>
+          <p:nvSpPr>
+            <p:cNvPr id="120" name="Abgerundetes Rechteck 119">
+              <a:extLst>
+                <a:ext uri="{FF2B5EF4-FFF2-40B4-BE49-F238E27FC236}">
+                  <a16:creationId xmlns:a16="http://schemas.microsoft.com/office/drawing/2014/main" id="{92256B16-04D1-843E-F24E-6D45D82CB92C}"/>
+                </a:ext>
+              </a:extLst>
+            </p:cNvPr>
+            <p:cNvSpPr/>
+            <p:nvPr/>
+          </p:nvSpPr>
+          <p:spPr>
+            <a:xfrm>
+              <a:off x="47163" y="3123979"/>
+              <a:ext cx="1627199" cy="1280099"/>
+            </a:xfrm>
+            <a:prstGeom prst="roundRect">
+              <a:avLst>
+                <a:gd name="adj" fmla="val 4496"/>
+              </a:avLst>
+            </a:prstGeom>
+            <a:solidFill>
+              <a:schemeClr val="bg1">
+                <a:lumMod val="95000"/>
+              </a:schemeClr>
+            </a:solidFill>
             <a:ln w="19050">
               <a:solidFill>
                 <a:schemeClr val="tx1"/>
@@ -5195,16 +6714,16 @@
             <a:lstStyle/>
             <a:p>
               <a:pPr algn="ctr"/>
-              <a:endParaRPr lang="en-US"/>
+              <a:endParaRPr lang="en-US" dirty="0"/>
             </a:p>
           </p:txBody>
         </p:sp>
         <p:sp>
           <p:nvSpPr>
-            <p:cNvPr id="82" name="Textfeld 81">
+            <p:cNvPr id="121" name="Textfeld 120">
               <a:extLst>
                 <a:ext uri="{FF2B5EF4-FFF2-40B4-BE49-F238E27FC236}">
-                  <a16:creationId xmlns:a16="http://schemas.microsoft.com/office/drawing/2014/main" id="{0FA7C687-2EDF-E549-8A30-4340ED3D78C1}"/>
+                  <a16:creationId xmlns:a16="http://schemas.microsoft.com/office/drawing/2014/main" id="{95D8DCDF-AA5B-7495-AA14-3070952C4755}"/>
                 </a:ext>
               </a:extLst>
             </p:cNvPr>
@@ -5213,13 +6732,13 @@
           </p:nvSpPr>
           <p:spPr>
             <a:xfrm>
-              <a:off x="3167305" y="3166726"/>
-              <a:ext cx="1647357" cy="358677"/>
+              <a:off x="79594" y="3390387"/>
+              <a:ext cx="1572746" cy="578882"/>
             </a:xfrm>
             <a:prstGeom prst="roundRect">
               <a:avLst/>
             </a:prstGeom>
-            <a:grpFill/>
+            <a:noFill/>
           </p:spPr>
           <p:txBody>
             <a:bodyPr wrap="square" rtlCol="0">
@@ -5229,7 +6748,7 @@
             <a:p>
               <a:pPr algn="ctr"/>
               <a:r>
-                <a:rPr lang="en-US" noProof="1">
+                <a:rPr lang="en-US" sz="1600" noProof="1">
                   <a:solidFill>
                     <a:schemeClr val="tx1">
                       <a:lumMod val="95000"/>
@@ -5256,38 +6775,12 @@
             </a:p>
           </p:txBody>
         </p:sp>
-      </p:grpSp>
-      <p:grpSp>
-        <p:nvGrpSpPr>
-          <p:cNvPr id="83" name="Gruppieren 82">
-            <a:extLst>
-              <a:ext uri="{FF2B5EF4-FFF2-40B4-BE49-F238E27FC236}">
-                <a16:creationId xmlns:a16="http://schemas.microsoft.com/office/drawing/2014/main" id="{DE93B7EA-78D2-8349-BEAF-DFC348AF9C38}"/>
-              </a:ext>
-            </a:extLst>
-          </p:cNvPr>
-          <p:cNvGrpSpPr/>
-          <p:nvPr/>
-        </p:nvGrpSpPr>
-        <p:grpSpPr>
-          <a:xfrm>
-            <a:off x="10095026" y="4164222"/>
-            <a:ext cx="1807161" cy="796371"/>
-            <a:chOff x="2593854" y="4310634"/>
-            <a:chExt cx="2039796" cy="917663"/>
-          </a:xfrm>
-          <a:solidFill>
-            <a:schemeClr val="bg1">
-              <a:lumMod val="75000"/>
-            </a:schemeClr>
-          </a:solidFill>
-        </p:grpSpPr>
         <p:sp>
           <p:nvSpPr>
-            <p:cNvPr id="84" name="Zylinder 83">
+            <p:cNvPr id="122" name="Zylinder 121">
               <a:extLst>
                 <a:ext uri="{FF2B5EF4-FFF2-40B4-BE49-F238E27FC236}">
-                  <a16:creationId xmlns:a16="http://schemas.microsoft.com/office/drawing/2014/main" id="{4612029F-98F8-184E-8A00-1D89F2CF8B77}"/>
+                  <a16:creationId xmlns:a16="http://schemas.microsoft.com/office/drawing/2014/main" id="{455358F0-4CD0-407A-CF2F-FFCBBBD146A1}"/>
                 </a:ext>
               </a:extLst>
             </p:cNvPr>
@@ -5296,15 +6789,19 @@
           </p:nvSpPr>
           <p:spPr>
             <a:xfrm>
-              <a:off x="2593854" y="4310634"/>
-              <a:ext cx="2039796" cy="917663"/>
+              <a:off x="97887" y="4062744"/>
+              <a:ext cx="1522800" cy="796371"/>
             </a:xfrm>
             <a:prstGeom prst="can">
               <a:avLst>
                 <a:gd name="adj" fmla="val 21079"/>
               </a:avLst>
             </a:prstGeom>
-            <a:grpFill/>
+            <a:solidFill>
+              <a:schemeClr val="bg1">
+                <a:lumMod val="75000"/>
+              </a:schemeClr>
+            </a:solidFill>
             <a:ln w="19050">
               <a:solidFill>
                 <a:schemeClr val="tx1">
@@ -5468,10 +6965,10 @@
         </p:sp>
         <p:sp>
           <p:nvSpPr>
-            <p:cNvPr id="85" name="Textfeld 84">
+            <p:cNvPr id="124" name="Textfeld 123">
               <a:extLst>
                 <a:ext uri="{FF2B5EF4-FFF2-40B4-BE49-F238E27FC236}">
-                  <a16:creationId xmlns:a16="http://schemas.microsoft.com/office/drawing/2014/main" id="{DAD18136-51DB-DA4B-8B7D-6E9613932E68}"/>
+                  <a16:creationId xmlns:a16="http://schemas.microsoft.com/office/drawing/2014/main" id="{AD5DF4FD-0FE9-905A-C9A7-F8B1EB91695F}"/>
                 </a:ext>
               </a:extLst>
             </p:cNvPr>
@@ -5480,8 +6977,8 @@
           </p:nvSpPr>
           <p:spPr>
             <a:xfrm>
-              <a:off x="2785104" y="4516268"/>
-              <a:ext cx="1647357" cy="706287"/>
+              <a:off x="-36639" y="4243599"/>
+              <a:ext cx="1792447" cy="578882"/>
             </a:xfrm>
             <a:prstGeom prst="roundRect">
               <a:avLst/>
@@ -5496,7 +6993,7 @@
             <a:p>
               <a:pPr algn="ctr"/>
               <a:r>
-                <a:rPr lang="en-US" noProof="1">
+                <a:rPr lang="en-US" sz="1600" noProof="1">
                   <a:solidFill>
                     <a:schemeClr val="tx1">
                       <a:lumMod val="95000"/>
@@ -5523,84 +7020,12 @@
             </a:p>
           </p:txBody>
         </p:sp>
-      </p:grpSp>
-      <p:cxnSp>
-        <p:nvCxnSpPr>
-          <p:cNvPr id="87" name="Gekrümmte Verbindung 86">
-            <a:extLst>
-              <a:ext uri="{FF2B5EF4-FFF2-40B4-BE49-F238E27FC236}">
-                <a16:creationId xmlns:a16="http://schemas.microsoft.com/office/drawing/2014/main" id="{D38EEFC4-F48E-7D46-ADE0-9C6FF8E82248}"/>
-              </a:ext>
-            </a:extLst>
-          </p:cNvPr>
-          <p:cNvCxnSpPr>
-            <a:cxnSpLocks/>
-          </p:cNvCxnSpPr>
-          <p:nvPr/>
-        </p:nvCxnSpPr>
-        <p:spPr>
-          <a:xfrm rot="16380000" flipV="1">
-            <a:off x="2674773" y="1758324"/>
-            <a:ext cx="2721" cy="2484000"/>
-          </a:xfrm>
-          <a:prstGeom prst="curvedConnector3">
-            <a:avLst>
-              <a:gd name="adj1" fmla="val 11600809"/>
-            </a:avLst>
-          </a:prstGeom>
-          <a:ln w="19050">
-            <a:solidFill>
-              <a:schemeClr val="tx1"/>
-            </a:solidFill>
-            <a:tailEnd type="triangle" w="lg" len="med"/>
-          </a:ln>
-        </p:spPr>
-        <p:style>
-          <a:lnRef idx="1">
-            <a:schemeClr val="accent1"/>
-          </a:lnRef>
-          <a:fillRef idx="0">
-            <a:schemeClr val="accent1"/>
-          </a:fillRef>
-          <a:effectRef idx="0">
-            <a:schemeClr val="accent1"/>
-          </a:effectRef>
-          <a:fontRef idx="minor">
-            <a:schemeClr val="tx1"/>
-          </a:fontRef>
-        </p:style>
-      </p:cxnSp>
-      <p:grpSp>
-        <p:nvGrpSpPr>
-          <p:cNvPr id="95" name="Gruppieren 94">
-            <a:extLst>
-              <a:ext uri="{FF2B5EF4-FFF2-40B4-BE49-F238E27FC236}">
-                <a16:creationId xmlns:a16="http://schemas.microsoft.com/office/drawing/2014/main" id="{D0DBED97-AF8F-AB49-B90F-251334468408}"/>
-              </a:ext>
-            </a:extLst>
-          </p:cNvPr>
-          <p:cNvGrpSpPr/>
-          <p:nvPr/>
-        </p:nvGrpSpPr>
-        <p:grpSpPr>
-          <a:xfrm>
-            <a:off x="306307" y="2944151"/>
-            <a:ext cx="1499699" cy="340519"/>
-            <a:chOff x="2974656" y="2949166"/>
-            <a:chExt cx="2032657" cy="826642"/>
-          </a:xfrm>
-          <a:solidFill>
-            <a:schemeClr val="bg1">
-              <a:lumMod val="85000"/>
-            </a:schemeClr>
-          </a:solidFill>
-        </p:grpSpPr>
         <p:sp>
           <p:nvSpPr>
-            <p:cNvPr id="96" name="Abgerundetes Rechteck 95">
+            <p:cNvPr id="125" name="Abgerundetes Rechteck 124">
               <a:extLst>
                 <a:ext uri="{FF2B5EF4-FFF2-40B4-BE49-F238E27FC236}">
-                  <a16:creationId xmlns:a16="http://schemas.microsoft.com/office/drawing/2014/main" id="{82D7F633-161A-104B-8FEA-4F8DAA149073}"/>
+                  <a16:creationId xmlns:a16="http://schemas.microsoft.com/office/drawing/2014/main" id="{4D22C0A4-758F-EC88-6F80-7A35F6E6020A}"/>
                 </a:ext>
               </a:extLst>
             </p:cNvPr>
@@ -5609,15 +7034,19 @@
           </p:nvSpPr>
           <p:spPr>
             <a:xfrm>
-              <a:off x="2974656" y="2959163"/>
-              <a:ext cx="2032657" cy="776988"/>
+              <a:off x="124368" y="2948269"/>
+              <a:ext cx="1465200" cy="392670"/>
             </a:xfrm>
             <a:prstGeom prst="roundRect">
               <a:avLst>
                 <a:gd name="adj" fmla="val 4496"/>
               </a:avLst>
             </a:prstGeom>
-            <a:grpFill/>
+            <a:solidFill>
+              <a:schemeClr val="bg1">
+                <a:lumMod val="85000"/>
+              </a:schemeClr>
+            </a:solidFill>
             <a:ln w="19050">
               <a:solidFill>
                 <a:schemeClr val="tx1"/>
@@ -5656,10 +7085,10 @@
         </p:sp>
         <p:sp>
           <p:nvSpPr>
-            <p:cNvPr id="97" name="Textfeld 96">
+            <p:cNvPr id="129" name="Textfeld 128">
               <a:extLst>
                 <a:ext uri="{FF2B5EF4-FFF2-40B4-BE49-F238E27FC236}">
-                  <a16:creationId xmlns:a16="http://schemas.microsoft.com/office/drawing/2014/main" id="{AF615895-2ECE-1343-B2E8-B7BA714FC605}"/>
+                  <a16:creationId xmlns:a16="http://schemas.microsoft.com/office/drawing/2014/main" id="{D3C67E93-24F6-BCD4-1B32-ED488A23249A}"/>
                 </a:ext>
               </a:extLst>
             </p:cNvPr>
@@ -5668,8 +7097,8 @@
           </p:nvSpPr>
           <p:spPr>
             <a:xfrm>
-              <a:off x="2997401" y="2949166"/>
-              <a:ext cx="1987165" cy="826642"/>
+              <a:off x="200651" y="2980833"/>
+              <a:ext cx="1304139" cy="340519"/>
             </a:xfrm>
             <a:prstGeom prst="roundRect">
               <a:avLst/>
@@ -5698,12 +7127,102 @@
           </p:txBody>
         </p:sp>
       </p:grpSp>
+      <p:cxnSp>
+        <p:nvCxnSpPr>
+          <p:cNvPr id="133" name="Gerade Verbindung mit Pfeil 132">
+            <a:extLst>
+              <a:ext uri="{FF2B5EF4-FFF2-40B4-BE49-F238E27FC236}">
+                <a16:creationId xmlns:a16="http://schemas.microsoft.com/office/drawing/2014/main" id="{6A279E6B-5379-C64A-A91A-AC011DDA35D1}"/>
+              </a:ext>
+            </a:extLst>
+          </p:cNvPr>
+          <p:cNvCxnSpPr>
+            <a:cxnSpLocks/>
+          </p:cNvCxnSpPr>
+          <p:nvPr/>
+        </p:nvCxnSpPr>
+        <p:spPr>
+          <a:xfrm>
+            <a:off x="9537986" y="2124496"/>
+            <a:ext cx="0" cy="827368"/>
+          </a:xfrm>
+          <a:prstGeom prst="straightConnector1">
+            <a:avLst/>
+          </a:prstGeom>
+          <a:ln w="19050">
+            <a:solidFill>
+              <a:schemeClr val="tx1"/>
+            </a:solidFill>
+            <a:headEnd type="none" w="lg" len="med"/>
+            <a:tailEnd type="triangle" w="lg" len="med"/>
+          </a:ln>
+        </p:spPr>
+        <p:style>
+          <a:lnRef idx="1">
+            <a:schemeClr val="accent1"/>
+          </a:lnRef>
+          <a:fillRef idx="0">
+            <a:schemeClr val="accent1"/>
+          </a:fillRef>
+          <a:effectRef idx="0">
+            <a:schemeClr val="accent1"/>
+          </a:effectRef>
+          <a:fontRef idx="minor">
+            <a:schemeClr val="tx1"/>
+          </a:fontRef>
+        </p:style>
+      </p:cxnSp>
+      <p:cxnSp>
+        <p:nvCxnSpPr>
+          <p:cNvPr id="134" name="Gerade Verbindung mit Pfeil 133">
+            <a:extLst>
+              <a:ext uri="{FF2B5EF4-FFF2-40B4-BE49-F238E27FC236}">
+                <a16:creationId xmlns:a16="http://schemas.microsoft.com/office/drawing/2014/main" id="{9289F2B4-FB53-E5E9-43BE-F24D305F0E42}"/>
+              </a:ext>
+            </a:extLst>
+          </p:cNvPr>
+          <p:cNvCxnSpPr>
+            <a:cxnSpLocks/>
+          </p:cNvCxnSpPr>
+          <p:nvPr/>
+        </p:nvCxnSpPr>
+        <p:spPr>
+          <a:xfrm>
+            <a:off x="11305580" y="2124496"/>
+            <a:ext cx="0" cy="827368"/>
+          </a:xfrm>
+          <a:prstGeom prst="straightConnector1">
+            <a:avLst/>
+          </a:prstGeom>
+          <a:ln w="19050">
+            <a:solidFill>
+              <a:schemeClr val="tx1"/>
+            </a:solidFill>
+            <a:headEnd type="none" w="lg" len="med"/>
+            <a:tailEnd type="triangle" w="lg" len="med"/>
+          </a:ln>
+        </p:spPr>
+        <p:style>
+          <a:lnRef idx="1">
+            <a:schemeClr val="accent1"/>
+          </a:lnRef>
+          <a:fillRef idx="0">
+            <a:schemeClr val="accent1"/>
+          </a:fillRef>
+          <a:effectRef idx="0">
+            <a:schemeClr val="accent1"/>
+          </a:effectRef>
+          <a:fontRef idx="minor">
+            <a:schemeClr val="tx1"/>
+          </a:fontRef>
+        </p:style>
+      </p:cxnSp>
       <p:grpSp>
         <p:nvGrpSpPr>
-          <p:cNvPr id="98" name="Gruppieren 97">
-            <a:extLst>
-              <a:ext uri="{FF2B5EF4-FFF2-40B4-BE49-F238E27FC236}">
-                <a16:creationId xmlns:a16="http://schemas.microsoft.com/office/drawing/2014/main" id="{0BEA56EF-CF29-734F-B42C-01B0363EC5C3}"/>
+          <p:cNvPr id="17" name="Gruppieren 16">
+            <a:extLst>
+              <a:ext uri="{FF2B5EF4-FFF2-40B4-BE49-F238E27FC236}">
+                <a16:creationId xmlns:a16="http://schemas.microsoft.com/office/drawing/2014/main" id="{CFDCD3F5-6A4B-8D46-807B-47994783E530}"/>
               </a:ext>
             </a:extLst>
           </p:cNvPr>
@@ -5712,23 +7231,18 @@
         </p:nvGrpSpPr>
         <p:grpSpPr>
           <a:xfrm>
-            <a:off x="4047653" y="2952985"/>
-            <a:ext cx="1499699" cy="340519"/>
-            <a:chOff x="2974656" y="2949166"/>
-            <a:chExt cx="2032657" cy="826642"/>
+            <a:off x="50005" y="1507600"/>
+            <a:ext cx="12105864" cy="626882"/>
+            <a:chOff x="2974656" y="3109269"/>
+            <a:chExt cx="2059407" cy="626882"/>
           </a:xfrm>
-          <a:solidFill>
-            <a:schemeClr val="bg1">
-              <a:lumMod val="85000"/>
-            </a:schemeClr>
-          </a:solidFill>
         </p:grpSpPr>
         <p:sp>
           <p:nvSpPr>
-            <p:cNvPr id="99" name="Abgerundetes Rechteck 98">
+            <p:cNvPr id="18" name="Abgerundetes Rechteck 17">
               <a:extLst>
                 <a:ext uri="{FF2B5EF4-FFF2-40B4-BE49-F238E27FC236}">
-                  <a16:creationId xmlns:a16="http://schemas.microsoft.com/office/drawing/2014/main" id="{50D9CA35-1537-AC4B-81B6-11859C94CA45}"/>
+                  <a16:creationId xmlns:a16="http://schemas.microsoft.com/office/drawing/2014/main" id="{CAFFA6BA-4A92-E74E-8E48-3FEB5C87A938}"/>
                 </a:ext>
               </a:extLst>
             </p:cNvPr>
@@ -5737,15 +7251,19 @@
           </p:nvSpPr>
           <p:spPr>
             <a:xfrm>
-              <a:off x="2974656" y="2959163"/>
-              <a:ext cx="2032657" cy="776988"/>
+              <a:off x="2974656" y="3109269"/>
+              <a:ext cx="2059407" cy="626882"/>
             </a:xfrm>
             <a:prstGeom prst="roundRect">
               <a:avLst>
                 <a:gd name="adj" fmla="val 4496"/>
               </a:avLst>
             </a:prstGeom>
-            <a:grpFill/>
+            <a:solidFill>
+              <a:schemeClr val="bg1">
+                <a:lumMod val="95000"/>
+              </a:schemeClr>
+            </a:solidFill>
             <a:ln w="19050">
               <a:solidFill>
                 <a:schemeClr val="tx1"/>
@@ -5784,10 +7302,10 @@
         </p:sp>
         <p:sp>
           <p:nvSpPr>
-            <p:cNvPr id="100" name="Textfeld 99">
+            <p:cNvPr id="19" name="Textfeld 18">
               <a:extLst>
                 <a:ext uri="{FF2B5EF4-FFF2-40B4-BE49-F238E27FC236}">
-                  <a16:creationId xmlns:a16="http://schemas.microsoft.com/office/drawing/2014/main" id="{291C54AD-4B25-304F-A275-25C4CCE61B23}"/>
+                  <a16:creationId xmlns:a16="http://schemas.microsoft.com/office/drawing/2014/main" id="{3B2B8AA4-93ED-574F-9D64-288018CEC7E3}"/>
                 </a:ext>
               </a:extLst>
             </p:cNvPr>
@@ -5796,8 +7314,8 @@
           </p:nvSpPr>
           <p:spPr>
             <a:xfrm>
-              <a:off x="2997401" y="2949166"/>
-              <a:ext cx="1987165" cy="826642"/>
+              <a:off x="3180681" y="3136984"/>
+              <a:ext cx="1647357" cy="578882"/>
             </a:xfrm>
             <a:prstGeom prst="roundRect">
               <a:avLst/>
@@ -5812,7 +7330,7 @@
             <a:p>
               <a:pPr algn="ctr"/>
               <a:r>
-                <a:rPr lang="en-US" sz="1400" noProof="1">
+                <a:rPr lang="en-US" sz="1600" noProof="1">
                   <a:solidFill>
                     <a:schemeClr val="tx1">
                       <a:lumMod val="95000"/>
@@ -5820,825 +7338,7 @@
                     </a:schemeClr>
                   </a:solidFill>
                 </a:rPr>
-                <a:t>HTTP REST API</a:t>
-              </a:r>
-            </a:p>
-          </p:txBody>
-        </p:sp>
-      </p:grpSp>
-      <p:grpSp>
-        <p:nvGrpSpPr>
-          <p:cNvPr id="104" name="Gruppieren 103">
-            <a:extLst>
-              <a:ext uri="{FF2B5EF4-FFF2-40B4-BE49-F238E27FC236}">
-                <a16:creationId xmlns:a16="http://schemas.microsoft.com/office/drawing/2014/main" id="{49E16D24-5A23-4C45-9596-6987435C6962}"/>
-              </a:ext>
-            </a:extLst>
-          </p:cNvPr>
-          <p:cNvGrpSpPr/>
-          <p:nvPr/>
-        </p:nvGrpSpPr>
-        <p:grpSpPr>
-          <a:xfrm>
-            <a:off x="8184540" y="2959344"/>
-            <a:ext cx="1499699" cy="340519"/>
-            <a:chOff x="2974656" y="2949166"/>
-            <a:chExt cx="2032657" cy="826642"/>
-          </a:xfrm>
-          <a:solidFill>
-            <a:schemeClr val="bg1">
-              <a:lumMod val="85000"/>
-            </a:schemeClr>
-          </a:solidFill>
-        </p:grpSpPr>
-        <p:sp>
-          <p:nvSpPr>
-            <p:cNvPr id="105" name="Abgerundetes Rechteck 104">
-              <a:extLst>
-                <a:ext uri="{FF2B5EF4-FFF2-40B4-BE49-F238E27FC236}">
-                  <a16:creationId xmlns:a16="http://schemas.microsoft.com/office/drawing/2014/main" id="{43AEBBAD-B2B8-7A48-8097-B08C8E1C6BF5}"/>
-                </a:ext>
-              </a:extLst>
-            </p:cNvPr>
-            <p:cNvSpPr/>
-            <p:nvPr/>
-          </p:nvSpPr>
-          <p:spPr>
-            <a:xfrm>
-              <a:off x="2974656" y="2959163"/>
-              <a:ext cx="2032657" cy="776988"/>
-            </a:xfrm>
-            <a:prstGeom prst="roundRect">
-              <a:avLst>
-                <a:gd name="adj" fmla="val 4496"/>
-              </a:avLst>
-            </a:prstGeom>
-            <a:grpFill/>
-            <a:ln w="19050">
-              <a:solidFill>
-                <a:schemeClr val="tx1"/>
-              </a:solidFill>
-            </a:ln>
-          </p:spPr>
-          <p:style>
-            <a:lnRef idx="2">
-              <a:schemeClr val="accent1">
-                <a:shade val="50000"/>
-              </a:schemeClr>
-            </a:lnRef>
-            <a:fillRef idx="1">
-              <a:schemeClr val="accent1"/>
-            </a:fillRef>
-            <a:effectRef idx="0">
-              <a:schemeClr val="accent1"/>
-            </a:effectRef>
-            <a:fontRef idx="minor">
-              <a:schemeClr val="lt1"/>
-            </a:fontRef>
-          </p:style>
-          <p:txBody>
-            <a:bodyPr rot="0" spcFirstLastPara="0" vertOverflow="overflow" horzOverflow="overflow" vert="horz" wrap="square" lIns="91440" tIns="45720" rIns="91440" bIns="45720" numCol="1" spcCol="0" rtlCol="0" fromWordArt="0" anchor="ctr" anchorCtr="0" forceAA="0" compatLnSpc="1">
-              <a:prstTxWarp prst="textNoShape">
-                <a:avLst/>
-              </a:prstTxWarp>
-              <a:noAutofit/>
-            </a:bodyPr>
-            <a:lstStyle/>
-            <a:p>
-              <a:pPr algn="ctr"/>
-              <a:endParaRPr lang="en-US"/>
-            </a:p>
-          </p:txBody>
-        </p:sp>
-        <p:sp>
-          <p:nvSpPr>
-            <p:cNvPr id="106" name="Textfeld 105">
-              <a:extLst>
-                <a:ext uri="{FF2B5EF4-FFF2-40B4-BE49-F238E27FC236}">
-                  <a16:creationId xmlns:a16="http://schemas.microsoft.com/office/drawing/2014/main" id="{1D9A8300-0353-C54D-BF58-D6D489783D66}"/>
-                </a:ext>
-              </a:extLst>
-            </p:cNvPr>
-            <p:cNvSpPr txBox="1"/>
-            <p:nvPr/>
-          </p:nvSpPr>
-          <p:spPr>
-            <a:xfrm>
-              <a:off x="2997401" y="2949166"/>
-              <a:ext cx="1987165" cy="826642"/>
-            </a:xfrm>
-            <a:prstGeom prst="roundRect">
-              <a:avLst/>
-            </a:prstGeom>
-            <a:noFill/>
-          </p:spPr>
-          <p:txBody>
-            <a:bodyPr wrap="square" rtlCol="0">
-              <a:spAutoFit/>
-            </a:bodyPr>
-            <a:lstStyle/>
-            <a:p>
-              <a:pPr algn="ctr"/>
-              <a:r>
-                <a:rPr lang="en-US" sz="1400" noProof="1">
-                  <a:solidFill>
-                    <a:schemeClr val="tx1">
-                      <a:lumMod val="95000"/>
-                      <a:lumOff val="5000"/>
-                    </a:schemeClr>
-                  </a:solidFill>
-                </a:rPr>
-                <a:t>HTTP REST API</a:t>
-              </a:r>
-            </a:p>
-          </p:txBody>
-        </p:sp>
-      </p:grpSp>
-      <p:grpSp>
-        <p:nvGrpSpPr>
-          <p:cNvPr id="107" name="Gruppieren 106">
-            <a:extLst>
-              <a:ext uri="{FF2B5EF4-FFF2-40B4-BE49-F238E27FC236}">
-                <a16:creationId xmlns:a16="http://schemas.microsoft.com/office/drawing/2014/main" id="{A9E91CCA-B95C-CD42-81EB-019382D64697}"/>
-              </a:ext>
-            </a:extLst>
-          </p:cNvPr>
-          <p:cNvGrpSpPr/>
-          <p:nvPr/>
-        </p:nvGrpSpPr>
-        <p:grpSpPr>
-          <a:xfrm>
-            <a:off x="10240667" y="2944153"/>
-            <a:ext cx="1499699" cy="340519"/>
-            <a:chOff x="2974656" y="2949166"/>
-            <a:chExt cx="2032657" cy="826642"/>
-          </a:xfrm>
-          <a:solidFill>
-            <a:schemeClr val="bg1">
-              <a:lumMod val="85000"/>
-            </a:schemeClr>
-          </a:solidFill>
-        </p:grpSpPr>
-        <p:sp>
-          <p:nvSpPr>
-            <p:cNvPr id="108" name="Abgerundetes Rechteck 107">
-              <a:extLst>
-                <a:ext uri="{FF2B5EF4-FFF2-40B4-BE49-F238E27FC236}">
-                  <a16:creationId xmlns:a16="http://schemas.microsoft.com/office/drawing/2014/main" id="{01B0B107-A57E-BB48-A8F2-76D36F6630BC}"/>
-                </a:ext>
-              </a:extLst>
-            </p:cNvPr>
-            <p:cNvSpPr/>
-            <p:nvPr/>
-          </p:nvSpPr>
-          <p:spPr>
-            <a:xfrm>
-              <a:off x="2974656" y="2959163"/>
-              <a:ext cx="2032657" cy="776988"/>
-            </a:xfrm>
-            <a:prstGeom prst="roundRect">
-              <a:avLst>
-                <a:gd name="adj" fmla="val 4496"/>
-              </a:avLst>
-            </a:prstGeom>
-            <a:grpFill/>
-            <a:ln w="19050">
-              <a:solidFill>
-                <a:schemeClr val="tx1"/>
-              </a:solidFill>
-            </a:ln>
-          </p:spPr>
-          <p:style>
-            <a:lnRef idx="2">
-              <a:schemeClr val="accent1">
-                <a:shade val="50000"/>
-              </a:schemeClr>
-            </a:lnRef>
-            <a:fillRef idx="1">
-              <a:schemeClr val="accent1"/>
-            </a:fillRef>
-            <a:effectRef idx="0">
-              <a:schemeClr val="accent1"/>
-            </a:effectRef>
-            <a:fontRef idx="minor">
-              <a:schemeClr val="lt1"/>
-            </a:fontRef>
-          </p:style>
-          <p:txBody>
-            <a:bodyPr rot="0" spcFirstLastPara="0" vertOverflow="overflow" horzOverflow="overflow" vert="horz" wrap="square" lIns="91440" tIns="45720" rIns="91440" bIns="45720" numCol="1" spcCol="0" rtlCol="0" fromWordArt="0" anchor="ctr" anchorCtr="0" forceAA="0" compatLnSpc="1">
-              <a:prstTxWarp prst="textNoShape">
-                <a:avLst/>
-              </a:prstTxWarp>
-              <a:noAutofit/>
-            </a:bodyPr>
-            <a:lstStyle/>
-            <a:p>
-              <a:pPr algn="ctr"/>
-              <a:endParaRPr lang="en-US"/>
-            </a:p>
-          </p:txBody>
-        </p:sp>
-        <p:sp>
-          <p:nvSpPr>
-            <p:cNvPr id="109" name="Textfeld 108">
-              <a:extLst>
-                <a:ext uri="{FF2B5EF4-FFF2-40B4-BE49-F238E27FC236}">
-                  <a16:creationId xmlns:a16="http://schemas.microsoft.com/office/drawing/2014/main" id="{F246B292-E4A1-6A46-9B27-0BD76802319B}"/>
-                </a:ext>
-              </a:extLst>
-            </p:cNvPr>
-            <p:cNvSpPr txBox="1"/>
-            <p:nvPr/>
-          </p:nvSpPr>
-          <p:spPr>
-            <a:xfrm>
-              <a:off x="2997401" y="2949166"/>
-              <a:ext cx="1987165" cy="826642"/>
-            </a:xfrm>
-            <a:prstGeom prst="roundRect">
-              <a:avLst/>
-            </a:prstGeom>
-            <a:noFill/>
-          </p:spPr>
-          <p:txBody>
-            <a:bodyPr wrap="square" rtlCol="0">
-              <a:spAutoFit/>
-            </a:bodyPr>
-            <a:lstStyle/>
-            <a:p>
-              <a:pPr algn="ctr"/>
-              <a:r>
-                <a:rPr lang="en-US" sz="1400" noProof="1">
-                  <a:solidFill>
-                    <a:schemeClr val="tx1">
-                      <a:lumMod val="95000"/>
-                      <a:lumOff val="5000"/>
-                    </a:schemeClr>
-                  </a:solidFill>
-                </a:rPr>
-                <a:t>HTTP REST API</a:t>
-              </a:r>
-            </a:p>
-          </p:txBody>
-        </p:sp>
-      </p:grpSp>
-      <p:sp>
-        <p:nvSpPr>
-          <p:cNvPr id="111" name="Abgerundetes Rechteck 110">
-            <a:extLst>
-              <a:ext uri="{FF2B5EF4-FFF2-40B4-BE49-F238E27FC236}">
-                <a16:creationId xmlns:a16="http://schemas.microsoft.com/office/drawing/2014/main" id="{A49069D5-440A-5F47-A7BD-30FC2CC0712E}"/>
-              </a:ext>
-            </a:extLst>
-          </p:cNvPr>
-          <p:cNvSpPr/>
-          <p:nvPr/>
-        </p:nvSpPr>
-        <p:spPr>
-          <a:xfrm rot="5400000">
-            <a:off x="3325667" y="3214328"/>
-            <a:ext cx="311435" cy="76198"/>
-          </a:xfrm>
-          <a:prstGeom prst="roundRect">
-            <a:avLst>
-              <a:gd name="adj" fmla="val 4496"/>
-            </a:avLst>
-          </a:prstGeom>
-          <a:solidFill>
-            <a:schemeClr val="bg1">
-              <a:lumMod val="85000"/>
-            </a:schemeClr>
-          </a:solidFill>
-          <a:ln w="19050">
-            <a:solidFill>
-              <a:schemeClr val="tx1"/>
-            </a:solidFill>
-          </a:ln>
-        </p:spPr>
-        <p:style>
-          <a:lnRef idx="2">
-            <a:schemeClr val="accent1">
-              <a:shade val="50000"/>
-            </a:schemeClr>
-          </a:lnRef>
-          <a:fillRef idx="1">
-            <a:schemeClr val="accent1"/>
-          </a:fillRef>
-          <a:effectRef idx="0">
-            <a:schemeClr val="accent1"/>
-          </a:effectRef>
-          <a:fontRef idx="minor">
-            <a:schemeClr val="lt1"/>
-          </a:fontRef>
-        </p:style>
-        <p:txBody>
-          <a:bodyPr rot="0" spcFirstLastPara="0" vertOverflow="overflow" horzOverflow="overflow" vert="horz" wrap="square" lIns="91440" tIns="45720" rIns="91440" bIns="45720" numCol="1" spcCol="0" rtlCol="0" fromWordArt="0" anchor="ctr" anchorCtr="0" forceAA="0" compatLnSpc="1">
-            <a:prstTxWarp prst="textNoShape">
-              <a:avLst/>
-            </a:prstTxWarp>
-            <a:noAutofit/>
-          </a:bodyPr>
-          <a:lstStyle/>
-          <a:p>
-            <a:pPr algn="ctr"/>
-            <a:endParaRPr lang="en-US"/>
-          </a:p>
-        </p:txBody>
-      </p:sp>
-      <p:sp>
-        <p:nvSpPr>
-          <p:cNvPr id="114" name="Abgerundetes Rechteck 113">
-            <a:extLst>
-              <a:ext uri="{FF2B5EF4-FFF2-40B4-BE49-F238E27FC236}">
-                <a16:creationId xmlns:a16="http://schemas.microsoft.com/office/drawing/2014/main" id="{A6C9225D-1C6B-BB4E-BE93-759472CC27AB}"/>
-              </a:ext>
-            </a:extLst>
-          </p:cNvPr>
-          <p:cNvSpPr/>
-          <p:nvPr/>
-        </p:nvSpPr>
-        <p:spPr>
-          <a:xfrm rot="5400000">
-            <a:off x="2179970" y="3212150"/>
-            <a:ext cx="311435" cy="76198"/>
-          </a:xfrm>
-          <a:prstGeom prst="roundRect">
-            <a:avLst>
-              <a:gd name="adj" fmla="val 4496"/>
-            </a:avLst>
-          </a:prstGeom>
-          <a:solidFill>
-            <a:schemeClr val="bg1">
-              <a:lumMod val="85000"/>
-            </a:schemeClr>
-          </a:solidFill>
-          <a:ln w="19050">
-            <a:solidFill>
-              <a:schemeClr val="tx1"/>
-            </a:solidFill>
-          </a:ln>
-        </p:spPr>
-        <p:style>
-          <a:lnRef idx="2">
-            <a:schemeClr val="accent1">
-              <a:shade val="50000"/>
-            </a:schemeClr>
-          </a:lnRef>
-          <a:fillRef idx="1">
-            <a:schemeClr val="accent1"/>
-          </a:fillRef>
-          <a:effectRef idx="0">
-            <a:schemeClr val="accent1"/>
-          </a:effectRef>
-          <a:fontRef idx="minor">
-            <a:schemeClr val="lt1"/>
-          </a:fontRef>
-        </p:style>
-        <p:txBody>
-          <a:bodyPr rot="0" spcFirstLastPara="0" vertOverflow="overflow" horzOverflow="overflow" vert="horz" wrap="square" lIns="91440" tIns="45720" rIns="91440" bIns="45720" numCol="1" spcCol="0" rtlCol="0" fromWordArt="0" anchor="ctr" anchorCtr="0" forceAA="0" compatLnSpc="1">
-            <a:prstTxWarp prst="textNoShape">
-              <a:avLst/>
-            </a:prstTxWarp>
-            <a:noAutofit/>
-          </a:bodyPr>
-          <a:lstStyle/>
-          <a:p>
-            <a:pPr algn="ctr"/>
-            <a:endParaRPr lang="en-US"/>
-          </a:p>
-        </p:txBody>
-      </p:sp>
-      <p:sp>
-        <p:nvSpPr>
-          <p:cNvPr id="118" name="Abgerundetes Rechteck 117">
-            <a:extLst>
-              <a:ext uri="{FF2B5EF4-FFF2-40B4-BE49-F238E27FC236}">
-                <a16:creationId xmlns:a16="http://schemas.microsoft.com/office/drawing/2014/main" id="{A77D4437-5DFE-F948-937F-B3D075438833}"/>
-              </a:ext>
-            </a:extLst>
-          </p:cNvPr>
-          <p:cNvSpPr/>
-          <p:nvPr/>
-        </p:nvSpPr>
-        <p:spPr>
-          <a:xfrm rot="5400000">
-            <a:off x="3325666" y="3741384"/>
-            <a:ext cx="311435" cy="76198"/>
-          </a:xfrm>
-          <a:prstGeom prst="roundRect">
-            <a:avLst>
-              <a:gd name="adj" fmla="val 4496"/>
-            </a:avLst>
-          </a:prstGeom>
-          <a:solidFill>
-            <a:schemeClr val="bg1">
-              <a:lumMod val="85000"/>
-            </a:schemeClr>
-          </a:solidFill>
-          <a:ln w="19050">
-            <a:solidFill>
-              <a:schemeClr val="tx1"/>
-            </a:solidFill>
-          </a:ln>
-        </p:spPr>
-        <p:style>
-          <a:lnRef idx="2">
-            <a:schemeClr val="accent1">
-              <a:shade val="50000"/>
-            </a:schemeClr>
-          </a:lnRef>
-          <a:fillRef idx="1">
-            <a:schemeClr val="accent1"/>
-          </a:fillRef>
-          <a:effectRef idx="0">
-            <a:schemeClr val="accent1"/>
-          </a:effectRef>
-          <a:fontRef idx="minor">
-            <a:schemeClr val="lt1"/>
-          </a:fontRef>
-        </p:style>
-        <p:txBody>
-          <a:bodyPr rot="0" spcFirstLastPara="0" vertOverflow="overflow" horzOverflow="overflow" vert="horz" wrap="square" lIns="91440" tIns="45720" rIns="91440" bIns="45720" numCol="1" spcCol="0" rtlCol="0" fromWordArt="0" anchor="ctr" anchorCtr="0" forceAA="0" compatLnSpc="1">
-            <a:prstTxWarp prst="textNoShape">
-              <a:avLst/>
-            </a:prstTxWarp>
-            <a:noAutofit/>
-          </a:bodyPr>
-          <a:lstStyle/>
-          <a:p>
-            <a:pPr algn="ctr"/>
-            <a:endParaRPr lang="en-US"/>
-          </a:p>
-        </p:txBody>
-      </p:sp>
-      <p:sp>
-        <p:nvSpPr>
-          <p:cNvPr id="119" name="Abgerundetes Rechteck 118">
-            <a:extLst>
-              <a:ext uri="{FF2B5EF4-FFF2-40B4-BE49-F238E27FC236}">
-                <a16:creationId xmlns:a16="http://schemas.microsoft.com/office/drawing/2014/main" id="{4630578E-4F4B-F546-9DC5-5BA749309AE5}"/>
-              </a:ext>
-            </a:extLst>
-          </p:cNvPr>
-          <p:cNvSpPr/>
-          <p:nvPr/>
-        </p:nvSpPr>
-        <p:spPr>
-          <a:xfrm rot="5400000">
-            <a:off x="3329196" y="4264000"/>
-            <a:ext cx="311435" cy="76198"/>
-          </a:xfrm>
-          <a:prstGeom prst="roundRect">
-            <a:avLst>
-              <a:gd name="adj" fmla="val 4496"/>
-            </a:avLst>
-          </a:prstGeom>
-          <a:solidFill>
-            <a:schemeClr val="bg1">
-              <a:lumMod val="85000"/>
-            </a:schemeClr>
-          </a:solidFill>
-          <a:ln w="19050">
-            <a:solidFill>
-              <a:schemeClr val="tx1"/>
-            </a:solidFill>
-          </a:ln>
-        </p:spPr>
-        <p:style>
-          <a:lnRef idx="2">
-            <a:schemeClr val="accent1">
-              <a:shade val="50000"/>
-            </a:schemeClr>
-          </a:lnRef>
-          <a:fillRef idx="1">
-            <a:schemeClr val="accent1"/>
-          </a:fillRef>
-          <a:effectRef idx="0">
-            <a:schemeClr val="accent1"/>
-          </a:effectRef>
-          <a:fontRef idx="minor">
-            <a:schemeClr val="lt1"/>
-          </a:fontRef>
-        </p:style>
-        <p:txBody>
-          <a:bodyPr rot="0" spcFirstLastPara="0" vertOverflow="overflow" horzOverflow="overflow" vert="horz" wrap="square" lIns="91440" tIns="45720" rIns="91440" bIns="45720" numCol="1" spcCol="0" rtlCol="0" fromWordArt="0" anchor="ctr" anchorCtr="0" forceAA="0" compatLnSpc="1">
-            <a:prstTxWarp prst="textNoShape">
-              <a:avLst/>
-            </a:prstTxWarp>
-            <a:noAutofit/>
-          </a:bodyPr>
-          <a:lstStyle/>
-          <a:p>
-            <a:pPr algn="ctr"/>
-            <a:endParaRPr lang="en-US"/>
-          </a:p>
-        </p:txBody>
-      </p:sp>
-      <p:cxnSp>
-        <p:nvCxnSpPr>
-          <p:cNvPr id="123" name="Gerade Verbindung mit Pfeil 122">
-            <a:extLst>
-              <a:ext uri="{FF2B5EF4-FFF2-40B4-BE49-F238E27FC236}">
-                <a16:creationId xmlns:a16="http://schemas.microsoft.com/office/drawing/2014/main" id="{762F0957-18EC-AF4D-A36D-90E5C5F2F527}"/>
-              </a:ext>
-            </a:extLst>
-          </p:cNvPr>
-          <p:cNvCxnSpPr>
-            <a:cxnSpLocks/>
-            <a:endCxn id="97" idx="0"/>
-          </p:cNvCxnSpPr>
-          <p:nvPr/>
-        </p:nvCxnSpPr>
-        <p:spPr>
-          <a:xfrm>
-            <a:off x="1056156" y="2116783"/>
-            <a:ext cx="0" cy="827368"/>
-          </a:xfrm>
-          <a:prstGeom prst="straightConnector1">
-            <a:avLst/>
-          </a:prstGeom>
-          <a:ln w="19050">
-            <a:solidFill>
-              <a:schemeClr val="tx1"/>
-            </a:solidFill>
-            <a:headEnd type="none" w="lg" len="med"/>
-            <a:tailEnd type="triangle" w="lg" len="med"/>
-          </a:ln>
-        </p:spPr>
-        <p:style>
-          <a:lnRef idx="1">
-            <a:schemeClr val="accent1"/>
-          </a:lnRef>
-          <a:fillRef idx="0">
-            <a:schemeClr val="accent1"/>
-          </a:fillRef>
-          <a:effectRef idx="0">
-            <a:schemeClr val="accent1"/>
-          </a:effectRef>
-          <a:fontRef idx="minor">
-            <a:schemeClr val="tx1"/>
-          </a:fontRef>
-        </p:style>
-      </p:cxnSp>
-      <p:cxnSp>
-        <p:nvCxnSpPr>
-          <p:cNvPr id="126" name="Gerade Verbindung mit Pfeil 125">
-            <a:extLst>
-              <a:ext uri="{FF2B5EF4-FFF2-40B4-BE49-F238E27FC236}">
-                <a16:creationId xmlns:a16="http://schemas.microsoft.com/office/drawing/2014/main" id="{CA0A5F5E-C979-2145-AB77-95C80EE23478}"/>
-              </a:ext>
-            </a:extLst>
-          </p:cNvPr>
-          <p:cNvCxnSpPr>
-            <a:cxnSpLocks/>
-          </p:cNvCxnSpPr>
-          <p:nvPr/>
-        </p:nvCxnSpPr>
-        <p:spPr>
-          <a:xfrm>
-            <a:off x="4800105" y="2125611"/>
-            <a:ext cx="0" cy="827368"/>
-          </a:xfrm>
-          <a:prstGeom prst="straightConnector1">
-            <a:avLst/>
-          </a:prstGeom>
-          <a:ln w="19050">
-            <a:solidFill>
-              <a:schemeClr val="tx1"/>
-            </a:solidFill>
-            <a:headEnd type="none" w="lg" len="med"/>
-            <a:tailEnd type="triangle" w="lg" len="med"/>
-          </a:ln>
-        </p:spPr>
-        <p:style>
-          <a:lnRef idx="1">
-            <a:schemeClr val="accent1"/>
-          </a:lnRef>
-          <a:fillRef idx="0">
-            <a:schemeClr val="accent1"/>
-          </a:fillRef>
-          <a:effectRef idx="0">
-            <a:schemeClr val="accent1"/>
-          </a:effectRef>
-          <a:fontRef idx="minor">
-            <a:schemeClr val="tx1"/>
-          </a:fontRef>
-        </p:style>
-      </p:cxnSp>
-      <p:cxnSp>
-        <p:nvCxnSpPr>
-          <p:cNvPr id="127" name="Gerade Verbindung mit Pfeil 126">
-            <a:extLst>
-              <a:ext uri="{FF2B5EF4-FFF2-40B4-BE49-F238E27FC236}">
-                <a16:creationId xmlns:a16="http://schemas.microsoft.com/office/drawing/2014/main" id="{E5D2BD1F-BABD-E447-889D-990724D2F88F}"/>
-              </a:ext>
-            </a:extLst>
-          </p:cNvPr>
-          <p:cNvCxnSpPr>
-            <a:cxnSpLocks/>
-          </p:cNvCxnSpPr>
-          <p:nvPr/>
-        </p:nvCxnSpPr>
-        <p:spPr>
-          <a:xfrm>
-            <a:off x="8929269" y="2131970"/>
-            <a:ext cx="0" cy="827368"/>
-          </a:xfrm>
-          <a:prstGeom prst="straightConnector1">
-            <a:avLst/>
-          </a:prstGeom>
-          <a:ln w="19050">
-            <a:solidFill>
-              <a:schemeClr val="tx1"/>
-            </a:solidFill>
-            <a:headEnd type="none" w="lg" len="med"/>
-            <a:tailEnd type="triangle" w="lg" len="med"/>
-          </a:ln>
-        </p:spPr>
-        <p:style>
-          <a:lnRef idx="1">
-            <a:schemeClr val="accent1"/>
-          </a:lnRef>
-          <a:fillRef idx="0">
-            <a:schemeClr val="accent1"/>
-          </a:fillRef>
-          <a:effectRef idx="0">
-            <a:schemeClr val="accent1"/>
-          </a:effectRef>
-          <a:fontRef idx="minor">
-            <a:schemeClr val="tx1"/>
-          </a:fontRef>
-        </p:style>
-      </p:cxnSp>
-      <p:cxnSp>
-        <p:nvCxnSpPr>
-          <p:cNvPr id="128" name="Gerade Verbindung mit Pfeil 127">
-            <a:extLst>
-              <a:ext uri="{FF2B5EF4-FFF2-40B4-BE49-F238E27FC236}">
-                <a16:creationId xmlns:a16="http://schemas.microsoft.com/office/drawing/2014/main" id="{13A8A422-456E-5948-AF08-F3BDEA05613E}"/>
-              </a:ext>
-            </a:extLst>
-          </p:cNvPr>
-          <p:cNvCxnSpPr>
-            <a:cxnSpLocks/>
-            <a:endCxn id="109" idx="0"/>
-          </p:cNvCxnSpPr>
-          <p:nvPr/>
-        </p:nvCxnSpPr>
-        <p:spPr>
-          <a:xfrm>
-            <a:off x="10977259" y="2125607"/>
-            <a:ext cx="0" cy="818540"/>
-          </a:xfrm>
-          <a:prstGeom prst="straightConnector1">
-            <a:avLst/>
-          </a:prstGeom>
-          <a:ln w="19050">
-            <a:solidFill>
-              <a:schemeClr val="tx1"/>
-            </a:solidFill>
-            <a:headEnd type="none" w="lg" len="med"/>
-            <a:tailEnd type="triangle" w="lg" len="med"/>
-          </a:ln>
-        </p:spPr>
-        <p:style>
-          <a:lnRef idx="1">
-            <a:schemeClr val="accent1"/>
-          </a:lnRef>
-          <a:fillRef idx="0">
-            <a:schemeClr val="accent1"/>
-          </a:fillRef>
-          <a:effectRef idx="0">
-            <a:schemeClr val="accent1"/>
-          </a:effectRef>
-          <a:fontRef idx="minor">
-            <a:schemeClr val="tx1"/>
-          </a:fontRef>
-        </p:style>
-      </p:cxnSp>
-      <p:grpSp>
-        <p:nvGrpSpPr>
-          <p:cNvPr id="93" name="Gruppieren 92">
-            <a:extLst>
-              <a:ext uri="{FF2B5EF4-FFF2-40B4-BE49-F238E27FC236}">
-                <a16:creationId xmlns:a16="http://schemas.microsoft.com/office/drawing/2014/main" id="{5C42A964-9B10-B64B-A983-34D0E8935F3F}"/>
-              </a:ext>
-            </a:extLst>
-          </p:cNvPr>
-          <p:cNvGrpSpPr/>
-          <p:nvPr/>
-        </p:nvGrpSpPr>
-        <p:grpSpPr>
-          <a:xfrm>
-            <a:off x="5699268" y="3071326"/>
-            <a:ext cx="2296340" cy="1327775"/>
-            <a:chOff x="2825909" y="2959163"/>
-            <a:chExt cx="2330152" cy="776988"/>
-          </a:xfrm>
-          <a:solidFill>
-            <a:schemeClr val="bg1">
-              <a:lumMod val="95000"/>
-            </a:schemeClr>
-          </a:solidFill>
-        </p:grpSpPr>
-        <p:sp>
-          <p:nvSpPr>
-            <p:cNvPr id="94" name="Abgerundetes Rechteck 93">
-              <a:extLst>
-                <a:ext uri="{FF2B5EF4-FFF2-40B4-BE49-F238E27FC236}">
-                  <a16:creationId xmlns:a16="http://schemas.microsoft.com/office/drawing/2014/main" id="{ECA236C0-1A62-5C45-9423-B86A650FC8EF}"/>
-                </a:ext>
-              </a:extLst>
-            </p:cNvPr>
-            <p:cNvSpPr/>
-            <p:nvPr/>
-          </p:nvSpPr>
-          <p:spPr>
-            <a:xfrm>
-              <a:off x="2974656" y="2959163"/>
-              <a:ext cx="2032657" cy="776988"/>
-            </a:xfrm>
-            <a:prstGeom prst="roundRect">
-              <a:avLst>
-                <a:gd name="adj" fmla="val 4496"/>
-              </a:avLst>
-            </a:prstGeom>
-            <a:grpFill/>
-            <a:ln w="19050">
-              <a:solidFill>
-                <a:schemeClr val="tx1"/>
-              </a:solidFill>
-            </a:ln>
-          </p:spPr>
-          <p:style>
-            <a:lnRef idx="2">
-              <a:schemeClr val="accent1">
-                <a:shade val="50000"/>
-              </a:schemeClr>
-            </a:lnRef>
-            <a:fillRef idx="1">
-              <a:schemeClr val="accent1"/>
-            </a:fillRef>
-            <a:effectRef idx="0">
-              <a:schemeClr val="accent1"/>
-            </a:effectRef>
-            <a:fontRef idx="minor">
-              <a:schemeClr val="lt1"/>
-            </a:fontRef>
-          </p:style>
-          <p:txBody>
-            <a:bodyPr rot="0" spcFirstLastPara="0" vertOverflow="overflow" horzOverflow="overflow" vert="horz" wrap="square" lIns="91440" tIns="45720" rIns="91440" bIns="45720" numCol="1" spcCol="0" rtlCol="0" fromWordArt="0" anchor="ctr" anchorCtr="0" forceAA="0" compatLnSpc="1">
-              <a:prstTxWarp prst="textNoShape">
-                <a:avLst/>
-              </a:prstTxWarp>
-              <a:noAutofit/>
-            </a:bodyPr>
-            <a:lstStyle/>
-            <a:p>
-              <a:pPr algn="ctr"/>
-              <a:endParaRPr lang="en-US"/>
-            </a:p>
-          </p:txBody>
-        </p:sp>
-        <p:sp>
-          <p:nvSpPr>
-            <p:cNvPr id="101" name="Textfeld 100">
-              <a:extLst>
-                <a:ext uri="{FF2B5EF4-FFF2-40B4-BE49-F238E27FC236}">
-                  <a16:creationId xmlns:a16="http://schemas.microsoft.com/office/drawing/2014/main" id="{5AC3C5DB-AB01-5640-94E2-D4F3A4A341AE}"/>
-                </a:ext>
-              </a:extLst>
-            </p:cNvPr>
-            <p:cNvSpPr txBox="1"/>
-            <p:nvPr/>
-          </p:nvSpPr>
-          <p:spPr>
-            <a:xfrm>
-              <a:off x="2825909" y="3170709"/>
-              <a:ext cx="2330152" cy="358677"/>
-            </a:xfrm>
-            <a:prstGeom prst="roundRect">
-              <a:avLst/>
-            </a:prstGeom>
-            <a:noFill/>
-          </p:spPr>
-          <p:txBody>
-            <a:bodyPr wrap="square" rtlCol="0">
-              <a:spAutoFit/>
-            </a:bodyPr>
-            <a:lstStyle/>
-            <a:p>
-              <a:pPr algn="ctr"/>
-              <a:r>
-                <a:rPr lang="en-US" noProof="1">
-                  <a:solidFill>
-                    <a:schemeClr val="tx1">
-                      <a:lumMod val="95000"/>
-                      <a:lumOff val="5000"/>
-                    </a:schemeClr>
-                  </a:solidFill>
-                </a:rPr>
-                <a:t>Circuit Transformer</a:t>
+                <a:t>QC Atlas UI</a:t>
               </a:r>
             </a:p>
             <a:p>
@@ -6652,438 +7352,12 @@
                     </a:schemeClr>
                   </a:solidFill>
                 </a:rPr>
-                <a:t>Flask</a:t>
+                <a:t>TypeScript, Angular</a:t>
               </a:r>
             </a:p>
           </p:txBody>
         </p:sp>
       </p:grpSp>
-      <p:grpSp>
-        <p:nvGrpSpPr>
-          <p:cNvPr id="102" name="Gruppieren 101">
-            <a:extLst>
-              <a:ext uri="{FF2B5EF4-FFF2-40B4-BE49-F238E27FC236}">
-                <a16:creationId xmlns:a16="http://schemas.microsoft.com/office/drawing/2014/main" id="{53A1400F-6F19-1845-990A-9327873E8115}"/>
-              </a:ext>
-            </a:extLst>
-          </p:cNvPr>
-          <p:cNvGrpSpPr/>
-          <p:nvPr/>
-        </p:nvGrpSpPr>
-        <p:grpSpPr>
-          <a:xfrm>
-            <a:off x="5948263" y="4159243"/>
-            <a:ext cx="1807161" cy="796371"/>
-            <a:chOff x="2593854" y="4310634"/>
-            <a:chExt cx="2039796" cy="917663"/>
-          </a:xfrm>
-          <a:solidFill>
-            <a:schemeClr val="bg1">
-              <a:lumMod val="75000"/>
-            </a:schemeClr>
-          </a:solidFill>
-        </p:grpSpPr>
-        <p:sp>
-          <p:nvSpPr>
-            <p:cNvPr id="103" name="Zylinder 102">
-              <a:extLst>
-                <a:ext uri="{FF2B5EF4-FFF2-40B4-BE49-F238E27FC236}">
-                  <a16:creationId xmlns:a16="http://schemas.microsoft.com/office/drawing/2014/main" id="{E5290692-8A32-FA48-8769-CC1521AA8E2F}"/>
-                </a:ext>
-              </a:extLst>
-            </p:cNvPr>
-            <p:cNvSpPr/>
-            <p:nvPr/>
-          </p:nvSpPr>
-          <p:spPr>
-            <a:xfrm>
-              <a:off x="2593854" y="4310634"/>
-              <a:ext cx="2039796" cy="917663"/>
-            </a:xfrm>
-            <a:prstGeom prst="can">
-              <a:avLst>
-                <a:gd name="adj" fmla="val 21079"/>
-              </a:avLst>
-            </a:prstGeom>
-            <a:grpFill/>
-            <a:ln w="19050">
-              <a:solidFill>
-                <a:schemeClr val="tx1">
-                  <a:lumMod val="95000"/>
-                  <a:lumOff val="5000"/>
-                </a:schemeClr>
-              </a:solidFill>
-            </a:ln>
-          </p:spPr>
-          <p:style>
-            <a:lnRef idx="2">
-              <a:schemeClr val="accent1">
-                <a:shade val="50000"/>
-              </a:schemeClr>
-            </a:lnRef>
-            <a:fillRef idx="1">
-              <a:schemeClr val="accent1"/>
-            </a:fillRef>
-            <a:effectRef idx="0">
-              <a:schemeClr val="accent1"/>
-            </a:effectRef>
-            <a:fontRef idx="minor">
-              <a:schemeClr val="lt1"/>
-            </a:fontRef>
-          </p:style>
-          <p:txBody>
-            <a:bodyPr rtlCol="0" anchor="ctr"/>
-            <a:lstStyle/>
-            <a:p>
-              <a:pPr algn="ctr"/>
-              <a:endParaRPr lang="en-US" sz="800" noProof="1">
-                <a:solidFill>
-                  <a:schemeClr val="tx2">
-                    <a:lumMod val="50000"/>
-                  </a:schemeClr>
-                </a:solidFill>
-              </a:endParaRPr>
-            </a:p>
-            <a:p>
-              <a:pPr algn="ctr"/>
-              <a:endParaRPr lang="en-US" sz="800" noProof="1">
-                <a:solidFill>
-                  <a:schemeClr val="tx2">
-                    <a:lumMod val="50000"/>
-                  </a:schemeClr>
-                </a:solidFill>
-              </a:endParaRPr>
-            </a:p>
-            <a:p>
-              <a:pPr algn="ctr"/>
-              <a:endParaRPr lang="en-US" sz="800" noProof="1">
-                <a:solidFill>
-                  <a:schemeClr val="tx2">
-                    <a:lumMod val="50000"/>
-                  </a:schemeClr>
-                </a:solidFill>
-              </a:endParaRPr>
-            </a:p>
-            <a:p>
-              <a:pPr algn="ctr"/>
-              <a:endParaRPr lang="en-US" sz="800" noProof="1">
-                <a:solidFill>
-                  <a:schemeClr val="tx2">
-                    <a:lumMod val="50000"/>
-                  </a:schemeClr>
-                </a:solidFill>
-              </a:endParaRPr>
-            </a:p>
-            <a:p>
-              <a:pPr algn="ctr"/>
-              <a:endParaRPr lang="en-US" sz="800" noProof="1">
-                <a:solidFill>
-                  <a:schemeClr val="tx2">
-                    <a:lumMod val="50000"/>
-                  </a:schemeClr>
-                </a:solidFill>
-              </a:endParaRPr>
-            </a:p>
-            <a:p>
-              <a:pPr algn="ctr"/>
-              <a:endParaRPr lang="en-US" sz="800" noProof="1">
-                <a:solidFill>
-                  <a:schemeClr val="tx2">
-                    <a:lumMod val="50000"/>
-                  </a:schemeClr>
-                </a:solidFill>
-              </a:endParaRPr>
-            </a:p>
-            <a:p>
-              <a:pPr algn="ctr"/>
-              <a:endParaRPr lang="en-US" sz="800" noProof="1">
-                <a:solidFill>
-                  <a:schemeClr val="tx2">
-                    <a:lumMod val="50000"/>
-                  </a:schemeClr>
-                </a:solidFill>
-              </a:endParaRPr>
-            </a:p>
-            <a:p>
-              <a:pPr algn="ctr"/>
-              <a:endParaRPr lang="en-US" sz="800" noProof="1">
-                <a:solidFill>
-                  <a:schemeClr val="tx2">
-                    <a:lumMod val="50000"/>
-                  </a:schemeClr>
-                </a:solidFill>
-              </a:endParaRPr>
-            </a:p>
-            <a:p>
-              <a:pPr algn="ctr"/>
-              <a:endParaRPr lang="en-US" sz="800" noProof="1">
-                <a:solidFill>
-                  <a:schemeClr val="tx2">
-                    <a:lumMod val="50000"/>
-                  </a:schemeClr>
-                </a:solidFill>
-              </a:endParaRPr>
-            </a:p>
-            <a:p>
-              <a:pPr algn="ctr"/>
-              <a:endParaRPr lang="en-US" sz="800" noProof="1">
-                <a:solidFill>
-                  <a:schemeClr val="tx2">
-                    <a:lumMod val="50000"/>
-                  </a:schemeClr>
-                </a:solidFill>
-              </a:endParaRPr>
-            </a:p>
-            <a:p>
-              <a:pPr algn="ctr"/>
-              <a:endParaRPr lang="en-US" sz="800" noProof="1">
-                <a:solidFill>
-                  <a:schemeClr val="tx2">
-                    <a:lumMod val="50000"/>
-                  </a:schemeClr>
-                </a:solidFill>
-              </a:endParaRPr>
-            </a:p>
-            <a:p>
-              <a:pPr algn="ctr"/>
-              <a:endParaRPr lang="en-US" sz="800" noProof="1">
-                <a:solidFill>
-                  <a:schemeClr val="tx2">
-                    <a:lumMod val="50000"/>
-                  </a:schemeClr>
-                </a:solidFill>
-              </a:endParaRPr>
-            </a:p>
-            <a:p>
-              <a:pPr algn="ctr"/>
-              <a:endParaRPr lang="en-US" sz="800" noProof="1">
-                <a:solidFill>
-                  <a:schemeClr val="tx2">
-                    <a:lumMod val="50000"/>
-                  </a:schemeClr>
-                </a:solidFill>
-              </a:endParaRPr>
-            </a:p>
-          </p:txBody>
-        </p:sp>
-        <p:sp>
-          <p:nvSpPr>
-            <p:cNvPr id="110" name="Textfeld 109">
-              <a:extLst>
-                <a:ext uri="{FF2B5EF4-FFF2-40B4-BE49-F238E27FC236}">
-                  <a16:creationId xmlns:a16="http://schemas.microsoft.com/office/drawing/2014/main" id="{F18D1183-01D0-034B-8DE8-D26F1F82BF13}"/>
-                </a:ext>
-              </a:extLst>
-            </p:cNvPr>
-            <p:cNvSpPr txBox="1"/>
-            <p:nvPr/>
-          </p:nvSpPr>
-          <p:spPr>
-            <a:xfrm>
-              <a:off x="2656536" y="4587024"/>
-              <a:ext cx="1954191" cy="470859"/>
-            </a:xfrm>
-            <a:prstGeom prst="roundRect">
-              <a:avLst/>
-            </a:prstGeom>
-            <a:noFill/>
-          </p:spPr>
-          <p:txBody>
-            <a:bodyPr wrap="square" rtlCol="0">
-              <a:spAutoFit/>
-            </a:bodyPr>
-            <a:lstStyle/>
-            <a:p>
-              <a:pPr algn="ctr"/>
-              <a:r>
-                <a:rPr lang="en-US" noProof="1">
-                  <a:solidFill>
-                    <a:schemeClr val="tx1">
-                      <a:lumMod val="95000"/>
-                      <a:lumOff val="5000"/>
-                    </a:schemeClr>
-                  </a:solidFill>
-                </a:rPr>
-                <a:t>Gate Mappings</a:t>
-              </a:r>
-            </a:p>
-          </p:txBody>
-        </p:sp>
-      </p:grpSp>
-      <p:grpSp>
-        <p:nvGrpSpPr>
-          <p:cNvPr id="112" name="Gruppieren 111">
-            <a:extLst>
-              <a:ext uri="{FF2B5EF4-FFF2-40B4-BE49-F238E27FC236}">
-                <a16:creationId xmlns:a16="http://schemas.microsoft.com/office/drawing/2014/main" id="{0E836C74-D107-ED40-9DC0-70E2E5BE865A}"/>
-              </a:ext>
-            </a:extLst>
-          </p:cNvPr>
-          <p:cNvGrpSpPr/>
-          <p:nvPr/>
-        </p:nvGrpSpPr>
-        <p:grpSpPr>
-          <a:xfrm>
-            <a:off x="6119608" y="2945281"/>
-            <a:ext cx="1499699" cy="340519"/>
-            <a:chOff x="2974656" y="2949166"/>
-            <a:chExt cx="2032657" cy="826642"/>
-          </a:xfrm>
-          <a:solidFill>
-            <a:schemeClr val="bg1">
-              <a:lumMod val="85000"/>
-            </a:schemeClr>
-          </a:solidFill>
-        </p:grpSpPr>
-        <p:sp>
-          <p:nvSpPr>
-            <p:cNvPr id="113" name="Abgerundetes Rechteck 112">
-              <a:extLst>
-                <a:ext uri="{FF2B5EF4-FFF2-40B4-BE49-F238E27FC236}">
-                  <a16:creationId xmlns:a16="http://schemas.microsoft.com/office/drawing/2014/main" id="{104D0B68-50AC-B443-BF26-7F7B88EC4BE4}"/>
-                </a:ext>
-              </a:extLst>
-            </p:cNvPr>
-            <p:cNvSpPr/>
-            <p:nvPr/>
-          </p:nvSpPr>
-          <p:spPr>
-            <a:xfrm>
-              <a:off x="2974656" y="2959163"/>
-              <a:ext cx="2032657" cy="776988"/>
-            </a:xfrm>
-            <a:prstGeom prst="roundRect">
-              <a:avLst>
-                <a:gd name="adj" fmla="val 4496"/>
-              </a:avLst>
-            </a:prstGeom>
-            <a:grpFill/>
-            <a:ln w="19050">
-              <a:solidFill>
-                <a:schemeClr val="tx1"/>
-              </a:solidFill>
-            </a:ln>
-          </p:spPr>
-          <p:style>
-            <a:lnRef idx="2">
-              <a:schemeClr val="accent1">
-                <a:shade val="50000"/>
-              </a:schemeClr>
-            </a:lnRef>
-            <a:fillRef idx="1">
-              <a:schemeClr val="accent1"/>
-            </a:fillRef>
-            <a:effectRef idx="0">
-              <a:schemeClr val="accent1"/>
-            </a:effectRef>
-            <a:fontRef idx="minor">
-              <a:schemeClr val="lt1"/>
-            </a:fontRef>
-          </p:style>
-          <p:txBody>
-            <a:bodyPr rot="0" spcFirstLastPara="0" vertOverflow="overflow" horzOverflow="overflow" vert="horz" wrap="square" lIns="91440" tIns="45720" rIns="91440" bIns="45720" numCol="1" spcCol="0" rtlCol="0" fromWordArt="0" anchor="ctr" anchorCtr="0" forceAA="0" compatLnSpc="1">
-              <a:prstTxWarp prst="textNoShape">
-                <a:avLst/>
-              </a:prstTxWarp>
-              <a:noAutofit/>
-            </a:bodyPr>
-            <a:lstStyle/>
-            <a:p>
-              <a:pPr algn="ctr"/>
-              <a:endParaRPr lang="en-US"/>
-            </a:p>
-          </p:txBody>
-        </p:sp>
-        <p:sp>
-          <p:nvSpPr>
-            <p:cNvPr id="115" name="Textfeld 114">
-              <a:extLst>
-                <a:ext uri="{FF2B5EF4-FFF2-40B4-BE49-F238E27FC236}">
-                  <a16:creationId xmlns:a16="http://schemas.microsoft.com/office/drawing/2014/main" id="{61BE0135-C67B-144A-AF4F-A5A3E76C0810}"/>
-                </a:ext>
-              </a:extLst>
-            </p:cNvPr>
-            <p:cNvSpPr txBox="1"/>
-            <p:nvPr/>
-          </p:nvSpPr>
-          <p:spPr>
-            <a:xfrm>
-              <a:off x="2997401" y="2949166"/>
-              <a:ext cx="1987165" cy="826642"/>
-            </a:xfrm>
-            <a:prstGeom prst="roundRect">
-              <a:avLst/>
-            </a:prstGeom>
-            <a:noFill/>
-          </p:spPr>
-          <p:txBody>
-            <a:bodyPr wrap="square" rtlCol="0">
-              <a:spAutoFit/>
-            </a:bodyPr>
-            <a:lstStyle/>
-            <a:p>
-              <a:pPr algn="ctr"/>
-              <a:r>
-                <a:rPr lang="en-US" sz="1400" noProof="1">
-                  <a:solidFill>
-                    <a:schemeClr val="tx1">
-                      <a:lumMod val="95000"/>
-                      <a:lumOff val="5000"/>
-                    </a:schemeClr>
-                  </a:solidFill>
-                </a:rPr>
-                <a:t>HTTP REST API</a:t>
-              </a:r>
-            </a:p>
-          </p:txBody>
-        </p:sp>
-      </p:grpSp>
-      <p:cxnSp>
-        <p:nvCxnSpPr>
-          <p:cNvPr id="116" name="Gekrümmte Verbindung 115">
-            <a:extLst>
-              <a:ext uri="{FF2B5EF4-FFF2-40B4-BE49-F238E27FC236}">
-                <a16:creationId xmlns:a16="http://schemas.microsoft.com/office/drawing/2014/main" id="{43196147-1F4F-3E4F-99FC-4B31AE71C49B}"/>
-              </a:ext>
-            </a:extLst>
-          </p:cNvPr>
-          <p:cNvCxnSpPr>
-            <a:cxnSpLocks/>
-          </p:cNvCxnSpPr>
-          <p:nvPr/>
-        </p:nvCxnSpPr>
-        <p:spPr>
-          <a:xfrm rot="5040000" flipH="1" flipV="1">
-            <a:off x="6243956" y="2419108"/>
-            <a:ext cx="2296" cy="1192952"/>
-          </a:xfrm>
-          <a:prstGeom prst="curvedConnector3">
-            <a:avLst>
-              <a:gd name="adj1" fmla="val 11600809"/>
-            </a:avLst>
-          </a:prstGeom>
-          <a:ln w="19050">
-            <a:solidFill>
-              <a:schemeClr val="tx1"/>
-            </a:solidFill>
-            <a:tailEnd type="triangle" w="lg" len="med"/>
-          </a:ln>
-        </p:spPr>
-        <p:style>
-          <a:lnRef idx="1">
-            <a:schemeClr val="accent1"/>
-          </a:lnRef>
-          <a:fillRef idx="0">
-            <a:schemeClr val="accent1"/>
-          </a:fillRef>
-          <a:effectRef idx="0">
-            <a:schemeClr val="accent1"/>
-          </a:effectRef>
-          <a:fontRef idx="minor">
-            <a:schemeClr val="tx1"/>
-          </a:fontRef>
-        </p:style>
-      </p:cxnSp>
     </p:spTree>
     <p:extLst>
       <p:ext uri="{BB962C8B-B14F-4D97-AF65-F5344CB8AC3E}">

--- a/docs/images/components.pptx
+++ b/docs/images/components.pptx
@@ -261,7 +261,7 @@
           <a:p>
             <a:fld id="{19645D8C-4EAC-A548-94DE-127F8D402EB2}" type="datetimeFigureOut">
               <a:rPr lang="en-US" smtClean="0"/>
-              <a:t>8/2/22</a:t>
+              <a:t>3/14/23</a:t>
             </a:fld>
             <a:endParaRPr lang="en-US"/>
           </a:p>
@@ -436,7 +436,7 @@
           <a:p>
             <a:fld id="{19645D8C-4EAC-A548-94DE-127F8D402EB2}" type="datetimeFigureOut">
               <a:rPr lang="en-US" smtClean="0"/>
-              <a:t>8/2/22</a:t>
+              <a:t>3/14/23</a:t>
             </a:fld>
             <a:endParaRPr lang="en-US"/>
           </a:p>
@@ -621,7 +621,7 @@
           <a:p>
             <a:fld id="{19645D8C-4EAC-A548-94DE-127F8D402EB2}" type="datetimeFigureOut">
               <a:rPr lang="en-US" smtClean="0"/>
-              <a:t>8/2/22</a:t>
+              <a:t>3/14/23</a:t>
             </a:fld>
             <a:endParaRPr lang="en-US"/>
           </a:p>
@@ -796,7 +796,7 @@
           <a:p>
             <a:fld id="{19645D8C-4EAC-A548-94DE-127F8D402EB2}" type="datetimeFigureOut">
               <a:rPr lang="en-US" smtClean="0"/>
-              <a:t>8/2/22</a:t>
+              <a:t>3/14/23</a:t>
             </a:fld>
             <a:endParaRPr lang="en-US"/>
           </a:p>
@@ -1076,7 +1076,7 @@
           <a:p>
             <a:fld id="{19645D8C-4EAC-A548-94DE-127F8D402EB2}" type="datetimeFigureOut">
               <a:rPr lang="en-US" smtClean="0"/>
-              <a:t>8/2/22</a:t>
+              <a:t>3/14/23</a:t>
             </a:fld>
             <a:endParaRPr lang="en-US"/>
           </a:p>
@@ -1294,7 +1294,7 @@
           <a:p>
             <a:fld id="{19645D8C-4EAC-A548-94DE-127F8D402EB2}" type="datetimeFigureOut">
               <a:rPr lang="en-US" smtClean="0"/>
-              <a:t>8/2/22</a:t>
+              <a:t>3/14/23</a:t>
             </a:fld>
             <a:endParaRPr lang="en-US"/>
           </a:p>
@@ -1667,7 +1667,7 @@
           <a:p>
             <a:fld id="{19645D8C-4EAC-A548-94DE-127F8D402EB2}" type="datetimeFigureOut">
               <a:rPr lang="en-US" smtClean="0"/>
-              <a:t>8/2/22</a:t>
+              <a:t>3/14/23</a:t>
             </a:fld>
             <a:endParaRPr lang="en-US"/>
           </a:p>
@@ -1809,7 +1809,7 @@
           <a:p>
             <a:fld id="{19645D8C-4EAC-A548-94DE-127F8D402EB2}" type="datetimeFigureOut">
               <a:rPr lang="en-US" smtClean="0"/>
-              <a:t>8/2/22</a:t>
+              <a:t>3/14/23</a:t>
             </a:fld>
             <a:endParaRPr lang="en-US"/>
           </a:p>
@@ -1922,7 +1922,7 @@
           <a:p>
             <a:fld id="{19645D8C-4EAC-A548-94DE-127F8D402EB2}" type="datetimeFigureOut">
               <a:rPr lang="en-US" smtClean="0"/>
-              <a:t>8/2/22</a:t>
+              <a:t>3/14/23</a:t>
             </a:fld>
             <a:endParaRPr lang="en-US"/>
           </a:p>
@@ -2214,7 +2214,7 @@
           <a:p>
             <a:fld id="{19645D8C-4EAC-A548-94DE-127F8D402EB2}" type="datetimeFigureOut">
               <a:rPr lang="en-US" smtClean="0"/>
-              <a:t>8/2/22</a:t>
+              <a:t>3/14/23</a:t>
             </a:fld>
             <a:endParaRPr lang="en-US"/>
           </a:p>
@@ -2507,7 +2507,7 @@
           <a:p>
             <a:fld id="{19645D8C-4EAC-A548-94DE-127F8D402EB2}" type="datetimeFigureOut">
               <a:rPr lang="en-US" smtClean="0"/>
-              <a:t>8/2/22</a:t>
+              <a:t>3/14/23</a:t>
             </a:fld>
             <a:endParaRPr lang="en-US"/>
           </a:p>
@@ -2725,7 +2725,7 @@
           <a:p>
             <a:fld id="{19645D8C-4EAC-A548-94DE-127F8D402EB2}" type="datetimeFigureOut">
               <a:rPr lang="en-US" smtClean="0"/>
-              <a:t>8/2/22</a:t>
+              <a:t>3/14/23</a:t>
             </a:fld>
             <a:endParaRPr lang="en-US"/>
           </a:p>
@@ -3144,23 +3144,68 @@
       </p:grpSpPr>
       <p:cxnSp>
         <p:nvCxnSpPr>
-          <p:cNvPr id="123" name="Gerade Verbindung mit Pfeil 122">
-            <a:extLst>
-              <a:ext uri="{FF2B5EF4-FFF2-40B4-BE49-F238E27FC236}">
-                <a16:creationId xmlns:a16="http://schemas.microsoft.com/office/drawing/2014/main" id="{762F0957-18EC-AF4D-A36D-90E5C5F2F527}"/>
+          <p:cNvPr id="105" name="Gekrümmte Verbindung 104">
+            <a:extLst>
+              <a:ext uri="{FF2B5EF4-FFF2-40B4-BE49-F238E27FC236}">
+                <a16:creationId xmlns:a16="http://schemas.microsoft.com/office/drawing/2014/main" id="{8817FE70-6DED-EC8C-5A96-E359F0441687}"/>
               </a:ext>
             </a:extLst>
           </p:cNvPr>
           <p:cNvCxnSpPr>
             <a:cxnSpLocks/>
-            <a:endCxn id="96" idx="0"/>
           </p:cNvCxnSpPr>
           <p:nvPr/>
         </p:nvCxnSpPr>
         <p:spPr>
-          <a:xfrm>
-            <a:off x="856968" y="2114049"/>
-            <a:ext cx="0" cy="834220"/>
+          <a:xfrm rot="5400000" flipH="1" flipV="1">
+            <a:off x="5216253" y="1741642"/>
+            <a:ext cx="36000" cy="2520000"/>
+          </a:xfrm>
+          <a:prstGeom prst="curvedConnector3">
+            <a:avLst>
+              <a:gd name="adj1" fmla="val 1480239"/>
+            </a:avLst>
+          </a:prstGeom>
+          <a:ln w="19050">
+            <a:solidFill>
+              <a:schemeClr val="tx1"/>
+            </a:solidFill>
+            <a:tailEnd type="triangle" w="lg" len="med"/>
+          </a:ln>
+        </p:spPr>
+        <p:style>
+          <a:lnRef idx="1">
+            <a:schemeClr val="accent1"/>
+          </a:lnRef>
+          <a:fillRef idx="0">
+            <a:schemeClr val="accent1"/>
+          </a:fillRef>
+          <a:effectRef idx="0">
+            <a:schemeClr val="accent1"/>
+          </a:effectRef>
+          <a:fontRef idx="minor">
+            <a:schemeClr val="tx1"/>
+          </a:fontRef>
+        </p:style>
+      </p:cxnSp>
+      <p:cxnSp>
+        <p:nvCxnSpPr>
+          <p:cNvPr id="123" name="Gerade Verbindung mit Pfeil 122">
+            <a:extLst>
+              <a:ext uri="{FF2B5EF4-FFF2-40B4-BE49-F238E27FC236}">
+                <a16:creationId xmlns:a16="http://schemas.microsoft.com/office/drawing/2014/main" id="{762F0957-18EC-AF4D-A36D-90E5C5F2F527}"/>
+              </a:ext>
+            </a:extLst>
+          </p:cNvPr>
+          <p:cNvCxnSpPr>
+            <a:cxnSpLocks/>
+          </p:cNvCxnSpPr>
+          <p:nvPr/>
+        </p:nvCxnSpPr>
+        <p:spPr>
+          <a:xfrm flipH="1">
+            <a:off x="742087" y="2124588"/>
+            <a:ext cx="3600" cy="864214"/>
           </a:xfrm>
           <a:prstGeom prst="straightConnector1">
             <a:avLst/>
@@ -3204,8 +3249,8 @@
         </p:nvCxnSpPr>
         <p:spPr>
           <a:xfrm>
-            <a:off x="4225068" y="2125611"/>
-            <a:ext cx="0" cy="827368"/>
+            <a:off x="3772673" y="2152752"/>
+            <a:ext cx="0" cy="851255"/>
           </a:xfrm>
           <a:prstGeom prst="straightConnector1">
             <a:avLst/>
@@ -3249,7 +3294,7 @@
         </p:nvCxnSpPr>
         <p:spPr>
           <a:xfrm>
-            <a:off x="7779201" y="2131970"/>
+            <a:off x="8341305" y="2133522"/>
             <a:ext cx="0" cy="827368"/>
           </a:xfrm>
           <a:prstGeom prst="straightConnector1">
@@ -3293,8 +3338,8 @@
           <p:nvPr/>
         </p:nvCxnSpPr>
         <p:spPr>
-          <a:xfrm rot="16380000" flipV="1">
-            <a:off x="2674773" y="1767751"/>
+          <a:xfrm rot="16260000" flipV="1">
+            <a:off x="2394216" y="1767751"/>
             <a:ext cx="2721" cy="2484000"/>
           </a:xfrm>
           <a:prstGeom prst="curvedConnector3">
@@ -3324,12 +3369,854 @@
           </a:fontRef>
         </p:style>
       </p:cxnSp>
+      <p:sp>
+        <p:nvSpPr>
+          <p:cNvPr id="48" name="Abgerundetes Rechteck 47">
+            <a:extLst>
+              <a:ext uri="{FF2B5EF4-FFF2-40B4-BE49-F238E27FC236}">
+                <a16:creationId xmlns:a16="http://schemas.microsoft.com/office/drawing/2014/main" id="{63FC403F-52B7-7B41-A74F-5031EF59A4C6}"/>
+              </a:ext>
+            </a:extLst>
+          </p:cNvPr>
+          <p:cNvSpPr/>
+          <p:nvPr/>
+        </p:nvSpPr>
+        <p:spPr>
+          <a:xfrm>
+            <a:off x="1662891" y="3017670"/>
+            <a:ext cx="1159108" cy="464037"/>
+          </a:xfrm>
+          <a:prstGeom prst="roundRect">
+            <a:avLst>
+              <a:gd name="adj" fmla="val 4496"/>
+            </a:avLst>
+          </a:prstGeom>
+          <a:solidFill>
+            <a:schemeClr val="bg1">
+              <a:lumMod val="95000"/>
+            </a:schemeClr>
+          </a:solidFill>
+          <a:ln w="19050">
+            <a:solidFill>
+              <a:schemeClr val="tx1"/>
+            </a:solidFill>
+          </a:ln>
+        </p:spPr>
+        <p:style>
+          <a:lnRef idx="2">
+            <a:schemeClr val="accent1">
+              <a:shade val="50000"/>
+            </a:schemeClr>
+          </a:lnRef>
+          <a:fillRef idx="1">
+            <a:schemeClr val="accent1"/>
+          </a:fillRef>
+          <a:effectRef idx="0">
+            <a:schemeClr val="accent1"/>
+          </a:effectRef>
+          <a:fontRef idx="minor">
+            <a:schemeClr val="lt1"/>
+          </a:fontRef>
+        </p:style>
+        <p:txBody>
+          <a:bodyPr rot="0" spcFirstLastPara="0" vertOverflow="overflow" horzOverflow="overflow" vert="horz" wrap="square" lIns="91440" tIns="45720" rIns="91440" bIns="45720" numCol="1" spcCol="0" rtlCol="0" fromWordArt="0" anchor="ctr" anchorCtr="0" forceAA="0" compatLnSpc="1">
+            <a:prstTxWarp prst="textNoShape">
+              <a:avLst/>
+            </a:prstTxWarp>
+            <a:noAutofit/>
+          </a:bodyPr>
+          <a:lstStyle/>
+          <a:p>
+            <a:pPr algn="ctr"/>
+            <a:endParaRPr lang="en-US"/>
+          </a:p>
+        </p:txBody>
+      </p:sp>
+      <p:sp>
+        <p:nvSpPr>
+          <p:cNvPr id="49" name="Textfeld 48">
+            <a:extLst>
+              <a:ext uri="{FF2B5EF4-FFF2-40B4-BE49-F238E27FC236}">
+                <a16:creationId xmlns:a16="http://schemas.microsoft.com/office/drawing/2014/main" id="{B6EA38C0-033A-2246-BBCC-3941C2B989C0}"/>
+              </a:ext>
+            </a:extLst>
+          </p:cNvPr>
+          <p:cNvSpPr txBox="1"/>
+          <p:nvPr/>
+        </p:nvSpPr>
+        <p:spPr>
+          <a:xfrm>
+            <a:off x="1591412" y="2973420"/>
+            <a:ext cx="1297605" cy="544830"/>
+          </a:xfrm>
+          <a:prstGeom prst="roundRect">
+            <a:avLst/>
+          </a:prstGeom>
+          <a:noFill/>
+        </p:spPr>
+        <p:txBody>
+          <a:bodyPr wrap="square" rtlCol="0">
+            <a:spAutoFit/>
+          </a:bodyPr>
+          <a:lstStyle/>
+          <a:p>
+            <a:pPr algn="ctr"/>
+            <a:r>
+              <a:rPr lang="en-US" sz="1400" noProof="1">
+                <a:solidFill>
+                  <a:schemeClr val="tx1">
+                    <a:lumMod val="95000"/>
+                    <a:lumOff val="5000"/>
+                  </a:schemeClr>
+                </a:solidFill>
+              </a:rPr>
+              <a:t>Qiskit Service</a:t>
+            </a:r>
+          </a:p>
+          <a:p>
+            <a:pPr algn="ctr"/>
+            <a:r>
+              <a:rPr lang="en-US" sz="1200" noProof="1">
+                <a:solidFill>
+                  <a:schemeClr val="tx1">
+                    <a:lumMod val="95000"/>
+                    <a:lumOff val="5000"/>
+                  </a:schemeClr>
+                </a:solidFill>
+              </a:rPr>
+              <a:t>Flask</a:t>
+            </a:r>
+          </a:p>
+        </p:txBody>
+      </p:sp>
+      <p:sp>
+        <p:nvSpPr>
+          <p:cNvPr id="57" name="Abgerundetes Rechteck 56">
+            <a:extLst>
+              <a:ext uri="{FF2B5EF4-FFF2-40B4-BE49-F238E27FC236}">
+                <a16:creationId xmlns:a16="http://schemas.microsoft.com/office/drawing/2014/main" id="{06C6ED76-F99B-0C4E-B35C-8AF0577D4416}"/>
+              </a:ext>
+            </a:extLst>
+          </p:cNvPr>
+          <p:cNvSpPr/>
+          <p:nvPr/>
+        </p:nvSpPr>
+        <p:spPr>
+          <a:xfrm>
+            <a:off x="1661132" y="3544479"/>
+            <a:ext cx="1159108" cy="464037"/>
+          </a:xfrm>
+          <a:prstGeom prst="roundRect">
+            <a:avLst>
+              <a:gd name="adj" fmla="val 4496"/>
+            </a:avLst>
+          </a:prstGeom>
+          <a:solidFill>
+            <a:schemeClr val="bg1">
+              <a:lumMod val="95000"/>
+            </a:schemeClr>
+          </a:solidFill>
+          <a:ln w="19050">
+            <a:solidFill>
+              <a:schemeClr val="tx1"/>
+            </a:solidFill>
+          </a:ln>
+        </p:spPr>
+        <p:style>
+          <a:lnRef idx="2">
+            <a:schemeClr val="accent1">
+              <a:shade val="50000"/>
+            </a:schemeClr>
+          </a:lnRef>
+          <a:fillRef idx="1">
+            <a:schemeClr val="accent1"/>
+          </a:fillRef>
+          <a:effectRef idx="0">
+            <a:schemeClr val="accent1"/>
+          </a:effectRef>
+          <a:fontRef idx="minor">
+            <a:schemeClr val="lt1"/>
+          </a:fontRef>
+        </p:style>
+        <p:txBody>
+          <a:bodyPr rot="0" spcFirstLastPara="0" vertOverflow="overflow" horzOverflow="overflow" vert="horz" wrap="square" lIns="91440" tIns="45720" rIns="91440" bIns="45720" numCol="1" spcCol="0" rtlCol="0" fromWordArt="0" anchor="ctr" anchorCtr="0" forceAA="0" compatLnSpc="1">
+            <a:prstTxWarp prst="textNoShape">
+              <a:avLst/>
+            </a:prstTxWarp>
+            <a:noAutofit/>
+          </a:bodyPr>
+          <a:lstStyle/>
+          <a:p>
+            <a:pPr algn="ctr"/>
+            <a:endParaRPr lang="en-US"/>
+          </a:p>
+        </p:txBody>
+      </p:sp>
+      <p:sp>
+        <p:nvSpPr>
+          <p:cNvPr id="58" name="Textfeld 57">
+            <a:extLst>
+              <a:ext uri="{FF2B5EF4-FFF2-40B4-BE49-F238E27FC236}">
+                <a16:creationId xmlns:a16="http://schemas.microsoft.com/office/drawing/2014/main" id="{EA793BD5-B0EC-AF42-B62F-B28E098B4D51}"/>
+              </a:ext>
+            </a:extLst>
+          </p:cNvPr>
+          <p:cNvSpPr txBox="1"/>
+          <p:nvPr/>
+        </p:nvSpPr>
+        <p:spPr>
+          <a:xfrm>
+            <a:off x="1589653" y="3500229"/>
+            <a:ext cx="1297605" cy="544830"/>
+          </a:xfrm>
+          <a:prstGeom prst="roundRect">
+            <a:avLst/>
+          </a:prstGeom>
+          <a:noFill/>
+        </p:spPr>
+        <p:txBody>
+          <a:bodyPr wrap="square" rtlCol="0">
+            <a:spAutoFit/>
+          </a:bodyPr>
+          <a:lstStyle/>
+          <a:p>
+            <a:pPr algn="ctr"/>
+            <a:r>
+              <a:rPr lang="en-US" sz="1400" noProof="1">
+                <a:solidFill>
+                  <a:schemeClr val="tx1">
+                    <a:lumMod val="95000"/>
+                    <a:lumOff val="5000"/>
+                  </a:schemeClr>
+                </a:solidFill>
+              </a:rPr>
+              <a:t>Pytket Service</a:t>
+            </a:r>
+          </a:p>
+          <a:p>
+            <a:pPr algn="ctr"/>
+            <a:r>
+              <a:rPr lang="en-US" sz="1200" noProof="1">
+                <a:solidFill>
+                  <a:schemeClr val="tx1">
+                    <a:lumMod val="95000"/>
+                    <a:lumOff val="5000"/>
+                  </a:schemeClr>
+                </a:solidFill>
+              </a:rPr>
+              <a:t>Flask</a:t>
+            </a:r>
+          </a:p>
+        </p:txBody>
+      </p:sp>
+      <p:sp>
+        <p:nvSpPr>
+          <p:cNvPr id="60" name="Abgerundetes Rechteck 59">
+            <a:extLst>
+              <a:ext uri="{FF2B5EF4-FFF2-40B4-BE49-F238E27FC236}">
+                <a16:creationId xmlns:a16="http://schemas.microsoft.com/office/drawing/2014/main" id="{E0342D41-B958-2749-903B-5DAD2021581E}"/>
+              </a:ext>
+            </a:extLst>
+          </p:cNvPr>
+          <p:cNvSpPr/>
+          <p:nvPr/>
+        </p:nvSpPr>
+        <p:spPr>
+          <a:xfrm>
+            <a:off x="1667279" y="4069289"/>
+            <a:ext cx="1159108" cy="464037"/>
+          </a:xfrm>
+          <a:prstGeom prst="roundRect">
+            <a:avLst>
+              <a:gd name="adj" fmla="val 4496"/>
+            </a:avLst>
+          </a:prstGeom>
+          <a:solidFill>
+            <a:schemeClr val="bg1">
+              <a:lumMod val="95000"/>
+            </a:schemeClr>
+          </a:solidFill>
+          <a:ln w="19050">
+            <a:solidFill>
+              <a:schemeClr val="tx1"/>
+            </a:solidFill>
+          </a:ln>
+        </p:spPr>
+        <p:style>
+          <a:lnRef idx="2">
+            <a:schemeClr val="accent1">
+              <a:shade val="50000"/>
+            </a:schemeClr>
+          </a:lnRef>
+          <a:fillRef idx="1">
+            <a:schemeClr val="accent1"/>
+          </a:fillRef>
+          <a:effectRef idx="0">
+            <a:schemeClr val="accent1"/>
+          </a:effectRef>
+          <a:fontRef idx="minor">
+            <a:schemeClr val="lt1"/>
+          </a:fontRef>
+        </p:style>
+        <p:txBody>
+          <a:bodyPr rot="0" spcFirstLastPara="0" vertOverflow="overflow" horzOverflow="overflow" vert="horz" wrap="square" lIns="91440" tIns="45720" rIns="91440" bIns="45720" numCol="1" spcCol="0" rtlCol="0" fromWordArt="0" anchor="ctr" anchorCtr="0" forceAA="0" compatLnSpc="1">
+            <a:prstTxWarp prst="textNoShape">
+              <a:avLst/>
+            </a:prstTxWarp>
+            <a:noAutofit/>
+          </a:bodyPr>
+          <a:lstStyle/>
+          <a:p>
+            <a:pPr algn="ctr"/>
+            <a:endParaRPr lang="en-US"/>
+          </a:p>
+        </p:txBody>
+      </p:sp>
+      <p:sp>
+        <p:nvSpPr>
+          <p:cNvPr id="61" name="Textfeld 60">
+            <a:extLst>
+              <a:ext uri="{FF2B5EF4-FFF2-40B4-BE49-F238E27FC236}">
+                <a16:creationId xmlns:a16="http://schemas.microsoft.com/office/drawing/2014/main" id="{BECCD6E0-60F8-F34D-9FF2-27BBD4B86492}"/>
+              </a:ext>
+            </a:extLst>
+          </p:cNvPr>
+          <p:cNvSpPr txBox="1"/>
+          <p:nvPr/>
+        </p:nvSpPr>
+        <p:spPr>
+          <a:xfrm>
+            <a:off x="1595800" y="4025039"/>
+            <a:ext cx="1297605" cy="544830"/>
+          </a:xfrm>
+          <a:prstGeom prst="roundRect">
+            <a:avLst/>
+          </a:prstGeom>
+          <a:noFill/>
+        </p:spPr>
+        <p:txBody>
+          <a:bodyPr wrap="square" rtlCol="0">
+            <a:spAutoFit/>
+          </a:bodyPr>
+          <a:lstStyle/>
+          <a:p>
+            <a:pPr algn="ctr"/>
+            <a:r>
+              <a:rPr lang="en-US" sz="1400" noProof="1">
+                <a:solidFill>
+                  <a:schemeClr val="tx1">
+                    <a:lumMod val="95000"/>
+                    <a:lumOff val="5000"/>
+                  </a:schemeClr>
+                </a:solidFill>
+              </a:rPr>
+              <a:t>Forest Service</a:t>
+            </a:r>
+          </a:p>
+          <a:p>
+            <a:pPr algn="ctr"/>
+            <a:r>
+              <a:rPr lang="en-US" sz="1200" noProof="1">
+                <a:solidFill>
+                  <a:schemeClr val="tx1">
+                    <a:lumMod val="95000"/>
+                    <a:lumOff val="5000"/>
+                  </a:schemeClr>
+                </a:solidFill>
+              </a:rPr>
+              <a:t>Flask</a:t>
+            </a:r>
+          </a:p>
+        </p:txBody>
+      </p:sp>
+      <p:cxnSp>
+        <p:nvCxnSpPr>
+          <p:cNvPr id="69" name="Gerade Verbindung mit Pfeil 68">
+            <a:extLst>
+              <a:ext uri="{FF2B5EF4-FFF2-40B4-BE49-F238E27FC236}">
+                <a16:creationId xmlns:a16="http://schemas.microsoft.com/office/drawing/2014/main" id="{7C65C1EC-150B-CE41-B887-47825BF365CC}"/>
+              </a:ext>
+            </a:extLst>
+          </p:cNvPr>
+          <p:cNvCxnSpPr>
+            <a:cxnSpLocks/>
+            <a:endCxn id="114" idx="2"/>
+          </p:cNvCxnSpPr>
+          <p:nvPr/>
+        </p:nvCxnSpPr>
+        <p:spPr>
+          <a:xfrm flipV="1">
+            <a:off x="1397901" y="3250250"/>
+            <a:ext cx="232631" cy="0"/>
+          </a:xfrm>
+          <a:prstGeom prst="straightConnector1">
+            <a:avLst/>
+          </a:prstGeom>
+          <a:ln w="19050">
+            <a:solidFill>
+              <a:schemeClr val="tx1"/>
+            </a:solidFill>
+            <a:headEnd type="none" w="lg" len="med"/>
+            <a:tailEnd type="triangle" w="lg" len="med"/>
+          </a:ln>
+        </p:spPr>
+        <p:style>
+          <a:lnRef idx="1">
+            <a:schemeClr val="accent1"/>
+          </a:lnRef>
+          <a:fillRef idx="0">
+            <a:schemeClr val="accent1"/>
+          </a:fillRef>
+          <a:effectRef idx="0">
+            <a:schemeClr val="accent1"/>
+          </a:effectRef>
+          <a:fontRef idx="minor">
+            <a:schemeClr val="tx1"/>
+          </a:fontRef>
+        </p:style>
+      </p:cxnSp>
+      <p:cxnSp>
+        <p:nvCxnSpPr>
+          <p:cNvPr id="70" name="Gerade Verbindung mit Pfeil 69">
+            <a:extLst>
+              <a:ext uri="{FF2B5EF4-FFF2-40B4-BE49-F238E27FC236}">
+                <a16:creationId xmlns:a16="http://schemas.microsoft.com/office/drawing/2014/main" id="{AA774FBD-8FAA-7448-8A5B-F5BA7868B559}"/>
+              </a:ext>
+            </a:extLst>
+          </p:cNvPr>
+          <p:cNvCxnSpPr>
+            <a:cxnSpLocks/>
+            <a:endCxn id="111" idx="0"/>
+          </p:cNvCxnSpPr>
+          <p:nvPr/>
+        </p:nvCxnSpPr>
+        <p:spPr>
+          <a:xfrm flipH="1" flipV="1">
+            <a:off x="2852423" y="3252428"/>
+            <a:ext cx="261486" cy="1674"/>
+          </a:xfrm>
+          <a:prstGeom prst="straightConnector1">
+            <a:avLst/>
+          </a:prstGeom>
+          <a:ln w="19050">
+            <a:solidFill>
+              <a:schemeClr val="tx1"/>
+            </a:solidFill>
+            <a:headEnd type="none" w="lg" len="med"/>
+            <a:tailEnd type="triangle" w="lg" len="med"/>
+          </a:ln>
+        </p:spPr>
+        <p:style>
+          <a:lnRef idx="1">
+            <a:schemeClr val="accent1"/>
+          </a:lnRef>
+          <a:fillRef idx="0">
+            <a:schemeClr val="accent1"/>
+          </a:fillRef>
+          <a:effectRef idx="0">
+            <a:schemeClr val="accent1"/>
+          </a:effectRef>
+          <a:fontRef idx="minor">
+            <a:schemeClr val="tx1"/>
+          </a:fontRef>
+        </p:style>
+      </p:cxnSp>
+      <p:cxnSp>
+        <p:nvCxnSpPr>
+          <p:cNvPr id="72" name="Gerade Verbindung mit Pfeil 71">
+            <a:extLst>
+              <a:ext uri="{FF2B5EF4-FFF2-40B4-BE49-F238E27FC236}">
+                <a16:creationId xmlns:a16="http://schemas.microsoft.com/office/drawing/2014/main" id="{2E5F183C-22E2-BA40-B0FD-DB8431BA6C80}"/>
+              </a:ext>
+            </a:extLst>
+          </p:cNvPr>
+          <p:cNvCxnSpPr>
+            <a:cxnSpLocks/>
+            <a:endCxn id="118" idx="0"/>
+          </p:cNvCxnSpPr>
+          <p:nvPr/>
+        </p:nvCxnSpPr>
+        <p:spPr>
+          <a:xfrm flipH="1">
+            <a:off x="2852422" y="3779489"/>
+            <a:ext cx="255408" cy="1"/>
+          </a:xfrm>
+          <a:prstGeom prst="straightConnector1">
+            <a:avLst/>
+          </a:prstGeom>
+          <a:ln w="19050">
+            <a:solidFill>
+              <a:schemeClr val="tx1"/>
+            </a:solidFill>
+            <a:headEnd type="none" w="lg" len="med"/>
+            <a:tailEnd type="triangle" w="lg" len="med"/>
+          </a:ln>
+        </p:spPr>
+        <p:style>
+          <a:lnRef idx="1">
+            <a:schemeClr val="accent1"/>
+          </a:lnRef>
+          <a:fillRef idx="0">
+            <a:schemeClr val="accent1"/>
+          </a:fillRef>
+          <a:effectRef idx="0">
+            <a:schemeClr val="accent1"/>
+          </a:effectRef>
+          <a:fontRef idx="minor">
+            <a:schemeClr val="tx1"/>
+          </a:fontRef>
+        </p:style>
+      </p:cxnSp>
+      <p:cxnSp>
+        <p:nvCxnSpPr>
+          <p:cNvPr id="73" name="Gerade Verbindung mit Pfeil 72">
+            <a:extLst>
+              <a:ext uri="{FF2B5EF4-FFF2-40B4-BE49-F238E27FC236}">
+                <a16:creationId xmlns:a16="http://schemas.microsoft.com/office/drawing/2014/main" id="{746B4B6A-EC1C-C94E-9703-C8D4062C3CBC}"/>
+              </a:ext>
+            </a:extLst>
+          </p:cNvPr>
+          <p:cNvCxnSpPr>
+            <a:cxnSpLocks/>
+            <a:endCxn id="119" idx="0"/>
+          </p:cNvCxnSpPr>
+          <p:nvPr/>
+        </p:nvCxnSpPr>
+        <p:spPr>
+          <a:xfrm flipH="1">
+            <a:off x="2855956" y="4302100"/>
+            <a:ext cx="250893" cy="0"/>
+          </a:xfrm>
+          <a:prstGeom prst="straightConnector1">
+            <a:avLst/>
+          </a:prstGeom>
+          <a:ln w="19050">
+            <a:solidFill>
+              <a:schemeClr val="tx1"/>
+            </a:solidFill>
+            <a:headEnd type="none" w="lg" len="med"/>
+            <a:tailEnd type="triangle" w="lg" len="med"/>
+          </a:ln>
+        </p:spPr>
+        <p:style>
+          <a:lnRef idx="1">
+            <a:schemeClr val="accent1"/>
+          </a:lnRef>
+          <a:fillRef idx="0">
+            <a:schemeClr val="accent1"/>
+          </a:fillRef>
+          <a:effectRef idx="0">
+            <a:schemeClr val="accent1"/>
+          </a:effectRef>
+          <a:fontRef idx="minor">
+            <a:schemeClr val="tx1"/>
+          </a:fontRef>
+        </p:style>
+      </p:cxnSp>
+      <p:sp>
+        <p:nvSpPr>
+          <p:cNvPr id="111" name="Abgerundetes Rechteck 110">
+            <a:extLst>
+              <a:ext uri="{FF2B5EF4-FFF2-40B4-BE49-F238E27FC236}">
+                <a16:creationId xmlns:a16="http://schemas.microsoft.com/office/drawing/2014/main" id="{A49069D5-440A-5F47-A7BD-30FC2CC0712E}"/>
+              </a:ext>
+            </a:extLst>
+          </p:cNvPr>
+          <p:cNvSpPr/>
+          <p:nvPr/>
+        </p:nvSpPr>
+        <p:spPr>
+          <a:xfrm rot="5400000">
+            <a:off x="2658610" y="3214328"/>
+            <a:ext cx="311435" cy="76198"/>
+          </a:xfrm>
+          <a:prstGeom prst="roundRect">
+            <a:avLst>
+              <a:gd name="adj" fmla="val 4496"/>
+            </a:avLst>
+          </a:prstGeom>
+          <a:solidFill>
+            <a:schemeClr val="bg1">
+              <a:lumMod val="85000"/>
+            </a:schemeClr>
+          </a:solidFill>
+          <a:ln w="19050">
+            <a:solidFill>
+              <a:schemeClr val="tx1"/>
+            </a:solidFill>
+          </a:ln>
+        </p:spPr>
+        <p:style>
+          <a:lnRef idx="2">
+            <a:schemeClr val="accent1">
+              <a:shade val="50000"/>
+            </a:schemeClr>
+          </a:lnRef>
+          <a:fillRef idx="1">
+            <a:schemeClr val="accent1"/>
+          </a:fillRef>
+          <a:effectRef idx="0">
+            <a:schemeClr val="accent1"/>
+          </a:effectRef>
+          <a:fontRef idx="minor">
+            <a:schemeClr val="lt1"/>
+          </a:fontRef>
+        </p:style>
+        <p:txBody>
+          <a:bodyPr rot="0" spcFirstLastPara="0" vertOverflow="overflow" horzOverflow="overflow" vert="horz" wrap="square" lIns="91440" tIns="45720" rIns="91440" bIns="45720" numCol="1" spcCol="0" rtlCol="0" fromWordArt="0" anchor="ctr" anchorCtr="0" forceAA="0" compatLnSpc="1">
+            <a:prstTxWarp prst="textNoShape">
+              <a:avLst/>
+            </a:prstTxWarp>
+            <a:noAutofit/>
+          </a:bodyPr>
+          <a:lstStyle/>
+          <a:p>
+            <a:pPr algn="ctr"/>
+            <a:endParaRPr lang="en-US"/>
+          </a:p>
+        </p:txBody>
+      </p:sp>
+      <p:sp>
+        <p:nvSpPr>
+          <p:cNvPr id="114" name="Abgerundetes Rechteck 113">
+            <a:extLst>
+              <a:ext uri="{FF2B5EF4-FFF2-40B4-BE49-F238E27FC236}">
+                <a16:creationId xmlns:a16="http://schemas.microsoft.com/office/drawing/2014/main" id="{A6C9225D-1C6B-BB4E-BE93-759472CC27AB}"/>
+              </a:ext>
+            </a:extLst>
+          </p:cNvPr>
+          <p:cNvSpPr/>
+          <p:nvPr/>
+        </p:nvSpPr>
+        <p:spPr>
+          <a:xfrm rot="5400000">
+            <a:off x="1512913" y="3212150"/>
+            <a:ext cx="311435" cy="76198"/>
+          </a:xfrm>
+          <a:prstGeom prst="roundRect">
+            <a:avLst>
+              <a:gd name="adj" fmla="val 4496"/>
+            </a:avLst>
+          </a:prstGeom>
+          <a:solidFill>
+            <a:schemeClr val="bg1">
+              <a:lumMod val="85000"/>
+            </a:schemeClr>
+          </a:solidFill>
+          <a:ln w="19050">
+            <a:solidFill>
+              <a:schemeClr val="tx1"/>
+            </a:solidFill>
+          </a:ln>
+        </p:spPr>
+        <p:style>
+          <a:lnRef idx="2">
+            <a:schemeClr val="accent1">
+              <a:shade val="50000"/>
+            </a:schemeClr>
+          </a:lnRef>
+          <a:fillRef idx="1">
+            <a:schemeClr val="accent1"/>
+          </a:fillRef>
+          <a:effectRef idx="0">
+            <a:schemeClr val="accent1"/>
+          </a:effectRef>
+          <a:fontRef idx="minor">
+            <a:schemeClr val="lt1"/>
+          </a:fontRef>
+        </p:style>
+        <p:txBody>
+          <a:bodyPr rot="0" spcFirstLastPara="0" vertOverflow="overflow" horzOverflow="overflow" vert="horz" wrap="square" lIns="91440" tIns="45720" rIns="91440" bIns="45720" numCol="1" spcCol="0" rtlCol="0" fromWordArt="0" anchor="ctr" anchorCtr="0" forceAA="0" compatLnSpc="1">
+            <a:prstTxWarp prst="textNoShape">
+              <a:avLst/>
+            </a:prstTxWarp>
+            <a:noAutofit/>
+          </a:bodyPr>
+          <a:lstStyle/>
+          <a:p>
+            <a:pPr algn="ctr"/>
+            <a:endParaRPr lang="en-US"/>
+          </a:p>
+        </p:txBody>
+      </p:sp>
+      <p:sp>
+        <p:nvSpPr>
+          <p:cNvPr id="118" name="Abgerundetes Rechteck 117">
+            <a:extLst>
+              <a:ext uri="{FF2B5EF4-FFF2-40B4-BE49-F238E27FC236}">
+                <a16:creationId xmlns:a16="http://schemas.microsoft.com/office/drawing/2014/main" id="{A77D4437-5DFE-F948-937F-B3D075438833}"/>
+              </a:ext>
+            </a:extLst>
+          </p:cNvPr>
+          <p:cNvSpPr/>
+          <p:nvPr/>
+        </p:nvSpPr>
+        <p:spPr>
+          <a:xfrm rot="5400000">
+            <a:off x="2658609" y="3741384"/>
+            <a:ext cx="311435" cy="76198"/>
+          </a:xfrm>
+          <a:prstGeom prst="roundRect">
+            <a:avLst>
+              <a:gd name="adj" fmla="val 4496"/>
+            </a:avLst>
+          </a:prstGeom>
+          <a:solidFill>
+            <a:schemeClr val="bg1">
+              <a:lumMod val="85000"/>
+            </a:schemeClr>
+          </a:solidFill>
+          <a:ln w="19050">
+            <a:solidFill>
+              <a:schemeClr val="tx1"/>
+            </a:solidFill>
+          </a:ln>
+        </p:spPr>
+        <p:style>
+          <a:lnRef idx="2">
+            <a:schemeClr val="accent1">
+              <a:shade val="50000"/>
+            </a:schemeClr>
+          </a:lnRef>
+          <a:fillRef idx="1">
+            <a:schemeClr val="accent1"/>
+          </a:fillRef>
+          <a:effectRef idx="0">
+            <a:schemeClr val="accent1"/>
+          </a:effectRef>
+          <a:fontRef idx="minor">
+            <a:schemeClr val="lt1"/>
+          </a:fontRef>
+        </p:style>
+        <p:txBody>
+          <a:bodyPr rot="0" spcFirstLastPara="0" vertOverflow="overflow" horzOverflow="overflow" vert="horz" wrap="square" lIns="91440" tIns="45720" rIns="91440" bIns="45720" numCol="1" spcCol="0" rtlCol="0" fromWordArt="0" anchor="ctr" anchorCtr="0" forceAA="0" compatLnSpc="1">
+            <a:prstTxWarp prst="textNoShape">
+              <a:avLst/>
+            </a:prstTxWarp>
+            <a:noAutofit/>
+          </a:bodyPr>
+          <a:lstStyle/>
+          <a:p>
+            <a:pPr algn="ctr"/>
+            <a:endParaRPr lang="en-US"/>
+          </a:p>
+        </p:txBody>
+      </p:sp>
+      <p:sp>
+        <p:nvSpPr>
+          <p:cNvPr id="119" name="Abgerundetes Rechteck 118">
+            <a:extLst>
+              <a:ext uri="{FF2B5EF4-FFF2-40B4-BE49-F238E27FC236}">
+                <a16:creationId xmlns:a16="http://schemas.microsoft.com/office/drawing/2014/main" id="{4630578E-4F4B-F546-9DC5-5BA749309AE5}"/>
+              </a:ext>
+            </a:extLst>
+          </p:cNvPr>
+          <p:cNvSpPr/>
+          <p:nvPr/>
+        </p:nvSpPr>
+        <p:spPr>
+          <a:xfrm rot="5400000">
+            <a:off x="2662139" y="4264000"/>
+            <a:ext cx="311435" cy="76198"/>
+          </a:xfrm>
+          <a:prstGeom prst="roundRect">
+            <a:avLst>
+              <a:gd name="adj" fmla="val 4496"/>
+            </a:avLst>
+          </a:prstGeom>
+          <a:solidFill>
+            <a:schemeClr val="bg1">
+              <a:lumMod val="85000"/>
+            </a:schemeClr>
+          </a:solidFill>
+          <a:ln w="19050">
+            <a:solidFill>
+              <a:schemeClr val="tx1"/>
+            </a:solidFill>
+          </a:ln>
+        </p:spPr>
+        <p:style>
+          <a:lnRef idx="2">
+            <a:schemeClr val="accent1">
+              <a:shade val="50000"/>
+            </a:schemeClr>
+          </a:lnRef>
+          <a:fillRef idx="1">
+            <a:schemeClr val="accent1"/>
+          </a:fillRef>
+          <a:effectRef idx="0">
+            <a:schemeClr val="accent1"/>
+          </a:effectRef>
+          <a:fontRef idx="minor">
+            <a:schemeClr val="lt1"/>
+          </a:fontRef>
+        </p:style>
+        <p:txBody>
+          <a:bodyPr rot="0" spcFirstLastPara="0" vertOverflow="overflow" horzOverflow="overflow" vert="horz" wrap="square" lIns="91440" tIns="45720" rIns="91440" bIns="45720" numCol="1" spcCol="0" rtlCol="0" fromWordArt="0" anchor="ctr" anchorCtr="0" forceAA="0" compatLnSpc="1">
+            <a:prstTxWarp prst="textNoShape">
+              <a:avLst/>
+            </a:prstTxWarp>
+            <a:noAutofit/>
+          </a:bodyPr>
+          <a:lstStyle/>
+          <a:p>
+            <a:pPr algn="ctr"/>
+            <a:endParaRPr lang="en-US"/>
+          </a:p>
+        </p:txBody>
+      </p:sp>
+      <p:cxnSp>
+        <p:nvCxnSpPr>
+          <p:cNvPr id="116" name="Gekrümmte Verbindung 115">
+            <a:extLst>
+              <a:ext uri="{FF2B5EF4-FFF2-40B4-BE49-F238E27FC236}">
+                <a16:creationId xmlns:a16="http://schemas.microsoft.com/office/drawing/2014/main" id="{43196147-1F4F-3E4F-99FC-4B31AE71C49B}"/>
+              </a:ext>
+            </a:extLst>
+          </p:cNvPr>
+          <p:cNvCxnSpPr>
+            <a:cxnSpLocks/>
+          </p:cNvCxnSpPr>
+          <p:nvPr/>
+        </p:nvCxnSpPr>
+        <p:spPr>
+          <a:xfrm rot="5340000" flipH="1" flipV="1">
+            <a:off x="4643181" y="2492843"/>
+            <a:ext cx="3600" cy="1008000"/>
+          </a:xfrm>
+          <a:prstGeom prst="curvedConnector3">
+            <a:avLst>
+              <a:gd name="adj1" fmla="val 4224889"/>
+            </a:avLst>
+          </a:prstGeom>
+          <a:ln w="19050">
+            <a:solidFill>
+              <a:schemeClr val="tx1"/>
+            </a:solidFill>
+            <a:tailEnd type="triangle" w="lg" len="med"/>
+          </a:ln>
+        </p:spPr>
+        <p:style>
+          <a:lnRef idx="1">
+            <a:schemeClr val="accent1"/>
+          </a:lnRef>
+          <a:fillRef idx="0">
+            <a:schemeClr val="accent1"/>
+          </a:fillRef>
+          <a:effectRef idx="0">
+            <a:schemeClr val="accent1"/>
+          </a:effectRef>
+          <a:fontRef idx="minor">
+            <a:schemeClr val="tx1"/>
+          </a:fontRef>
+        </p:style>
+      </p:cxnSp>
       <p:grpSp>
         <p:nvGrpSpPr>
-          <p:cNvPr id="35" name="Gruppieren 34">
-            <a:extLst>
-              <a:ext uri="{FF2B5EF4-FFF2-40B4-BE49-F238E27FC236}">
-                <a16:creationId xmlns:a16="http://schemas.microsoft.com/office/drawing/2014/main" id="{D0DAF985-5104-FED7-30E9-63BFF300F066}"/>
+          <p:cNvPr id="36" name="Gruppieren 35">
+            <a:extLst>
+              <a:ext uri="{FF2B5EF4-FFF2-40B4-BE49-F238E27FC236}">
+                <a16:creationId xmlns:a16="http://schemas.microsoft.com/office/drawing/2014/main" id="{47C18ECC-F0C2-CCE2-7B13-3CC8B6622FA5}"/>
               </a:ext>
             </a:extLst>
           </p:cNvPr>
@@ -3338,18 +4225,18 @@
         </p:nvGrpSpPr>
         <p:grpSpPr>
           <a:xfrm>
-            <a:off x="-36639" y="2948269"/>
-            <a:ext cx="1792447" cy="1910846"/>
-            <a:chOff x="-36639" y="2948269"/>
-            <a:chExt cx="1792447" cy="1910846"/>
+            <a:off x="2852534" y="2983225"/>
+            <a:ext cx="1792447" cy="1887022"/>
+            <a:chOff x="-36639" y="2970763"/>
+            <a:chExt cx="1792447" cy="1887022"/>
           </a:xfrm>
         </p:grpSpPr>
         <p:sp>
           <p:nvSpPr>
-            <p:cNvPr id="29" name="Abgerundetes Rechteck 28">
+            <p:cNvPr id="37" name="Abgerundetes Rechteck 36">
               <a:extLst>
                 <a:ext uri="{FF2B5EF4-FFF2-40B4-BE49-F238E27FC236}">
-                  <a16:creationId xmlns:a16="http://schemas.microsoft.com/office/drawing/2014/main" id="{C01302EC-7446-A044-AD79-4D3A9B8F2508}"/>
+                  <a16:creationId xmlns:a16="http://schemas.microsoft.com/office/drawing/2014/main" id="{6B0D5942-3F5A-1194-F992-299B957981E7}"/>
                 </a:ext>
               </a:extLst>
             </p:cNvPr>
@@ -3358,8 +4245,8 @@
           </p:nvSpPr>
           <p:spPr>
             <a:xfrm>
-              <a:off x="47163" y="3123979"/>
-              <a:ext cx="1627199" cy="1280099"/>
+              <a:off x="211444" y="3143274"/>
+              <a:ext cx="1333256" cy="1280099"/>
             </a:xfrm>
             <a:prstGeom prst="roundRect">
               <a:avLst>
@@ -3409,10 +4296,10 @@
         </p:sp>
         <p:sp>
           <p:nvSpPr>
-            <p:cNvPr id="30" name="Textfeld 29">
+            <p:cNvPr id="38" name="Textfeld 37">
               <a:extLst>
                 <a:ext uri="{FF2B5EF4-FFF2-40B4-BE49-F238E27FC236}">
-                  <a16:creationId xmlns:a16="http://schemas.microsoft.com/office/drawing/2014/main" id="{6C951C58-7561-B844-BFF6-4E54118DE102}"/>
+                  <a16:creationId xmlns:a16="http://schemas.microsoft.com/office/drawing/2014/main" id="{51B5183A-A045-CB50-B90E-84CC94C242DD}"/>
                 </a:ext>
               </a:extLst>
             </p:cNvPr>
@@ -3421,17 +4308,13 @@
           </p:nvSpPr>
           <p:spPr>
             <a:xfrm>
-              <a:off x="381252" y="3390387"/>
-              <a:ext cx="942935" cy="578882"/>
+              <a:off x="79594" y="3390387"/>
+              <a:ext cx="1572746" cy="578882"/>
             </a:xfrm>
             <a:prstGeom prst="roundRect">
               <a:avLst/>
             </a:prstGeom>
-            <a:solidFill>
-              <a:schemeClr val="bg1">
-                <a:lumMod val="95000"/>
-              </a:schemeClr>
-            </a:solidFill>
+            <a:noFill/>
           </p:spPr>
           <p:txBody>
             <a:bodyPr wrap="square" rtlCol="0">
@@ -3449,7 +4332,7 @@
                     </a:schemeClr>
                   </a:solidFill>
                 </a:rPr>
-                <a:t>QProv</a:t>
+                <a:t>NISQ Analyzer</a:t>
               </a:r>
             </a:p>
             <a:p>
@@ -3470,10 +4353,10 @@
         </p:sp>
         <p:sp>
           <p:nvSpPr>
-            <p:cNvPr id="32" name="Zylinder 31">
+            <p:cNvPr id="39" name="Zylinder 38">
               <a:extLst>
                 <a:ext uri="{FF2B5EF4-FFF2-40B4-BE49-F238E27FC236}">
-                  <a16:creationId xmlns:a16="http://schemas.microsoft.com/office/drawing/2014/main" id="{97895413-20CD-094B-B01D-97ADDF95B62F}"/>
+                  <a16:creationId xmlns:a16="http://schemas.microsoft.com/office/drawing/2014/main" id="{D79F7DDE-7850-4CDB-3A8F-977C0DDE4483}"/>
                 </a:ext>
               </a:extLst>
             </p:cNvPr>
@@ -3482,8 +4365,8 @@
           </p:nvSpPr>
           <p:spPr>
             <a:xfrm>
-              <a:off x="97887" y="4062744"/>
-              <a:ext cx="1522800" cy="796371"/>
+              <a:off x="179771" y="4061414"/>
+              <a:ext cx="1389600" cy="796371"/>
             </a:xfrm>
             <a:prstGeom prst="can">
               <a:avLst>
@@ -3657,10 +4540,10 @@
         </p:sp>
         <p:sp>
           <p:nvSpPr>
-            <p:cNvPr id="33" name="Textfeld 32">
+            <p:cNvPr id="40" name="Textfeld 39">
               <a:extLst>
                 <a:ext uri="{FF2B5EF4-FFF2-40B4-BE49-F238E27FC236}">
-                  <a16:creationId xmlns:a16="http://schemas.microsoft.com/office/drawing/2014/main" id="{25B3B01E-0CC7-0846-80D1-D2844B5C1300}"/>
+                  <a16:creationId xmlns:a16="http://schemas.microsoft.com/office/drawing/2014/main" id="{22F1CFBF-2E3B-BB62-9210-C5F67500F385}"/>
                 </a:ext>
               </a:extLst>
             </p:cNvPr>
@@ -3693,7 +4576,7 @@
                     </a:schemeClr>
                   </a:solidFill>
                 </a:rPr>
-                <a:t>Provenance DB</a:t>
+                <a:t>NISQ DB</a:t>
               </a:r>
             </a:p>
             <a:p>
@@ -3714,10 +4597,10 @@
         </p:sp>
         <p:sp>
           <p:nvSpPr>
-            <p:cNvPr id="96" name="Abgerundetes Rechteck 95">
+            <p:cNvPr id="41" name="Abgerundetes Rechteck 40">
               <a:extLst>
                 <a:ext uri="{FF2B5EF4-FFF2-40B4-BE49-F238E27FC236}">
-                  <a16:creationId xmlns:a16="http://schemas.microsoft.com/office/drawing/2014/main" id="{82D7F633-161A-104B-8FEA-4F8DAA149073}"/>
+                  <a16:creationId xmlns:a16="http://schemas.microsoft.com/office/drawing/2014/main" id="{D3024487-0504-E73E-ECFE-1CEC9F09A352}"/>
                 </a:ext>
               </a:extLst>
             </p:cNvPr>
@@ -3726,8 +4609,8 @@
           </p:nvSpPr>
           <p:spPr>
             <a:xfrm>
-              <a:off x="124368" y="2948269"/>
-              <a:ext cx="1465200" cy="392670"/>
+              <a:off x="278643" y="2991362"/>
+              <a:ext cx="1190410" cy="282586"/>
             </a:xfrm>
             <a:prstGeom prst="roundRect">
               <a:avLst>
@@ -3777,10 +4660,10 @@
         </p:sp>
         <p:sp>
           <p:nvSpPr>
-            <p:cNvPr id="97" name="Textfeld 96">
+            <p:cNvPr id="42" name="Textfeld 41">
               <a:extLst>
                 <a:ext uri="{FF2B5EF4-FFF2-40B4-BE49-F238E27FC236}">
-                  <a16:creationId xmlns:a16="http://schemas.microsoft.com/office/drawing/2014/main" id="{AF615895-2ECE-1343-B2E8-B7BA714FC605}"/>
+                  <a16:creationId xmlns:a16="http://schemas.microsoft.com/office/drawing/2014/main" id="{EB0580B7-414D-9F27-B7E0-2BB060182968}"/>
                 </a:ext>
               </a:extLst>
             </p:cNvPr>
@@ -3789,7 +4672,7 @@
           </p:nvSpPr>
           <p:spPr>
             <a:xfrm>
-              <a:off x="200651" y="2980833"/>
+              <a:off x="231430" y="2970763"/>
               <a:ext cx="1304139" cy="340519"/>
             </a:xfrm>
             <a:prstGeom prst="roundRect">
@@ -3819,3314 +4702,6 @@
           </p:txBody>
         </p:sp>
       </p:grpSp>
-      <p:grpSp>
-        <p:nvGrpSpPr>
-          <p:cNvPr id="4" name="Gruppieren 3">
-            <a:extLst>
-              <a:ext uri="{FF2B5EF4-FFF2-40B4-BE49-F238E27FC236}">
-                <a16:creationId xmlns:a16="http://schemas.microsoft.com/office/drawing/2014/main" id="{1FD7D71D-5582-EA5F-AB52-559D6E08323D}"/>
-              </a:ext>
-            </a:extLst>
-          </p:cNvPr>
-          <p:cNvGrpSpPr/>
-          <p:nvPr/>
-        </p:nvGrpSpPr>
-        <p:grpSpPr>
-          <a:xfrm>
-            <a:off x="1678458" y="2973420"/>
-            <a:ext cx="1716008" cy="1596449"/>
-            <a:chOff x="2064958" y="2973420"/>
-            <a:chExt cx="1716008" cy="1596449"/>
-          </a:xfrm>
-        </p:grpSpPr>
-        <p:sp>
-          <p:nvSpPr>
-            <p:cNvPr id="48" name="Abgerundetes Rechteck 47">
-              <a:extLst>
-                <a:ext uri="{FF2B5EF4-FFF2-40B4-BE49-F238E27FC236}">
-                  <a16:creationId xmlns:a16="http://schemas.microsoft.com/office/drawing/2014/main" id="{63FC403F-52B7-7B41-A74F-5031EF59A4C6}"/>
-                </a:ext>
-              </a:extLst>
-            </p:cNvPr>
-            <p:cNvSpPr/>
-            <p:nvPr/>
-          </p:nvSpPr>
-          <p:spPr>
-            <a:xfrm>
-              <a:off x="2329948" y="3017670"/>
-              <a:ext cx="1159108" cy="464037"/>
-            </a:xfrm>
-            <a:prstGeom prst="roundRect">
-              <a:avLst>
-                <a:gd name="adj" fmla="val 4496"/>
-              </a:avLst>
-            </a:prstGeom>
-            <a:solidFill>
-              <a:schemeClr val="bg1">
-                <a:lumMod val="95000"/>
-              </a:schemeClr>
-            </a:solidFill>
-            <a:ln w="19050">
-              <a:solidFill>
-                <a:schemeClr val="tx1"/>
-              </a:solidFill>
-            </a:ln>
-          </p:spPr>
-          <p:style>
-            <a:lnRef idx="2">
-              <a:schemeClr val="accent1">
-                <a:shade val="50000"/>
-              </a:schemeClr>
-            </a:lnRef>
-            <a:fillRef idx="1">
-              <a:schemeClr val="accent1"/>
-            </a:fillRef>
-            <a:effectRef idx="0">
-              <a:schemeClr val="accent1"/>
-            </a:effectRef>
-            <a:fontRef idx="minor">
-              <a:schemeClr val="lt1"/>
-            </a:fontRef>
-          </p:style>
-          <p:txBody>
-            <a:bodyPr rot="0" spcFirstLastPara="0" vertOverflow="overflow" horzOverflow="overflow" vert="horz" wrap="square" lIns="91440" tIns="45720" rIns="91440" bIns="45720" numCol="1" spcCol="0" rtlCol="0" fromWordArt="0" anchor="ctr" anchorCtr="0" forceAA="0" compatLnSpc="1">
-              <a:prstTxWarp prst="textNoShape">
-                <a:avLst/>
-              </a:prstTxWarp>
-              <a:noAutofit/>
-            </a:bodyPr>
-            <a:lstStyle/>
-            <a:p>
-              <a:pPr algn="ctr"/>
-              <a:endParaRPr lang="en-US"/>
-            </a:p>
-          </p:txBody>
-        </p:sp>
-        <p:sp>
-          <p:nvSpPr>
-            <p:cNvPr id="49" name="Textfeld 48">
-              <a:extLst>
-                <a:ext uri="{FF2B5EF4-FFF2-40B4-BE49-F238E27FC236}">
-                  <a16:creationId xmlns:a16="http://schemas.microsoft.com/office/drawing/2014/main" id="{B6EA38C0-033A-2246-BBCC-3941C2B989C0}"/>
-                </a:ext>
-              </a:extLst>
-            </p:cNvPr>
-            <p:cNvSpPr txBox="1"/>
-            <p:nvPr/>
-          </p:nvSpPr>
-          <p:spPr>
-            <a:xfrm>
-              <a:off x="2258469" y="2973420"/>
-              <a:ext cx="1297605" cy="544830"/>
-            </a:xfrm>
-            <a:prstGeom prst="roundRect">
-              <a:avLst/>
-            </a:prstGeom>
-            <a:noFill/>
-          </p:spPr>
-          <p:txBody>
-            <a:bodyPr wrap="square" rtlCol="0">
-              <a:spAutoFit/>
-            </a:bodyPr>
-            <a:lstStyle/>
-            <a:p>
-              <a:pPr algn="ctr"/>
-              <a:r>
-                <a:rPr lang="en-US" sz="1400" noProof="1">
-                  <a:solidFill>
-                    <a:schemeClr val="tx1">
-                      <a:lumMod val="95000"/>
-                      <a:lumOff val="5000"/>
-                    </a:schemeClr>
-                  </a:solidFill>
-                </a:rPr>
-                <a:t>Qiskit Service</a:t>
-              </a:r>
-            </a:p>
-            <a:p>
-              <a:pPr algn="ctr"/>
-              <a:r>
-                <a:rPr lang="en-US" sz="1200" noProof="1">
-                  <a:solidFill>
-                    <a:schemeClr val="tx1">
-                      <a:lumMod val="95000"/>
-                      <a:lumOff val="5000"/>
-                    </a:schemeClr>
-                  </a:solidFill>
-                </a:rPr>
-                <a:t>Flask</a:t>
-              </a:r>
-            </a:p>
-          </p:txBody>
-        </p:sp>
-        <p:sp>
-          <p:nvSpPr>
-            <p:cNvPr id="57" name="Abgerundetes Rechteck 56">
-              <a:extLst>
-                <a:ext uri="{FF2B5EF4-FFF2-40B4-BE49-F238E27FC236}">
-                  <a16:creationId xmlns:a16="http://schemas.microsoft.com/office/drawing/2014/main" id="{06C6ED76-F99B-0C4E-B35C-8AF0577D4416}"/>
-                </a:ext>
-              </a:extLst>
-            </p:cNvPr>
-            <p:cNvSpPr/>
-            <p:nvPr/>
-          </p:nvSpPr>
-          <p:spPr>
-            <a:xfrm>
-              <a:off x="2328189" y="3544479"/>
-              <a:ext cx="1159108" cy="464037"/>
-            </a:xfrm>
-            <a:prstGeom prst="roundRect">
-              <a:avLst>
-                <a:gd name="adj" fmla="val 4496"/>
-              </a:avLst>
-            </a:prstGeom>
-            <a:solidFill>
-              <a:schemeClr val="bg1">
-                <a:lumMod val="95000"/>
-              </a:schemeClr>
-            </a:solidFill>
-            <a:ln w="19050">
-              <a:solidFill>
-                <a:schemeClr val="tx1"/>
-              </a:solidFill>
-            </a:ln>
-          </p:spPr>
-          <p:style>
-            <a:lnRef idx="2">
-              <a:schemeClr val="accent1">
-                <a:shade val="50000"/>
-              </a:schemeClr>
-            </a:lnRef>
-            <a:fillRef idx="1">
-              <a:schemeClr val="accent1"/>
-            </a:fillRef>
-            <a:effectRef idx="0">
-              <a:schemeClr val="accent1"/>
-            </a:effectRef>
-            <a:fontRef idx="minor">
-              <a:schemeClr val="lt1"/>
-            </a:fontRef>
-          </p:style>
-          <p:txBody>
-            <a:bodyPr rot="0" spcFirstLastPara="0" vertOverflow="overflow" horzOverflow="overflow" vert="horz" wrap="square" lIns="91440" tIns="45720" rIns="91440" bIns="45720" numCol="1" spcCol="0" rtlCol="0" fromWordArt="0" anchor="ctr" anchorCtr="0" forceAA="0" compatLnSpc="1">
-              <a:prstTxWarp prst="textNoShape">
-                <a:avLst/>
-              </a:prstTxWarp>
-              <a:noAutofit/>
-            </a:bodyPr>
-            <a:lstStyle/>
-            <a:p>
-              <a:pPr algn="ctr"/>
-              <a:endParaRPr lang="en-US"/>
-            </a:p>
-          </p:txBody>
-        </p:sp>
-        <p:sp>
-          <p:nvSpPr>
-            <p:cNvPr id="58" name="Textfeld 57">
-              <a:extLst>
-                <a:ext uri="{FF2B5EF4-FFF2-40B4-BE49-F238E27FC236}">
-                  <a16:creationId xmlns:a16="http://schemas.microsoft.com/office/drawing/2014/main" id="{EA793BD5-B0EC-AF42-B62F-B28E098B4D51}"/>
-                </a:ext>
-              </a:extLst>
-            </p:cNvPr>
-            <p:cNvSpPr txBox="1"/>
-            <p:nvPr/>
-          </p:nvSpPr>
-          <p:spPr>
-            <a:xfrm>
-              <a:off x="2256710" y="3500229"/>
-              <a:ext cx="1297605" cy="544830"/>
-            </a:xfrm>
-            <a:prstGeom prst="roundRect">
-              <a:avLst/>
-            </a:prstGeom>
-            <a:noFill/>
-          </p:spPr>
-          <p:txBody>
-            <a:bodyPr wrap="square" rtlCol="0">
-              <a:spAutoFit/>
-            </a:bodyPr>
-            <a:lstStyle/>
-            <a:p>
-              <a:pPr algn="ctr"/>
-              <a:r>
-                <a:rPr lang="en-US" sz="1400" noProof="1">
-                  <a:solidFill>
-                    <a:schemeClr val="tx1">
-                      <a:lumMod val="95000"/>
-                      <a:lumOff val="5000"/>
-                    </a:schemeClr>
-                  </a:solidFill>
-                </a:rPr>
-                <a:t>Pytket Service</a:t>
-              </a:r>
-            </a:p>
-            <a:p>
-              <a:pPr algn="ctr"/>
-              <a:r>
-                <a:rPr lang="en-US" sz="1200" noProof="1">
-                  <a:solidFill>
-                    <a:schemeClr val="tx1">
-                      <a:lumMod val="95000"/>
-                      <a:lumOff val="5000"/>
-                    </a:schemeClr>
-                  </a:solidFill>
-                </a:rPr>
-                <a:t>Flask</a:t>
-              </a:r>
-            </a:p>
-          </p:txBody>
-        </p:sp>
-        <p:sp>
-          <p:nvSpPr>
-            <p:cNvPr id="60" name="Abgerundetes Rechteck 59">
-              <a:extLst>
-                <a:ext uri="{FF2B5EF4-FFF2-40B4-BE49-F238E27FC236}">
-                  <a16:creationId xmlns:a16="http://schemas.microsoft.com/office/drawing/2014/main" id="{E0342D41-B958-2749-903B-5DAD2021581E}"/>
-                </a:ext>
-              </a:extLst>
-            </p:cNvPr>
-            <p:cNvSpPr/>
-            <p:nvPr/>
-          </p:nvSpPr>
-          <p:spPr>
-            <a:xfrm>
-              <a:off x="2334336" y="4069289"/>
-              <a:ext cx="1159108" cy="464037"/>
-            </a:xfrm>
-            <a:prstGeom prst="roundRect">
-              <a:avLst>
-                <a:gd name="adj" fmla="val 4496"/>
-              </a:avLst>
-            </a:prstGeom>
-            <a:solidFill>
-              <a:schemeClr val="bg1">
-                <a:lumMod val="95000"/>
-              </a:schemeClr>
-            </a:solidFill>
-            <a:ln w="19050">
-              <a:solidFill>
-                <a:schemeClr val="tx1"/>
-              </a:solidFill>
-            </a:ln>
-          </p:spPr>
-          <p:style>
-            <a:lnRef idx="2">
-              <a:schemeClr val="accent1">
-                <a:shade val="50000"/>
-              </a:schemeClr>
-            </a:lnRef>
-            <a:fillRef idx="1">
-              <a:schemeClr val="accent1"/>
-            </a:fillRef>
-            <a:effectRef idx="0">
-              <a:schemeClr val="accent1"/>
-            </a:effectRef>
-            <a:fontRef idx="minor">
-              <a:schemeClr val="lt1"/>
-            </a:fontRef>
-          </p:style>
-          <p:txBody>
-            <a:bodyPr rot="0" spcFirstLastPara="0" vertOverflow="overflow" horzOverflow="overflow" vert="horz" wrap="square" lIns="91440" tIns="45720" rIns="91440" bIns="45720" numCol="1" spcCol="0" rtlCol="0" fromWordArt="0" anchor="ctr" anchorCtr="0" forceAA="0" compatLnSpc="1">
-              <a:prstTxWarp prst="textNoShape">
-                <a:avLst/>
-              </a:prstTxWarp>
-              <a:noAutofit/>
-            </a:bodyPr>
-            <a:lstStyle/>
-            <a:p>
-              <a:pPr algn="ctr"/>
-              <a:endParaRPr lang="en-US"/>
-            </a:p>
-          </p:txBody>
-        </p:sp>
-        <p:sp>
-          <p:nvSpPr>
-            <p:cNvPr id="61" name="Textfeld 60">
-              <a:extLst>
-                <a:ext uri="{FF2B5EF4-FFF2-40B4-BE49-F238E27FC236}">
-                  <a16:creationId xmlns:a16="http://schemas.microsoft.com/office/drawing/2014/main" id="{BECCD6E0-60F8-F34D-9FF2-27BBD4B86492}"/>
-                </a:ext>
-              </a:extLst>
-            </p:cNvPr>
-            <p:cNvSpPr txBox="1"/>
-            <p:nvPr/>
-          </p:nvSpPr>
-          <p:spPr>
-            <a:xfrm>
-              <a:off x="2262857" y="4025039"/>
-              <a:ext cx="1297605" cy="544830"/>
-            </a:xfrm>
-            <a:prstGeom prst="roundRect">
-              <a:avLst/>
-            </a:prstGeom>
-            <a:noFill/>
-          </p:spPr>
-          <p:txBody>
-            <a:bodyPr wrap="square" rtlCol="0">
-              <a:spAutoFit/>
-            </a:bodyPr>
-            <a:lstStyle/>
-            <a:p>
-              <a:pPr algn="ctr"/>
-              <a:r>
-                <a:rPr lang="en-US" sz="1400" noProof="1">
-                  <a:solidFill>
-                    <a:schemeClr val="tx1">
-                      <a:lumMod val="95000"/>
-                      <a:lumOff val="5000"/>
-                    </a:schemeClr>
-                  </a:solidFill>
-                </a:rPr>
-                <a:t>Forest Service</a:t>
-              </a:r>
-            </a:p>
-            <a:p>
-              <a:pPr algn="ctr"/>
-              <a:r>
-                <a:rPr lang="en-US" sz="1200" noProof="1">
-                  <a:solidFill>
-                    <a:schemeClr val="tx1">
-                      <a:lumMod val="95000"/>
-                      <a:lumOff val="5000"/>
-                    </a:schemeClr>
-                  </a:solidFill>
-                </a:rPr>
-                <a:t>Flask</a:t>
-              </a:r>
-            </a:p>
-          </p:txBody>
-        </p:sp>
-        <p:cxnSp>
-          <p:nvCxnSpPr>
-            <p:cNvPr id="69" name="Gerade Verbindung mit Pfeil 68">
-              <a:extLst>
-                <a:ext uri="{FF2B5EF4-FFF2-40B4-BE49-F238E27FC236}">
-                  <a16:creationId xmlns:a16="http://schemas.microsoft.com/office/drawing/2014/main" id="{7C65C1EC-150B-CE41-B887-47825BF365CC}"/>
-                </a:ext>
-              </a:extLst>
-            </p:cNvPr>
-            <p:cNvCxnSpPr>
-              <a:cxnSpLocks/>
-              <a:endCxn id="114" idx="2"/>
-            </p:cNvCxnSpPr>
-            <p:nvPr/>
-          </p:nvCxnSpPr>
-          <p:spPr>
-            <a:xfrm flipV="1">
-              <a:off x="2064958" y="3250250"/>
-              <a:ext cx="232631" cy="0"/>
-            </a:xfrm>
-            <a:prstGeom prst="straightConnector1">
-              <a:avLst/>
-            </a:prstGeom>
-            <a:ln w="19050">
-              <a:solidFill>
-                <a:schemeClr val="tx1"/>
-              </a:solidFill>
-              <a:headEnd type="none" w="lg" len="med"/>
-              <a:tailEnd type="triangle" w="lg" len="med"/>
-            </a:ln>
-          </p:spPr>
-          <p:style>
-            <a:lnRef idx="1">
-              <a:schemeClr val="accent1"/>
-            </a:lnRef>
-            <a:fillRef idx="0">
-              <a:schemeClr val="accent1"/>
-            </a:fillRef>
-            <a:effectRef idx="0">
-              <a:schemeClr val="accent1"/>
-            </a:effectRef>
-            <a:fontRef idx="minor">
-              <a:schemeClr val="tx1"/>
-            </a:fontRef>
-          </p:style>
-        </p:cxnSp>
-        <p:cxnSp>
-          <p:nvCxnSpPr>
-            <p:cNvPr id="70" name="Gerade Verbindung mit Pfeil 69">
-              <a:extLst>
-                <a:ext uri="{FF2B5EF4-FFF2-40B4-BE49-F238E27FC236}">
-                  <a16:creationId xmlns:a16="http://schemas.microsoft.com/office/drawing/2014/main" id="{AA774FBD-8FAA-7448-8A5B-F5BA7868B559}"/>
-                </a:ext>
-              </a:extLst>
-            </p:cNvPr>
-            <p:cNvCxnSpPr>
-              <a:cxnSpLocks/>
-              <a:endCxn id="111" idx="0"/>
-            </p:cNvCxnSpPr>
-            <p:nvPr/>
-          </p:nvCxnSpPr>
-          <p:spPr>
-            <a:xfrm flipH="1" flipV="1">
-              <a:off x="3519480" y="3252428"/>
-              <a:ext cx="261486" cy="1674"/>
-            </a:xfrm>
-            <a:prstGeom prst="straightConnector1">
-              <a:avLst/>
-            </a:prstGeom>
-            <a:ln w="19050">
-              <a:solidFill>
-                <a:schemeClr val="tx1"/>
-              </a:solidFill>
-              <a:headEnd type="none" w="lg" len="med"/>
-              <a:tailEnd type="triangle" w="lg" len="med"/>
-            </a:ln>
-          </p:spPr>
-          <p:style>
-            <a:lnRef idx="1">
-              <a:schemeClr val="accent1"/>
-            </a:lnRef>
-            <a:fillRef idx="0">
-              <a:schemeClr val="accent1"/>
-            </a:fillRef>
-            <a:effectRef idx="0">
-              <a:schemeClr val="accent1"/>
-            </a:effectRef>
-            <a:fontRef idx="minor">
-              <a:schemeClr val="tx1"/>
-            </a:fontRef>
-          </p:style>
-        </p:cxnSp>
-        <p:cxnSp>
-          <p:nvCxnSpPr>
-            <p:cNvPr id="72" name="Gerade Verbindung mit Pfeil 71">
-              <a:extLst>
-                <a:ext uri="{FF2B5EF4-FFF2-40B4-BE49-F238E27FC236}">
-                  <a16:creationId xmlns:a16="http://schemas.microsoft.com/office/drawing/2014/main" id="{2E5F183C-22E2-BA40-B0FD-DB8431BA6C80}"/>
-                </a:ext>
-              </a:extLst>
-            </p:cNvPr>
-            <p:cNvCxnSpPr>
-              <a:cxnSpLocks/>
-              <a:endCxn id="118" idx="0"/>
-            </p:cNvCxnSpPr>
-            <p:nvPr/>
-          </p:nvCxnSpPr>
-          <p:spPr>
-            <a:xfrm flipH="1">
-              <a:off x="3519479" y="3779489"/>
-              <a:ext cx="255408" cy="1"/>
-            </a:xfrm>
-            <a:prstGeom prst="straightConnector1">
-              <a:avLst/>
-            </a:prstGeom>
-            <a:ln w="19050">
-              <a:solidFill>
-                <a:schemeClr val="tx1"/>
-              </a:solidFill>
-              <a:headEnd type="none" w="lg" len="med"/>
-              <a:tailEnd type="triangle" w="lg" len="med"/>
-            </a:ln>
-          </p:spPr>
-          <p:style>
-            <a:lnRef idx="1">
-              <a:schemeClr val="accent1"/>
-            </a:lnRef>
-            <a:fillRef idx="0">
-              <a:schemeClr val="accent1"/>
-            </a:fillRef>
-            <a:effectRef idx="0">
-              <a:schemeClr val="accent1"/>
-            </a:effectRef>
-            <a:fontRef idx="minor">
-              <a:schemeClr val="tx1"/>
-            </a:fontRef>
-          </p:style>
-        </p:cxnSp>
-        <p:cxnSp>
-          <p:nvCxnSpPr>
-            <p:cNvPr id="73" name="Gerade Verbindung mit Pfeil 72">
-              <a:extLst>
-                <a:ext uri="{FF2B5EF4-FFF2-40B4-BE49-F238E27FC236}">
-                  <a16:creationId xmlns:a16="http://schemas.microsoft.com/office/drawing/2014/main" id="{746B4B6A-EC1C-C94E-9703-C8D4062C3CBC}"/>
-                </a:ext>
-              </a:extLst>
-            </p:cNvPr>
-            <p:cNvCxnSpPr>
-              <a:cxnSpLocks/>
-              <a:endCxn id="119" idx="0"/>
-            </p:cNvCxnSpPr>
-            <p:nvPr/>
-          </p:nvCxnSpPr>
-          <p:spPr>
-            <a:xfrm flipH="1">
-              <a:off x="3523013" y="4302100"/>
-              <a:ext cx="250893" cy="0"/>
-            </a:xfrm>
-            <a:prstGeom prst="straightConnector1">
-              <a:avLst/>
-            </a:prstGeom>
-            <a:ln w="19050">
-              <a:solidFill>
-                <a:schemeClr val="tx1"/>
-              </a:solidFill>
-              <a:headEnd type="none" w="lg" len="med"/>
-              <a:tailEnd type="triangle" w="lg" len="med"/>
-            </a:ln>
-          </p:spPr>
-          <p:style>
-            <a:lnRef idx="1">
-              <a:schemeClr val="accent1"/>
-            </a:lnRef>
-            <a:fillRef idx="0">
-              <a:schemeClr val="accent1"/>
-            </a:fillRef>
-            <a:effectRef idx="0">
-              <a:schemeClr val="accent1"/>
-            </a:effectRef>
-            <a:fontRef idx="minor">
-              <a:schemeClr val="tx1"/>
-            </a:fontRef>
-          </p:style>
-        </p:cxnSp>
-        <p:sp>
-          <p:nvSpPr>
-            <p:cNvPr id="111" name="Abgerundetes Rechteck 110">
-              <a:extLst>
-                <a:ext uri="{FF2B5EF4-FFF2-40B4-BE49-F238E27FC236}">
-                  <a16:creationId xmlns:a16="http://schemas.microsoft.com/office/drawing/2014/main" id="{A49069D5-440A-5F47-A7BD-30FC2CC0712E}"/>
-                </a:ext>
-              </a:extLst>
-            </p:cNvPr>
-            <p:cNvSpPr/>
-            <p:nvPr/>
-          </p:nvSpPr>
-          <p:spPr>
-            <a:xfrm rot="5400000">
-              <a:off x="3325667" y="3214328"/>
-              <a:ext cx="311435" cy="76198"/>
-            </a:xfrm>
-            <a:prstGeom prst="roundRect">
-              <a:avLst>
-                <a:gd name="adj" fmla="val 4496"/>
-              </a:avLst>
-            </a:prstGeom>
-            <a:solidFill>
-              <a:schemeClr val="bg1">
-                <a:lumMod val="85000"/>
-              </a:schemeClr>
-            </a:solidFill>
-            <a:ln w="19050">
-              <a:solidFill>
-                <a:schemeClr val="tx1"/>
-              </a:solidFill>
-            </a:ln>
-          </p:spPr>
-          <p:style>
-            <a:lnRef idx="2">
-              <a:schemeClr val="accent1">
-                <a:shade val="50000"/>
-              </a:schemeClr>
-            </a:lnRef>
-            <a:fillRef idx="1">
-              <a:schemeClr val="accent1"/>
-            </a:fillRef>
-            <a:effectRef idx="0">
-              <a:schemeClr val="accent1"/>
-            </a:effectRef>
-            <a:fontRef idx="minor">
-              <a:schemeClr val="lt1"/>
-            </a:fontRef>
-          </p:style>
-          <p:txBody>
-            <a:bodyPr rot="0" spcFirstLastPara="0" vertOverflow="overflow" horzOverflow="overflow" vert="horz" wrap="square" lIns="91440" tIns="45720" rIns="91440" bIns="45720" numCol="1" spcCol="0" rtlCol="0" fromWordArt="0" anchor="ctr" anchorCtr="0" forceAA="0" compatLnSpc="1">
-              <a:prstTxWarp prst="textNoShape">
-                <a:avLst/>
-              </a:prstTxWarp>
-              <a:noAutofit/>
-            </a:bodyPr>
-            <a:lstStyle/>
-            <a:p>
-              <a:pPr algn="ctr"/>
-              <a:endParaRPr lang="en-US"/>
-            </a:p>
-          </p:txBody>
-        </p:sp>
-        <p:sp>
-          <p:nvSpPr>
-            <p:cNvPr id="114" name="Abgerundetes Rechteck 113">
-              <a:extLst>
-                <a:ext uri="{FF2B5EF4-FFF2-40B4-BE49-F238E27FC236}">
-                  <a16:creationId xmlns:a16="http://schemas.microsoft.com/office/drawing/2014/main" id="{A6C9225D-1C6B-BB4E-BE93-759472CC27AB}"/>
-                </a:ext>
-              </a:extLst>
-            </p:cNvPr>
-            <p:cNvSpPr/>
-            <p:nvPr/>
-          </p:nvSpPr>
-          <p:spPr>
-            <a:xfrm rot="5400000">
-              <a:off x="2179970" y="3212150"/>
-              <a:ext cx="311435" cy="76198"/>
-            </a:xfrm>
-            <a:prstGeom prst="roundRect">
-              <a:avLst>
-                <a:gd name="adj" fmla="val 4496"/>
-              </a:avLst>
-            </a:prstGeom>
-            <a:solidFill>
-              <a:schemeClr val="bg1">
-                <a:lumMod val="85000"/>
-              </a:schemeClr>
-            </a:solidFill>
-            <a:ln w="19050">
-              <a:solidFill>
-                <a:schemeClr val="tx1"/>
-              </a:solidFill>
-            </a:ln>
-          </p:spPr>
-          <p:style>
-            <a:lnRef idx="2">
-              <a:schemeClr val="accent1">
-                <a:shade val="50000"/>
-              </a:schemeClr>
-            </a:lnRef>
-            <a:fillRef idx="1">
-              <a:schemeClr val="accent1"/>
-            </a:fillRef>
-            <a:effectRef idx="0">
-              <a:schemeClr val="accent1"/>
-            </a:effectRef>
-            <a:fontRef idx="minor">
-              <a:schemeClr val="lt1"/>
-            </a:fontRef>
-          </p:style>
-          <p:txBody>
-            <a:bodyPr rot="0" spcFirstLastPara="0" vertOverflow="overflow" horzOverflow="overflow" vert="horz" wrap="square" lIns="91440" tIns="45720" rIns="91440" bIns="45720" numCol="1" spcCol="0" rtlCol="0" fromWordArt="0" anchor="ctr" anchorCtr="0" forceAA="0" compatLnSpc="1">
-              <a:prstTxWarp prst="textNoShape">
-                <a:avLst/>
-              </a:prstTxWarp>
-              <a:noAutofit/>
-            </a:bodyPr>
-            <a:lstStyle/>
-            <a:p>
-              <a:pPr algn="ctr"/>
-              <a:endParaRPr lang="en-US"/>
-            </a:p>
-          </p:txBody>
-        </p:sp>
-        <p:sp>
-          <p:nvSpPr>
-            <p:cNvPr id="118" name="Abgerundetes Rechteck 117">
-              <a:extLst>
-                <a:ext uri="{FF2B5EF4-FFF2-40B4-BE49-F238E27FC236}">
-                  <a16:creationId xmlns:a16="http://schemas.microsoft.com/office/drawing/2014/main" id="{A77D4437-5DFE-F948-937F-B3D075438833}"/>
-                </a:ext>
-              </a:extLst>
-            </p:cNvPr>
-            <p:cNvSpPr/>
-            <p:nvPr/>
-          </p:nvSpPr>
-          <p:spPr>
-            <a:xfrm rot="5400000">
-              <a:off x="3325666" y="3741384"/>
-              <a:ext cx="311435" cy="76198"/>
-            </a:xfrm>
-            <a:prstGeom prst="roundRect">
-              <a:avLst>
-                <a:gd name="adj" fmla="val 4496"/>
-              </a:avLst>
-            </a:prstGeom>
-            <a:solidFill>
-              <a:schemeClr val="bg1">
-                <a:lumMod val="85000"/>
-              </a:schemeClr>
-            </a:solidFill>
-            <a:ln w="19050">
-              <a:solidFill>
-                <a:schemeClr val="tx1"/>
-              </a:solidFill>
-            </a:ln>
-          </p:spPr>
-          <p:style>
-            <a:lnRef idx="2">
-              <a:schemeClr val="accent1">
-                <a:shade val="50000"/>
-              </a:schemeClr>
-            </a:lnRef>
-            <a:fillRef idx="1">
-              <a:schemeClr val="accent1"/>
-            </a:fillRef>
-            <a:effectRef idx="0">
-              <a:schemeClr val="accent1"/>
-            </a:effectRef>
-            <a:fontRef idx="minor">
-              <a:schemeClr val="lt1"/>
-            </a:fontRef>
-          </p:style>
-          <p:txBody>
-            <a:bodyPr rot="0" spcFirstLastPara="0" vertOverflow="overflow" horzOverflow="overflow" vert="horz" wrap="square" lIns="91440" tIns="45720" rIns="91440" bIns="45720" numCol="1" spcCol="0" rtlCol="0" fromWordArt="0" anchor="ctr" anchorCtr="0" forceAA="0" compatLnSpc="1">
-              <a:prstTxWarp prst="textNoShape">
-                <a:avLst/>
-              </a:prstTxWarp>
-              <a:noAutofit/>
-            </a:bodyPr>
-            <a:lstStyle/>
-            <a:p>
-              <a:pPr algn="ctr"/>
-              <a:endParaRPr lang="en-US"/>
-            </a:p>
-          </p:txBody>
-        </p:sp>
-        <p:sp>
-          <p:nvSpPr>
-            <p:cNvPr id="119" name="Abgerundetes Rechteck 118">
-              <a:extLst>
-                <a:ext uri="{FF2B5EF4-FFF2-40B4-BE49-F238E27FC236}">
-                  <a16:creationId xmlns:a16="http://schemas.microsoft.com/office/drawing/2014/main" id="{4630578E-4F4B-F546-9DC5-5BA749309AE5}"/>
-                </a:ext>
-              </a:extLst>
-            </p:cNvPr>
-            <p:cNvSpPr/>
-            <p:nvPr/>
-          </p:nvSpPr>
-          <p:spPr>
-            <a:xfrm rot="5400000">
-              <a:off x="3329196" y="4264000"/>
-              <a:ext cx="311435" cy="76198"/>
-            </a:xfrm>
-            <a:prstGeom prst="roundRect">
-              <a:avLst>
-                <a:gd name="adj" fmla="val 4496"/>
-              </a:avLst>
-            </a:prstGeom>
-            <a:solidFill>
-              <a:schemeClr val="bg1">
-                <a:lumMod val="85000"/>
-              </a:schemeClr>
-            </a:solidFill>
-            <a:ln w="19050">
-              <a:solidFill>
-                <a:schemeClr val="tx1"/>
-              </a:solidFill>
-            </a:ln>
-          </p:spPr>
-          <p:style>
-            <a:lnRef idx="2">
-              <a:schemeClr val="accent1">
-                <a:shade val="50000"/>
-              </a:schemeClr>
-            </a:lnRef>
-            <a:fillRef idx="1">
-              <a:schemeClr val="accent1"/>
-            </a:fillRef>
-            <a:effectRef idx="0">
-              <a:schemeClr val="accent1"/>
-            </a:effectRef>
-            <a:fontRef idx="minor">
-              <a:schemeClr val="lt1"/>
-            </a:fontRef>
-          </p:style>
-          <p:txBody>
-            <a:bodyPr rot="0" spcFirstLastPara="0" vertOverflow="overflow" horzOverflow="overflow" vert="horz" wrap="square" lIns="91440" tIns="45720" rIns="91440" bIns="45720" numCol="1" spcCol="0" rtlCol="0" fromWordArt="0" anchor="ctr" anchorCtr="0" forceAA="0" compatLnSpc="1">
-              <a:prstTxWarp prst="textNoShape">
-                <a:avLst/>
-              </a:prstTxWarp>
-              <a:noAutofit/>
-            </a:bodyPr>
-            <a:lstStyle/>
-            <a:p>
-              <a:pPr algn="ctr"/>
-              <a:endParaRPr lang="en-US"/>
-            </a:p>
-          </p:txBody>
-        </p:sp>
-      </p:grpSp>
-      <p:cxnSp>
-        <p:nvCxnSpPr>
-          <p:cNvPr id="116" name="Gekrümmte Verbindung 115">
-            <a:extLst>
-              <a:ext uri="{FF2B5EF4-FFF2-40B4-BE49-F238E27FC236}">
-                <a16:creationId xmlns:a16="http://schemas.microsoft.com/office/drawing/2014/main" id="{43196147-1F4F-3E4F-99FC-4B31AE71C49B}"/>
-              </a:ext>
-            </a:extLst>
-          </p:cNvPr>
-          <p:cNvCxnSpPr>
-            <a:cxnSpLocks/>
-          </p:cNvCxnSpPr>
-          <p:nvPr/>
-        </p:nvCxnSpPr>
-        <p:spPr>
-          <a:xfrm rot="4800000" flipH="1" flipV="1">
-            <a:off x="5477112" y="2537156"/>
-            <a:ext cx="3600" cy="1008000"/>
-          </a:xfrm>
-          <a:prstGeom prst="curvedConnector3">
-            <a:avLst>
-              <a:gd name="adj1" fmla="val 8452667"/>
-            </a:avLst>
-          </a:prstGeom>
-          <a:ln w="19050">
-            <a:solidFill>
-              <a:schemeClr val="tx1"/>
-            </a:solidFill>
-            <a:tailEnd type="triangle" w="lg" len="med"/>
-          </a:ln>
-        </p:spPr>
-        <p:style>
-          <a:lnRef idx="1">
-            <a:schemeClr val="accent1"/>
-          </a:lnRef>
-          <a:fillRef idx="0">
-            <a:schemeClr val="accent1"/>
-          </a:fillRef>
-          <a:effectRef idx="0">
-            <a:schemeClr val="accent1"/>
-          </a:effectRef>
-          <a:fontRef idx="minor">
-            <a:schemeClr val="tx1"/>
-          </a:fontRef>
-        </p:style>
-      </p:cxnSp>
-      <p:grpSp>
-        <p:nvGrpSpPr>
-          <p:cNvPr id="36" name="Gruppieren 35">
-            <a:extLst>
-              <a:ext uri="{FF2B5EF4-FFF2-40B4-BE49-F238E27FC236}">
-                <a16:creationId xmlns:a16="http://schemas.microsoft.com/office/drawing/2014/main" id="{47C18ECC-F0C2-CCE2-7B13-3CC8B6622FA5}"/>
-              </a:ext>
-            </a:extLst>
-          </p:cNvPr>
-          <p:cNvGrpSpPr/>
-          <p:nvPr/>
-        </p:nvGrpSpPr>
-        <p:grpSpPr>
-          <a:xfrm>
-            <a:off x="3309550" y="2949599"/>
-            <a:ext cx="1792447" cy="1910846"/>
-            <a:chOff x="-36639" y="2948269"/>
-            <a:chExt cx="1792447" cy="1910846"/>
-          </a:xfrm>
-        </p:grpSpPr>
-        <p:sp>
-          <p:nvSpPr>
-            <p:cNvPr id="37" name="Abgerundetes Rechteck 36">
-              <a:extLst>
-                <a:ext uri="{FF2B5EF4-FFF2-40B4-BE49-F238E27FC236}">
-                  <a16:creationId xmlns:a16="http://schemas.microsoft.com/office/drawing/2014/main" id="{6B0D5942-3F5A-1194-F992-299B957981E7}"/>
-                </a:ext>
-              </a:extLst>
-            </p:cNvPr>
-            <p:cNvSpPr/>
-            <p:nvPr/>
-          </p:nvSpPr>
-          <p:spPr>
-            <a:xfrm>
-              <a:off x="47163" y="3123979"/>
-              <a:ext cx="1627199" cy="1280099"/>
-            </a:xfrm>
-            <a:prstGeom prst="roundRect">
-              <a:avLst>
-                <a:gd name="adj" fmla="val 4496"/>
-              </a:avLst>
-            </a:prstGeom>
-            <a:solidFill>
-              <a:schemeClr val="bg1">
-                <a:lumMod val="95000"/>
-              </a:schemeClr>
-            </a:solidFill>
-            <a:ln w="19050">
-              <a:solidFill>
-                <a:schemeClr val="tx1"/>
-              </a:solidFill>
-            </a:ln>
-          </p:spPr>
-          <p:style>
-            <a:lnRef idx="2">
-              <a:schemeClr val="accent1">
-                <a:shade val="50000"/>
-              </a:schemeClr>
-            </a:lnRef>
-            <a:fillRef idx="1">
-              <a:schemeClr val="accent1"/>
-            </a:fillRef>
-            <a:effectRef idx="0">
-              <a:schemeClr val="accent1"/>
-            </a:effectRef>
-            <a:fontRef idx="minor">
-              <a:schemeClr val="lt1"/>
-            </a:fontRef>
-          </p:style>
-          <p:txBody>
-            <a:bodyPr rot="0" spcFirstLastPara="0" vertOverflow="overflow" horzOverflow="overflow" vert="horz" wrap="square" lIns="91440" tIns="45720" rIns="91440" bIns="45720" numCol="1" spcCol="0" rtlCol="0" fromWordArt="0" anchor="ctr" anchorCtr="0" forceAA="0" compatLnSpc="1">
-              <a:prstTxWarp prst="textNoShape">
-                <a:avLst/>
-              </a:prstTxWarp>
-              <a:noAutofit/>
-            </a:bodyPr>
-            <a:lstStyle/>
-            <a:p>
-              <a:pPr algn="ctr"/>
-              <a:endParaRPr lang="en-US"/>
-            </a:p>
-          </p:txBody>
-        </p:sp>
-        <p:sp>
-          <p:nvSpPr>
-            <p:cNvPr id="38" name="Textfeld 37">
-              <a:extLst>
-                <a:ext uri="{FF2B5EF4-FFF2-40B4-BE49-F238E27FC236}">
-                  <a16:creationId xmlns:a16="http://schemas.microsoft.com/office/drawing/2014/main" id="{51B5183A-A045-CB50-B90E-84CC94C242DD}"/>
-                </a:ext>
-              </a:extLst>
-            </p:cNvPr>
-            <p:cNvSpPr txBox="1"/>
-            <p:nvPr/>
-          </p:nvSpPr>
-          <p:spPr>
-            <a:xfrm>
-              <a:off x="79594" y="3390387"/>
-              <a:ext cx="1572746" cy="578882"/>
-            </a:xfrm>
-            <a:prstGeom prst="roundRect">
-              <a:avLst/>
-            </a:prstGeom>
-            <a:noFill/>
-          </p:spPr>
-          <p:txBody>
-            <a:bodyPr wrap="square" rtlCol="0">
-              <a:spAutoFit/>
-            </a:bodyPr>
-            <a:lstStyle/>
-            <a:p>
-              <a:pPr algn="ctr"/>
-              <a:r>
-                <a:rPr lang="en-US" sz="1600" noProof="1">
-                  <a:solidFill>
-                    <a:schemeClr val="tx1">
-                      <a:lumMod val="95000"/>
-                      <a:lumOff val="5000"/>
-                    </a:schemeClr>
-                  </a:solidFill>
-                </a:rPr>
-                <a:t>NISQ Analyzer</a:t>
-              </a:r>
-            </a:p>
-            <a:p>
-              <a:pPr algn="ctr"/>
-              <a:r>
-                <a:rPr lang="en-US" sz="1200" noProof="1">
-                  <a:solidFill>
-                    <a:schemeClr val="tx1">
-                      <a:lumMod val="95000"/>
-                      <a:lumOff val="5000"/>
-                    </a:schemeClr>
-                  </a:solidFill>
-                </a:rPr>
-                <a:t>SpringBoot</a:t>
-              </a:r>
-            </a:p>
-          </p:txBody>
-        </p:sp>
-        <p:sp>
-          <p:nvSpPr>
-            <p:cNvPr id="39" name="Zylinder 38">
-              <a:extLst>
-                <a:ext uri="{FF2B5EF4-FFF2-40B4-BE49-F238E27FC236}">
-                  <a16:creationId xmlns:a16="http://schemas.microsoft.com/office/drawing/2014/main" id="{D79F7DDE-7850-4CDB-3A8F-977C0DDE4483}"/>
-                </a:ext>
-              </a:extLst>
-            </p:cNvPr>
-            <p:cNvSpPr/>
-            <p:nvPr/>
-          </p:nvSpPr>
-          <p:spPr>
-            <a:xfrm>
-              <a:off x="97887" y="4062744"/>
-              <a:ext cx="1522800" cy="796371"/>
-            </a:xfrm>
-            <a:prstGeom prst="can">
-              <a:avLst>
-                <a:gd name="adj" fmla="val 21079"/>
-              </a:avLst>
-            </a:prstGeom>
-            <a:solidFill>
-              <a:schemeClr val="bg1">
-                <a:lumMod val="75000"/>
-              </a:schemeClr>
-            </a:solidFill>
-            <a:ln w="19050">
-              <a:solidFill>
-                <a:schemeClr val="tx1">
-                  <a:lumMod val="95000"/>
-                  <a:lumOff val="5000"/>
-                </a:schemeClr>
-              </a:solidFill>
-            </a:ln>
-          </p:spPr>
-          <p:style>
-            <a:lnRef idx="2">
-              <a:schemeClr val="accent1">
-                <a:shade val="50000"/>
-              </a:schemeClr>
-            </a:lnRef>
-            <a:fillRef idx="1">
-              <a:schemeClr val="accent1"/>
-            </a:fillRef>
-            <a:effectRef idx="0">
-              <a:schemeClr val="accent1"/>
-            </a:effectRef>
-            <a:fontRef idx="minor">
-              <a:schemeClr val="lt1"/>
-            </a:fontRef>
-          </p:style>
-          <p:txBody>
-            <a:bodyPr rtlCol="0" anchor="ctr"/>
-            <a:lstStyle/>
-            <a:p>
-              <a:pPr algn="ctr"/>
-              <a:endParaRPr lang="en-US" sz="800" noProof="1">
-                <a:solidFill>
-                  <a:schemeClr val="tx2">
-                    <a:lumMod val="50000"/>
-                  </a:schemeClr>
-                </a:solidFill>
-              </a:endParaRPr>
-            </a:p>
-            <a:p>
-              <a:pPr algn="ctr"/>
-              <a:endParaRPr lang="en-US" sz="800" noProof="1">
-                <a:solidFill>
-                  <a:schemeClr val="tx2">
-                    <a:lumMod val="50000"/>
-                  </a:schemeClr>
-                </a:solidFill>
-              </a:endParaRPr>
-            </a:p>
-            <a:p>
-              <a:pPr algn="ctr"/>
-              <a:endParaRPr lang="en-US" sz="800" noProof="1">
-                <a:solidFill>
-                  <a:schemeClr val="tx2">
-                    <a:lumMod val="50000"/>
-                  </a:schemeClr>
-                </a:solidFill>
-              </a:endParaRPr>
-            </a:p>
-            <a:p>
-              <a:pPr algn="ctr"/>
-              <a:endParaRPr lang="en-US" sz="800" noProof="1">
-                <a:solidFill>
-                  <a:schemeClr val="tx2">
-                    <a:lumMod val="50000"/>
-                  </a:schemeClr>
-                </a:solidFill>
-              </a:endParaRPr>
-            </a:p>
-            <a:p>
-              <a:pPr algn="ctr"/>
-              <a:endParaRPr lang="en-US" sz="800" noProof="1">
-                <a:solidFill>
-                  <a:schemeClr val="tx2">
-                    <a:lumMod val="50000"/>
-                  </a:schemeClr>
-                </a:solidFill>
-              </a:endParaRPr>
-            </a:p>
-            <a:p>
-              <a:pPr algn="ctr"/>
-              <a:endParaRPr lang="en-US" sz="800" noProof="1">
-                <a:solidFill>
-                  <a:schemeClr val="tx2">
-                    <a:lumMod val="50000"/>
-                  </a:schemeClr>
-                </a:solidFill>
-              </a:endParaRPr>
-            </a:p>
-            <a:p>
-              <a:pPr algn="ctr"/>
-              <a:endParaRPr lang="en-US" sz="800" noProof="1">
-                <a:solidFill>
-                  <a:schemeClr val="tx2">
-                    <a:lumMod val="50000"/>
-                  </a:schemeClr>
-                </a:solidFill>
-              </a:endParaRPr>
-            </a:p>
-            <a:p>
-              <a:pPr algn="ctr"/>
-              <a:endParaRPr lang="en-US" sz="800" noProof="1">
-                <a:solidFill>
-                  <a:schemeClr val="tx2">
-                    <a:lumMod val="50000"/>
-                  </a:schemeClr>
-                </a:solidFill>
-              </a:endParaRPr>
-            </a:p>
-            <a:p>
-              <a:pPr algn="ctr"/>
-              <a:endParaRPr lang="en-US" sz="800" noProof="1">
-                <a:solidFill>
-                  <a:schemeClr val="tx2">
-                    <a:lumMod val="50000"/>
-                  </a:schemeClr>
-                </a:solidFill>
-              </a:endParaRPr>
-            </a:p>
-            <a:p>
-              <a:pPr algn="ctr"/>
-              <a:endParaRPr lang="en-US" sz="800" noProof="1">
-                <a:solidFill>
-                  <a:schemeClr val="tx2">
-                    <a:lumMod val="50000"/>
-                  </a:schemeClr>
-                </a:solidFill>
-              </a:endParaRPr>
-            </a:p>
-            <a:p>
-              <a:pPr algn="ctr"/>
-              <a:endParaRPr lang="en-US" sz="800" noProof="1">
-                <a:solidFill>
-                  <a:schemeClr val="tx2">
-                    <a:lumMod val="50000"/>
-                  </a:schemeClr>
-                </a:solidFill>
-              </a:endParaRPr>
-            </a:p>
-            <a:p>
-              <a:pPr algn="ctr"/>
-              <a:endParaRPr lang="en-US" sz="800" noProof="1">
-                <a:solidFill>
-                  <a:schemeClr val="tx2">
-                    <a:lumMod val="50000"/>
-                  </a:schemeClr>
-                </a:solidFill>
-              </a:endParaRPr>
-            </a:p>
-            <a:p>
-              <a:pPr algn="ctr"/>
-              <a:endParaRPr lang="en-US" sz="800" noProof="1">
-                <a:solidFill>
-                  <a:schemeClr val="tx2">
-                    <a:lumMod val="50000"/>
-                  </a:schemeClr>
-                </a:solidFill>
-              </a:endParaRPr>
-            </a:p>
-          </p:txBody>
-        </p:sp>
-        <p:sp>
-          <p:nvSpPr>
-            <p:cNvPr id="40" name="Textfeld 39">
-              <a:extLst>
-                <a:ext uri="{FF2B5EF4-FFF2-40B4-BE49-F238E27FC236}">
-                  <a16:creationId xmlns:a16="http://schemas.microsoft.com/office/drawing/2014/main" id="{22F1CFBF-2E3B-BB62-9210-C5F67500F385}"/>
-                </a:ext>
-              </a:extLst>
-            </p:cNvPr>
-            <p:cNvSpPr txBox="1"/>
-            <p:nvPr/>
-          </p:nvSpPr>
-          <p:spPr>
-            <a:xfrm>
-              <a:off x="-36639" y="4243599"/>
-              <a:ext cx="1792447" cy="578882"/>
-            </a:xfrm>
-            <a:prstGeom prst="roundRect">
-              <a:avLst/>
-            </a:prstGeom>
-            <a:noFill/>
-          </p:spPr>
-          <p:txBody>
-            <a:bodyPr wrap="square" rtlCol="0">
-              <a:spAutoFit/>
-            </a:bodyPr>
-            <a:lstStyle/>
-            <a:p>
-              <a:pPr algn="ctr"/>
-              <a:r>
-                <a:rPr lang="en-US" sz="1600" noProof="1">
-                  <a:solidFill>
-                    <a:schemeClr val="tx1">
-                      <a:lumMod val="95000"/>
-                      <a:lumOff val="5000"/>
-                    </a:schemeClr>
-                  </a:solidFill>
-                </a:rPr>
-                <a:t>NISQ DB</a:t>
-              </a:r>
-            </a:p>
-            <a:p>
-              <a:pPr algn="ctr"/>
-              <a:r>
-                <a:rPr lang="en-US" sz="1200" noProof="1">
-                  <a:solidFill>
-                    <a:schemeClr val="tx1">
-                      <a:lumMod val="95000"/>
-                      <a:lumOff val="5000"/>
-                    </a:schemeClr>
-                  </a:solidFill>
-                </a:rPr>
-                <a:t>PostgreSQL</a:t>
-              </a:r>
-            </a:p>
-          </p:txBody>
-        </p:sp>
-        <p:sp>
-          <p:nvSpPr>
-            <p:cNvPr id="41" name="Abgerundetes Rechteck 40">
-              <a:extLst>
-                <a:ext uri="{FF2B5EF4-FFF2-40B4-BE49-F238E27FC236}">
-                  <a16:creationId xmlns:a16="http://schemas.microsoft.com/office/drawing/2014/main" id="{D3024487-0504-E73E-ECFE-1CEC9F09A352}"/>
-                </a:ext>
-              </a:extLst>
-            </p:cNvPr>
-            <p:cNvSpPr/>
-            <p:nvPr/>
-          </p:nvSpPr>
-          <p:spPr>
-            <a:xfrm>
-              <a:off x="124368" y="2948269"/>
-              <a:ext cx="1465200" cy="392670"/>
-            </a:xfrm>
-            <a:prstGeom prst="roundRect">
-              <a:avLst>
-                <a:gd name="adj" fmla="val 4496"/>
-              </a:avLst>
-            </a:prstGeom>
-            <a:solidFill>
-              <a:schemeClr val="bg1">
-                <a:lumMod val="85000"/>
-              </a:schemeClr>
-            </a:solidFill>
-            <a:ln w="19050">
-              <a:solidFill>
-                <a:schemeClr val="tx1"/>
-              </a:solidFill>
-            </a:ln>
-          </p:spPr>
-          <p:style>
-            <a:lnRef idx="2">
-              <a:schemeClr val="accent1">
-                <a:shade val="50000"/>
-              </a:schemeClr>
-            </a:lnRef>
-            <a:fillRef idx="1">
-              <a:schemeClr val="accent1"/>
-            </a:fillRef>
-            <a:effectRef idx="0">
-              <a:schemeClr val="accent1"/>
-            </a:effectRef>
-            <a:fontRef idx="minor">
-              <a:schemeClr val="lt1"/>
-            </a:fontRef>
-          </p:style>
-          <p:txBody>
-            <a:bodyPr rot="0" spcFirstLastPara="0" vertOverflow="overflow" horzOverflow="overflow" vert="horz" wrap="square" lIns="91440" tIns="45720" rIns="91440" bIns="45720" numCol="1" spcCol="0" rtlCol="0" fromWordArt="0" anchor="ctr" anchorCtr="0" forceAA="0" compatLnSpc="1">
-              <a:prstTxWarp prst="textNoShape">
-                <a:avLst/>
-              </a:prstTxWarp>
-              <a:noAutofit/>
-            </a:bodyPr>
-            <a:lstStyle/>
-            <a:p>
-              <a:pPr algn="ctr"/>
-              <a:endParaRPr lang="en-US"/>
-            </a:p>
-          </p:txBody>
-        </p:sp>
-        <p:sp>
-          <p:nvSpPr>
-            <p:cNvPr id="42" name="Textfeld 41">
-              <a:extLst>
-                <a:ext uri="{FF2B5EF4-FFF2-40B4-BE49-F238E27FC236}">
-                  <a16:creationId xmlns:a16="http://schemas.microsoft.com/office/drawing/2014/main" id="{EB0580B7-414D-9F27-B7E0-2BB060182968}"/>
-                </a:ext>
-              </a:extLst>
-            </p:cNvPr>
-            <p:cNvSpPr txBox="1"/>
-            <p:nvPr/>
-          </p:nvSpPr>
-          <p:spPr>
-            <a:xfrm>
-              <a:off x="200651" y="2980833"/>
-              <a:ext cx="1304139" cy="340519"/>
-            </a:xfrm>
-            <a:prstGeom prst="roundRect">
-              <a:avLst/>
-            </a:prstGeom>
-            <a:noFill/>
-          </p:spPr>
-          <p:txBody>
-            <a:bodyPr wrap="square" rtlCol="0">
-              <a:spAutoFit/>
-            </a:bodyPr>
-            <a:lstStyle/>
-            <a:p>
-              <a:pPr algn="ctr"/>
-              <a:r>
-                <a:rPr lang="en-US" sz="1400" noProof="1">
-                  <a:solidFill>
-                    <a:schemeClr val="tx1">
-                      <a:lumMod val="95000"/>
-                      <a:lumOff val="5000"/>
-                    </a:schemeClr>
-                  </a:solidFill>
-                </a:rPr>
-                <a:t>HTTP REST API</a:t>
-              </a:r>
-            </a:p>
-          </p:txBody>
-        </p:sp>
-      </p:grpSp>
-      <p:grpSp>
-        <p:nvGrpSpPr>
-          <p:cNvPr id="43" name="Gruppieren 42">
-            <a:extLst>
-              <a:ext uri="{FF2B5EF4-FFF2-40B4-BE49-F238E27FC236}">
-                <a16:creationId xmlns:a16="http://schemas.microsoft.com/office/drawing/2014/main" id="{712E266F-A3AF-C951-0528-19A70869C289}"/>
-              </a:ext>
-            </a:extLst>
-          </p:cNvPr>
-          <p:cNvGrpSpPr/>
-          <p:nvPr/>
-        </p:nvGrpSpPr>
-        <p:grpSpPr>
-          <a:xfrm>
-            <a:off x="4958683" y="2959757"/>
-            <a:ext cx="2078821" cy="1910846"/>
-            <a:chOff x="-174929" y="2948269"/>
-            <a:chExt cx="2078821" cy="1910846"/>
-          </a:xfrm>
-        </p:grpSpPr>
-        <p:sp>
-          <p:nvSpPr>
-            <p:cNvPr id="44" name="Abgerundetes Rechteck 43">
-              <a:extLst>
-                <a:ext uri="{FF2B5EF4-FFF2-40B4-BE49-F238E27FC236}">
-                  <a16:creationId xmlns:a16="http://schemas.microsoft.com/office/drawing/2014/main" id="{139313AD-D81F-9DC4-B27C-98DF672DC453}"/>
-                </a:ext>
-              </a:extLst>
-            </p:cNvPr>
-            <p:cNvSpPr/>
-            <p:nvPr/>
-          </p:nvSpPr>
-          <p:spPr>
-            <a:xfrm>
-              <a:off x="47163" y="3123979"/>
-              <a:ext cx="1627199" cy="1280099"/>
-            </a:xfrm>
-            <a:prstGeom prst="roundRect">
-              <a:avLst>
-                <a:gd name="adj" fmla="val 4496"/>
-              </a:avLst>
-            </a:prstGeom>
-            <a:solidFill>
-              <a:schemeClr val="bg1">
-                <a:lumMod val="95000"/>
-              </a:schemeClr>
-            </a:solidFill>
-            <a:ln w="19050">
-              <a:solidFill>
-                <a:schemeClr val="tx1"/>
-              </a:solidFill>
-            </a:ln>
-          </p:spPr>
-          <p:style>
-            <a:lnRef idx="2">
-              <a:schemeClr val="accent1">
-                <a:shade val="50000"/>
-              </a:schemeClr>
-            </a:lnRef>
-            <a:fillRef idx="1">
-              <a:schemeClr val="accent1"/>
-            </a:fillRef>
-            <a:effectRef idx="0">
-              <a:schemeClr val="accent1"/>
-            </a:effectRef>
-            <a:fontRef idx="minor">
-              <a:schemeClr val="lt1"/>
-            </a:fontRef>
-          </p:style>
-          <p:txBody>
-            <a:bodyPr rot="0" spcFirstLastPara="0" vertOverflow="overflow" horzOverflow="overflow" vert="horz" wrap="square" lIns="91440" tIns="45720" rIns="91440" bIns="45720" numCol="1" spcCol="0" rtlCol="0" fromWordArt="0" anchor="ctr" anchorCtr="0" forceAA="0" compatLnSpc="1">
-              <a:prstTxWarp prst="textNoShape">
-                <a:avLst/>
-              </a:prstTxWarp>
-              <a:noAutofit/>
-            </a:bodyPr>
-            <a:lstStyle/>
-            <a:p>
-              <a:pPr algn="ctr"/>
-              <a:endParaRPr lang="en-US"/>
-            </a:p>
-          </p:txBody>
-        </p:sp>
-        <p:sp>
-          <p:nvSpPr>
-            <p:cNvPr id="45" name="Textfeld 44">
-              <a:extLst>
-                <a:ext uri="{FF2B5EF4-FFF2-40B4-BE49-F238E27FC236}">
-                  <a16:creationId xmlns:a16="http://schemas.microsoft.com/office/drawing/2014/main" id="{8231FE7C-E0B1-4213-2719-982329181AD1}"/>
-                </a:ext>
-              </a:extLst>
-            </p:cNvPr>
-            <p:cNvSpPr txBox="1"/>
-            <p:nvPr/>
-          </p:nvSpPr>
-          <p:spPr>
-            <a:xfrm>
-              <a:off x="-174929" y="3390387"/>
-              <a:ext cx="2078821" cy="578882"/>
-            </a:xfrm>
-            <a:prstGeom prst="roundRect">
-              <a:avLst/>
-            </a:prstGeom>
-            <a:noFill/>
-          </p:spPr>
-          <p:txBody>
-            <a:bodyPr wrap="square" rtlCol="0">
-              <a:spAutoFit/>
-            </a:bodyPr>
-            <a:lstStyle/>
-            <a:p>
-              <a:pPr algn="ctr"/>
-              <a:r>
-                <a:rPr lang="en-US" sz="1600" noProof="1">
-                  <a:solidFill>
-                    <a:schemeClr val="tx1">
-                      <a:lumMod val="95000"/>
-                      <a:lumOff val="5000"/>
-                    </a:schemeClr>
-                  </a:solidFill>
-                </a:rPr>
-                <a:t>Circuit Transformer</a:t>
-              </a:r>
-            </a:p>
-            <a:p>
-              <a:pPr algn="ctr"/>
-              <a:r>
-                <a:rPr lang="en-US" sz="1200" noProof="1">
-                  <a:solidFill>
-                    <a:schemeClr val="tx1">
-                      <a:lumMod val="95000"/>
-                      <a:lumOff val="5000"/>
-                    </a:schemeClr>
-                  </a:solidFill>
-                </a:rPr>
-                <a:t>Flask</a:t>
-              </a:r>
-            </a:p>
-          </p:txBody>
-        </p:sp>
-        <p:sp>
-          <p:nvSpPr>
-            <p:cNvPr id="46" name="Zylinder 45">
-              <a:extLst>
-                <a:ext uri="{FF2B5EF4-FFF2-40B4-BE49-F238E27FC236}">
-                  <a16:creationId xmlns:a16="http://schemas.microsoft.com/office/drawing/2014/main" id="{97C8C4C6-6BC0-C911-B4C7-8F980589B509}"/>
-                </a:ext>
-              </a:extLst>
-            </p:cNvPr>
-            <p:cNvSpPr/>
-            <p:nvPr/>
-          </p:nvSpPr>
-          <p:spPr>
-            <a:xfrm>
-              <a:off x="97887" y="4062744"/>
-              <a:ext cx="1522800" cy="796371"/>
-            </a:xfrm>
-            <a:prstGeom prst="can">
-              <a:avLst>
-                <a:gd name="adj" fmla="val 21079"/>
-              </a:avLst>
-            </a:prstGeom>
-            <a:solidFill>
-              <a:schemeClr val="bg1">
-                <a:lumMod val="75000"/>
-              </a:schemeClr>
-            </a:solidFill>
-            <a:ln w="19050">
-              <a:solidFill>
-                <a:schemeClr val="tx1">
-                  <a:lumMod val="95000"/>
-                  <a:lumOff val="5000"/>
-                </a:schemeClr>
-              </a:solidFill>
-            </a:ln>
-          </p:spPr>
-          <p:style>
-            <a:lnRef idx="2">
-              <a:schemeClr val="accent1">
-                <a:shade val="50000"/>
-              </a:schemeClr>
-            </a:lnRef>
-            <a:fillRef idx="1">
-              <a:schemeClr val="accent1"/>
-            </a:fillRef>
-            <a:effectRef idx="0">
-              <a:schemeClr val="accent1"/>
-            </a:effectRef>
-            <a:fontRef idx="minor">
-              <a:schemeClr val="lt1"/>
-            </a:fontRef>
-          </p:style>
-          <p:txBody>
-            <a:bodyPr rtlCol="0" anchor="ctr"/>
-            <a:lstStyle/>
-            <a:p>
-              <a:pPr algn="ctr"/>
-              <a:endParaRPr lang="en-US" sz="800" noProof="1">
-                <a:solidFill>
-                  <a:schemeClr val="tx2">
-                    <a:lumMod val="50000"/>
-                  </a:schemeClr>
-                </a:solidFill>
-              </a:endParaRPr>
-            </a:p>
-            <a:p>
-              <a:pPr algn="ctr"/>
-              <a:endParaRPr lang="en-US" sz="800" noProof="1">
-                <a:solidFill>
-                  <a:schemeClr val="tx2">
-                    <a:lumMod val="50000"/>
-                  </a:schemeClr>
-                </a:solidFill>
-              </a:endParaRPr>
-            </a:p>
-            <a:p>
-              <a:pPr algn="ctr"/>
-              <a:endParaRPr lang="en-US" sz="800" noProof="1">
-                <a:solidFill>
-                  <a:schemeClr val="tx2">
-                    <a:lumMod val="50000"/>
-                  </a:schemeClr>
-                </a:solidFill>
-              </a:endParaRPr>
-            </a:p>
-            <a:p>
-              <a:pPr algn="ctr"/>
-              <a:endParaRPr lang="en-US" sz="800" noProof="1">
-                <a:solidFill>
-                  <a:schemeClr val="tx2">
-                    <a:lumMod val="50000"/>
-                  </a:schemeClr>
-                </a:solidFill>
-              </a:endParaRPr>
-            </a:p>
-            <a:p>
-              <a:pPr algn="ctr"/>
-              <a:endParaRPr lang="en-US" sz="800" noProof="1">
-                <a:solidFill>
-                  <a:schemeClr val="tx2">
-                    <a:lumMod val="50000"/>
-                  </a:schemeClr>
-                </a:solidFill>
-              </a:endParaRPr>
-            </a:p>
-            <a:p>
-              <a:pPr algn="ctr"/>
-              <a:endParaRPr lang="en-US" sz="800" noProof="1">
-                <a:solidFill>
-                  <a:schemeClr val="tx2">
-                    <a:lumMod val="50000"/>
-                  </a:schemeClr>
-                </a:solidFill>
-              </a:endParaRPr>
-            </a:p>
-            <a:p>
-              <a:pPr algn="ctr"/>
-              <a:endParaRPr lang="en-US" sz="800" noProof="1">
-                <a:solidFill>
-                  <a:schemeClr val="tx2">
-                    <a:lumMod val="50000"/>
-                  </a:schemeClr>
-                </a:solidFill>
-              </a:endParaRPr>
-            </a:p>
-            <a:p>
-              <a:pPr algn="ctr"/>
-              <a:endParaRPr lang="en-US" sz="800" noProof="1">
-                <a:solidFill>
-                  <a:schemeClr val="tx2">
-                    <a:lumMod val="50000"/>
-                  </a:schemeClr>
-                </a:solidFill>
-              </a:endParaRPr>
-            </a:p>
-            <a:p>
-              <a:pPr algn="ctr"/>
-              <a:endParaRPr lang="en-US" sz="800" noProof="1">
-                <a:solidFill>
-                  <a:schemeClr val="tx2">
-                    <a:lumMod val="50000"/>
-                  </a:schemeClr>
-                </a:solidFill>
-              </a:endParaRPr>
-            </a:p>
-            <a:p>
-              <a:pPr algn="ctr"/>
-              <a:endParaRPr lang="en-US" sz="800" noProof="1">
-                <a:solidFill>
-                  <a:schemeClr val="tx2">
-                    <a:lumMod val="50000"/>
-                  </a:schemeClr>
-                </a:solidFill>
-              </a:endParaRPr>
-            </a:p>
-            <a:p>
-              <a:pPr algn="ctr"/>
-              <a:endParaRPr lang="en-US" sz="800" noProof="1">
-                <a:solidFill>
-                  <a:schemeClr val="tx2">
-                    <a:lumMod val="50000"/>
-                  </a:schemeClr>
-                </a:solidFill>
-              </a:endParaRPr>
-            </a:p>
-            <a:p>
-              <a:pPr algn="ctr"/>
-              <a:endParaRPr lang="en-US" sz="800" noProof="1">
-                <a:solidFill>
-                  <a:schemeClr val="tx2">
-                    <a:lumMod val="50000"/>
-                  </a:schemeClr>
-                </a:solidFill>
-              </a:endParaRPr>
-            </a:p>
-            <a:p>
-              <a:pPr algn="ctr"/>
-              <a:endParaRPr lang="en-US" sz="800" noProof="1">
-                <a:solidFill>
-                  <a:schemeClr val="tx2">
-                    <a:lumMod val="50000"/>
-                  </a:schemeClr>
-                </a:solidFill>
-              </a:endParaRPr>
-            </a:p>
-          </p:txBody>
-        </p:sp>
-        <p:sp>
-          <p:nvSpPr>
-            <p:cNvPr id="50" name="Textfeld 49">
-              <a:extLst>
-                <a:ext uri="{FF2B5EF4-FFF2-40B4-BE49-F238E27FC236}">
-                  <a16:creationId xmlns:a16="http://schemas.microsoft.com/office/drawing/2014/main" id="{A7B21A11-31A2-F422-CB1B-5AAB3962181A}"/>
-                </a:ext>
-              </a:extLst>
-            </p:cNvPr>
-            <p:cNvSpPr txBox="1"/>
-            <p:nvPr/>
-          </p:nvSpPr>
-          <p:spPr>
-            <a:xfrm>
-              <a:off x="-36639" y="4356723"/>
-              <a:ext cx="1792447" cy="374571"/>
-            </a:xfrm>
-            <a:prstGeom prst="roundRect">
-              <a:avLst/>
-            </a:prstGeom>
-            <a:noFill/>
-          </p:spPr>
-          <p:txBody>
-            <a:bodyPr wrap="square" rtlCol="0">
-              <a:spAutoFit/>
-            </a:bodyPr>
-            <a:lstStyle/>
-            <a:p>
-              <a:pPr algn="ctr"/>
-              <a:r>
-                <a:rPr lang="en-US" sz="1600" noProof="1">
-                  <a:solidFill>
-                    <a:schemeClr val="tx1">
-                      <a:lumMod val="95000"/>
-                      <a:lumOff val="5000"/>
-                    </a:schemeClr>
-                  </a:solidFill>
-                </a:rPr>
-                <a:t>Gate Mappings</a:t>
-              </a:r>
-              <a:endParaRPr lang="en-US" sz="1200" noProof="1">
-                <a:solidFill>
-                  <a:schemeClr val="tx1">
-                    <a:lumMod val="95000"/>
-                    <a:lumOff val="5000"/>
-                  </a:schemeClr>
-                </a:solidFill>
-              </a:endParaRPr>
-            </a:p>
-          </p:txBody>
-        </p:sp>
-        <p:sp>
-          <p:nvSpPr>
-            <p:cNvPr id="51" name="Abgerundetes Rechteck 50">
-              <a:extLst>
-                <a:ext uri="{FF2B5EF4-FFF2-40B4-BE49-F238E27FC236}">
-                  <a16:creationId xmlns:a16="http://schemas.microsoft.com/office/drawing/2014/main" id="{C12E77AA-5140-53B1-56AC-760981B88DCD}"/>
-                </a:ext>
-              </a:extLst>
-            </p:cNvPr>
-            <p:cNvSpPr/>
-            <p:nvPr/>
-          </p:nvSpPr>
-          <p:spPr>
-            <a:xfrm>
-              <a:off x="124368" y="2948269"/>
-              <a:ext cx="1465200" cy="392670"/>
-            </a:xfrm>
-            <a:prstGeom prst="roundRect">
-              <a:avLst>
-                <a:gd name="adj" fmla="val 4496"/>
-              </a:avLst>
-            </a:prstGeom>
-            <a:solidFill>
-              <a:schemeClr val="bg1">
-                <a:lumMod val="85000"/>
-              </a:schemeClr>
-            </a:solidFill>
-            <a:ln w="19050">
-              <a:solidFill>
-                <a:schemeClr val="tx1"/>
-              </a:solidFill>
-            </a:ln>
-          </p:spPr>
-          <p:style>
-            <a:lnRef idx="2">
-              <a:schemeClr val="accent1">
-                <a:shade val="50000"/>
-              </a:schemeClr>
-            </a:lnRef>
-            <a:fillRef idx="1">
-              <a:schemeClr val="accent1"/>
-            </a:fillRef>
-            <a:effectRef idx="0">
-              <a:schemeClr val="accent1"/>
-            </a:effectRef>
-            <a:fontRef idx="minor">
-              <a:schemeClr val="lt1"/>
-            </a:fontRef>
-          </p:style>
-          <p:txBody>
-            <a:bodyPr rot="0" spcFirstLastPara="0" vertOverflow="overflow" horzOverflow="overflow" vert="horz" wrap="square" lIns="91440" tIns="45720" rIns="91440" bIns="45720" numCol="1" spcCol="0" rtlCol="0" fromWordArt="0" anchor="ctr" anchorCtr="0" forceAA="0" compatLnSpc="1">
-              <a:prstTxWarp prst="textNoShape">
-                <a:avLst/>
-              </a:prstTxWarp>
-              <a:noAutofit/>
-            </a:bodyPr>
-            <a:lstStyle/>
-            <a:p>
-              <a:pPr algn="ctr"/>
-              <a:endParaRPr lang="en-US"/>
-            </a:p>
-          </p:txBody>
-        </p:sp>
-        <p:sp>
-          <p:nvSpPr>
-            <p:cNvPr id="52" name="Textfeld 51">
-              <a:extLst>
-                <a:ext uri="{FF2B5EF4-FFF2-40B4-BE49-F238E27FC236}">
-                  <a16:creationId xmlns:a16="http://schemas.microsoft.com/office/drawing/2014/main" id="{FF6C3DD0-B639-9C70-A79A-B703BBE984D1}"/>
-                </a:ext>
-              </a:extLst>
-            </p:cNvPr>
-            <p:cNvSpPr txBox="1"/>
-            <p:nvPr/>
-          </p:nvSpPr>
-          <p:spPr>
-            <a:xfrm>
-              <a:off x="200651" y="2980833"/>
-              <a:ext cx="1304139" cy="340519"/>
-            </a:xfrm>
-            <a:prstGeom prst="roundRect">
-              <a:avLst/>
-            </a:prstGeom>
-            <a:noFill/>
-          </p:spPr>
-          <p:txBody>
-            <a:bodyPr wrap="square" rtlCol="0">
-              <a:spAutoFit/>
-            </a:bodyPr>
-            <a:lstStyle/>
-            <a:p>
-              <a:pPr algn="ctr"/>
-              <a:r>
-                <a:rPr lang="en-US" sz="1400" noProof="1">
-                  <a:solidFill>
-                    <a:schemeClr val="tx1">
-                      <a:lumMod val="95000"/>
-                      <a:lumOff val="5000"/>
-                    </a:schemeClr>
-                  </a:solidFill>
-                </a:rPr>
-                <a:t>HTTP REST API</a:t>
-              </a:r>
-            </a:p>
-          </p:txBody>
-        </p:sp>
-      </p:grpSp>
-      <p:grpSp>
-        <p:nvGrpSpPr>
-          <p:cNvPr id="53" name="Gruppieren 52">
-            <a:extLst>
-              <a:ext uri="{FF2B5EF4-FFF2-40B4-BE49-F238E27FC236}">
-                <a16:creationId xmlns:a16="http://schemas.microsoft.com/office/drawing/2014/main" id="{36E9CEB2-F3D7-18A5-F53E-7B95C90D92E3}"/>
-              </a:ext>
-            </a:extLst>
-          </p:cNvPr>
-          <p:cNvGrpSpPr/>
-          <p:nvPr/>
-        </p:nvGrpSpPr>
-        <p:grpSpPr>
-          <a:xfrm>
-            <a:off x="6883462" y="2959338"/>
-            <a:ext cx="1792447" cy="1910846"/>
-            <a:chOff x="-36639" y="2948269"/>
-            <a:chExt cx="1792447" cy="1910846"/>
-          </a:xfrm>
-        </p:grpSpPr>
-        <p:sp>
-          <p:nvSpPr>
-            <p:cNvPr id="54" name="Abgerundetes Rechteck 53">
-              <a:extLst>
-                <a:ext uri="{FF2B5EF4-FFF2-40B4-BE49-F238E27FC236}">
-                  <a16:creationId xmlns:a16="http://schemas.microsoft.com/office/drawing/2014/main" id="{2F839981-2DF1-A67A-9A6E-1F35ABAC23D4}"/>
-                </a:ext>
-              </a:extLst>
-            </p:cNvPr>
-            <p:cNvSpPr/>
-            <p:nvPr/>
-          </p:nvSpPr>
-          <p:spPr>
-            <a:xfrm>
-              <a:off x="47163" y="3123979"/>
-              <a:ext cx="1627199" cy="1280099"/>
-            </a:xfrm>
-            <a:prstGeom prst="roundRect">
-              <a:avLst>
-                <a:gd name="adj" fmla="val 4496"/>
-              </a:avLst>
-            </a:prstGeom>
-            <a:solidFill>
-              <a:schemeClr val="bg1">
-                <a:lumMod val="95000"/>
-              </a:schemeClr>
-            </a:solidFill>
-            <a:ln w="19050">
-              <a:solidFill>
-                <a:schemeClr val="tx1"/>
-              </a:solidFill>
-            </a:ln>
-          </p:spPr>
-          <p:style>
-            <a:lnRef idx="2">
-              <a:schemeClr val="accent1">
-                <a:shade val="50000"/>
-              </a:schemeClr>
-            </a:lnRef>
-            <a:fillRef idx="1">
-              <a:schemeClr val="accent1"/>
-            </a:fillRef>
-            <a:effectRef idx="0">
-              <a:schemeClr val="accent1"/>
-            </a:effectRef>
-            <a:fontRef idx="minor">
-              <a:schemeClr val="lt1"/>
-            </a:fontRef>
-          </p:style>
-          <p:txBody>
-            <a:bodyPr rot="0" spcFirstLastPara="0" vertOverflow="overflow" horzOverflow="overflow" vert="horz" wrap="square" lIns="91440" tIns="45720" rIns="91440" bIns="45720" numCol="1" spcCol="0" rtlCol="0" fromWordArt="0" anchor="ctr" anchorCtr="0" forceAA="0" compatLnSpc="1">
-              <a:prstTxWarp prst="textNoShape">
-                <a:avLst/>
-              </a:prstTxWarp>
-              <a:noAutofit/>
-            </a:bodyPr>
-            <a:lstStyle/>
-            <a:p>
-              <a:pPr algn="ctr"/>
-              <a:endParaRPr lang="en-US"/>
-            </a:p>
-          </p:txBody>
-        </p:sp>
-        <p:sp>
-          <p:nvSpPr>
-            <p:cNvPr id="55" name="Textfeld 54">
-              <a:extLst>
-                <a:ext uri="{FF2B5EF4-FFF2-40B4-BE49-F238E27FC236}">
-                  <a16:creationId xmlns:a16="http://schemas.microsoft.com/office/drawing/2014/main" id="{EA235807-FBBD-3A4F-7FBC-41AFFC577EC8}"/>
-                </a:ext>
-              </a:extLst>
-            </p:cNvPr>
-            <p:cNvSpPr txBox="1"/>
-            <p:nvPr/>
-          </p:nvSpPr>
-          <p:spPr>
-            <a:xfrm>
-              <a:off x="79594" y="3390387"/>
-              <a:ext cx="1572746" cy="578882"/>
-            </a:xfrm>
-            <a:prstGeom prst="roundRect">
-              <a:avLst/>
-            </a:prstGeom>
-            <a:noFill/>
-          </p:spPr>
-          <p:txBody>
-            <a:bodyPr wrap="square" rtlCol="0">
-              <a:spAutoFit/>
-            </a:bodyPr>
-            <a:lstStyle/>
-            <a:p>
-              <a:pPr algn="ctr"/>
-              <a:r>
-                <a:rPr lang="en-US" sz="1600" noProof="1">
-                  <a:solidFill>
-                    <a:schemeClr val="tx1">
-                      <a:lumMod val="95000"/>
-                      <a:lumOff val="5000"/>
-                    </a:schemeClr>
-                  </a:solidFill>
-                </a:rPr>
-                <a:t>QC Atlas</a:t>
-              </a:r>
-            </a:p>
-            <a:p>
-              <a:pPr algn="ctr"/>
-              <a:r>
-                <a:rPr lang="en-US" sz="1200" noProof="1">
-                  <a:solidFill>
-                    <a:schemeClr val="tx1">
-                      <a:lumMod val="95000"/>
-                      <a:lumOff val="5000"/>
-                    </a:schemeClr>
-                  </a:solidFill>
-                </a:rPr>
-                <a:t>SpringBoot</a:t>
-              </a:r>
-            </a:p>
-          </p:txBody>
-        </p:sp>
-        <p:sp>
-          <p:nvSpPr>
-            <p:cNvPr id="62" name="Zylinder 61">
-              <a:extLst>
-                <a:ext uri="{FF2B5EF4-FFF2-40B4-BE49-F238E27FC236}">
-                  <a16:creationId xmlns:a16="http://schemas.microsoft.com/office/drawing/2014/main" id="{004084B3-F887-FD39-D56E-2FD71A72E9A2}"/>
-                </a:ext>
-              </a:extLst>
-            </p:cNvPr>
-            <p:cNvSpPr/>
-            <p:nvPr/>
-          </p:nvSpPr>
-          <p:spPr>
-            <a:xfrm>
-              <a:off x="97887" y="4062744"/>
-              <a:ext cx="1522800" cy="796371"/>
-            </a:xfrm>
-            <a:prstGeom prst="can">
-              <a:avLst>
-                <a:gd name="adj" fmla="val 21079"/>
-              </a:avLst>
-            </a:prstGeom>
-            <a:solidFill>
-              <a:schemeClr val="bg1">
-                <a:lumMod val="75000"/>
-              </a:schemeClr>
-            </a:solidFill>
-            <a:ln w="19050">
-              <a:solidFill>
-                <a:schemeClr val="tx1">
-                  <a:lumMod val="95000"/>
-                  <a:lumOff val="5000"/>
-                </a:schemeClr>
-              </a:solidFill>
-            </a:ln>
-          </p:spPr>
-          <p:style>
-            <a:lnRef idx="2">
-              <a:schemeClr val="accent1">
-                <a:shade val="50000"/>
-              </a:schemeClr>
-            </a:lnRef>
-            <a:fillRef idx="1">
-              <a:schemeClr val="accent1"/>
-            </a:fillRef>
-            <a:effectRef idx="0">
-              <a:schemeClr val="accent1"/>
-            </a:effectRef>
-            <a:fontRef idx="minor">
-              <a:schemeClr val="lt1"/>
-            </a:fontRef>
-          </p:style>
-          <p:txBody>
-            <a:bodyPr rtlCol="0" anchor="ctr"/>
-            <a:lstStyle/>
-            <a:p>
-              <a:pPr algn="ctr"/>
-              <a:endParaRPr lang="en-US" sz="800" noProof="1">
-                <a:solidFill>
-                  <a:schemeClr val="tx2">
-                    <a:lumMod val="50000"/>
-                  </a:schemeClr>
-                </a:solidFill>
-              </a:endParaRPr>
-            </a:p>
-            <a:p>
-              <a:pPr algn="ctr"/>
-              <a:endParaRPr lang="en-US" sz="800" noProof="1">
-                <a:solidFill>
-                  <a:schemeClr val="tx2">
-                    <a:lumMod val="50000"/>
-                  </a:schemeClr>
-                </a:solidFill>
-              </a:endParaRPr>
-            </a:p>
-            <a:p>
-              <a:pPr algn="ctr"/>
-              <a:endParaRPr lang="en-US" sz="800" noProof="1">
-                <a:solidFill>
-                  <a:schemeClr val="tx2">
-                    <a:lumMod val="50000"/>
-                  </a:schemeClr>
-                </a:solidFill>
-              </a:endParaRPr>
-            </a:p>
-            <a:p>
-              <a:pPr algn="ctr"/>
-              <a:endParaRPr lang="en-US" sz="800" noProof="1">
-                <a:solidFill>
-                  <a:schemeClr val="tx2">
-                    <a:lumMod val="50000"/>
-                  </a:schemeClr>
-                </a:solidFill>
-              </a:endParaRPr>
-            </a:p>
-            <a:p>
-              <a:pPr algn="ctr"/>
-              <a:endParaRPr lang="en-US" sz="800" noProof="1">
-                <a:solidFill>
-                  <a:schemeClr val="tx2">
-                    <a:lumMod val="50000"/>
-                  </a:schemeClr>
-                </a:solidFill>
-              </a:endParaRPr>
-            </a:p>
-            <a:p>
-              <a:pPr algn="ctr"/>
-              <a:endParaRPr lang="en-US" sz="800" noProof="1">
-                <a:solidFill>
-                  <a:schemeClr val="tx2">
-                    <a:lumMod val="50000"/>
-                  </a:schemeClr>
-                </a:solidFill>
-              </a:endParaRPr>
-            </a:p>
-            <a:p>
-              <a:pPr algn="ctr"/>
-              <a:endParaRPr lang="en-US" sz="800" noProof="1">
-                <a:solidFill>
-                  <a:schemeClr val="tx2">
-                    <a:lumMod val="50000"/>
-                  </a:schemeClr>
-                </a:solidFill>
-              </a:endParaRPr>
-            </a:p>
-            <a:p>
-              <a:pPr algn="ctr"/>
-              <a:endParaRPr lang="en-US" sz="800" noProof="1">
-                <a:solidFill>
-                  <a:schemeClr val="tx2">
-                    <a:lumMod val="50000"/>
-                  </a:schemeClr>
-                </a:solidFill>
-              </a:endParaRPr>
-            </a:p>
-            <a:p>
-              <a:pPr algn="ctr"/>
-              <a:endParaRPr lang="en-US" sz="800" noProof="1">
-                <a:solidFill>
-                  <a:schemeClr val="tx2">
-                    <a:lumMod val="50000"/>
-                  </a:schemeClr>
-                </a:solidFill>
-              </a:endParaRPr>
-            </a:p>
-            <a:p>
-              <a:pPr algn="ctr"/>
-              <a:endParaRPr lang="en-US" sz="800" noProof="1">
-                <a:solidFill>
-                  <a:schemeClr val="tx2">
-                    <a:lumMod val="50000"/>
-                  </a:schemeClr>
-                </a:solidFill>
-              </a:endParaRPr>
-            </a:p>
-            <a:p>
-              <a:pPr algn="ctr"/>
-              <a:endParaRPr lang="en-US" sz="800" noProof="1">
-                <a:solidFill>
-                  <a:schemeClr val="tx2">
-                    <a:lumMod val="50000"/>
-                  </a:schemeClr>
-                </a:solidFill>
-              </a:endParaRPr>
-            </a:p>
-            <a:p>
-              <a:pPr algn="ctr"/>
-              <a:endParaRPr lang="en-US" sz="800" noProof="1">
-                <a:solidFill>
-                  <a:schemeClr val="tx2">
-                    <a:lumMod val="50000"/>
-                  </a:schemeClr>
-                </a:solidFill>
-              </a:endParaRPr>
-            </a:p>
-            <a:p>
-              <a:pPr algn="ctr"/>
-              <a:endParaRPr lang="en-US" sz="800" noProof="1">
-                <a:solidFill>
-                  <a:schemeClr val="tx2">
-                    <a:lumMod val="50000"/>
-                  </a:schemeClr>
-                </a:solidFill>
-              </a:endParaRPr>
-            </a:p>
-          </p:txBody>
-        </p:sp>
-        <p:sp>
-          <p:nvSpPr>
-            <p:cNvPr id="63" name="Textfeld 62">
-              <a:extLst>
-                <a:ext uri="{FF2B5EF4-FFF2-40B4-BE49-F238E27FC236}">
-                  <a16:creationId xmlns:a16="http://schemas.microsoft.com/office/drawing/2014/main" id="{E3883B10-097C-870B-DF1C-63181388916F}"/>
-                </a:ext>
-              </a:extLst>
-            </p:cNvPr>
-            <p:cNvSpPr txBox="1"/>
-            <p:nvPr/>
-          </p:nvSpPr>
-          <p:spPr>
-            <a:xfrm>
-              <a:off x="-36639" y="4243599"/>
-              <a:ext cx="1792447" cy="578882"/>
-            </a:xfrm>
-            <a:prstGeom prst="roundRect">
-              <a:avLst/>
-            </a:prstGeom>
-            <a:noFill/>
-          </p:spPr>
-          <p:txBody>
-            <a:bodyPr wrap="square" rtlCol="0">
-              <a:spAutoFit/>
-            </a:bodyPr>
-            <a:lstStyle/>
-            <a:p>
-              <a:pPr algn="ctr"/>
-              <a:r>
-                <a:rPr lang="en-US" sz="1600" noProof="1">
-                  <a:solidFill>
-                    <a:schemeClr val="tx1">
-                      <a:lumMod val="95000"/>
-                      <a:lumOff val="5000"/>
-                    </a:schemeClr>
-                  </a:solidFill>
-                </a:rPr>
-                <a:t>Atlas DB</a:t>
-              </a:r>
-            </a:p>
-            <a:p>
-              <a:pPr algn="ctr"/>
-              <a:r>
-                <a:rPr lang="en-US" sz="1200" noProof="1">
-                  <a:solidFill>
-                    <a:schemeClr val="tx1">
-                      <a:lumMod val="95000"/>
-                      <a:lumOff val="5000"/>
-                    </a:schemeClr>
-                  </a:solidFill>
-                </a:rPr>
-                <a:t>PostgreSQL</a:t>
-              </a:r>
-            </a:p>
-          </p:txBody>
-        </p:sp>
-        <p:sp>
-          <p:nvSpPr>
-            <p:cNvPr id="64" name="Abgerundetes Rechteck 63">
-              <a:extLst>
-                <a:ext uri="{FF2B5EF4-FFF2-40B4-BE49-F238E27FC236}">
-                  <a16:creationId xmlns:a16="http://schemas.microsoft.com/office/drawing/2014/main" id="{98CED3C6-52BD-D3D6-0CB8-A258F531B01C}"/>
-                </a:ext>
-              </a:extLst>
-            </p:cNvPr>
-            <p:cNvSpPr/>
-            <p:nvPr/>
-          </p:nvSpPr>
-          <p:spPr>
-            <a:xfrm>
-              <a:off x="124368" y="2948269"/>
-              <a:ext cx="1465200" cy="392670"/>
-            </a:xfrm>
-            <a:prstGeom prst="roundRect">
-              <a:avLst>
-                <a:gd name="adj" fmla="val 4496"/>
-              </a:avLst>
-            </a:prstGeom>
-            <a:solidFill>
-              <a:schemeClr val="bg1">
-                <a:lumMod val="85000"/>
-              </a:schemeClr>
-            </a:solidFill>
-            <a:ln w="19050">
-              <a:solidFill>
-                <a:schemeClr val="tx1"/>
-              </a:solidFill>
-            </a:ln>
-          </p:spPr>
-          <p:style>
-            <a:lnRef idx="2">
-              <a:schemeClr val="accent1">
-                <a:shade val="50000"/>
-              </a:schemeClr>
-            </a:lnRef>
-            <a:fillRef idx="1">
-              <a:schemeClr val="accent1"/>
-            </a:fillRef>
-            <a:effectRef idx="0">
-              <a:schemeClr val="accent1"/>
-            </a:effectRef>
-            <a:fontRef idx="minor">
-              <a:schemeClr val="lt1"/>
-            </a:fontRef>
-          </p:style>
-          <p:txBody>
-            <a:bodyPr rot="0" spcFirstLastPara="0" vertOverflow="overflow" horzOverflow="overflow" vert="horz" wrap="square" lIns="91440" tIns="45720" rIns="91440" bIns="45720" numCol="1" spcCol="0" rtlCol="0" fromWordArt="0" anchor="ctr" anchorCtr="0" forceAA="0" compatLnSpc="1">
-              <a:prstTxWarp prst="textNoShape">
-                <a:avLst/>
-              </a:prstTxWarp>
-              <a:noAutofit/>
-            </a:bodyPr>
-            <a:lstStyle/>
-            <a:p>
-              <a:pPr algn="ctr"/>
-              <a:endParaRPr lang="en-US"/>
-            </a:p>
-          </p:txBody>
-        </p:sp>
-        <p:sp>
-          <p:nvSpPr>
-            <p:cNvPr id="68" name="Textfeld 67">
-              <a:extLst>
-                <a:ext uri="{FF2B5EF4-FFF2-40B4-BE49-F238E27FC236}">
-                  <a16:creationId xmlns:a16="http://schemas.microsoft.com/office/drawing/2014/main" id="{09969C26-8770-BB63-A7B7-99CB3F8C47D0}"/>
-                </a:ext>
-              </a:extLst>
-            </p:cNvPr>
-            <p:cNvSpPr txBox="1"/>
-            <p:nvPr/>
-          </p:nvSpPr>
-          <p:spPr>
-            <a:xfrm>
-              <a:off x="200651" y="2980833"/>
-              <a:ext cx="1304139" cy="340519"/>
-            </a:xfrm>
-            <a:prstGeom prst="roundRect">
-              <a:avLst/>
-            </a:prstGeom>
-            <a:noFill/>
-          </p:spPr>
-          <p:txBody>
-            <a:bodyPr wrap="square" rtlCol="0">
-              <a:spAutoFit/>
-            </a:bodyPr>
-            <a:lstStyle/>
-            <a:p>
-              <a:pPr algn="ctr"/>
-              <a:r>
-                <a:rPr lang="en-US" sz="1400" noProof="1">
-                  <a:solidFill>
-                    <a:schemeClr val="tx1">
-                      <a:lumMod val="95000"/>
-                      <a:lumOff val="5000"/>
-                    </a:schemeClr>
-                  </a:solidFill>
-                </a:rPr>
-                <a:t>HTTP REST API</a:t>
-              </a:r>
-            </a:p>
-          </p:txBody>
-        </p:sp>
-      </p:grpSp>
-      <p:grpSp>
-        <p:nvGrpSpPr>
-          <p:cNvPr id="71" name="Gruppieren 70">
-            <a:extLst>
-              <a:ext uri="{FF2B5EF4-FFF2-40B4-BE49-F238E27FC236}">
-                <a16:creationId xmlns:a16="http://schemas.microsoft.com/office/drawing/2014/main" id="{0B70C237-8AF4-9FD3-3E75-2F66C432376D}"/>
-              </a:ext>
-            </a:extLst>
-          </p:cNvPr>
-          <p:cNvGrpSpPr/>
-          <p:nvPr/>
-        </p:nvGrpSpPr>
-        <p:grpSpPr>
-          <a:xfrm>
-            <a:off x="8663822" y="2959338"/>
-            <a:ext cx="1792447" cy="1910846"/>
-            <a:chOff x="-36639" y="2948269"/>
-            <a:chExt cx="1792447" cy="1910846"/>
-          </a:xfrm>
-        </p:grpSpPr>
-        <p:sp>
-          <p:nvSpPr>
-            <p:cNvPr id="86" name="Abgerundetes Rechteck 85">
-              <a:extLst>
-                <a:ext uri="{FF2B5EF4-FFF2-40B4-BE49-F238E27FC236}">
-                  <a16:creationId xmlns:a16="http://schemas.microsoft.com/office/drawing/2014/main" id="{C8CE9311-484F-07B8-688D-22390247A5E1}"/>
-                </a:ext>
-              </a:extLst>
-            </p:cNvPr>
-            <p:cNvSpPr/>
-            <p:nvPr/>
-          </p:nvSpPr>
-          <p:spPr>
-            <a:xfrm>
-              <a:off x="47163" y="3123979"/>
-              <a:ext cx="1627199" cy="1280099"/>
-            </a:xfrm>
-            <a:prstGeom prst="roundRect">
-              <a:avLst>
-                <a:gd name="adj" fmla="val 4496"/>
-              </a:avLst>
-            </a:prstGeom>
-            <a:solidFill>
-              <a:schemeClr val="bg1">
-                <a:lumMod val="95000"/>
-              </a:schemeClr>
-            </a:solidFill>
-            <a:ln w="19050">
-              <a:solidFill>
-                <a:schemeClr val="tx1"/>
-              </a:solidFill>
-            </a:ln>
-          </p:spPr>
-          <p:style>
-            <a:lnRef idx="2">
-              <a:schemeClr val="accent1">
-                <a:shade val="50000"/>
-              </a:schemeClr>
-            </a:lnRef>
-            <a:fillRef idx="1">
-              <a:schemeClr val="accent1"/>
-            </a:fillRef>
-            <a:effectRef idx="0">
-              <a:schemeClr val="accent1"/>
-            </a:effectRef>
-            <a:fontRef idx="minor">
-              <a:schemeClr val="lt1"/>
-            </a:fontRef>
-          </p:style>
-          <p:txBody>
-            <a:bodyPr rot="0" spcFirstLastPara="0" vertOverflow="overflow" horzOverflow="overflow" vert="horz" wrap="square" lIns="91440" tIns="45720" rIns="91440" bIns="45720" numCol="1" spcCol="0" rtlCol="0" fromWordArt="0" anchor="ctr" anchorCtr="0" forceAA="0" compatLnSpc="1">
-              <a:prstTxWarp prst="textNoShape">
-                <a:avLst/>
-              </a:prstTxWarp>
-              <a:noAutofit/>
-            </a:bodyPr>
-            <a:lstStyle/>
-            <a:p>
-              <a:pPr algn="ctr"/>
-              <a:endParaRPr lang="en-US"/>
-            </a:p>
-          </p:txBody>
-        </p:sp>
-        <p:sp>
-          <p:nvSpPr>
-            <p:cNvPr id="88" name="Textfeld 87">
-              <a:extLst>
-                <a:ext uri="{FF2B5EF4-FFF2-40B4-BE49-F238E27FC236}">
-                  <a16:creationId xmlns:a16="http://schemas.microsoft.com/office/drawing/2014/main" id="{14909798-8F12-2F21-970B-6E65AF74FECD}"/>
-                </a:ext>
-              </a:extLst>
-            </p:cNvPr>
-            <p:cNvSpPr txBox="1"/>
-            <p:nvPr/>
-          </p:nvSpPr>
-          <p:spPr>
-            <a:xfrm>
-              <a:off x="79594" y="3390387"/>
-              <a:ext cx="1572746" cy="578882"/>
-            </a:xfrm>
-            <a:prstGeom prst="roundRect">
-              <a:avLst/>
-            </a:prstGeom>
-            <a:noFill/>
-          </p:spPr>
-          <p:txBody>
-            <a:bodyPr wrap="square" rtlCol="0">
-              <a:spAutoFit/>
-            </a:bodyPr>
-            <a:lstStyle/>
-            <a:p>
-              <a:pPr algn="ctr"/>
-              <a:r>
-                <a:rPr lang="en-US" sz="1600" noProof="1">
-                  <a:solidFill>
-                    <a:schemeClr val="tx1">
-                      <a:lumMod val="95000"/>
-                      <a:lumOff val="5000"/>
-                    </a:schemeClr>
-                  </a:solidFill>
-                </a:rPr>
-                <a:t>PlanQK Library</a:t>
-              </a:r>
-            </a:p>
-            <a:p>
-              <a:pPr algn="ctr"/>
-              <a:r>
-                <a:rPr lang="en-US" sz="1200" noProof="1">
-                  <a:solidFill>
-                    <a:schemeClr val="tx1">
-                      <a:lumMod val="95000"/>
-                      <a:lumOff val="5000"/>
-                    </a:schemeClr>
-                  </a:solidFill>
-                </a:rPr>
-                <a:t>SpringBoot</a:t>
-              </a:r>
-            </a:p>
-          </p:txBody>
-        </p:sp>
-        <p:sp>
-          <p:nvSpPr>
-            <p:cNvPr id="89" name="Zylinder 88">
-              <a:extLst>
-                <a:ext uri="{FF2B5EF4-FFF2-40B4-BE49-F238E27FC236}">
-                  <a16:creationId xmlns:a16="http://schemas.microsoft.com/office/drawing/2014/main" id="{14BF452B-9DE5-E7C2-2BB4-5C5A5315B322}"/>
-                </a:ext>
-              </a:extLst>
-            </p:cNvPr>
-            <p:cNvSpPr/>
-            <p:nvPr/>
-          </p:nvSpPr>
-          <p:spPr>
-            <a:xfrm>
-              <a:off x="97887" y="4062744"/>
-              <a:ext cx="1522800" cy="796371"/>
-            </a:xfrm>
-            <a:prstGeom prst="can">
-              <a:avLst>
-                <a:gd name="adj" fmla="val 21079"/>
-              </a:avLst>
-            </a:prstGeom>
-            <a:solidFill>
-              <a:schemeClr val="bg1">
-                <a:lumMod val="75000"/>
-              </a:schemeClr>
-            </a:solidFill>
-            <a:ln w="19050">
-              <a:solidFill>
-                <a:schemeClr val="tx1">
-                  <a:lumMod val="95000"/>
-                  <a:lumOff val="5000"/>
-                </a:schemeClr>
-              </a:solidFill>
-            </a:ln>
-          </p:spPr>
-          <p:style>
-            <a:lnRef idx="2">
-              <a:schemeClr val="accent1">
-                <a:shade val="50000"/>
-              </a:schemeClr>
-            </a:lnRef>
-            <a:fillRef idx="1">
-              <a:schemeClr val="accent1"/>
-            </a:fillRef>
-            <a:effectRef idx="0">
-              <a:schemeClr val="accent1"/>
-            </a:effectRef>
-            <a:fontRef idx="minor">
-              <a:schemeClr val="lt1"/>
-            </a:fontRef>
-          </p:style>
-          <p:txBody>
-            <a:bodyPr rtlCol="0" anchor="ctr"/>
-            <a:lstStyle/>
-            <a:p>
-              <a:pPr algn="ctr"/>
-              <a:endParaRPr lang="en-US" sz="800" noProof="1">
-                <a:solidFill>
-                  <a:schemeClr val="tx2">
-                    <a:lumMod val="50000"/>
-                  </a:schemeClr>
-                </a:solidFill>
-              </a:endParaRPr>
-            </a:p>
-            <a:p>
-              <a:pPr algn="ctr"/>
-              <a:endParaRPr lang="en-US" sz="800" noProof="1">
-                <a:solidFill>
-                  <a:schemeClr val="tx2">
-                    <a:lumMod val="50000"/>
-                  </a:schemeClr>
-                </a:solidFill>
-              </a:endParaRPr>
-            </a:p>
-            <a:p>
-              <a:pPr algn="ctr"/>
-              <a:endParaRPr lang="en-US" sz="800" noProof="1">
-                <a:solidFill>
-                  <a:schemeClr val="tx2">
-                    <a:lumMod val="50000"/>
-                  </a:schemeClr>
-                </a:solidFill>
-              </a:endParaRPr>
-            </a:p>
-            <a:p>
-              <a:pPr algn="ctr"/>
-              <a:endParaRPr lang="en-US" sz="800" noProof="1">
-                <a:solidFill>
-                  <a:schemeClr val="tx2">
-                    <a:lumMod val="50000"/>
-                  </a:schemeClr>
-                </a:solidFill>
-              </a:endParaRPr>
-            </a:p>
-            <a:p>
-              <a:pPr algn="ctr"/>
-              <a:endParaRPr lang="en-US" sz="800" noProof="1">
-                <a:solidFill>
-                  <a:schemeClr val="tx2">
-                    <a:lumMod val="50000"/>
-                  </a:schemeClr>
-                </a:solidFill>
-              </a:endParaRPr>
-            </a:p>
-            <a:p>
-              <a:pPr algn="ctr"/>
-              <a:endParaRPr lang="en-US" sz="800" noProof="1">
-                <a:solidFill>
-                  <a:schemeClr val="tx2">
-                    <a:lumMod val="50000"/>
-                  </a:schemeClr>
-                </a:solidFill>
-              </a:endParaRPr>
-            </a:p>
-            <a:p>
-              <a:pPr algn="ctr"/>
-              <a:endParaRPr lang="en-US" sz="800" noProof="1">
-                <a:solidFill>
-                  <a:schemeClr val="tx2">
-                    <a:lumMod val="50000"/>
-                  </a:schemeClr>
-                </a:solidFill>
-              </a:endParaRPr>
-            </a:p>
-            <a:p>
-              <a:pPr algn="ctr"/>
-              <a:endParaRPr lang="en-US" sz="800" noProof="1">
-                <a:solidFill>
-                  <a:schemeClr val="tx2">
-                    <a:lumMod val="50000"/>
-                  </a:schemeClr>
-                </a:solidFill>
-              </a:endParaRPr>
-            </a:p>
-            <a:p>
-              <a:pPr algn="ctr"/>
-              <a:endParaRPr lang="en-US" sz="800" noProof="1">
-                <a:solidFill>
-                  <a:schemeClr val="tx2">
-                    <a:lumMod val="50000"/>
-                  </a:schemeClr>
-                </a:solidFill>
-              </a:endParaRPr>
-            </a:p>
-            <a:p>
-              <a:pPr algn="ctr"/>
-              <a:endParaRPr lang="en-US" sz="800" noProof="1">
-                <a:solidFill>
-                  <a:schemeClr val="tx2">
-                    <a:lumMod val="50000"/>
-                  </a:schemeClr>
-                </a:solidFill>
-              </a:endParaRPr>
-            </a:p>
-            <a:p>
-              <a:pPr algn="ctr"/>
-              <a:endParaRPr lang="en-US" sz="800" noProof="1">
-                <a:solidFill>
-                  <a:schemeClr val="tx2">
-                    <a:lumMod val="50000"/>
-                  </a:schemeClr>
-                </a:solidFill>
-              </a:endParaRPr>
-            </a:p>
-            <a:p>
-              <a:pPr algn="ctr"/>
-              <a:endParaRPr lang="en-US" sz="800" noProof="1">
-                <a:solidFill>
-                  <a:schemeClr val="tx2">
-                    <a:lumMod val="50000"/>
-                  </a:schemeClr>
-                </a:solidFill>
-              </a:endParaRPr>
-            </a:p>
-            <a:p>
-              <a:pPr algn="ctr"/>
-              <a:endParaRPr lang="en-US" sz="800" noProof="1">
-                <a:solidFill>
-                  <a:schemeClr val="tx2">
-                    <a:lumMod val="50000"/>
-                  </a:schemeClr>
-                </a:solidFill>
-              </a:endParaRPr>
-            </a:p>
-          </p:txBody>
-        </p:sp>
-        <p:sp>
-          <p:nvSpPr>
-            <p:cNvPr id="90" name="Textfeld 89">
-              <a:extLst>
-                <a:ext uri="{FF2B5EF4-FFF2-40B4-BE49-F238E27FC236}">
-                  <a16:creationId xmlns:a16="http://schemas.microsoft.com/office/drawing/2014/main" id="{0D095DFB-9EE0-ADB2-93EB-007A86186660}"/>
-                </a:ext>
-              </a:extLst>
-            </p:cNvPr>
-            <p:cNvSpPr txBox="1"/>
-            <p:nvPr/>
-          </p:nvSpPr>
-          <p:spPr>
-            <a:xfrm>
-              <a:off x="-36639" y="4366148"/>
-              <a:ext cx="1792447" cy="374571"/>
-            </a:xfrm>
-            <a:prstGeom prst="roundRect">
-              <a:avLst/>
-            </a:prstGeom>
-            <a:noFill/>
-          </p:spPr>
-          <p:txBody>
-            <a:bodyPr wrap="square" rtlCol="0">
-              <a:spAutoFit/>
-            </a:bodyPr>
-            <a:lstStyle/>
-            <a:p>
-              <a:pPr algn="ctr"/>
-              <a:r>
-                <a:rPr lang="en-US" sz="1600" noProof="1">
-                  <a:solidFill>
-                    <a:schemeClr val="tx1">
-                      <a:lumMod val="95000"/>
-                      <a:lumOff val="5000"/>
-                    </a:schemeClr>
-                  </a:solidFill>
-                </a:rPr>
-                <a:t>JabRef</a:t>
-              </a:r>
-              <a:endParaRPr lang="en-US" sz="1200" noProof="1">
-                <a:solidFill>
-                  <a:schemeClr val="tx1">
-                    <a:lumMod val="95000"/>
-                    <a:lumOff val="5000"/>
-                  </a:schemeClr>
-                </a:solidFill>
-              </a:endParaRPr>
-            </a:p>
-          </p:txBody>
-        </p:sp>
-        <p:sp>
-          <p:nvSpPr>
-            <p:cNvPr id="91" name="Abgerundetes Rechteck 90">
-              <a:extLst>
-                <a:ext uri="{FF2B5EF4-FFF2-40B4-BE49-F238E27FC236}">
-                  <a16:creationId xmlns:a16="http://schemas.microsoft.com/office/drawing/2014/main" id="{FEA21D50-E248-BA0A-293B-5AA1E3D88E69}"/>
-                </a:ext>
-              </a:extLst>
-            </p:cNvPr>
-            <p:cNvSpPr/>
-            <p:nvPr/>
-          </p:nvSpPr>
-          <p:spPr>
-            <a:xfrm>
-              <a:off x="124368" y="2948269"/>
-              <a:ext cx="1465200" cy="392670"/>
-            </a:xfrm>
-            <a:prstGeom prst="roundRect">
-              <a:avLst>
-                <a:gd name="adj" fmla="val 4496"/>
-              </a:avLst>
-            </a:prstGeom>
-            <a:solidFill>
-              <a:schemeClr val="bg1">
-                <a:lumMod val="85000"/>
-              </a:schemeClr>
-            </a:solidFill>
-            <a:ln w="19050">
-              <a:solidFill>
-                <a:schemeClr val="tx1"/>
-              </a:solidFill>
-            </a:ln>
-          </p:spPr>
-          <p:style>
-            <a:lnRef idx="2">
-              <a:schemeClr val="accent1">
-                <a:shade val="50000"/>
-              </a:schemeClr>
-            </a:lnRef>
-            <a:fillRef idx="1">
-              <a:schemeClr val="accent1"/>
-            </a:fillRef>
-            <a:effectRef idx="0">
-              <a:schemeClr val="accent1"/>
-            </a:effectRef>
-            <a:fontRef idx="minor">
-              <a:schemeClr val="lt1"/>
-            </a:fontRef>
-          </p:style>
-          <p:txBody>
-            <a:bodyPr rot="0" spcFirstLastPara="0" vertOverflow="overflow" horzOverflow="overflow" vert="horz" wrap="square" lIns="91440" tIns="45720" rIns="91440" bIns="45720" numCol="1" spcCol="0" rtlCol="0" fromWordArt="0" anchor="ctr" anchorCtr="0" forceAA="0" compatLnSpc="1">
-              <a:prstTxWarp prst="textNoShape">
-                <a:avLst/>
-              </a:prstTxWarp>
-              <a:noAutofit/>
-            </a:bodyPr>
-            <a:lstStyle/>
-            <a:p>
-              <a:pPr algn="ctr"/>
-              <a:endParaRPr lang="en-US"/>
-            </a:p>
-          </p:txBody>
-        </p:sp>
-        <p:sp>
-          <p:nvSpPr>
-            <p:cNvPr id="92" name="Textfeld 91">
-              <a:extLst>
-                <a:ext uri="{FF2B5EF4-FFF2-40B4-BE49-F238E27FC236}">
-                  <a16:creationId xmlns:a16="http://schemas.microsoft.com/office/drawing/2014/main" id="{D57C859F-CE15-4D1C-A44F-80A2CC4D0B82}"/>
-                </a:ext>
-              </a:extLst>
-            </p:cNvPr>
-            <p:cNvSpPr txBox="1"/>
-            <p:nvPr/>
-          </p:nvSpPr>
-          <p:spPr>
-            <a:xfrm>
-              <a:off x="200651" y="2980833"/>
-              <a:ext cx="1304139" cy="340519"/>
-            </a:xfrm>
-            <a:prstGeom prst="roundRect">
-              <a:avLst/>
-            </a:prstGeom>
-            <a:noFill/>
-          </p:spPr>
-          <p:txBody>
-            <a:bodyPr wrap="square" rtlCol="0">
-              <a:spAutoFit/>
-            </a:bodyPr>
-            <a:lstStyle/>
-            <a:p>
-              <a:pPr algn="ctr"/>
-              <a:r>
-                <a:rPr lang="en-US" sz="1400" noProof="1">
-                  <a:solidFill>
-                    <a:schemeClr val="tx1">
-                      <a:lumMod val="95000"/>
-                      <a:lumOff val="5000"/>
-                    </a:schemeClr>
-                  </a:solidFill>
-                </a:rPr>
-                <a:t>HTTP REST API</a:t>
-              </a:r>
-            </a:p>
-          </p:txBody>
-        </p:sp>
-      </p:grpSp>
-      <p:grpSp>
-        <p:nvGrpSpPr>
-          <p:cNvPr id="117" name="Gruppieren 116">
-            <a:extLst>
-              <a:ext uri="{FF2B5EF4-FFF2-40B4-BE49-F238E27FC236}">
-                <a16:creationId xmlns:a16="http://schemas.microsoft.com/office/drawing/2014/main" id="{6AC41520-C785-BD86-B5FA-E99401629CAB}"/>
-              </a:ext>
-            </a:extLst>
-          </p:cNvPr>
-          <p:cNvGrpSpPr/>
-          <p:nvPr/>
-        </p:nvGrpSpPr>
-        <p:grpSpPr>
-          <a:xfrm>
-            <a:off x="10444870" y="2960567"/>
-            <a:ext cx="1792447" cy="1910846"/>
-            <a:chOff x="-36639" y="2948269"/>
-            <a:chExt cx="1792447" cy="1910846"/>
-          </a:xfrm>
-        </p:grpSpPr>
-        <p:sp>
-          <p:nvSpPr>
-            <p:cNvPr id="120" name="Abgerundetes Rechteck 119">
-              <a:extLst>
-                <a:ext uri="{FF2B5EF4-FFF2-40B4-BE49-F238E27FC236}">
-                  <a16:creationId xmlns:a16="http://schemas.microsoft.com/office/drawing/2014/main" id="{92256B16-04D1-843E-F24E-6D45D82CB92C}"/>
-                </a:ext>
-              </a:extLst>
-            </p:cNvPr>
-            <p:cNvSpPr/>
-            <p:nvPr/>
-          </p:nvSpPr>
-          <p:spPr>
-            <a:xfrm>
-              <a:off x="47163" y="3123979"/>
-              <a:ext cx="1627199" cy="1280099"/>
-            </a:xfrm>
-            <a:prstGeom prst="roundRect">
-              <a:avLst>
-                <a:gd name="adj" fmla="val 4496"/>
-              </a:avLst>
-            </a:prstGeom>
-            <a:solidFill>
-              <a:schemeClr val="bg1">
-                <a:lumMod val="95000"/>
-              </a:schemeClr>
-            </a:solidFill>
-            <a:ln w="19050">
-              <a:solidFill>
-                <a:schemeClr val="tx1"/>
-              </a:solidFill>
-              <a:prstDash val="sysDash"/>
-            </a:ln>
-          </p:spPr>
-          <p:style>
-            <a:lnRef idx="2">
-              <a:schemeClr val="accent1">
-                <a:shade val="50000"/>
-              </a:schemeClr>
-            </a:lnRef>
-            <a:fillRef idx="1">
-              <a:schemeClr val="accent1"/>
-            </a:fillRef>
-            <a:effectRef idx="0">
-              <a:schemeClr val="accent1"/>
-            </a:effectRef>
-            <a:fontRef idx="minor">
-              <a:schemeClr val="lt1"/>
-            </a:fontRef>
-          </p:style>
-          <p:txBody>
-            <a:bodyPr rot="0" spcFirstLastPara="0" vertOverflow="overflow" horzOverflow="overflow" vert="horz" wrap="square" lIns="91440" tIns="45720" rIns="91440" bIns="45720" numCol="1" spcCol="0" rtlCol="0" fromWordArt="0" anchor="ctr" anchorCtr="0" forceAA="0" compatLnSpc="1">
-              <a:prstTxWarp prst="textNoShape">
-                <a:avLst/>
-              </a:prstTxWarp>
-              <a:noAutofit/>
-            </a:bodyPr>
-            <a:lstStyle/>
-            <a:p>
-              <a:pPr algn="ctr"/>
-              <a:endParaRPr lang="en-US" dirty="0"/>
-            </a:p>
-          </p:txBody>
-        </p:sp>
-        <p:sp>
-          <p:nvSpPr>
-            <p:cNvPr id="121" name="Textfeld 120">
-              <a:extLst>
-                <a:ext uri="{FF2B5EF4-FFF2-40B4-BE49-F238E27FC236}">
-                  <a16:creationId xmlns:a16="http://schemas.microsoft.com/office/drawing/2014/main" id="{95D8DCDF-AA5B-7495-AA14-3070952C4755}"/>
-                </a:ext>
-              </a:extLst>
-            </p:cNvPr>
-            <p:cNvSpPr txBox="1"/>
-            <p:nvPr/>
-          </p:nvSpPr>
-          <p:spPr>
-            <a:xfrm>
-              <a:off x="79594" y="3390387"/>
-              <a:ext cx="1572746" cy="578882"/>
-            </a:xfrm>
-            <a:prstGeom prst="roundRect">
-              <a:avLst/>
-            </a:prstGeom>
-            <a:noFill/>
-          </p:spPr>
-          <p:txBody>
-            <a:bodyPr wrap="square" rtlCol="0">
-              <a:spAutoFit/>
-            </a:bodyPr>
-            <a:lstStyle/>
-            <a:p>
-              <a:pPr algn="ctr"/>
-              <a:r>
-                <a:rPr lang="en-US" sz="1600" noProof="1">
-                  <a:solidFill>
-                    <a:schemeClr val="tx1">
-                      <a:lumMod val="95000"/>
-                      <a:lumOff val="5000"/>
-                    </a:schemeClr>
-                  </a:solidFill>
-                </a:rPr>
-                <a:t>PatternAtlas</a:t>
-              </a:r>
-            </a:p>
-            <a:p>
-              <a:pPr algn="ctr"/>
-              <a:r>
-                <a:rPr lang="en-US" sz="1200" noProof="1">
-                  <a:solidFill>
-                    <a:schemeClr val="tx1">
-                      <a:lumMod val="95000"/>
-                      <a:lumOff val="5000"/>
-                    </a:schemeClr>
-                  </a:solidFill>
-                </a:rPr>
-                <a:t>SpringBoot</a:t>
-              </a:r>
-            </a:p>
-          </p:txBody>
-        </p:sp>
-        <p:sp>
-          <p:nvSpPr>
-            <p:cNvPr id="122" name="Zylinder 121">
-              <a:extLst>
-                <a:ext uri="{FF2B5EF4-FFF2-40B4-BE49-F238E27FC236}">
-                  <a16:creationId xmlns:a16="http://schemas.microsoft.com/office/drawing/2014/main" id="{455358F0-4CD0-407A-CF2F-FFCBBBD146A1}"/>
-                </a:ext>
-              </a:extLst>
-            </p:cNvPr>
-            <p:cNvSpPr/>
-            <p:nvPr/>
-          </p:nvSpPr>
-          <p:spPr>
-            <a:xfrm>
-              <a:off x="97887" y="4062744"/>
-              <a:ext cx="1522800" cy="796371"/>
-            </a:xfrm>
-            <a:prstGeom prst="can">
-              <a:avLst>
-                <a:gd name="adj" fmla="val 21079"/>
-              </a:avLst>
-            </a:prstGeom>
-            <a:solidFill>
-              <a:schemeClr val="bg1">
-                <a:lumMod val="75000"/>
-              </a:schemeClr>
-            </a:solidFill>
-            <a:ln w="19050">
-              <a:solidFill>
-                <a:schemeClr val="tx1">
-                  <a:lumMod val="95000"/>
-                  <a:lumOff val="5000"/>
-                </a:schemeClr>
-              </a:solidFill>
-              <a:prstDash val="sysDash"/>
-            </a:ln>
-          </p:spPr>
-          <p:style>
-            <a:lnRef idx="2">
-              <a:schemeClr val="accent1">
-                <a:shade val="50000"/>
-              </a:schemeClr>
-            </a:lnRef>
-            <a:fillRef idx="1">
-              <a:schemeClr val="accent1"/>
-            </a:fillRef>
-            <a:effectRef idx="0">
-              <a:schemeClr val="accent1"/>
-            </a:effectRef>
-            <a:fontRef idx="minor">
-              <a:schemeClr val="lt1"/>
-            </a:fontRef>
-          </p:style>
-          <p:txBody>
-            <a:bodyPr rtlCol="0" anchor="ctr"/>
-            <a:lstStyle/>
-            <a:p>
-              <a:pPr algn="ctr"/>
-              <a:endParaRPr lang="en-US" sz="800" noProof="1">
-                <a:solidFill>
-                  <a:schemeClr val="tx2">
-                    <a:lumMod val="50000"/>
-                  </a:schemeClr>
-                </a:solidFill>
-              </a:endParaRPr>
-            </a:p>
-            <a:p>
-              <a:pPr algn="ctr"/>
-              <a:endParaRPr lang="en-US" sz="800" noProof="1">
-                <a:solidFill>
-                  <a:schemeClr val="tx2">
-                    <a:lumMod val="50000"/>
-                  </a:schemeClr>
-                </a:solidFill>
-              </a:endParaRPr>
-            </a:p>
-            <a:p>
-              <a:pPr algn="ctr"/>
-              <a:endParaRPr lang="en-US" sz="800" noProof="1">
-                <a:solidFill>
-                  <a:schemeClr val="tx2">
-                    <a:lumMod val="50000"/>
-                  </a:schemeClr>
-                </a:solidFill>
-              </a:endParaRPr>
-            </a:p>
-            <a:p>
-              <a:pPr algn="ctr"/>
-              <a:endParaRPr lang="en-US" sz="800" noProof="1">
-                <a:solidFill>
-                  <a:schemeClr val="tx2">
-                    <a:lumMod val="50000"/>
-                  </a:schemeClr>
-                </a:solidFill>
-              </a:endParaRPr>
-            </a:p>
-            <a:p>
-              <a:pPr algn="ctr"/>
-              <a:endParaRPr lang="en-US" sz="800" noProof="1">
-                <a:solidFill>
-                  <a:schemeClr val="tx2">
-                    <a:lumMod val="50000"/>
-                  </a:schemeClr>
-                </a:solidFill>
-              </a:endParaRPr>
-            </a:p>
-            <a:p>
-              <a:pPr algn="ctr"/>
-              <a:endParaRPr lang="en-US" sz="800" noProof="1">
-                <a:solidFill>
-                  <a:schemeClr val="tx2">
-                    <a:lumMod val="50000"/>
-                  </a:schemeClr>
-                </a:solidFill>
-              </a:endParaRPr>
-            </a:p>
-            <a:p>
-              <a:pPr algn="ctr"/>
-              <a:endParaRPr lang="en-US" sz="800" noProof="1">
-                <a:solidFill>
-                  <a:schemeClr val="tx2">
-                    <a:lumMod val="50000"/>
-                  </a:schemeClr>
-                </a:solidFill>
-              </a:endParaRPr>
-            </a:p>
-            <a:p>
-              <a:pPr algn="ctr"/>
-              <a:endParaRPr lang="en-US" sz="800" noProof="1">
-                <a:solidFill>
-                  <a:schemeClr val="tx2">
-                    <a:lumMod val="50000"/>
-                  </a:schemeClr>
-                </a:solidFill>
-              </a:endParaRPr>
-            </a:p>
-            <a:p>
-              <a:pPr algn="ctr"/>
-              <a:endParaRPr lang="en-US" sz="800" noProof="1">
-                <a:solidFill>
-                  <a:schemeClr val="tx2">
-                    <a:lumMod val="50000"/>
-                  </a:schemeClr>
-                </a:solidFill>
-              </a:endParaRPr>
-            </a:p>
-            <a:p>
-              <a:pPr algn="ctr"/>
-              <a:endParaRPr lang="en-US" sz="800" noProof="1">
-                <a:solidFill>
-                  <a:schemeClr val="tx2">
-                    <a:lumMod val="50000"/>
-                  </a:schemeClr>
-                </a:solidFill>
-              </a:endParaRPr>
-            </a:p>
-            <a:p>
-              <a:pPr algn="ctr"/>
-              <a:endParaRPr lang="en-US" sz="800" noProof="1">
-                <a:solidFill>
-                  <a:schemeClr val="tx2">
-                    <a:lumMod val="50000"/>
-                  </a:schemeClr>
-                </a:solidFill>
-              </a:endParaRPr>
-            </a:p>
-            <a:p>
-              <a:pPr algn="ctr"/>
-              <a:endParaRPr lang="en-US" sz="800" noProof="1">
-                <a:solidFill>
-                  <a:schemeClr val="tx2">
-                    <a:lumMod val="50000"/>
-                  </a:schemeClr>
-                </a:solidFill>
-              </a:endParaRPr>
-            </a:p>
-            <a:p>
-              <a:pPr algn="ctr"/>
-              <a:endParaRPr lang="en-US" sz="800" noProof="1">
-                <a:solidFill>
-                  <a:schemeClr val="tx2">
-                    <a:lumMod val="50000"/>
-                  </a:schemeClr>
-                </a:solidFill>
-              </a:endParaRPr>
-            </a:p>
-          </p:txBody>
-        </p:sp>
-        <p:sp>
-          <p:nvSpPr>
-            <p:cNvPr id="124" name="Textfeld 123">
-              <a:extLst>
-                <a:ext uri="{FF2B5EF4-FFF2-40B4-BE49-F238E27FC236}">
-                  <a16:creationId xmlns:a16="http://schemas.microsoft.com/office/drawing/2014/main" id="{AD5DF4FD-0FE9-905A-C9A7-F8B1EB91695F}"/>
-                </a:ext>
-              </a:extLst>
-            </p:cNvPr>
-            <p:cNvSpPr txBox="1"/>
-            <p:nvPr/>
-          </p:nvSpPr>
-          <p:spPr>
-            <a:xfrm>
-              <a:off x="-36639" y="4243599"/>
-              <a:ext cx="1792447" cy="578882"/>
-            </a:xfrm>
-            <a:prstGeom prst="roundRect">
-              <a:avLst/>
-            </a:prstGeom>
-            <a:noFill/>
-          </p:spPr>
-          <p:txBody>
-            <a:bodyPr wrap="square" rtlCol="0">
-              <a:spAutoFit/>
-            </a:bodyPr>
-            <a:lstStyle/>
-            <a:p>
-              <a:pPr algn="ctr"/>
-              <a:r>
-                <a:rPr lang="en-US" sz="1600" noProof="1">
-                  <a:solidFill>
-                    <a:schemeClr val="tx1">
-                      <a:lumMod val="95000"/>
-                      <a:lumOff val="5000"/>
-                    </a:schemeClr>
-                  </a:solidFill>
-                </a:rPr>
-                <a:t>Pattern DB</a:t>
-              </a:r>
-            </a:p>
-            <a:p>
-              <a:pPr algn="ctr"/>
-              <a:r>
-                <a:rPr lang="en-US" sz="1200" noProof="1">
-                  <a:solidFill>
-                    <a:schemeClr val="tx1">
-                      <a:lumMod val="95000"/>
-                      <a:lumOff val="5000"/>
-                    </a:schemeClr>
-                  </a:solidFill>
-                </a:rPr>
-                <a:t>PostgreSQL</a:t>
-              </a:r>
-            </a:p>
-          </p:txBody>
-        </p:sp>
-        <p:sp>
-          <p:nvSpPr>
-            <p:cNvPr id="125" name="Abgerundetes Rechteck 124">
-              <a:extLst>
-                <a:ext uri="{FF2B5EF4-FFF2-40B4-BE49-F238E27FC236}">
-                  <a16:creationId xmlns:a16="http://schemas.microsoft.com/office/drawing/2014/main" id="{4D22C0A4-758F-EC88-6F80-7A35F6E6020A}"/>
-                </a:ext>
-              </a:extLst>
-            </p:cNvPr>
-            <p:cNvSpPr/>
-            <p:nvPr/>
-          </p:nvSpPr>
-          <p:spPr>
-            <a:xfrm>
-              <a:off x="124368" y="2948269"/>
-              <a:ext cx="1465200" cy="392670"/>
-            </a:xfrm>
-            <a:prstGeom prst="roundRect">
-              <a:avLst>
-                <a:gd name="adj" fmla="val 4496"/>
-              </a:avLst>
-            </a:prstGeom>
-            <a:solidFill>
-              <a:schemeClr val="bg1">
-                <a:lumMod val="85000"/>
-              </a:schemeClr>
-            </a:solidFill>
-            <a:ln w="19050">
-              <a:solidFill>
-                <a:schemeClr val="tx1"/>
-              </a:solidFill>
-            </a:ln>
-          </p:spPr>
-          <p:style>
-            <a:lnRef idx="2">
-              <a:schemeClr val="accent1">
-                <a:shade val="50000"/>
-              </a:schemeClr>
-            </a:lnRef>
-            <a:fillRef idx="1">
-              <a:schemeClr val="accent1"/>
-            </a:fillRef>
-            <a:effectRef idx="0">
-              <a:schemeClr val="accent1"/>
-            </a:effectRef>
-            <a:fontRef idx="minor">
-              <a:schemeClr val="lt1"/>
-            </a:fontRef>
-          </p:style>
-          <p:txBody>
-            <a:bodyPr rot="0" spcFirstLastPara="0" vertOverflow="overflow" horzOverflow="overflow" vert="horz" wrap="square" lIns="91440" tIns="45720" rIns="91440" bIns="45720" numCol="1" spcCol="0" rtlCol="0" fromWordArt="0" anchor="ctr" anchorCtr="0" forceAA="0" compatLnSpc="1">
-              <a:prstTxWarp prst="textNoShape">
-                <a:avLst/>
-              </a:prstTxWarp>
-              <a:noAutofit/>
-            </a:bodyPr>
-            <a:lstStyle/>
-            <a:p>
-              <a:pPr algn="ctr"/>
-              <a:endParaRPr lang="en-US"/>
-            </a:p>
-          </p:txBody>
-        </p:sp>
-        <p:sp>
-          <p:nvSpPr>
-            <p:cNvPr id="129" name="Textfeld 128">
-              <a:extLst>
-                <a:ext uri="{FF2B5EF4-FFF2-40B4-BE49-F238E27FC236}">
-                  <a16:creationId xmlns:a16="http://schemas.microsoft.com/office/drawing/2014/main" id="{D3C67E93-24F6-BCD4-1B32-ED488A23249A}"/>
-                </a:ext>
-              </a:extLst>
-            </p:cNvPr>
-            <p:cNvSpPr txBox="1"/>
-            <p:nvPr/>
-          </p:nvSpPr>
-          <p:spPr>
-            <a:xfrm>
-              <a:off x="200651" y="2980833"/>
-              <a:ext cx="1304139" cy="340519"/>
-            </a:xfrm>
-            <a:prstGeom prst="roundRect">
-              <a:avLst/>
-            </a:prstGeom>
-            <a:noFill/>
-          </p:spPr>
-          <p:txBody>
-            <a:bodyPr wrap="square" rtlCol="0">
-              <a:spAutoFit/>
-            </a:bodyPr>
-            <a:lstStyle/>
-            <a:p>
-              <a:pPr algn="ctr"/>
-              <a:r>
-                <a:rPr lang="en-US" sz="1400" noProof="1">
-                  <a:solidFill>
-                    <a:schemeClr val="tx1">
-                      <a:lumMod val="95000"/>
-                      <a:lumOff val="5000"/>
-                    </a:schemeClr>
-                  </a:solidFill>
-                </a:rPr>
-                <a:t>HTTP REST API</a:t>
-              </a:r>
-            </a:p>
-          </p:txBody>
-        </p:sp>
-      </p:grpSp>
       <p:cxnSp>
         <p:nvCxnSpPr>
           <p:cNvPr id="133" name="Gerade Verbindung mit Pfeil 132">
@@ -7143,7 +4718,7 @@
         </p:nvCxnSpPr>
         <p:spPr>
           <a:xfrm>
-            <a:off x="9537986" y="2124496"/>
+            <a:off x="9916479" y="2144725"/>
             <a:ext cx="0" cy="827368"/>
           </a:xfrm>
           <a:prstGeom prst="straightConnector1">
@@ -7187,9 +4762,9 @@
           <p:nvPr/>
         </p:nvCxnSpPr>
         <p:spPr>
-          <a:xfrm>
-            <a:off x="11305580" y="2124496"/>
-            <a:ext cx="0" cy="827368"/>
+          <a:xfrm flipH="1">
+            <a:off x="11448697" y="2156200"/>
+            <a:ext cx="0" cy="837416"/>
           </a:xfrm>
           <a:prstGeom prst="straightConnector1">
             <a:avLst/>
@@ -7231,7 +4806,7 @@
         </p:nvGrpSpPr>
         <p:grpSpPr>
           <a:xfrm>
-            <a:off x="50005" y="1507600"/>
+            <a:off x="50005" y="1528382"/>
             <a:ext cx="12105864" cy="626882"/>
             <a:chOff x="2974656" y="3109269"/>
             <a:chExt cx="2059407" cy="626882"/>
@@ -7353,6 +4928,2704 @@
                   </a:solidFill>
                 </a:rPr>
                 <a:t>TypeScript, Angular</a:t>
+              </a:r>
+            </a:p>
+          </p:txBody>
+        </p:sp>
+      </p:grpSp>
+      <p:grpSp>
+        <p:nvGrpSpPr>
+          <p:cNvPr id="9" name="Gruppieren 8">
+            <a:extLst>
+              <a:ext uri="{FF2B5EF4-FFF2-40B4-BE49-F238E27FC236}">
+                <a16:creationId xmlns:a16="http://schemas.microsoft.com/office/drawing/2014/main" id="{68DFAE0D-F461-0076-814C-E0BB229B604D}"/>
+              </a:ext>
+            </a:extLst>
+          </p:cNvPr>
+          <p:cNvGrpSpPr/>
+          <p:nvPr/>
+        </p:nvGrpSpPr>
+        <p:grpSpPr>
+          <a:xfrm>
+            <a:off x="5872172" y="2963938"/>
+            <a:ext cx="1792447" cy="1887022"/>
+            <a:chOff x="-36639" y="2970763"/>
+            <a:chExt cx="1792447" cy="1887022"/>
+          </a:xfrm>
+        </p:grpSpPr>
+        <p:sp>
+          <p:nvSpPr>
+            <p:cNvPr id="10" name="Abgerundetes Rechteck 9">
+              <a:extLst>
+                <a:ext uri="{FF2B5EF4-FFF2-40B4-BE49-F238E27FC236}">
+                  <a16:creationId xmlns:a16="http://schemas.microsoft.com/office/drawing/2014/main" id="{1B50197C-1C4B-3EAD-CD59-E167A8E57E29}"/>
+                </a:ext>
+              </a:extLst>
+            </p:cNvPr>
+            <p:cNvSpPr/>
+            <p:nvPr/>
+          </p:nvSpPr>
+          <p:spPr>
+            <a:xfrm>
+              <a:off x="211444" y="3143274"/>
+              <a:ext cx="1333256" cy="1280099"/>
+            </a:xfrm>
+            <a:prstGeom prst="roundRect">
+              <a:avLst>
+                <a:gd name="adj" fmla="val 4496"/>
+              </a:avLst>
+            </a:prstGeom>
+            <a:solidFill>
+              <a:schemeClr val="bg1">
+                <a:lumMod val="95000"/>
+              </a:schemeClr>
+            </a:solidFill>
+            <a:ln w="19050">
+              <a:solidFill>
+                <a:schemeClr val="tx1"/>
+              </a:solidFill>
+            </a:ln>
+          </p:spPr>
+          <p:style>
+            <a:lnRef idx="2">
+              <a:schemeClr val="accent1">
+                <a:shade val="50000"/>
+              </a:schemeClr>
+            </a:lnRef>
+            <a:fillRef idx="1">
+              <a:schemeClr val="accent1"/>
+            </a:fillRef>
+            <a:effectRef idx="0">
+              <a:schemeClr val="accent1"/>
+            </a:effectRef>
+            <a:fontRef idx="minor">
+              <a:schemeClr val="lt1"/>
+            </a:fontRef>
+          </p:style>
+          <p:txBody>
+            <a:bodyPr rot="0" spcFirstLastPara="0" vertOverflow="overflow" horzOverflow="overflow" vert="horz" wrap="square" lIns="91440" tIns="45720" rIns="91440" bIns="45720" numCol="1" spcCol="0" rtlCol="0" fromWordArt="0" anchor="ctr" anchorCtr="0" forceAA="0" compatLnSpc="1">
+              <a:prstTxWarp prst="textNoShape">
+                <a:avLst/>
+              </a:prstTxWarp>
+              <a:noAutofit/>
+            </a:bodyPr>
+            <a:lstStyle/>
+            <a:p>
+              <a:pPr algn="ctr"/>
+              <a:endParaRPr lang="en-US"/>
+            </a:p>
+          </p:txBody>
+        </p:sp>
+        <p:sp>
+          <p:nvSpPr>
+            <p:cNvPr id="11" name="Textfeld 10">
+              <a:extLst>
+                <a:ext uri="{FF2B5EF4-FFF2-40B4-BE49-F238E27FC236}">
+                  <a16:creationId xmlns:a16="http://schemas.microsoft.com/office/drawing/2014/main" id="{A9ABDFE6-D8A5-0EE7-6A88-4AEE54FAE3A2}"/>
+                </a:ext>
+              </a:extLst>
+            </p:cNvPr>
+            <p:cNvSpPr txBox="1"/>
+            <p:nvPr/>
+          </p:nvSpPr>
+          <p:spPr>
+            <a:xfrm>
+              <a:off x="79594" y="3234522"/>
+              <a:ext cx="1572746" cy="851297"/>
+            </a:xfrm>
+            <a:prstGeom prst="roundRect">
+              <a:avLst/>
+            </a:prstGeom>
+            <a:noFill/>
+          </p:spPr>
+          <p:txBody>
+            <a:bodyPr wrap="square" rtlCol="0">
+              <a:spAutoFit/>
+            </a:bodyPr>
+            <a:lstStyle/>
+            <a:p>
+              <a:pPr algn="ctr"/>
+              <a:r>
+                <a:rPr lang="en-US" sz="1600" noProof="1">
+                  <a:solidFill>
+                    <a:schemeClr val="tx1">
+                      <a:lumMod val="95000"/>
+                      <a:lumOff val="5000"/>
+                    </a:schemeClr>
+                  </a:solidFill>
+                </a:rPr>
+                <a:t>Circuit Transformer</a:t>
+              </a:r>
+            </a:p>
+            <a:p>
+              <a:pPr algn="ctr"/>
+              <a:r>
+                <a:rPr lang="en-US" sz="1200" noProof="1">
+                  <a:solidFill>
+                    <a:schemeClr val="tx1">
+                      <a:lumMod val="95000"/>
+                      <a:lumOff val="5000"/>
+                    </a:schemeClr>
+                  </a:solidFill>
+                </a:rPr>
+                <a:t>SpringBoot</a:t>
+              </a:r>
+            </a:p>
+          </p:txBody>
+        </p:sp>
+        <p:sp>
+          <p:nvSpPr>
+            <p:cNvPr id="12" name="Zylinder 11">
+              <a:extLst>
+                <a:ext uri="{FF2B5EF4-FFF2-40B4-BE49-F238E27FC236}">
+                  <a16:creationId xmlns:a16="http://schemas.microsoft.com/office/drawing/2014/main" id="{5762E6A2-FB67-F331-6EE8-BEDCE69F8579}"/>
+                </a:ext>
+              </a:extLst>
+            </p:cNvPr>
+            <p:cNvSpPr/>
+            <p:nvPr/>
+          </p:nvSpPr>
+          <p:spPr>
+            <a:xfrm>
+              <a:off x="179771" y="4061414"/>
+              <a:ext cx="1389600" cy="796371"/>
+            </a:xfrm>
+            <a:prstGeom prst="can">
+              <a:avLst>
+                <a:gd name="adj" fmla="val 21079"/>
+              </a:avLst>
+            </a:prstGeom>
+            <a:solidFill>
+              <a:schemeClr val="bg1">
+                <a:lumMod val="75000"/>
+              </a:schemeClr>
+            </a:solidFill>
+            <a:ln w="19050">
+              <a:solidFill>
+                <a:schemeClr val="tx1">
+                  <a:lumMod val="95000"/>
+                  <a:lumOff val="5000"/>
+                </a:schemeClr>
+              </a:solidFill>
+            </a:ln>
+          </p:spPr>
+          <p:style>
+            <a:lnRef idx="2">
+              <a:schemeClr val="accent1">
+                <a:shade val="50000"/>
+              </a:schemeClr>
+            </a:lnRef>
+            <a:fillRef idx="1">
+              <a:schemeClr val="accent1"/>
+            </a:fillRef>
+            <a:effectRef idx="0">
+              <a:schemeClr val="accent1"/>
+            </a:effectRef>
+            <a:fontRef idx="minor">
+              <a:schemeClr val="lt1"/>
+            </a:fontRef>
+          </p:style>
+          <p:txBody>
+            <a:bodyPr rtlCol="0" anchor="ctr"/>
+            <a:lstStyle/>
+            <a:p>
+              <a:pPr algn="ctr"/>
+              <a:endParaRPr lang="en-US" sz="800" noProof="1">
+                <a:solidFill>
+                  <a:schemeClr val="tx2">
+                    <a:lumMod val="50000"/>
+                  </a:schemeClr>
+                </a:solidFill>
+              </a:endParaRPr>
+            </a:p>
+            <a:p>
+              <a:pPr algn="ctr"/>
+              <a:endParaRPr lang="en-US" sz="800" noProof="1">
+                <a:solidFill>
+                  <a:schemeClr val="tx2">
+                    <a:lumMod val="50000"/>
+                  </a:schemeClr>
+                </a:solidFill>
+              </a:endParaRPr>
+            </a:p>
+            <a:p>
+              <a:pPr algn="ctr"/>
+              <a:endParaRPr lang="en-US" sz="800" noProof="1">
+                <a:solidFill>
+                  <a:schemeClr val="tx2">
+                    <a:lumMod val="50000"/>
+                  </a:schemeClr>
+                </a:solidFill>
+              </a:endParaRPr>
+            </a:p>
+            <a:p>
+              <a:pPr algn="ctr"/>
+              <a:endParaRPr lang="en-US" sz="800" noProof="1">
+                <a:solidFill>
+                  <a:schemeClr val="tx2">
+                    <a:lumMod val="50000"/>
+                  </a:schemeClr>
+                </a:solidFill>
+              </a:endParaRPr>
+            </a:p>
+            <a:p>
+              <a:pPr algn="ctr"/>
+              <a:endParaRPr lang="en-US" sz="800" noProof="1">
+                <a:solidFill>
+                  <a:schemeClr val="tx2">
+                    <a:lumMod val="50000"/>
+                  </a:schemeClr>
+                </a:solidFill>
+              </a:endParaRPr>
+            </a:p>
+            <a:p>
+              <a:pPr algn="ctr"/>
+              <a:endParaRPr lang="en-US" sz="800" noProof="1">
+                <a:solidFill>
+                  <a:schemeClr val="tx2">
+                    <a:lumMod val="50000"/>
+                  </a:schemeClr>
+                </a:solidFill>
+              </a:endParaRPr>
+            </a:p>
+            <a:p>
+              <a:pPr algn="ctr"/>
+              <a:endParaRPr lang="en-US" sz="800" noProof="1">
+                <a:solidFill>
+                  <a:schemeClr val="tx2">
+                    <a:lumMod val="50000"/>
+                  </a:schemeClr>
+                </a:solidFill>
+              </a:endParaRPr>
+            </a:p>
+            <a:p>
+              <a:pPr algn="ctr"/>
+              <a:endParaRPr lang="en-US" sz="800" noProof="1">
+                <a:solidFill>
+                  <a:schemeClr val="tx2">
+                    <a:lumMod val="50000"/>
+                  </a:schemeClr>
+                </a:solidFill>
+              </a:endParaRPr>
+            </a:p>
+            <a:p>
+              <a:pPr algn="ctr"/>
+              <a:endParaRPr lang="en-US" sz="800" noProof="1">
+                <a:solidFill>
+                  <a:schemeClr val="tx2">
+                    <a:lumMod val="50000"/>
+                  </a:schemeClr>
+                </a:solidFill>
+              </a:endParaRPr>
+            </a:p>
+            <a:p>
+              <a:pPr algn="ctr"/>
+              <a:endParaRPr lang="en-US" sz="800" noProof="1">
+                <a:solidFill>
+                  <a:schemeClr val="tx2">
+                    <a:lumMod val="50000"/>
+                  </a:schemeClr>
+                </a:solidFill>
+              </a:endParaRPr>
+            </a:p>
+            <a:p>
+              <a:pPr algn="ctr"/>
+              <a:endParaRPr lang="en-US" sz="800" noProof="1">
+                <a:solidFill>
+                  <a:schemeClr val="tx2">
+                    <a:lumMod val="50000"/>
+                  </a:schemeClr>
+                </a:solidFill>
+              </a:endParaRPr>
+            </a:p>
+            <a:p>
+              <a:pPr algn="ctr"/>
+              <a:endParaRPr lang="en-US" sz="800" noProof="1">
+                <a:solidFill>
+                  <a:schemeClr val="tx2">
+                    <a:lumMod val="50000"/>
+                  </a:schemeClr>
+                </a:solidFill>
+              </a:endParaRPr>
+            </a:p>
+            <a:p>
+              <a:pPr algn="ctr"/>
+              <a:endParaRPr lang="en-US" sz="800" noProof="1">
+                <a:solidFill>
+                  <a:schemeClr val="tx2">
+                    <a:lumMod val="50000"/>
+                  </a:schemeClr>
+                </a:solidFill>
+              </a:endParaRPr>
+            </a:p>
+          </p:txBody>
+        </p:sp>
+        <p:sp>
+          <p:nvSpPr>
+            <p:cNvPr id="13" name="Textfeld 12">
+              <a:extLst>
+                <a:ext uri="{FF2B5EF4-FFF2-40B4-BE49-F238E27FC236}">
+                  <a16:creationId xmlns:a16="http://schemas.microsoft.com/office/drawing/2014/main" id="{34A4657C-D68A-3C52-CCFE-9D0321DF7583}"/>
+                </a:ext>
+              </a:extLst>
+            </p:cNvPr>
+            <p:cNvSpPr txBox="1"/>
+            <p:nvPr/>
+          </p:nvSpPr>
+          <p:spPr>
+            <a:xfrm>
+              <a:off x="-36639" y="4347509"/>
+              <a:ext cx="1792447" cy="374571"/>
+            </a:xfrm>
+            <a:prstGeom prst="roundRect">
+              <a:avLst/>
+            </a:prstGeom>
+            <a:noFill/>
+          </p:spPr>
+          <p:txBody>
+            <a:bodyPr wrap="square" rtlCol="0">
+              <a:spAutoFit/>
+            </a:bodyPr>
+            <a:lstStyle/>
+            <a:p>
+              <a:pPr algn="ctr"/>
+              <a:r>
+                <a:rPr lang="en-US" sz="1600" noProof="1">
+                  <a:solidFill>
+                    <a:schemeClr val="tx1">
+                      <a:lumMod val="95000"/>
+                      <a:lumOff val="5000"/>
+                    </a:schemeClr>
+                  </a:solidFill>
+                </a:rPr>
+                <a:t>Gate Mappings</a:t>
+              </a:r>
+              <a:endParaRPr lang="en-US" sz="1200" noProof="1">
+                <a:solidFill>
+                  <a:schemeClr val="tx1">
+                    <a:lumMod val="95000"/>
+                    <a:lumOff val="5000"/>
+                  </a:schemeClr>
+                </a:solidFill>
+              </a:endParaRPr>
+            </a:p>
+          </p:txBody>
+        </p:sp>
+        <p:sp>
+          <p:nvSpPr>
+            <p:cNvPr id="14" name="Abgerundetes Rechteck 13">
+              <a:extLst>
+                <a:ext uri="{FF2B5EF4-FFF2-40B4-BE49-F238E27FC236}">
+                  <a16:creationId xmlns:a16="http://schemas.microsoft.com/office/drawing/2014/main" id="{15BDEC1D-AA41-CD8C-C7B5-6F4FDF6AFF1C}"/>
+                </a:ext>
+              </a:extLst>
+            </p:cNvPr>
+            <p:cNvSpPr/>
+            <p:nvPr/>
+          </p:nvSpPr>
+          <p:spPr>
+            <a:xfrm>
+              <a:off x="278643" y="2991362"/>
+              <a:ext cx="1190410" cy="282586"/>
+            </a:xfrm>
+            <a:prstGeom prst="roundRect">
+              <a:avLst>
+                <a:gd name="adj" fmla="val 4496"/>
+              </a:avLst>
+            </a:prstGeom>
+            <a:solidFill>
+              <a:schemeClr val="bg1">
+                <a:lumMod val="85000"/>
+              </a:schemeClr>
+            </a:solidFill>
+            <a:ln w="19050">
+              <a:solidFill>
+                <a:schemeClr val="tx1"/>
+              </a:solidFill>
+            </a:ln>
+          </p:spPr>
+          <p:style>
+            <a:lnRef idx="2">
+              <a:schemeClr val="accent1">
+                <a:shade val="50000"/>
+              </a:schemeClr>
+            </a:lnRef>
+            <a:fillRef idx="1">
+              <a:schemeClr val="accent1"/>
+            </a:fillRef>
+            <a:effectRef idx="0">
+              <a:schemeClr val="accent1"/>
+            </a:effectRef>
+            <a:fontRef idx="minor">
+              <a:schemeClr val="lt1"/>
+            </a:fontRef>
+          </p:style>
+          <p:txBody>
+            <a:bodyPr rot="0" spcFirstLastPara="0" vertOverflow="overflow" horzOverflow="overflow" vert="horz" wrap="square" lIns="91440" tIns="45720" rIns="91440" bIns="45720" numCol="1" spcCol="0" rtlCol="0" fromWordArt="0" anchor="ctr" anchorCtr="0" forceAA="0" compatLnSpc="1">
+              <a:prstTxWarp prst="textNoShape">
+                <a:avLst/>
+              </a:prstTxWarp>
+              <a:noAutofit/>
+            </a:bodyPr>
+            <a:lstStyle/>
+            <a:p>
+              <a:pPr algn="ctr"/>
+              <a:endParaRPr lang="en-US"/>
+            </a:p>
+          </p:txBody>
+        </p:sp>
+        <p:sp>
+          <p:nvSpPr>
+            <p:cNvPr id="15" name="Textfeld 14">
+              <a:extLst>
+                <a:ext uri="{FF2B5EF4-FFF2-40B4-BE49-F238E27FC236}">
+                  <a16:creationId xmlns:a16="http://schemas.microsoft.com/office/drawing/2014/main" id="{F6A9741A-03F0-D56F-F7D2-5EC9C2E68F95}"/>
+                </a:ext>
+              </a:extLst>
+            </p:cNvPr>
+            <p:cNvSpPr txBox="1"/>
+            <p:nvPr/>
+          </p:nvSpPr>
+          <p:spPr>
+            <a:xfrm>
+              <a:off x="231430" y="2970763"/>
+              <a:ext cx="1304139" cy="340519"/>
+            </a:xfrm>
+            <a:prstGeom prst="roundRect">
+              <a:avLst/>
+            </a:prstGeom>
+            <a:noFill/>
+          </p:spPr>
+          <p:txBody>
+            <a:bodyPr wrap="square" rtlCol="0">
+              <a:spAutoFit/>
+            </a:bodyPr>
+            <a:lstStyle/>
+            <a:p>
+              <a:pPr algn="ctr"/>
+              <a:r>
+                <a:rPr lang="en-US" sz="1400" noProof="1">
+                  <a:solidFill>
+                    <a:schemeClr val="tx1">
+                      <a:lumMod val="95000"/>
+                      <a:lumOff val="5000"/>
+                    </a:schemeClr>
+                  </a:solidFill>
+                </a:rPr>
+                <a:t>HTTP REST API</a:t>
+              </a:r>
+            </a:p>
+          </p:txBody>
+        </p:sp>
+      </p:grpSp>
+      <p:grpSp>
+        <p:nvGrpSpPr>
+          <p:cNvPr id="16" name="Gruppieren 15">
+            <a:extLst>
+              <a:ext uri="{FF2B5EF4-FFF2-40B4-BE49-F238E27FC236}">
+                <a16:creationId xmlns:a16="http://schemas.microsoft.com/office/drawing/2014/main" id="{5EB5F88B-443E-BE5A-A58F-9AB3455795A3}"/>
+              </a:ext>
+            </a:extLst>
+          </p:cNvPr>
+          <p:cNvGrpSpPr/>
+          <p:nvPr/>
+        </p:nvGrpSpPr>
+        <p:grpSpPr>
+          <a:xfrm>
+            <a:off x="7445082" y="2956118"/>
+            <a:ext cx="1792447" cy="1887022"/>
+            <a:chOff x="-15857" y="2970763"/>
+            <a:chExt cx="1792447" cy="1887022"/>
+          </a:xfrm>
+        </p:grpSpPr>
+        <p:sp>
+          <p:nvSpPr>
+            <p:cNvPr id="20" name="Abgerundetes Rechteck 19">
+              <a:extLst>
+                <a:ext uri="{FF2B5EF4-FFF2-40B4-BE49-F238E27FC236}">
+                  <a16:creationId xmlns:a16="http://schemas.microsoft.com/office/drawing/2014/main" id="{2F1001FA-9B69-D26D-A6F4-07E604C97EC6}"/>
+                </a:ext>
+              </a:extLst>
+            </p:cNvPr>
+            <p:cNvSpPr/>
+            <p:nvPr/>
+          </p:nvSpPr>
+          <p:spPr>
+            <a:xfrm>
+              <a:off x="211444" y="3143274"/>
+              <a:ext cx="1333256" cy="1280099"/>
+            </a:xfrm>
+            <a:prstGeom prst="roundRect">
+              <a:avLst>
+                <a:gd name="adj" fmla="val 4496"/>
+              </a:avLst>
+            </a:prstGeom>
+            <a:solidFill>
+              <a:schemeClr val="bg1">
+                <a:lumMod val="95000"/>
+              </a:schemeClr>
+            </a:solidFill>
+            <a:ln w="19050">
+              <a:solidFill>
+                <a:schemeClr val="tx1"/>
+              </a:solidFill>
+            </a:ln>
+          </p:spPr>
+          <p:style>
+            <a:lnRef idx="2">
+              <a:schemeClr val="accent1">
+                <a:shade val="50000"/>
+              </a:schemeClr>
+            </a:lnRef>
+            <a:fillRef idx="1">
+              <a:schemeClr val="accent1"/>
+            </a:fillRef>
+            <a:effectRef idx="0">
+              <a:schemeClr val="accent1"/>
+            </a:effectRef>
+            <a:fontRef idx="minor">
+              <a:schemeClr val="lt1"/>
+            </a:fontRef>
+          </p:style>
+          <p:txBody>
+            <a:bodyPr rot="0" spcFirstLastPara="0" vertOverflow="overflow" horzOverflow="overflow" vert="horz" wrap="square" lIns="91440" tIns="45720" rIns="91440" bIns="45720" numCol="1" spcCol="0" rtlCol="0" fromWordArt="0" anchor="ctr" anchorCtr="0" forceAA="0" compatLnSpc="1">
+              <a:prstTxWarp prst="textNoShape">
+                <a:avLst/>
+              </a:prstTxWarp>
+              <a:noAutofit/>
+            </a:bodyPr>
+            <a:lstStyle/>
+            <a:p>
+              <a:pPr algn="ctr"/>
+              <a:endParaRPr lang="en-US"/>
+            </a:p>
+          </p:txBody>
+        </p:sp>
+        <p:sp>
+          <p:nvSpPr>
+            <p:cNvPr id="21" name="Textfeld 20">
+              <a:extLst>
+                <a:ext uri="{FF2B5EF4-FFF2-40B4-BE49-F238E27FC236}">
+                  <a16:creationId xmlns:a16="http://schemas.microsoft.com/office/drawing/2014/main" id="{560BABB4-1E31-0791-98A6-EC2360FA0A3E}"/>
+                </a:ext>
+              </a:extLst>
+            </p:cNvPr>
+            <p:cNvSpPr txBox="1"/>
+            <p:nvPr/>
+          </p:nvSpPr>
+          <p:spPr>
+            <a:xfrm>
+              <a:off x="79594" y="3379996"/>
+              <a:ext cx="1572746" cy="578882"/>
+            </a:xfrm>
+            <a:prstGeom prst="roundRect">
+              <a:avLst/>
+            </a:prstGeom>
+            <a:noFill/>
+          </p:spPr>
+          <p:txBody>
+            <a:bodyPr wrap="square" rtlCol="0">
+              <a:spAutoFit/>
+            </a:bodyPr>
+            <a:lstStyle/>
+            <a:p>
+              <a:pPr algn="ctr"/>
+              <a:r>
+                <a:rPr lang="en-US" sz="1600" noProof="1">
+                  <a:solidFill>
+                    <a:schemeClr val="tx1">
+                      <a:lumMod val="95000"/>
+                      <a:lumOff val="5000"/>
+                    </a:schemeClr>
+                  </a:solidFill>
+                </a:rPr>
+                <a:t>QC Atlas</a:t>
+              </a:r>
+            </a:p>
+            <a:p>
+              <a:pPr algn="ctr"/>
+              <a:r>
+                <a:rPr lang="en-US" sz="1200" noProof="1">
+                  <a:solidFill>
+                    <a:schemeClr val="tx1">
+                      <a:lumMod val="95000"/>
+                      <a:lumOff val="5000"/>
+                    </a:schemeClr>
+                  </a:solidFill>
+                </a:rPr>
+                <a:t>SpringBoot</a:t>
+              </a:r>
+            </a:p>
+          </p:txBody>
+        </p:sp>
+        <p:sp>
+          <p:nvSpPr>
+            <p:cNvPr id="22" name="Zylinder 21">
+              <a:extLst>
+                <a:ext uri="{FF2B5EF4-FFF2-40B4-BE49-F238E27FC236}">
+                  <a16:creationId xmlns:a16="http://schemas.microsoft.com/office/drawing/2014/main" id="{FB6B1BBE-9479-9661-1F51-1EAD08F4E83E}"/>
+                </a:ext>
+              </a:extLst>
+            </p:cNvPr>
+            <p:cNvSpPr/>
+            <p:nvPr/>
+          </p:nvSpPr>
+          <p:spPr>
+            <a:xfrm>
+              <a:off x="179771" y="4061414"/>
+              <a:ext cx="1389600" cy="796371"/>
+            </a:xfrm>
+            <a:prstGeom prst="can">
+              <a:avLst>
+                <a:gd name="adj" fmla="val 21079"/>
+              </a:avLst>
+            </a:prstGeom>
+            <a:solidFill>
+              <a:schemeClr val="bg1">
+                <a:lumMod val="75000"/>
+              </a:schemeClr>
+            </a:solidFill>
+            <a:ln w="19050">
+              <a:solidFill>
+                <a:schemeClr val="tx1">
+                  <a:lumMod val="95000"/>
+                  <a:lumOff val="5000"/>
+                </a:schemeClr>
+              </a:solidFill>
+            </a:ln>
+          </p:spPr>
+          <p:style>
+            <a:lnRef idx="2">
+              <a:schemeClr val="accent1">
+                <a:shade val="50000"/>
+              </a:schemeClr>
+            </a:lnRef>
+            <a:fillRef idx="1">
+              <a:schemeClr val="accent1"/>
+            </a:fillRef>
+            <a:effectRef idx="0">
+              <a:schemeClr val="accent1"/>
+            </a:effectRef>
+            <a:fontRef idx="minor">
+              <a:schemeClr val="lt1"/>
+            </a:fontRef>
+          </p:style>
+          <p:txBody>
+            <a:bodyPr rtlCol="0" anchor="ctr"/>
+            <a:lstStyle/>
+            <a:p>
+              <a:pPr algn="ctr"/>
+              <a:endParaRPr lang="en-US" sz="800" noProof="1">
+                <a:solidFill>
+                  <a:schemeClr val="tx2">
+                    <a:lumMod val="50000"/>
+                  </a:schemeClr>
+                </a:solidFill>
+              </a:endParaRPr>
+            </a:p>
+            <a:p>
+              <a:pPr algn="ctr"/>
+              <a:endParaRPr lang="en-US" sz="800" noProof="1">
+                <a:solidFill>
+                  <a:schemeClr val="tx2">
+                    <a:lumMod val="50000"/>
+                  </a:schemeClr>
+                </a:solidFill>
+              </a:endParaRPr>
+            </a:p>
+            <a:p>
+              <a:pPr algn="ctr"/>
+              <a:endParaRPr lang="en-US" sz="800" noProof="1">
+                <a:solidFill>
+                  <a:schemeClr val="tx2">
+                    <a:lumMod val="50000"/>
+                  </a:schemeClr>
+                </a:solidFill>
+              </a:endParaRPr>
+            </a:p>
+            <a:p>
+              <a:pPr algn="ctr"/>
+              <a:endParaRPr lang="en-US" sz="800" noProof="1">
+                <a:solidFill>
+                  <a:schemeClr val="tx2">
+                    <a:lumMod val="50000"/>
+                  </a:schemeClr>
+                </a:solidFill>
+              </a:endParaRPr>
+            </a:p>
+            <a:p>
+              <a:pPr algn="ctr"/>
+              <a:endParaRPr lang="en-US" sz="800" noProof="1">
+                <a:solidFill>
+                  <a:schemeClr val="tx2">
+                    <a:lumMod val="50000"/>
+                  </a:schemeClr>
+                </a:solidFill>
+              </a:endParaRPr>
+            </a:p>
+            <a:p>
+              <a:pPr algn="ctr"/>
+              <a:endParaRPr lang="en-US" sz="800" noProof="1">
+                <a:solidFill>
+                  <a:schemeClr val="tx2">
+                    <a:lumMod val="50000"/>
+                  </a:schemeClr>
+                </a:solidFill>
+              </a:endParaRPr>
+            </a:p>
+            <a:p>
+              <a:pPr algn="ctr"/>
+              <a:endParaRPr lang="en-US" sz="800" noProof="1">
+                <a:solidFill>
+                  <a:schemeClr val="tx2">
+                    <a:lumMod val="50000"/>
+                  </a:schemeClr>
+                </a:solidFill>
+              </a:endParaRPr>
+            </a:p>
+            <a:p>
+              <a:pPr algn="ctr"/>
+              <a:endParaRPr lang="en-US" sz="800" noProof="1">
+                <a:solidFill>
+                  <a:schemeClr val="tx2">
+                    <a:lumMod val="50000"/>
+                  </a:schemeClr>
+                </a:solidFill>
+              </a:endParaRPr>
+            </a:p>
+            <a:p>
+              <a:pPr algn="ctr"/>
+              <a:endParaRPr lang="en-US" sz="800" noProof="1">
+                <a:solidFill>
+                  <a:schemeClr val="tx2">
+                    <a:lumMod val="50000"/>
+                  </a:schemeClr>
+                </a:solidFill>
+              </a:endParaRPr>
+            </a:p>
+            <a:p>
+              <a:pPr algn="ctr"/>
+              <a:endParaRPr lang="en-US" sz="800" noProof="1">
+                <a:solidFill>
+                  <a:schemeClr val="tx2">
+                    <a:lumMod val="50000"/>
+                  </a:schemeClr>
+                </a:solidFill>
+              </a:endParaRPr>
+            </a:p>
+            <a:p>
+              <a:pPr algn="ctr"/>
+              <a:endParaRPr lang="en-US" sz="800" noProof="1">
+                <a:solidFill>
+                  <a:schemeClr val="tx2">
+                    <a:lumMod val="50000"/>
+                  </a:schemeClr>
+                </a:solidFill>
+              </a:endParaRPr>
+            </a:p>
+            <a:p>
+              <a:pPr algn="ctr"/>
+              <a:endParaRPr lang="en-US" sz="800" noProof="1">
+                <a:solidFill>
+                  <a:schemeClr val="tx2">
+                    <a:lumMod val="50000"/>
+                  </a:schemeClr>
+                </a:solidFill>
+              </a:endParaRPr>
+            </a:p>
+            <a:p>
+              <a:pPr algn="ctr"/>
+              <a:endParaRPr lang="en-US" sz="800" noProof="1">
+                <a:solidFill>
+                  <a:schemeClr val="tx2">
+                    <a:lumMod val="50000"/>
+                  </a:schemeClr>
+                </a:solidFill>
+              </a:endParaRPr>
+            </a:p>
+          </p:txBody>
+        </p:sp>
+        <p:sp>
+          <p:nvSpPr>
+            <p:cNvPr id="23" name="Textfeld 22">
+              <a:extLst>
+                <a:ext uri="{FF2B5EF4-FFF2-40B4-BE49-F238E27FC236}">
+                  <a16:creationId xmlns:a16="http://schemas.microsoft.com/office/drawing/2014/main" id="{DB7A2B58-8603-79FE-3E26-1F355B137A81}"/>
+                </a:ext>
+              </a:extLst>
+            </p:cNvPr>
+            <p:cNvSpPr txBox="1"/>
+            <p:nvPr/>
+          </p:nvSpPr>
+          <p:spPr>
+            <a:xfrm>
+              <a:off x="-15857" y="4253990"/>
+              <a:ext cx="1792447" cy="578882"/>
+            </a:xfrm>
+            <a:prstGeom prst="roundRect">
+              <a:avLst/>
+            </a:prstGeom>
+            <a:noFill/>
+          </p:spPr>
+          <p:txBody>
+            <a:bodyPr wrap="square" rtlCol="0">
+              <a:spAutoFit/>
+            </a:bodyPr>
+            <a:lstStyle/>
+            <a:p>
+              <a:pPr algn="ctr"/>
+              <a:r>
+                <a:rPr lang="en-US" sz="1600" noProof="1">
+                  <a:solidFill>
+                    <a:schemeClr val="tx1">
+                      <a:lumMod val="95000"/>
+                      <a:lumOff val="5000"/>
+                    </a:schemeClr>
+                  </a:solidFill>
+                </a:rPr>
+                <a:t>Atlas DB</a:t>
+              </a:r>
+            </a:p>
+            <a:p>
+              <a:pPr algn="ctr"/>
+              <a:r>
+                <a:rPr lang="en-US" sz="1200" noProof="1">
+                  <a:solidFill>
+                    <a:schemeClr val="tx1">
+                      <a:lumMod val="95000"/>
+                      <a:lumOff val="5000"/>
+                    </a:schemeClr>
+                  </a:solidFill>
+                </a:rPr>
+                <a:t>PostgreSQL</a:t>
+              </a:r>
+            </a:p>
+          </p:txBody>
+        </p:sp>
+        <p:sp>
+          <p:nvSpPr>
+            <p:cNvPr id="24" name="Abgerundetes Rechteck 23">
+              <a:extLst>
+                <a:ext uri="{FF2B5EF4-FFF2-40B4-BE49-F238E27FC236}">
+                  <a16:creationId xmlns:a16="http://schemas.microsoft.com/office/drawing/2014/main" id="{82776EF2-AF11-32F8-7839-11D8AB874781}"/>
+                </a:ext>
+              </a:extLst>
+            </p:cNvPr>
+            <p:cNvSpPr/>
+            <p:nvPr/>
+          </p:nvSpPr>
+          <p:spPr>
+            <a:xfrm>
+              <a:off x="278643" y="2991362"/>
+              <a:ext cx="1190410" cy="282586"/>
+            </a:xfrm>
+            <a:prstGeom prst="roundRect">
+              <a:avLst>
+                <a:gd name="adj" fmla="val 4496"/>
+              </a:avLst>
+            </a:prstGeom>
+            <a:solidFill>
+              <a:schemeClr val="bg1">
+                <a:lumMod val="85000"/>
+              </a:schemeClr>
+            </a:solidFill>
+            <a:ln w="19050">
+              <a:solidFill>
+                <a:schemeClr val="tx1"/>
+              </a:solidFill>
+            </a:ln>
+          </p:spPr>
+          <p:style>
+            <a:lnRef idx="2">
+              <a:schemeClr val="accent1">
+                <a:shade val="50000"/>
+              </a:schemeClr>
+            </a:lnRef>
+            <a:fillRef idx="1">
+              <a:schemeClr val="accent1"/>
+            </a:fillRef>
+            <a:effectRef idx="0">
+              <a:schemeClr val="accent1"/>
+            </a:effectRef>
+            <a:fontRef idx="minor">
+              <a:schemeClr val="lt1"/>
+            </a:fontRef>
+          </p:style>
+          <p:txBody>
+            <a:bodyPr rot="0" spcFirstLastPara="0" vertOverflow="overflow" horzOverflow="overflow" vert="horz" wrap="square" lIns="91440" tIns="45720" rIns="91440" bIns="45720" numCol="1" spcCol="0" rtlCol="0" fromWordArt="0" anchor="ctr" anchorCtr="0" forceAA="0" compatLnSpc="1">
+              <a:prstTxWarp prst="textNoShape">
+                <a:avLst/>
+              </a:prstTxWarp>
+              <a:noAutofit/>
+            </a:bodyPr>
+            <a:lstStyle/>
+            <a:p>
+              <a:pPr algn="ctr"/>
+              <a:endParaRPr lang="en-US"/>
+            </a:p>
+          </p:txBody>
+        </p:sp>
+        <p:sp>
+          <p:nvSpPr>
+            <p:cNvPr id="25" name="Textfeld 24">
+              <a:extLst>
+                <a:ext uri="{FF2B5EF4-FFF2-40B4-BE49-F238E27FC236}">
+                  <a16:creationId xmlns:a16="http://schemas.microsoft.com/office/drawing/2014/main" id="{891B5F3E-6CF4-D8C1-C53E-A73FC5D5F760}"/>
+                </a:ext>
+              </a:extLst>
+            </p:cNvPr>
+            <p:cNvSpPr txBox="1"/>
+            <p:nvPr/>
+          </p:nvSpPr>
+          <p:spPr>
+            <a:xfrm>
+              <a:off x="231430" y="2970763"/>
+              <a:ext cx="1304139" cy="340519"/>
+            </a:xfrm>
+            <a:prstGeom prst="roundRect">
+              <a:avLst/>
+            </a:prstGeom>
+            <a:noFill/>
+          </p:spPr>
+          <p:txBody>
+            <a:bodyPr wrap="square" rtlCol="0">
+              <a:spAutoFit/>
+            </a:bodyPr>
+            <a:lstStyle/>
+            <a:p>
+              <a:pPr algn="ctr"/>
+              <a:r>
+                <a:rPr lang="en-US" sz="1400" noProof="1">
+                  <a:solidFill>
+                    <a:schemeClr val="tx1">
+                      <a:lumMod val="95000"/>
+                      <a:lumOff val="5000"/>
+                    </a:schemeClr>
+                  </a:solidFill>
+                </a:rPr>
+                <a:t>HTTP REST API</a:t>
+              </a:r>
+            </a:p>
+          </p:txBody>
+        </p:sp>
+      </p:grpSp>
+      <p:grpSp>
+        <p:nvGrpSpPr>
+          <p:cNvPr id="26" name="Gruppieren 25">
+            <a:extLst>
+              <a:ext uri="{FF2B5EF4-FFF2-40B4-BE49-F238E27FC236}">
+                <a16:creationId xmlns:a16="http://schemas.microsoft.com/office/drawing/2014/main" id="{87E1FD1E-1FA1-9484-3AE2-01B372B4ACB0}"/>
+              </a:ext>
+            </a:extLst>
+          </p:cNvPr>
+          <p:cNvGrpSpPr/>
+          <p:nvPr/>
+        </p:nvGrpSpPr>
+        <p:grpSpPr>
+          <a:xfrm>
+            <a:off x="8986819" y="2962626"/>
+            <a:ext cx="1792447" cy="1887022"/>
+            <a:chOff x="-36639" y="2970763"/>
+            <a:chExt cx="1792447" cy="1887022"/>
+          </a:xfrm>
+        </p:grpSpPr>
+        <p:sp>
+          <p:nvSpPr>
+            <p:cNvPr id="27" name="Abgerundetes Rechteck 26">
+              <a:extLst>
+                <a:ext uri="{FF2B5EF4-FFF2-40B4-BE49-F238E27FC236}">
+                  <a16:creationId xmlns:a16="http://schemas.microsoft.com/office/drawing/2014/main" id="{D6BEB02D-65FC-32FF-ECB0-FF1AF4FFC2A0}"/>
+                </a:ext>
+              </a:extLst>
+            </p:cNvPr>
+            <p:cNvSpPr/>
+            <p:nvPr/>
+          </p:nvSpPr>
+          <p:spPr>
+            <a:xfrm>
+              <a:off x="211444" y="3143274"/>
+              <a:ext cx="1333256" cy="1280099"/>
+            </a:xfrm>
+            <a:prstGeom prst="roundRect">
+              <a:avLst>
+                <a:gd name="adj" fmla="val 4496"/>
+              </a:avLst>
+            </a:prstGeom>
+            <a:solidFill>
+              <a:schemeClr val="bg1">
+                <a:lumMod val="95000"/>
+              </a:schemeClr>
+            </a:solidFill>
+            <a:ln w="19050">
+              <a:solidFill>
+                <a:schemeClr val="tx1"/>
+              </a:solidFill>
+            </a:ln>
+          </p:spPr>
+          <p:style>
+            <a:lnRef idx="2">
+              <a:schemeClr val="accent1">
+                <a:shade val="50000"/>
+              </a:schemeClr>
+            </a:lnRef>
+            <a:fillRef idx="1">
+              <a:schemeClr val="accent1"/>
+            </a:fillRef>
+            <a:effectRef idx="0">
+              <a:schemeClr val="accent1"/>
+            </a:effectRef>
+            <a:fontRef idx="minor">
+              <a:schemeClr val="lt1"/>
+            </a:fontRef>
+          </p:style>
+          <p:txBody>
+            <a:bodyPr rot="0" spcFirstLastPara="0" vertOverflow="overflow" horzOverflow="overflow" vert="horz" wrap="square" lIns="91440" tIns="45720" rIns="91440" bIns="45720" numCol="1" spcCol="0" rtlCol="0" fromWordArt="0" anchor="ctr" anchorCtr="0" forceAA="0" compatLnSpc="1">
+              <a:prstTxWarp prst="textNoShape">
+                <a:avLst/>
+              </a:prstTxWarp>
+              <a:noAutofit/>
+            </a:bodyPr>
+            <a:lstStyle/>
+            <a:p>
+              <a:pPr algn="ctr"/>
+              <a:endParaRPr lang="en-US"/>
+            </a:p>
+          </p:txBody>
+        </p:sp>
+        <p:sp>
+          <p:nvSpPr>
+            <p:cNvPr id="28" name="Textfeld 27">
+              <a:extLst>
+                <a:ext uri="{FF2B5EF4-FFF2-40B4-BE49-F238E27FC236}">
+                  <a16:creationId xmlns:a16="http://schemas.microsoft.com/office/drawing/2014/main" id="{0B5087B6-3A88-8221-4BC3-3F916E56286B}"/>
+                </a:ext>
+              </a:extLst>
+            </p:cNvPr>
+            <p:cNvSpPr txBox="1"/>
+            <p:nvPr/>
+          </p:nvSpPr>
+          <p:spPr>
+            <a:xfrm>
+              <a:off x="79594" y="3379996"/>
+              <a:ext cx="1572746" cy="578882"/>
+            </a:xfrm>
+            <a:prstGeom prst="roundRect">
+              <a:avLst/>
+            </a:prstGeom>
+            <a:noFill/>
+          </p:spPr>
+          <p:txBody>
+            <a:bodyPr wrap="square" rtlCol="0">
+              <a:spAutoFit/>
+            </a:bodyPr>
+            <a:lstStyle/>
+            <a:p>
+              <a:pPr algn="ctr"/>
+              <a:r>
+                <a:rPr lang="en-US" sz="1600" noProof="1">
+                  <a:solidFill>
+                    <a:schemeClr val="tx1">
+                      <a:lumMod val="95000"/>
+                      <a:lumOff val="5000"/>
+                    </a:schemeClr>
+                  </a:solidFill>
+                </a:rPr>
+                <a:t>PlanQK Library</a:t>
+              </a:r>
+            </a:p>
+            <a:p>
+              <a:pPr algn="ctr"/>
+              <a:r>
+                <a:rPr lang="en-US" sz="1200" noProof="1">
+                  <a:solidFill>
+                    <a:schemeClr val="tx1">
+                      <a:lumMod val="95000"/>
+                      <a:lumOff val="5000"/>
+                    </a:schemeClr>
+                  </a:solidFill>
+                </a:rPr>
+                <a:t>SpringBoot</a:t>
+              </a:r>
+            </a:p>
+          </p:txBody>
+        </p:sp>
+        <p:sp>
+          <p:nvSpPr>
+            <p:cNvPr id="31" name="Zylinder 30">
+              <a:extLst>
+                <a:ext uri="{FF2B5EF4-FFF2-40B4-BE49-F238E27FC236}">
+                  <a16:creationId xmlns:a16="http://schemas.microsoft.com/office/drawing/2014/main" id="{D7DD53D2-7F64-238B-0582-E3249F25E960}"/>
+                </a:ext>
+              </a:extLst>
+            </p:cNvPr>
+            <p:cNvSpPr/>
+            <p:nvPr/>
+          </p:nvSpPr>
+          <p:spPr>
+            <a:xfrm>
+              <a:off x="179771" y="4061414"/>
+              <a:ext cx="1389600" cy="796371"/>
+            </a:xfrm>
+            <a:prstGeom prst="can">
+              <a:avLst>
+                <a:gd name="adj" fmla="val 21079"/>
+              </a:avLst>
+            </a:prstGeom>
+            <a:solidFill>
+              <a:schemeClr val="bg1">
+                <a:lumMod val="75000"/>
+              </a:schemeClr>
+            </a:solidFill>
+            <a:ln w="19050">
+              <a:solidFill>
+                <a:schemeClr val="tx1">
+                  <a:lumMod val="95000"/>
+                  <a:lumOff val="5000"/>
+                </a:schemeClr>
+              </a:solidFill>
+            </a:ln>
+          </p:spPr>
+          <p:style>
+            <a:lnRef idx="2">
+              <a:schemeClr val="accent1">
+                <a:shade val="50000"/>
+              </a:schemeClr>
+            </a:lnRef>
+            <a:fillRef idx="1">
+              <a:schemeClr val="accent1"/>
+            </a:fillRef>
+            <a:effectRef idx="0">
+              <a:schemeClr val="accent1"/>
+            </a:effectRef>
+            <a:fontRef idx="minor">
+              <a:schemeClr val="lt1"/>
+            </a:fontRef>
+          </p:style>
+          <p:txBody>
+            <a:bodyPr rtlCol="0" anchor="ctr"/>
+            <a:lstStyle/>
+            <a:p>
+              <a:pPr algn="ctr"/>
+              <a:endParaRPr lang="en-US" sz="800" noProof="1">
+                <a:solidFill>
+                  <a:schemeClr val="tx2">
+                    <a:lumMod val="50000"/>
+                  </a:schemeClr>
+                </a:solidFill>
+              </a:endParaRPr>
+            </a:p>
+            <a:p>
+              <a:pPr algn="ctr"/>
+              <a:endParaRPr lang="en-US" sz="800" noProof="1">
+                <a:solidFill>
+                  <a:schemeClr val="tx2">
+                    <a:lumMod val="50000"/>
+                  </a:schemeClr>
+                </a:solidFill>
+              </a:endParaRPr>
+            </a:p>
+            <a:p>
+              <a:pPr algn="ctr"/>
+              <a:endParaRPr lang="en-US" sz="800" noProof="1">
+                <a:solidFill>
+                  <a:schemeClr val="tx2">
+                    <a:lumMod val="50000"/>
+                  </a:schemeClr>
+                </a:solidFill>
+              </a:endParaRPr>
+            </a:p>
+            <a:p>
+              <a:pPr algn="ctr"/>
+              <a:endParaRPr lang="en-US" sz="800" noProof="1">
+                <a:solidFill>
+                  <a:schemeClr val="tx2">
+                    <a:lumMod val="50000"/>
+                  </a:schemeClr>
+                </a:solidFill>
+              </a:endParaRPr>
+            </a:p>
+            <a:p>
+              <a:pPr algn="ctr"/>
+              <a:endParaRPr lang="en-US" sz="800" noProof="1">
+                <a:solidFill>
+                  <a:schemeClr val="tx2">
+                    <a:lumMod val="50000"/>
+                  </a:schemeClr>
+                </a:solidFill>
+              </a:endParaRPr>
+            </a:p>
+            <a:p>
+              <a:pPr algn="ctr"/>
+              <a:endParaRPr lang="en-US" sz="800" noProof="1">
+                <a:solidFill>
+                  <a:schemeClr val="tx2">
+                    <a:lumMod val="50000"/>
+                  </a:schemeClr>
+                </a:solidFill>
+              </a:endParaRPr>
+            </a:p>
+            <a:p>
+              <a:pPr algn="ctr"/>
+              <a:endParaRPr lang="en-US" sz="800" noProof="1">
+                <a:solidFill>
+                  <a:schemeClr val="tx2">
+                    <a:lumMod val="50000"/>
+                  </a:schemeClr>
+                </a:solidFill>
+              </a:endParaRPr>
+            </a:p>
+            <a:p>
+              <a:pPr algn="ctr"/>
+              <a:endParaRPr lang="en-US" sz="800" noProof="1">
+                <a:solidFill>
+                  <a:schemeClr val="tx2">
+                    <a:lumMod val="50000"/>
+                  </a:schemeClr>
+                </a:solidFill>
+              </a:endParaRPr>
+            </a:p>
+            <a:p>
+              <a:pPr algn="ctr"/>
+              <a:endParaRPr lang="en-US" sz="800" noProof="1">
+                <a:solidFill>
+                  <a:schemeClr val="tx2">
+                    <a:lumMod val="50000"/>
+                  </a:schemeClr>
+                </a:solidFill>
+              </a:endParaRPr>
+            </a:p>
+            <a:p>
+              <a:pPr algn="ctr"/>
+              <a:endParaRPr lang="en-US" sz="800" noProof="1">
+                <a:solidFill>
+                  <a:schemeClr val="tx2">
+                    <a:lumMod val="50000"/>
+                  </a:schemeClr>
+                </a:solidFill>
+              </a:endParaRPr>
+            </a:p>
+            <a:p>
+              <a:pPr algn="ctr"/>
+              <a:endParaRPr lang="en-US" sz="800" noProof="1">
+                <a:solidFill>
+                  <a:schemeClr val="tx2">
+                    <a:lumMod val="50000"/>
+                  </a:schemeClr>
+                </a:solidFill>
+              </a:endParaRPr>
+            </a:p>
+            <a:p>
+              <a:pPr algn="ctr"/>
+              <a:endParaRPr lang="en-US" sz="800" noProof="1">
+                <a:solidFill>
+                  <a:schemeClr val="tx2">
+                    <a:lumMod val="50000"/>
+                  </a:schemeClr>
+                </a:solidFill>
+              </a:endParaRPr>
+            </a:p>
+            <a:p>
+              <a:pPr algn="ctr"/>
+              <a:endParaRPr lang="en-US" sz="800" noProof="1">
+                <a:solidFill>
+                  <a:schemeClr val="tx2">
+                    <a:lumMod val="50000"/>
+                  </a:schemeClr>
+                </a:solidFill>
+              </a:endParaRPr>
+            </a:p>
+          </p:txBody>
+        </p:sp>
+        <p:sp>
+          <p:nvSpPr>
+            <p:cNvPr id="34" name="Textfeld 33">
+              <a:extLst>
+                <a:ext uri="{FF2B5EF4-FFF2-40B4-BE49-F238E27FC236}">
+                  <a16:creationId xmlns:a16="http://schemas.microsoft.com/office/drawing/2014/main" id="{7173C1D2-7A1F-B194-57C5-C5A586EFB5FF}"/>
+                </a:ext>
+              </a:extLst>
+            </p:cNvPr>
+            <p:cNvSpPr txBox="1"/>
+            <p:nvPr/>
+          </p:nvSpPr>
+          <p:spPr>
+            <a:xfrm>
+              <a:off x="-36639" y="4337118"/>
+              <a:ext cx="1792447" cy="374571"/>
+            </a:xfrm>
+            <a:prstGeom prst="roundRect">
+              <a:avLst/>
+            </a:prstGeom>
+            <a:noFill/>
+          </p:spPr>
+          <p:txBody>
+            <a:bodyPr wrap="square" rtlCol="0">
+              <a:spAutoFit/>
+            </a:bodyPr>
+            <a:lstStyle/>
+            <a:p>
+              <a:pPr algn="ctr"/>
+              <a:r>
+                <a:rPr lang="en-US" sz="1600" noProof="1">
+                  <a:solidFill>
+                    <a:schemeClr val="tx1">
+                      <a:lumMod val="95000"/>
+                      <a:lumOff val="5000"/>
+                    </a:schemeClr>
+                  </a:solidFill>
+                </a:rPr>
+                <a:t>JabRef</a:t>
+              </a:r>
+            </a:p>
+          </p:txBody>
+        </p:sp>
+        <p:sp>
+          <p:nvSpPr>
+            <p:cNvPr id="47" name="Abgerundetes Rechteck 46">
+              <a:extLst>
+                <a:ext uri="{FF2B5EF4-FFF2-40B4-BE49-F238E27FC236}">
+                  <a16:creationId xmlns:a16="http://schemas.microsoft.com/office/drawing/2014/main" id="{D2938847-2F45-FD48-2087-BB2A621B8887}"/>
+                </a:ext>
+              </a:extLst>
+            </p:cNvPr>
+            <p:cNvSpPr/>
+            <p:nvPr/>
+          </p:nvSpPr>
+          <p:spPr>
+            <a:xfrm>
+              <a:off x="278643" y="2991362"/>
+              <a:ext cx="1190410" cy="282586"/>
+            </a:xfrm>
+            <a:prstGeom prst="roundRect">
+              <a:avLst>
+                <a:gd name="adj" fmla="val 4496"/>
+              </a:avLst>
+            </a:prstGeom>
+            <a:solidFill>
+              <a:schemeClr val="bg1">
+                <a:lumMod val="85000"/>
+              </a:schemeClr>
+            </a:solidFill>
+            <a:ln w="19050">
+              <a:solidFill>
+                <a:schemeClr val="tx1"/>
+              </a:solidFill>
+            </a:ln>
+          </p:spPr>
+          <p:style>
+            <a:lnRef idx="2">
+              <a:schemeClr val="accent1">
+                <a:shade val="50000"/>
+              </a:schemeClr>
+            </a:lnRef>
+            <a:fillRef idx="1">
+              <a:schemeClr val="accent1"/>
+            </a:fillRef>
+            <a:effectRef idx="0">
+              <a:schemeClr val="accent1"/>
+            </a:effectRef>
+            <a:fontRef idx="minor">
+              <a:schemeClr val="lt1"/>
+            </a:fontRef>
+          </p:style>
+          <p:txBody>
+            <a:bodyPr rot="0" spcFirstLastPara="0" vertOverflow="overflow" horzOverflow="overflow" vert="horz" wrap="square" lIns="91440" tIns="45720" rIns="91440" bIns="45720" numCol="1" spcCol="0" rtlCol="0" fromWordArt="0" anchor="ctr" anchorCtr="0" forceAA="0" compatLnSpc="1">
+              <a:prstTxWarp prst="textNoShape">
+                <a:avLst/>
+              </a:prstTxWarp>
+              <a:noAutofit/>
+            </a:bodyPr>
+            <a:lstStyle/>
+            <a:p>
+              <a:pPr algn="ctr"/>
+              <a:endParaRPr lang="en-US"/>
+            </a:p>
+          </p:txBody>
+        </p:sp>
+        <p:sp>
+          <p:nvSpPr>
+            <p:cNvPr id="56" name="Textfeld 55">
+              <a:extLst>
+                <a:ext uri="{FF2B5EF4-FFF2-40B4-BE49-F238E27FC236}">
+                  <a16:creationId xmlns:a16="http://schemas.microsoft.com/office/drawing/2014/main" id="{94D8C231-F659-DC09-220C-F8BE8268F004}"/>
+                </a:ext>
+              </a:extLst>
+            </p:cNvPr>
+            <p:cNvSpPr txBox="1"/>
+            <p:nvPr/>
+          </p:nvSpPr>
+          <p:spPr>
+            <a:xfrm>
+              <a:off x="231430" y="2970763"/>
+              <a:ext cx="1304139" cy="340519"/>
+            </a:xfrm>
+            <a:prstGeom prst="roundRect">
+              <a:avLst/>
+            </a:prstGeom>
+            <a:noFill/>
+          </p:spPr>
+          <p:txBody>
+            <a:bodyPr wrap="square" rtlCol="0">
+              <a:spAutoFit/>
+            </a:bodyPr>
+            <a:lstStyle/>
+            <a:p>
+              <a:pPr algn="ctr"/>
+              <a:r>
+                <a:rPr lang="en-US" sz="1400" noProof="1">
+                  <a:solidFill>
+                    <a:schemeClr val="tx1">
+                      <a:lumMod val="95000"/>
+                      <a:lumOff val="5000"/>
+                    </a:schemeClr>
+                  </a:solidFill>
+                </a:rPr>
+                <a:t>HTTP REST API</a:t>
+              </a:r>
+            </a:p>
+          </p:txBody>
+        </p:sp>
+      </p:grpSp>
+      <p:grpSp>
+        <p:nvGrpSpPr>
+          <p:cNvPr id="59" name="Gruppieren 58">
+            <a:extLst>
+              <a:ext uri="{FF2B5EF4-FFF2-40B4-BE49-F238E27FC236}">
+                <a16:creationId xmlns:a16="http://schemas.microsoft.com/office/drawing/2014/main" id="{E8A50158-A767-EF64-67F6-00A5272CECF8}"/>
+              </a:ext>
+            </a:extLst>
+          </p:cNvPr>
+          <p:cNvGrpSpPr/>
+          <p:nvPr/>
+        </p:nvGrpSpPr>
+        <p:grpSpPr>
+          <a:xfrm>
+            <a:off x="10549340" y="2983225"/>
+            <a:ext cx="1792447" cy="1887022"/>
+            <a:chOff x="-15857" y="2970763"/>
+            <a:chExt cx="1792447" cy="1887022"/>
+          </a:xfrm>
+        </p:grpSpPr>
+        <p:sp>
+          <p:nvSpPr>
+            <p:cNvPr id="65" name="Abgerundetes Rechteck 64">
+              <a:extLst>
+                <a:ext uri="{FF2B5EF4-FFF2-40B4-BE49-F238E27FC236}">
+                  <a16:creationId xmlns:a16="http://schemas.microsoft.com/office/drawing/2014/main" id="{7708D279-D40A-FE19-0F43-2DF7F76BF8CF}"/>
+                </a:ext>
+              </a:extLst>
+            </p:cNvPr>
+            <p:cNvSpPr/>
+            <p:nvPr/>
+          </p:nvSpPr>
+          <p:spPr>
+            <a:xfrm>
+              <a:off x="211444" y="3143274"/>
+              <a:ext cx="1333256" cy="1280099"/>
+            </a:xfrm>
+            <a:prstGeom prst="roundRect">
+              <a:avLst>
+                <a:gd name="adj" fmla="val 4496"/>
+              </a:avLst>
+            </a:prstGeom>
+            <a:solidFill>
+              <a:schemeClr val="bg1">
+                <a:lumMod val="95000"/>
+              </a:schemeClr>
+            </a:solidFill>
+            <a:ln w="19050">
+              <a:solidFill>
+                <a:schemeClr val="tx1"/>
+              </a:solidFill>
+              <a:prstDash val="dash"/>
+            </a:ln>
+          </p:spPr>
+          <p:style>
+            <a:lnRef idx="2">
+              <a:schemeClr val="accent1">
+                <a:shade val="50000"/>
+              </a:schemeClr>
+            </a:lnRef>
+            <a:fillRef idx="1">
+              <a:schemeClr val="accent1"/>
+            </a:fillRef>
+            <a:effectRef idx="0">
+              <a:schemeClr val="accent1"/>
+            </a:effectRef>
+            <a:fontRef idx="minor">
+              <a:schemeClr val="lt1"/>
+            </a:fontRef>
+          </p:style>
+          <p:txBody>
+            <a:bodyPr rot="0" spcFirstLastPara="0" vertOverflow="overflow" horzOverflow="overflow" vert="horz" wrap="square" lIns="91440" tIns="45720" rIns="91440" bIns="45720" numCol="1" spcCol="0" rtlCol="0" fromWordArt="0" anchor="ctr" anchorCtr="0" forceAA="0" compatLnSpc="1">
+              <a:prstTxWarp prst="textNoShape">
+                <a:avLst/>
+              </a:prstTxWarp>
+              <a:noAutofit/>
+            </a:bodyPr>
+            <a:lstStyle/>
+            <a:p>
+              <a:pPr algn="ctr"/>
+              <a:endParaRPr lang="en-US"/>
+            </a:p>
+          </p:txBody>
+        </p:sp>
+        <p:sp>
+          <p:nvSpPr>
+            <p:cNvPr id="66" name="Textfeld 65">
+              <a:extLst>
+                <a:ext uri="{FF2B5EF4-FFF2-40B4-BE49-F238E27FC236}">
+                  <a16:creationId xmlns:a16="http://schemas.microsoft.com/office/drawing/2014/main" id="{FD71CF1D-4E65-00B4-D2A0-4ED9DAAE5909}"/>
+                </a:ext>
+              </a:extLst>
+            </p:cNvPr>
+            <p:cNvSpPr txBox="1"/>
+            <p:nvPr/>
+          </p:nvSpPr>
+          <p:spPr>
+            <a:xfrm>
+              <a:off x="79594" y="3379996"/>
+              <a:ext cx="1572746" cy="578882"/>
+            </a:xfrm>
+            <a:prstGeom prst="roundRect">
+              <a:avLst/>
+            </a:prstGeom>
+            <a:noFill/>
+          </p:spPr>
+          <p:txBody>
+            <a:bodyPr wrap="square" rtlCol="0">
+              <a:spAutoFit/>
+            </a:bodyPr>
+            <a:lstStyle/>
+            <a:p>
+              <a:pPr algn="ctr"/>
+              <a:r>
+                <a:rPr lang="en-US" sz="1600" noProof="1">
+                  <a:solidFill>
+                    <a:schemeClr val="tx1">
+                      <a:lumMod val="95000"/>
+                      <a:lumOff val="5000"/>
+                    </a:schemeClr>
+                  </a:solidFill>
+                </a:rPr>
+                <a:t>PatternAtlas</a:t>
+              </a:r>
+            </a:p>
+            <a:p>
+              <a:pPr algn="ctr"/>
+              <a:r>
+                <a:rPr lang="en-US" sz="1200" noProof="1">
+                  <a:solidFill>
+                    <a:schemeClr val="tx1">
+                      <a:lumMod val="95000"/>
+                      <a:lumOff val="5000"/>
+                    </a:schemeClr>
+                  </a:solidFill>
+                </a:rPr>
+                <a:t>SpringBoot</a:t>
+              </a:r>
+            </a:p>
+          </p:txBody>
+        </p:sp>
+        <p:sp>
+          <p:nvSpPr>
+            <p:cNvPr id="67" name="Zylinder 66">
+              <a:extLst>
+                <a:ext uri="{FF2B5EF4-FFF2-40B4-BE49-F238E27FC236}">
+                  <a16:creationId xmlns:a16="http://schemas.microsoft.com/office/drawing/2014/main" id="{8270E95E-B8FD-831D-2DC0-11157923BB42}"/>
+                </a:ext>
+              </a:extLst>
+            </p:cNvPr>
+            <p:cNvSpPr/>
+            <p:nvPr/>
+          </p:nvSpPr>
+          <p:spPr>
+            <a:xfrm>
+              <a:off x="179771" y="4061414"/>
+              <a:ext cx="1389600" cy="796371"/>
+            </a:xfrm>
+            <a:prstGeom prst="can">
+              <a:avLst>
+                <a:gd name="adj" fmla="val 21079"/>
+              </a:avLst>
+            </a:prstGeom>
+            <a:solidFill>
+              <a:schemeClr val="bg1">
+                <a:lumMod val="75000"/>
+              </a:schemeClr>
+            </a:solidFill>
+            <a:ln w="19050">
+              <a:solidFill>
+                <a:schemeClr val="tx1">
+                  <a:lumMod val="95000"/>
+                  <a:lumOff val="5000"/>
+                </a:schemeClr>
+              </a:solidFill>
+              <a:prstDash val="dash"/>
+            </a:ln>
+          </p:spPr>
+          <p:style>
+            <a:lnRef idx="2">
+              <a:schemeClr val="accent1">
+                <a:shade val="50000"/>
+              </a:schemeClr>
+            </a:lnRef>
+            <a:fillRef idx="1">
+              <a:schemeClr val="accent1"/>
+            </a:fillRef>
+            <a:effectRef idx="0">
+              <a:schemeClr val="accent1"/>
+            </a:effectRef>
+            <a:fontRef idx="minor">
+              <a:schemeClr val="lt1"/>
+            </a:fontRef>
+          </p:style>
+          <p:txBody>
+            <a:bodyPr rtlCol="0" anchor="ctr"/>
+            <a:lstStyle/>
+            <a:p>
+              <a:pPr algn="ctr"/>
+              <a:endParaRPr lang="en-US" sz="800" noProof="1">
+                <a:solidFill>
+                  <a:schemeClr val="tx2">
+                    <a:lumMod val="50000"/>
+                  </a:schemeClr>
+                </a:solidFill>
+              </a:endParaRPr>
+            </a:p>
+            <a:p>
+              <a:pPr algn="ctr"/>
+              <a:endParaRPr lang="en-US" sz="800" noProof="1">
+                <a:solidFill>
+                  <a:schemeClr val="tx2">
+                    <a:lumMod val="50000"/>
+                  </a:schemeClr>
+                </a:solidFill>
+              </a:endParaRPr>
+            </a:p>
+            <a:p>
+              <a:pPr algn="ctr"/>
+              <a:endParaRPr lang="en-US" sz="800" noProof="1">
+                <a:solidFill>
+                  <a:schemeClr val="tx2">
+                    <a:lumMod val="50000"/>
+                  </a:schemeClr>
+                </a:solidFill>
+              </a:endParaRPr>
+            </a:p>
+            <a:p>
+              <a:pPr algn="ctr"/>
+              <a:endParaRPr lang="en-US" sz="800" noProof="1">
+                <a:solidFill>
+                  <a:schemeClr val="tx2">
+                    <a:lumMod val="50000"/>
+                  </a:schemeClr>
+                </a:solidFill>
+              </a:endParaRPr>
+            </a:p>
+            <a:p>
+              <a:pPr algn="ctr"/>
+              <a:endParaRPr lang="en-US" sz="800" noProof="1">
+                <a:solidFill>
+                  <a:schemeClr val="tx2">
+                    <a:lumMod val="50000"/>
+                  </a:schemeClr>
+                </a:solidFill>
+              </a:endParaRPr>
+            </a:p>
+            <a:p>
+              <a:pPr algn="ctr"/>
+              <a:endParaRPr lang="en-US" sz="800" noProof="1">
+                <a:solidFill>
+                  <a:schemeClr val="tx2">
+                    <a:lumMod val="50000"/>
+                  </a:schemeClr>
+                </a:solidFill>
+              </a:endParaRPr>
+            </a:p>
+            <a:p>
+              <a:pPr algn="ctr"/>
+              <a:endParaRPr lang="en-US" sz="800" noProof="1">
+                <a:solidFill>
+                  <a:schemeClr val="tx2">
+                    <a:lumMod val="50000"/>
+                  </a:schemeClr>
+                </a:solidFill>
+              </a:endParaRPr>
+            </a:p>
+            <a:p>
+              <a:pPr algn="ctr"/>
+              <a:endParaRPr lang="en-US" sz="800" noProof="1">
+                <a:solidFill>
+                  <a:schemeClr val="tx2">
+                    <a:lumMod val="50000"/>
+                  </a:schemeClr>
+                </a:solidFill>
+              </a:endParaRPr>
+            </a:p>
+            <a:p>
+              <a:pPr algn="ctr"/>
+              <a:endParaRPr lang="en-US" sz="800" noProof="1">
+                <a:solidFill>
+                  <a:schemeClr val="tx2">
+                    <a:lumMod val="50000"/>
+                  </a:schemeClr>
+                </a:solidFill>
+              </a:endParaRPr>
+            </a:p>
+            <a:p>
+              <a:pPr algn="ctr"/>
+              <a:endParaRPr lang="en-US" sz="800" noProof="1">
+                <a:solidFill>
+                  <a:schemeClr val="tx2">
+                    <a:lumMod val="50000"/>
+                  </a:schemeClr>
+                </a:solidFill>
+              </a:endParaRPr>
+            </a:p>
+            <a:p>
+              <a:pPr algn="ctr"/>
+              <a:endParaRPr lang="en-US" sz="800" noProof="1">
+                <a:solidFill>
+                  <a:schemeClr val="tx2">
+                    <a:lumMod val="50000"/>
+                  </a:schemeClr>
+                </a:solidFill>
+              </a:endParaRPr>
+            </a:p>
+            <a:p>
+              <a:pPr algn="ctr"/>
+              <a:endParaRPr lang="en-US" sz="800" noProof="1">
+                <a:solidFill>
+                  <a:schemeClr val="tx2">
+                    <a:lumMod val="50000"/>
+                  </a:schemeClr>
+                </a:solidFill>
+              </a:endParaRPr>
+            </a:p>
+            <a:p>
+              <a:pPr algn="ctr"/>
+              <a:endParaRPr lang="en-US" sz="800" noProof="1">
+                <a:solidFill>
+                  <a:schemeClr val="tx2">
+                    <a:lumMod val="50000"/>
+                  </a:schemeClr>
+                </a:solidFill>
+              </a:endParaRPr>
+            </a:p>
+          </p:txBody>
+        </p:sp>
+        <p:sp>
+          <p:nvSpPr>
+            <p:cNvPr id="74" name="Textfeld 73">
+              <a:extLst>
+                <a:ext uri="{FF2B5EF4-FFF2-40B4-BE49-F238E27FC236}">
+                  <a16:creationId xmlns:a16="http://schemas.microsoft.com/office/drawing/2014/main" id="{C228D0B5-0676-5D6E-5E0E-38ED9B006F73}"/>
+                </a:ext>
+              </a:extLst>
+            </p:cNvPr>
+            <p:cNvSpPr txBox="1"/>
+            <p:nvPr/>
+          </p:nvSpPr>
+          <p:spPr>
+            <a:xfrm>
+              <a:off x="-15857" y="4253990"/>
+              <a:ext cx="1792447" cy="578882"/>
+            </a:xfrm>
+            <a:prstGeom prst="roundRect">
+              <a:avLst/>
+            </a:prstGeom>
+            <a:noFill/>
+          </p:spPr>
+          <p:txBody>
+            <a:bodyPr wrap="square" rtlCol="0">
+              <a:spAutoFit/>
+            </a:bodyPr>
+            <a:lstStyle/>
+            <a:p>
+              <a:pPr algn="ctr"/>
+              <a:r>
+                <a:rPr lang="en-US" sz="1600" noProof="1">
+                  <a:solidFill>
+                    <a:schemeClr val="tx1">
+                      <a:lumMod val="95000"/>
+                      <a:lumOff val="5000"/>
+                    </a:schemeClr>
+                  </a:solidFill>
+                </a:rPr>
+                <a:t>Pattern DB</a:t>
+              </a:r>
+            </a:p>
+            <a:p>
+              <a:pPr algn="ctr"/>
+              <a:r>
+                <a:rPr lang="en-US" sz="1200" noProof="1">
+                  <a:solidFill>
+                    <a:schemeClr val="tx1">
+                      <a:lumMod val="95000"/>
+                      <a:lumOff val="5000"/>
+                    </a:schemeClr>
+                  </a:solidFill>
+                </a:rPr>
+                <a:t>PostgreSQL</a:t>
+              </a:r>
+            </a:p>
+          </p:txBody>
+        </p:sp>
+        <p:sp>
+          <p:nvSpPr>
+            <p:cNvPr id="75" name="Abgerundetes Rechteck 74">
+              <a:extLst>
+                <a:ext uri="{FF2B5EF4-FFF2-40B4-BE49-F238E27FC236}">
+                  <a16:creationId xmlns:a16="http://schemas.microsoft.com/office/drawing/2014/main" id="{2F83D64A-3869-10EF-8E93-9E4062358D9F}"/>
+                </a:ext>
+              </a:extLst>
+            </p:cNvPr>
+            <p:cNvSpPr/>
+            <p:nvPr/>
+          </p:nvSpPr>
+          <p:spPr>
+            <a:xfrm>
+              <a:off x="278643" y="2991362"/>
+              <a:ext cx="1190410" cy="282586"/>
+            </a:xfrm>
+            <a:prstGeom prst="roundRect">
+              <a:avLst>
+                <a:gd name="adj" fmla="val 4496"/>
+              </a:avLst>
+            </a:prstGeom>
+            <a:solidFill>
+              <a:schemeClr val="bg1">
+                <a:lumMod val="85000"/>
+              </a:schemeClr>
+            </a:solidFill>
+            <a:ln w="19050">
+              <a:solidFill>
+                <a:schemeClr val="tx1"/>
+              </a:solidFill>
+            </a:ln>
+          </p:spPr>
+          <p:style>
+            <a:lnRef idx="2">
+              <a:schemeClr val="accent1">
+                <a:shade val="50000"/>
+              </a:schemeClr>
+            </a:lnRef>
+            <a:fillRef idx="1">
+              <a:schemeClr val="accent1"/>
+            </a:fillRef>
+            <a:effectRef idx="0">
+              <a:schemeClr val="accent1"/>
+            </a:effectRef>
+            <a:fontRef idx="minor">
+              <a:schemeClr val="lt1"/>
+            </a:fontRef>
+          </p:style>
+          <p:txBody>
+            <a:bodyPr rot="0" spcFirstLastPara="0" vertOverflow="overflow" horzOverflow="overflow" vert="horz" wrap="square" lIns="91440" tIns="45720" rIns="91440" bIns="45720" numCol="1" spcCol="0" rtlCol="0" fromWordArt="0" anchor="ctr" anchorCtr="0" forceAA="0" compatLnSpc="1">
+              <a:prstTxWarp prst="textNoShape">
+                <a:avLst/>
+              </a:prstTxWarp>
+              <a:noAutofit/>
+            </a:bodyPr>
+            <a:lstStyle/>
+            <a:p>
+              <a:pPr algn="ctr"/>
+              <a:endParaRPr lang="en-US"/>
+            </a:p>
+          </p:txBody>
+        </p:sp>
+        <p:sp>
+          <p:nvSpPr>
+            <p:cNvPr id="76" name="Textfeld 75">
+              <a:extLst>
+                <a:ext uri="{FF2B5EF4-FFF2-40B4-BE49-F238E27FC236}">
+                  <a16:creationId xmlns:a16="http://schemas.microsoft.com/office/drawing/2014/main" id="{7B09D320-D9FB-A372-0645-1D8B34C4105D}"/>
+                </a:ext>
+              </a:extLst>
+            </p:cNvPr>
+            <p:cNvSpPr txBox="1"/>
+            <p:nvPr/>
+          </p:nvSpPr>
+          <p:spPr>
+            <a:xfrm>
+              <a:off x="231430" y="2970763"/>
+              <a:ext cx="1304139" cy="340519"/>
+            </a:xfrm>
+            <a:prstGeom prst="roundRect">
+              <a:avLst/>
+            </a:prstGeom>
+            <a:noFill/>
+          </p:spPr>
+          <p:txBody>
+            <a:bodyPr wrap="square" rtlCol="0">
+              <a:spAutoFit/>
+            </a:bodyPr>
+            <a:lstStyle/>
+            <a:p>
+              <a:pPr algn="ctr"/>
+              <a:r>
+                <a:rPr lang="en-US" sz="1400" noProof="1">
+                  <a:solidFill>
+                    <a:schemeClr val="tx1">
+                      <a:lumMod val="95000"/>
+                      <a:lumOff val="5000"/>
+                    </a:schemeClr>
+                  </a:solidFill>
+                </a:rPr>
+                <a:t>HTTP REST API</a:t>
+              </a:r>
+            </a:p>
+          </p:txBody>
+        </p:sp>
+      </p:grpSp>
+      <p:grpSp>
+        <p:nvGrpSpPr>
+          <p:cNvPr id="77" name="Gruppieren 76">
+            <a:extLst>
+              <a:ext uri="{FF2B5EF4-FFF2-40B4-BE49-F238E27FC236}">
+                <a16:creationId xmlns:a16="http://schemas.microsoft.com/office/drawing/2014/main" id="{442CDFDE-E6D0-F84A-0F9D-EC0B0524D899}"/>
+              </a:ext>
+            </a:extLst>
+          </p:cNvPr>
+          <p:cNvGrpSpPr/>
+          <p:nvPr/>
+        </p:nvGrpSpPr>
+        <p:grpSpPr>
+          <a:xfrm>
+            <a:off x="-167661" y="2978411"/>
+            <a:ext cx="1792447" cy="1887022"/>
+            <a:chOff x="-26248" y="2970763"/>
+            <a:chExt cx="1792447" cy="1887022"/>
+          </a:xfrm>
+        </p:grpSpPr>
+        <p:sp>
+          <p:nvSpPr>
+            <p:cNvPr id="78" name="Abgerundetes Rechteck 77">
+              <a:extLst>
+                <a:ext uri="{FF2B5EF4-FFF2-40B4-BE49-F238E27FC236}">
+                  <a16:creationId xmlns:a16="http://schemas.microsoft.com/office/drawing/2014/main" id="{3C8C8C66-5C0B-4E1D-6E5E-D103C7E13A9A}"/>
+                </a:ext>
+              </a:extLst>
+            </p:cNvPr>
+            <p:cNvSpPr/>
+            <p:nvPr/>
+          </p:nvSpPr>
+          <p:spPr>
+            <a:xfrm>
+              <a:off x="211444" y="3143274"/>
+              <a:ext cx="1333256" cy="1280099"/>
+            </a:xfrm>
+            <a:prstGeom prst="roundRect">
+              <a:avLst>
+                <a:gd name="adj" fmla="val 4496"/>
+              </a:avLst>
+            </a:prstGeom>
+            <a:solidFill>
+              <a:schemeClr val="bg1">
+                <a:lumMod val="95000"/>
+              </a:schemeClr>
+            </a:solidFill>
+            <a:ln w="19050">
+              <a:solidFill>
+                <a:schemeClr val="tx1"/>
+              </a:solidFill>
+            </a:ln>
+          </p:spPr>
+          <p:style>
+            <a:lnRef idx="2">
+              <a:schemeClr val="accent1">
+                <a:shade val="50000"/>
+              </a:schemeClr>
+            </a:lnRef>
+            <a:fillRef idx="1">
+              <a:schemeClr val="accent1"/>
+            </a:fillRef>
+            <a:effectRef idx="0">
+              <a:schemeClr val="accent1"/>
+            </a:effectRef>
+            <a:fontRef idx="minor">
+              <a:schemeClr val="lt1"/>
+            </a:fontRef>
+          </p:style>
+          <p:txBody>
+            <a:bodyPr rot="0" spcFirstLastPara="0" vertOverflow="overflow" horzOverflow="overflow" vert="horz" wrap="square" lIns="91440" tIns="45720" rIns="91440" bIns="45720" numCol="1" spcCol="0" rtlCol="0" fromWordArt="0" anchor="ctr" anchorCtr="0" forceAA="0" compatLnSpc="1">
+              <a:prstTxWarp prst="textNoShape">
+                <a:avLst/>
+              </a:prstTxWarp>
+              <a:noAutofit/>
+            </a:bodyPr>
+            <a:lstStyle/>
+            <a:p>
+              <a:pPr algn="ctr"/>
+              <a:endParaRPr lang="en-US"/>
+            </a:p>
+          </p:txBody>
+        </p:sp>
+        <p:sp>
+          <p:nvSpPr>
+            <p:cNvPr id="79" name="Textfeld 78">
+              <a:extLst>
+                <a:ext uri="{FF2B5EF4-FFF2-40B4-BE49-F238E27FC236}">
+                  <a16:creationId xmlns:a16="http://schemas.microsoft.com/office/drawing/2014/main" id="{5D1C9E67-CD6B-2F43-56B3-884F1EA329F4}"/>
+                </a:ext>
+              </a:extLst>
+            </p:cNvPr>
+            <p:cNvSpPr txBox="1"/>
+            <p:nvPr/>
+          </p:nvSpPr>
+          <p:spPr>
+            <a:xfrm>
+              <a:off x="79594" y="3379996"/>
+              <a:ext cx="1572746" cy="578882"/>
+            </a:xfrm>
+            <a:prstGeom prst="roundRect">
+              <a:avLst/>
+            </a:prstGeom>
+            <a:noFill/>
+          </p:spPr>
+          <p:txBody>
+            <a:bodyPr wrap="square" rtlCol="0">
+              <a:spAutoFit/>
+            </a:bodyPr>
+            <a:lstStyle/>
+            <a:p>
+              <a:pPr algn="ctr"/>
+              <a:r>
+                <a:rPr lang="en-US" sz="1600" noProof="1">
+                  <a:solidFill>
+                    <a:schemeClr val="tx1">
+                      <a:lumMod val="95000"/>
+                      <a:lumOff val="5000"/>
+                    </a:schemeClr>
+                  </a:solidFill>
+                </a:rPr>
+                <a:t>QProv</a:t>
+              </a:r>
+            </a:p>
+            <a:p>
+              <a:pPr algn="ctr"/>
+              <a:r>
+                <a:rPr lang="en-US" sz="1200" noProof="1">
+                  <a:solidFill>
+                    <a:schemeClr val="tx1">
+                      <a:lumMod val="95000"/>
+                      <a:lumOff val="5000"/>
+                    </a:schemeClr>
+                  </a:solidFill>
+                </a:rPr>
+                <a:t>SpringBoot</a:t>
+              </a:r>
+            </a:p>
+          </p:txBody>
+        </p:sp>
+        <p:sp>
+          <p:nvSpPr>
+            <p:cNvPr id="80" name="Zylinder 79">
+              <a:extLst>
+                <a:ext uri="{FF2B5EF4-FFF2-40B4-BE49-F238E27FC236}">
+                  <a16:creationId xmlns:a16="http://schemas.microsoft.com/office/drawing/2014/main" id="{BC3B1BA1-E80D-B056-3817-B1AEA4F007DB}"/>
+                </a:ext>
+              </a:extLst>
+            </p:cNvPr>
+            <p:cNvSpPr/>
+            <p:nvPr/>
+          </p:nvSpPr>
+          <p:spPr>
+            <a:xfrm>
+              <a:off x="179771" y="4061414"/>
+              <a:ext cx="1389600" cy="796371"/>
+            </a:xfrm>
+            <a:prstGeom prst="can">
+              <a:avLst>
+                <a:gd name="adj" fmla="val 21079"/>
+              </a:avLst>
+            </a:prstGeom>
+            <a:solidFill>
+              <a:schemeClr val="bg1">
+                <a:lumMod val="75000"/>
+              </a:schemeClr>
+            </a:solidFill>
+            <a:ln w="19050">
+              <a:solidFill>
+                <a:schemeClr val="tx1">
+                  <a:lumMod val="95000"/>
+                  <a:lumOff val="5000"/>
+                </a:schemeClr>
+              </a:solidFill>
+            </a:ln>
+          </p:spPr>
+          <p:style>
+            <a:lnRef idx="2">
+              <a:schemeClr val="accent1">
+                <a:shade val="50000"/>
+              </a:schemeClr>
+            </a:lnRef>
+            <a:fillRef idx="1">
+              <a:schemeClr val="accent1"/>
+            </a:fillRef>
+            <a:effectRef idx="0">
+              <a:schemeClr val="accent1"/>
+            </a:effectRef>
+            <a:fontRef idx="minor">
+              <a:schemeClr val="lt1"/>
+            </a:fontRef>
+          </p:style>
+          <p:txBody>
+            <a:bodyPr rtlCol="0" anchor="ctr"/>
+            <a:lstStyle/>
+            <a:p>
+              <a:pPr algn="ctr"/>
+              <a:endParaRPr lang="en-US" sz="800" noProof="1">
+                <a:solidFill>
+                  <a:schemeClr val="tx2">
+                    <a:lumMod val="50000"/>
+                  </a:schemeClr>
+                </a:solidFill>
+              </a:endParaRPr>
+            </a:p>
+            <a:p>
+              <a:pPr algn="ctr"/>
+              <a:endParaRPr lang="en-US" sz="800" noProof="1">
+                <a:solidFill>
+                  <a:schemeClr val="tx2">
+                    <a:lumMod val="50000"/>
+                  </a:schemeClr>
+                </a:solidFill>
+              </a:endParaRPr>
+            </a:p>
+            <a:p>
+              <a:pPr algn="ctr"/>
+              <a:endParaRPr lang="en-US" sz="800" noProof="1">
+                <a:solidFill>
+                  <a:schemeClr val="tx2">
+                    <a:lumMod val="50000"/>
+                  </a:schemeClr>
+                </a:solidFill>
+              </a:endParaRPr>
+            </a:p>
+            <a:p>
+              <a:pPr algn="ctr"/>
+              <a:endParaRPr lang="en-US" sz="800" noProof="1">
+                <a:solidFill>
+                  <a:schemeClr val="tx2">
+                    <a:lumMod val="50000"/>
+                  </a:schemeClr>
+                </a:solidFill>
+              </a:endParaRPr>
+            </a:p>
+            <a:p>
+              <a:pPr algn="ctr"/>
+              <a:endParaRPr lang="en-US" sz="800" noProof="1">
+                <a:solidFill>
+                  <a:schemeClr val="tx2">
+                    <a:lumMod val="50000"/>
+                  </a:schemeClr>
+                </a:solidFill>
+              </a:endParaRPr>
+            </a:p>
+            <a:p>
+              <a:pPr algn="ctr"/>
+              <a:endParaRPr lang="en-US" sz="800" noProof="1">
+                <a:solidFill>
+                  <a:schemeClr val="tx2">
+                    <a:lumMod val="50000"/>
+                  </a:schemeClr>
+                </a:solidFill>
+              </a:endParaRPr>
+            </a:p>
+            <a:p>
+              <a:pPr algn="ctr"/>
+              <a:endParaRPr lang="en-US" sz="800" noProof="1">
+                <a:solidFill>
+                  <a:schemeClr val="tx2">
+                    <a:lumMod val="50000"/>
+                  </a:schemeClr>
+                </a:solidFill>
+              </a:endParaRPr>
+            </a:p>
+            <a:p>
+              <a:pPr algn="ctr"/>
+              <a:endParaRPr lang="en-US" sz="800" noProof="1">
+                <a:solidFill>
+                  <a:schemeClr val="tx2">
+                    <a:lumMod val="50000"/>
+                  </a:schemeClr>
+                </a:solidFill>
+              </a:endParaRPr>
+            </a:p>
+            <a:p>
+              <a:pPr algn="ctr"/>
+              <a:endParaRPr lang="en-US" sz="800" noProof="1">
+                <a:solidFill>
+                  <a:schemeClr val="tx2">
+                    <a:lumMod val="50000"/>
+                  </a:schemeClr>
+                </a:solidFill>
+              </a:endParaRPr>
+            </a:p>
+            <a:p>
+              <a:pPr algn="ctr"/>
+              <a:endParaRPr lang="en-US" sz="800" noProof="1">
+                <a:solidFill>
+                  <a:schemeClr val="tx2">
+                    <a:lumMod val="50000"/>
+                  </a:schemeClr>
+                </a:solidFill>
+              </a:endParaRPr>
+            </a:p>
+            <a:p>
+              <a:pPr algn="ctr"/>
+              <a:endParaRPr lang="en-US" sz="800" noProof="1">
+                <a:solidFill>
+                  <a:schemeClr val="tx2">
+                    <a:lumMod val="50000"/>
+                  </a:schemeClr>
+                </a:solidFill>
+              </a:endParaRPr>
+            </a:p>
+            <a:p>
+              <a:pPr algn="ctr"/>
+              <a:endParaRPr lang="en-US" sz="800" noProof="1">
+                <a:solidFill>
+                  <a:schemeClr val="tx2">
+                    <a:lumMod val="50000"/>
+                  </a:schemeClr>
+                </a:solidFill>
+              </a:endParaRPr>
+            </a:p>
+            <a:p>
+              <a:pPr algn="ctr"/>
+              <a:endParaRPr lang="en-US" sz="800" noProof="1">
+                <a:solidFill>
+                  <a:schemeClr val="tx2">
+                    <a:lumMod val="50000"/>
+                  </a:schemeClr>
+                </a:solidFill>
+              </a:endParaRPr>
+            </a:p>
+          </p:txBody>
+        </p:sp>
+        <p:sp>
+          <p:nvSpPr>
+            <p:cNvPr id="81" name="Textfeld 80">
+              <a:extLst>
+                <a:ext uri="{FF2B5EF4-FFF2-40B4-BE49-F238E27FC236}">
+                  <a16:creationId xmlns:a16="http://schemas.microsoft.com/office/drawing/2014/main" id="{B31BD640-85C5-45B4-2AB9-8E1822E0405B}"/>
+                </a:ext>
+              </a:extLst>
+            </p:cNvPr>
+            <p:cNvSpPr txBox="1"/>
+            <p:nvPr/>
+          </p:nvSpPr>
+          <p:spPr>
+            <a:xfrm>
+              <a:off x="-26248" y="4243599"/>
+              <a:ext cx="1792447" cy="578882"/>
+            </a:xfrm>
+            <a:prstGeom prst="roundRect">
+              <a:avLst/>
+            </a:prstGeom>
+            <a:noFill/>
+          </p:spPr>
+          <p:txBody>
+            <a:bodyPr wrap="square" rtlCol="0">
+              <a:spAutoFit/>
+            </a:bodyPr>
+            <a:lstStyle/>
+            <a:p>
+              <a:pPr algn="ctr"/>
+              <a:r>
+                <a:rPr lang="en-US" sz="1600" noProof="1">
+                  <a:solidFill>
+                    <a:schemeClr val="tx1">
+                      <a:lumMod val="95000"/>
+                      <a:lumOff val="5000"/>
+                    </a:schemeClr>
+                  </a:solidFill>
+                </a:rPr>
+                <a:t>Provenance DB</a:t>
+              </a:r>
+            </a:p>
+            <a:p>
+              <a:pPr algn="ctr"/>
+              <a:r>
+                <a:rPr lang="en-US" sz="1200" noProof="1">
+                  <a:solidFill>
+                    <a:schemeClr val="tx1">
+                      <a:lumMod val="95000"/>
+                      <a:lumOff val="5000"/>
+                    </a:schemeClr>
+                  </a:solidFill>
+                </a:rPr>
+                <a:t>PostgreSQL</a:t>
+              </a:r>
+            </a:p>
+          </p:txBody>
+        </p:sp>
+        <p:sp>
+          <p:nvSpPr>
+            <p:cNvPr id="82" name="Abgerundetes Rechteck 81">
+              <a:extLst>
+                <a:ext uri="{FF2B5EF4-FFF2-40B4-BE49-F238E27FC236}">
+                  <a16:creationId xmlns:a16="http://schemas.microsoft.com/office/drawing/2014/main" id="{F3EF3026-6D81-22CE-271D-4F6A9708EE25}"/>
+                </a:ext>
+              </a:extLst>
+            </p:cNvPr>
+            <p:cNvSpPr/>
+            <p:nvPr/>
+          </p:nvSpPr>
+          <p:spPr>
+            <a:xfrm>
+              <a:off x="278643" y="2991362"/>
+              <a:ext cx="1190410" cy="282586"/>
+            </a:xfrm>
+            <a:prstGeom prst="roundRect">
+              <a:avLst>
+                <a:gd name="adj" fmla="val 4496"/>
+              </a:avLst>
+            </a:prstGeom>
+            <a:solidFill>
+              <a:schemeClr val="bg1">
+                <a:lumMod val="85000"/>
+              </a:schemeClr>
+            </a:solidFill>
+            <a:ln w="19050">
+              <a:solidFill>
+                <a:schemeClr val="tx1"/>
+              </a:solidFill>
+            </a:ln>
+          </p:spPr>
+          <p:style>
+            <a:lnRef idx="2">
+              <a:schemeClr val="accent1">
+                <a:shade val="50000"/>
+              </a:schemeClr>
+            </a:lnRef>
+            <a:fillRef idx="1">
+              <a:schemeClr val="accent1"/>
+            </a:fillRef>
+            <a:effectRef idx="0">
+              <a:schemeClr val="accent1"/>
+            </a:effectRef>
+            <a:fontRef idx="minor">
+              <a:schemeClr val="lt1"/>
+            </a:fontRef>
+          </p:style>
+          <p:txBody>
+            <a:bodyPr rot="0" spcFirstLastPara="0" vertOverflow="overflow" horzOverflow="overflow" vert="horz" wrap="square" lIns="91440" tIns="45720" rIns="91440" bIns="45720" numCol="1" spcCol="0" rtlCol="0" fromWordArt="0" anchor="ctr" anchorCtr="0" forceAA="0" compatLnSpc="1">
+              <a:prstTxWarp prst="textNoShape">
+                <a:avLst/>
+              </a:prstTxWarp>
+              <a:noAutofit/>
+            </a:bodyPr>
+            <a:lstStyle/>
+            <a:p>
+              <a:pPr algn="ctr"/>
+              <a:endParaRPr lang="en-US"/>
+            </a:p>
+          </p:txBody>
+        </p:sp>
+        <p:sp>
+          <p:nvSpPr>
+            <p:cNvPr id="83" name="Textfeld 82">
+              <a:extLst>
+                <a:ext uri="{FF2B5EF4-FFF2-40B4-BE49-F238E27FC236}">
+                  <a16:creationId xmlns:a16="http://schemas.microsoft.com/office/drawing/2014/main" id="{3B110CC9-DE82-B259-E58F-C76E8D0E0BCF}"/>
+                </a:ext>
+              </a:extLst>
+            </p:cNvPr>
+            <p:cNvSpPr txBox="1"/>
+            <p:nvPr/>
+          </p:nvSpPr>
+          <p:spPr>
+            <a:xfrm>
+              <a:off x="231430" y="2970763"/>
+              <a:ext cx="1304139" cy="340519"/>
+            </a:xfrm>
+            <a:prstGeom prst="roundRect">
+              <a:avLst/>
+            </a:prstGeom>
+            <a:noFill/>
+          </p:spPr>
+          <p:txBody>
+            <a:bodyPr wrap="square" rtlCol="0">
+              <a:spAutoFit/>
+            </a:bodyPr>
+            <a:lstStyle/>
+            <a:p>
+              <a:pPr algn="ctr"/>
+              <a:r>
+                <a:rPr lang="en-US" sz="1400" noProof="1">
+                  <a:solidFill>
+                    <a:schemeClr val="tx1">
+                      <a:lumMod val="95000"/>
+                      <a:lumOff val="5000"/>
+                    </a:schemeClr>
+                  </a:solidFill>
+                </a:rPr>
+                <a:t>HTTP REST API</a:t>
+              </a:r>
+            </a:p>
+          </p:txBody>
+        </p:sp>
+      </p:grpSp>
+      <p:grpSp>
+        <p:nvGrpSpPr>
+          <p:cNvPr id="84" name="Gruppieren 83">
+            <a:extLst>
+              <a:ext uri="{FF2B5EF4-FFF2-40B4-BE49-F238E27FC236}">
+                <a16:creationId xmlns:a16="http://schemas.microsoft.com/office/drawing/2014/main" id="{F99C3FCD-1D7B-5DCF-AB58-733E7DDF92F3}"/>
+              </a:ext>
+            </a:extLst>
+          </p:cNvPr>
+          <p:cNvGrpSpPr/>
+          <p:nvPr/>
+        </p:nvGrpSpPr>
+        <p:grpSpPr>
+          <a:xfrm>
+            <a:off x="4477399" y="2972093"/>
+            <a:ext cx="1572746" cy="1153456"/>
+            <a:chOff x="79594" y="2970763"/>
+            <a:chExt cx="1572746" cy="1153456"/>
+          </a:xfrm>
+        </p:grpSpPr>
+        <p:sp>
+          <p:nvSpPr>
+            <p:cNvPr id="85" name="Abgerundetes Rechteck 84">
+              <a:extLst>
+                <a:ext uri="{FF2B5EF4-FFF2-40B4-BE49-F238E27FC236}">
+                  <a16:creationId xmlns:a16="http://schemas.microsoft.com/office/drawing/2014/main" id="{35F8E0DD-4981-0322-C32D-1A975DA935DA}"/>
+                </a:ext>
+              </a:extLst>
+            </p:cNvPr>
+            <p:cNvSpPr/>
+            <p:nvPr/>
+          </p:nvSpPr>
+          <p:spPr>
+            <a:xfrm>
+              <a:off x="211444" y="3143274"/>
+              <a:ext cx="1333256" cy="980945"/>
+            </a:xfrm>
+            <a:prstGeom prst="roundRect">
+              <a:avLst>
+                <a:gd name="adj" fmla="val 4496"/>
+              </a:avLst>
+            </a:prstGeom>
+            <a:solidFill>
+              <a:schemeClr val="bg1">
+                <a:lumMod val="95000"/>
+              </a:schemeClr>
+            </a:solidFill>
+            <a:ln w="19050">
+              <a:solidFill>
+                <a:schemeClr val="tx1"/>
+              </a:solidFill>
+            </a:ln>
+          </p:spPr>
+          <p:style>
+            <a:lnRef idx="2">
+              <a:schemeClr val="accent1">
+                <a:shade val="50000"/>
+              </a:schemeClr>
+            </a:lnRef>
+            <a:fillRef idx="1">
+              <a:schemeClr val="accent1"/>
+            </a:fillRef>
+            <a:effectRef idx="0">
+              <a:schemeClr val="accent1"/>
+            </a:effectRef>
+            <a:fontRef idx="minor">
+              <a:schemeClr val="lt1"/>
+            </a:fontRef>
+          </p:style>
+          <p:txBody>
+            <a:bodyPr rot="0" spcFirstLastPara="0" vertOverflow="overflow" horzOverflow="overflow" vert="horz" wrap="square" lIns="91440" tIns="45720" rIns="91440" bIns="45720" numCol="1" spcCol="0" rtlCol="0" fromWordArt="0" anchor="ctr" anchorCtr="0" forceAA="0" compatLnSpc="1">
+              <a:prstTxWarp prst="textNoShape">
+                <a:avLst/>
+              </a:prstTxWarp>
+              <a:noAutofit/>
+            </a:bodyPr>
+            <a:lstStyle/>
+            <a:p>
+              <a:pPr algn="ctr"/>
+              <a:endParaRPr lang="en-US"/>
+            </a:p>
+          </p:txBody>
+        </p:sp>
+        <p:sp>
+          <p:nvSpPr>
+            <p:cNvPr id="93" name="Textfeld 92">
+              <a:extLst>
+                <a:ext uri="{FF2B5EF4-FFF2-40B4-BE49-F238E27FC236}">
+                  <a16:creationId xmlns:a16="http://schemas.microsoft.com/office/drawing/2014/main" id="{583F0BD9-E65F-9E67-D6A6-62D848B8DB73}"/>
+                </a:ext>
+              </a:extLst>
+            </p:cNvPr>
+            <p:cNvSpPr txBox="1"/>
+            <p:nvPr/>
+          </p:nvSpPr>
+          <p:spPr>
+            <a:xfrm>
+              <a:off x="79594" y="3234522"/>
+              <a:ext cx="1572746" cy="851297"/>
+            </a:xfrm>
+            <a:prstGeom prst="roundRect">
+              <a:avLst/>
+            </a:prstGeom>
+            <a:noFill/>
+          </p:spPr>
+          <p:txBody>
+            <a:bodyPr wrap="square" rtlCol="0">
+              <a:spAutoFit/>
+            </a:bodyPr>
+            <a:lstStyle/>
+            <a:p>
+              <a:pPr algn="ctr"/>
+              <a:r>
+                <a:rPr lang="en-US" sz="1600" noProof="1">
+                  <a:solidFill>
+                    <a:schemeClr val="tx1">
+                      <a:lumMod val="95000"/>
+                      <a:lumOff val="5000"/>
+                    </a:schemeClr>
+                  </a:solidFill>
+                </a:rPr>
+                <a:t>Predict &amp; Prio</a:t>
+              </a:r>
+            </a:p>
+            <a:p>
+              <a:pPr algn="ctr"/>
+              <a:r>
+                <a:rPr lang="en-US" sz="1600" noProof="1">
+                  <a:solidFill>
+                    <a:schemeClr val="tx1">
+                      <a:lumMod val="95000"/>
+                      <a:lumOff val="5000"/>
+                    </a:schemeClr>
+                  </a:solidFill>
+                </a:rPr>
+                <a:t>Service</a:t>
+              </a:r>
+            </a:p>
+            <a:p>
+              <a:pPr algn="ctr"/>
+              <a:r>
+                <a:rPr lang="en-US" sz="1200" noProof="1">
+                  <a:solidFill>
+                    <a:schemeClr val="tx1">
+                      <a:lumMod val="95000"/>
+                      <a:lumOff val="5000"/>
+                    </a:schemeClr>
+                  </a:solidFill>
+                </a:rPr>
+                <a:t>Flask</a:t>
+              </a:r>
+            </a:p>
+          </p:txBody>
+        </p:sp>
+        <p:sp>
+          <p:nvSpPr>
+            <p:cNvPr id="98" name="Abgerundetes Rechteck 97">
+              <a:extLst>
+                <a:ext uri="{FF2B5EF4-FFF2-40B4-BE49-F238E27FC236}">
+                  <a16:creationId xmlns:a16="http://schemas.microsoft.com/office/drawing/2014/main" id="{CABFB2C8-E165-D5BE-56AD-2AEA31F82928}"/>
+                </a:ext>
+              </a:extLst>
+            </p:cNvPr>
+            <p:cNvSpPr/>
+            <p:nvPr/>
+          </p:nvSpPr>
+          <p:spPr>
+            <a:xfrm>
+              <a:off x="278643" y="2991362"/>
+              <a:ext cx="1190410" cy="282586"/>
+            </a:xfrm>
+            <a:prstGeom prst="roundRect">
+              <a:avLst>
+                <a:gd name="adj" fmla="val 4496"/>
+              </a:avLst>
+            </a:prstGeom>
+            <a:solidFill>
+              <a:schemeClr val="bg1">
+                <a:lumMod val="85000"/>
+              </a:schemeClr>
+            </a:solidFill>
+            <a:ln w="19050">
+              <a:solidFill>
+                <a:schemeClr val="tx1"/>
+              </a:solidFill>
+            </a:ln>
+          </p:spPr>
+          <p:style>
+            <a:lnRef idx="2">
+              <a:schemeClr val="accent1">
+                <a:shade val="50000"/>
+              </a:schemeClr>
+            </a:lnRef>
+            <a:fillRef idx="1">
+              <a:schemeClr val="accent1"/>
+            </a:fillRef>
+            <a:effectRef idx="0">
+              <a:schemeClr val="accent1"/>
+            </a:effectRef>
+            <a:fontRef idx="minor">
+              <a:schemeClr val="lt1"/>
+            </a:fontRef>
+          </p:style>
+          <p:txBody>
+            <a:bodyPr rot="0" spcFirstLastPara="0" vertOverflow="overflow" horzOverflow="overflow" vert="horz" wrap="square" lIns="91440" tIns="45720" rIns="91440" bIns="45720" numCol="1" spcCol="0" rtlCol="0" fromWordArt="0" anchor="ctr" anchorCtr="0" forceAA="0" compatLnSpc="1">
+              <a:prstTxWarp prst="textNoShape">
+                <a:avLst/>
+              </a:prstTxWarp>
+              <a:noAutofit/>
+            </a:bodyPr>
+            <a:lstStyle/>
+            <a:p>
+              <a:pPr algn="ctr"/>
+              <a:endParaRPr lang="en-US"/>
+            </a:p>
+          </p:txBody>
+        </p:sp>
+        <p:sp>
+          <p:nvSpPr>
+            <p:cNvPr id="99" name="Textfeld 98">
+              <a:extLst>
+                <a:ext uri="{FF2B5EF4-FFF2-40B4-BE49-F238E27FC236}">
+                  <a16:creationId xmlns:a16="http://schemas.microsoft.com/office/drawing/2014/main" id="{0E9C1777-8F4D-163D-39E9-B01905F4DFEB}"/>
+                </a:ext>
+              </a:extLst>
+            </p:cNvPr>
+            <p:cNvSpPr txBox="1"/>
+            <p:nvPr/>
+          </p:nvSpPr>
+          <p:spPr>
+            <a:xfrm>
+              <a:off x="231430" y="2970763"/>
+              <a:ext cx="1304139" cy="340519"/>
+            </a:xfrm>
+            <a:prstGeom prst="roundRect">
+              <a:avLst/>
+            </a:prstGeom>
+            <a:noFill/>
+          </p:spPr>
+          <p:txBody>
+            <a:bodyPr wrap="square" rtlCol="0">
+              <a:spAutoFit/>
+            </a:bodyPr>
+            <a:lstStyle/>
+            <a:p>
+              <a:pPr algn="ctr"/>
+              <a:r>
+                <a:rPr lang="en-US" sz="1400" noProof="1">
+                  <a:solidFill>
+                    <a:schemeClr val="tx1">
+                      <a:lumMod val="95000"/>
+                      <a:lumOff val="5000"/>
+                    </a:schemeClr>
+                  </a:solidFill>
+                </a:rPr>
+                <a:t>HTTP REST API</a:t>
               </a:r>
             </a:p>
           </p:txBody>
